--- a/defense/presentation.pptx
+++ b/defense/presentation.pptx
@@ -9,9 +9,9 @@
     <p:sldId id="257" r:id="rId3"/>
     <p:sldId id="258" r:id="rId4"/>
     <p:sldId id="259" r:id="rId5"/>
-    <p:sldId id="260" r:id="rId6"/>
-    <p:sldId id="261" r:id="rId7"/>
-    <p:sldId id="262" r:id="rId8"/>
+    <p:sldId id="261" r:id="rId6"/>
+    <p:sldId id="262" r:id="rId7"/>
+    <p:sldId id="266" r:id="rId8"/>
     <p:sldId id="263" r:id="rId9"/>
     <p:sldId id="264" r:id="rId10"/>
     <p:sldId id="265" r:id="rId11"/>
@@ -113,6 +113,11 @@
       </a:defRPr>
     </a:lvl9pPr>
   </p:defaultTextStyle>
+  <p:extLst>
+    <p:ext uri="{EFAFB233-063F-42B5-8137-9DF3F51BA10A}">
+      <p15:sldGuideLst xmlns:p15="http://schemas.microsoft.com/office/powerpoint/2012/main"/>
+    </p:ext>
+  </p:extLst>
 </p:presentation>
 </file>
 
@@ -342,7 +347,7 @@
           <a:p>
             <a:fld id="{289E67FE-9CEA-45BA-984F-CF9C398FC91B}" type="datetimeFigureOut">
               <a:rPr lang="cs-CZ" smtClean="0"/>
-              <a:t>10.11.2019</a:t>
+              <a:t>08.12.2019</a:t>
             </a:fld>
             <a:endParaRPr lang="cs-CZ"/>
           </a:p>
@@ -550,7 +555,7 @@
           <a:p>
             <a:fld id="{289E67FE-9CEA-45BA-984F-CF9C398FC91B}" type="datetimeFigureOut">
               <a:rPr lang="cs-CZ" smtClean="0"/>
-              <a:t>10.11.2019</a:t>
+              <a:t>08.12.2019</a:t>
             </a:fld>
             <a:endParaRPr lang="cs-CZ"/>
           </a:p>
@@ -806,7 +811,7 @@
           <a:p>
             <a:fld id="{289E67FE-9CEA-45BA-984F-CF9C398FC91B}" type="datetimeFigureOut">
               <a:rPr lang="cs-CZ" smtClean="0"/>
-              <a:t>10.11.2019</a:t>
+              <a:t>08.12.2019</a:t>
             </a:fld>
             <a:endParaRPr lang="cs-CZ"/>
           </a:p>
@@ -976,7 +981,7 @@
           <a:p>
             <a:fld id="{289E67FE-9CEA-45BA-984F-CF9C398FC91B}" type="datetimeFigureOut">
               <a:rPr lang="cs-CZ" smtClean="0"/>
-              <a:t>10.11.2019</a:t>
+              <a:t>08.12.2019</a:t>
             </a:fld>
             <a:endParaRPr lang="cs-CZ"/>
           </a:p>
@@ -1311,7 +1316,7 @@
           <a:p>
             <a:fld id="{289E67FE-9CEA-45BA-984F-CF9C398FC91B}" type="datetimeFigureOut">
               <a:rPr lang="cs-CZ" smtClean="0"/>
-              <a:t>10.11.2019</a:t>
+              <a:t>08.12.2019</a:t>
             </a:fld>
             <a:endParaRPr lang="cs-CZ"/>
           </a:p>
@@ -1586,7 +1591,7 @@
           <a:p>
             <a:fld id="{289E67FE-9CEA-45BA-984F-CF9C398FC91B}" type="datetimeFigureOut">
               <a:rPr lang="cs-CZ" smtClean="0"/>
-              <a:t>10.11.2019</a:t>
+              <a:t>08.12.2019</a:t>
             </a:fld>
             <a:endParaRPr lang="cs-CZ"/>
           </a:p>
@@ -1965,7 +1970,7 @@
           <a:p>
             <a:fld id="{289E67FE-9CEA-45BA-984F-CF9C398FC91B}" type="datetimeFigureOut">
               <a:rPr lang="cs-CZ" smtClean="0"/>
-              <a:t>10.11.2019</a:t>
+              <a:t>08.12.2019</a:t>
             </a:fld>
             <a:endParaRPr lang="cs-CZ"/>
           </a:p>
@@ -2083,7 +2088,7 @@
           <a:p>
             <a:fld id="{289E67FE-9CEA-45BA-984F-CF9C398FC91B}" type="datetimeFigureOut">
               <a:rPr lang="cs-CZ" smtClean="0"/>
-              <a:t>10.11.2019</a:t>
+              <a:t>08.12.2019</a:t>
             </a:fld>
             <a:endParaRPr lang="cs-CZ"/>
           </a:p>
@@ -2254,7 +2259,7 @@
           <a:p>
             <a:fld id="{289E67FE-9CEA-45BA-984F-CF9C398FC91B}" type="datetimeFigureOut">
               <a:rPr lang="cs-CZ" smtClean="0"/>
-              <a:t>10.11.2019</a:t>
+              <a:t>08.12.2019</a:t>
             </a:fld>
             <a:endParaRPr lang="cs-CZ"/>
           </a:p>
@@ -2608,7 +2613,7 @@
           <a:p>
             <a:fld id="{289E67FE-9CEA-45BA-984F-CF9C398FC91B}" type="datetimeFigureOut">
               <a:rPr lang="cs-CZ" smtClean="0"/>
-              <a:t>10.11.2019</a:t>
+              <a:t>08.12.2019</a:t>
             </a:fld>
             <a:endParaRPr lang="cs-CZ"/>
           </a:p>
@@ -2985,7 +2990,7 @@
           <a:p>
             <a:fld id="{289E67FE-9CEA-45BA-984F-CF9C398FC91B}" type="datetimeFigureOut">
               <a:rPr lang="cs-CZ" smtClean="0"/>
-              <a:t>10.11.2019</a:t>
+              <a:t>08.12.2019</a:t>
             </a:fld>
             <a:endParaRPr lang="cs-CZ"/>
           </a:p>
@@ -3272,7 +3277,7 @@
           <a:p>
             <a:fld id="{289E67FE-9CEA-45BA-984F-CF9C398FC91B}" type="datetimeFigureOut">
               <a:rPr lang="cs-CZ" smtClean="0"/>
-              <a:t>10.11.2019</a:t>
+              <a:t>08.12.2019</a:t>
             </a:fld>
             <a:endParaRPr lang="cs-CZ"/>
           </a:p>
@@ -3973,34 +3978,6 @@
           <a:bodyPr/>
           <a:lstStyle/>
           <a:p>
-            <a:r>
-              <a:rPr lang="cs-CZ" dirty="0"/>
-              <a:t>//TODO</a:t>
-            </a:r>
-          </a:p>
-          <a:p>
-            <a:r>
-              <a:rPr lang="cs-CZ" dirty="0"/>
-              <a:t>//první verze večer to eště trochu poupravím</a:t>
-            </a:r>
-          </a:p>
-          <a:p>
-            <a:r>
-              <a:rPr lang="cs-CZ" dirty="0"/>
-              <a:t>//jestli neotevřeš .</a:t>
-            </a:r>
-            <a:r>
-              <a:rPr lang="cs-CZ" dirty="0" err="1"/>
-              <a:t>pptx</a:t>
-            </a:r>
-            <a:r>
-              <a:rPr lang="cs-CZ" dirty="0"/>
-              <a:t> tak mi napiš v jakým formátu to </a:t>
-            </a:r>
-            <a:r>
-              <a:rPr lang="cs-CZ"/>
-              <a:t>potřebuješ vyexportovat</a:t>
-            </a:r>
             <a:endParaRPr lang="cs-CZ" dirty="0"/>
           </a:p>
         </p:txBody>
@@ -4082,7 +4059,7 @@
         <p:spPr/>
         <p:txBody>
           <a:bodyPr>
-            <a:normAutofit/>
+            <a:normAutofit fontScale="92500"/>
           </a:bodyPr>
           <a:lstStyle/>
           <a:p>
@@ -4123,20 +4100,44 @@
               <a:t> v grafu </a:t>
             </a:r>
             <a:r>
-              <a:rPr lang="cs-CZ" sz="2400" i="1" dirty="0"/>
+              <a:rPr lang="cs-CZ" sz="2400" b="1" dirty="0"/>
               <a:t>G</a:t>
             </a:r>
             <a:r>
               <a:rPr lang="cs-CZ" sz="2400" dirty="0"/>
-              <a:t> je cesta, která obsahuje každý uzel grafu </a:t>
-            </a:r>
-            <a:r>
-              <a:rPr lang="cs-CZ" sz="2400" i="1" dirty="0"/>
-              <a:t>G </a:t>
+              <a:t> je cesta, která obsahuje každý vrchol </a:t>
+            </a:r>
+            <a:r>
+              <a:rPr lang="cs-CZ" sz="2400" b="1" dirty="0"/>
+              <a:t>V</a:t>
             </a:r>
             <a:r>
               <a:rPr lang="cs-CZ" sz="2400" dirty="0"/>
-              <a:t>právě jednou</a:t>
+              <a:t> </a:t>
+            </a:r>
+            <a:r>
+              <a:rPr lang="cs-CZ" sz="2400" dirty="0" err="1"/>
+              <a:t>v</a:t>
+            </a:r>
+            <a:r>
+              <a:rPr lang="cs-CZ" sz="2400" dirty="0"/>
+              <a:t> grafu </a:t>
+            </a:r>
+            <a:r>
+              <a:rPr lang="cs-CZ" sz="2400" b="1" dirty="0"/>
+              <a:t>G</a:t>
+            </a:r>
+            <a:r>
+              <a:rPr lang="cs-CZ" sz="2400" dirty="0"/>
+              <a:t> právě jednou a žádná z využitých cest </a:t>
+            </a:r>
+            <a:r>
+              <a:rPr lang="cs-CZ" sz="2400" b="1" dirty="0"/>
+              <a:t>P</a:t>
+            </a:r>
+            <a:r>
+              <a:rPr lang="cs-CZ" sz="2400" dirty="0"/>
+              <a:t> se neopakuje</a:t>
             </a:r>
           </a:p>
           <a:p>
@@ -4146,21 +4147,67 @@
             </a:pPr>
             <a:r>
               <a:rPr lang="cs-CZ" sz="2400" dirty="0"/>
-              <a:t> Pro převod úloh stačí dát všem hranám délku 1, pokud v grafu existuje cesta délky </a:t>
-            </a:r>
-            <a:r>
-              <a:rPr lang="cs-CZ" sz="2400" b="1" i="1" dirty="0"/>
-              <a:t>U – 1</a:t>
+              <a:t>pokud v grafu </a:t>
+            </a:r>
+            <a:r>
+              <a:rPr lang="cs-CZ" sz="2400" b="1" dirty="0"/>
+              <a:t>G</a:t>
             </a:r>
             <a:r>
               <a:rPr lang="cs-CZ" sz="2400" dirty="0"/>
-              <a:t>, tak je z definice cesty zřejmé, že je </a:t>
+              <a:t> existuje cesta délky </a:t>
+            </a:r>
+            <a:r>
+              <a:rPr lang="cs-CZ" sz="2400" b="1" dirty="0"/>
+              <a:t>V – 1 </a:t>
+            </a:r>
+            <a:r>
+              <a:rPr lang="cs-CZ" sz="2400" dirty="0"/>
+              <a:t>splňující první bod, je </a:t>
+            </a:r>
+            <a:r>
+              <a:rPr lang="cs-CZ" sz="2400" b="1" dirty="0"/>
+              <a:t>cesta</a:t>
+            </a:r>
+            <a:r>
+              <a:rPr lang="cs-CZ" sz="2400" dirty="0"/>
+              <a:t> </a:t>
             </a:r>
             <a:r>
               <a:rPr lang="cs-CZ" sz="2400" dirty="0" err="1"/>
-              <a:t>hamiltonovská</a:t>
+              <a:t>Hamiltonovská</a:t>
             </a:r>
             <a:endParaRPr lang="cs-CZ" sz="2400" dirty="0"/>
+          </a:p>
+          <a:p>
+            <a:pPr>
+              <a:buFont typeface="Arial" panose="020B0604020202020204" pitchFamily="34" charset="0"/>
+              <a:buChar char="•"/>
+            </a:pPr>
+            <a:r>
+              <a:rPr lang="cs-CZ" sz="2400" dirty="0"/>
+              <a:t>pokud začíná a končí ve stejném vrcholu a je délky </a:t>
+            </a:r>
+            <a:r>
+              <a:rPr lang="cs-CZ" sz="2400" b="1" dirty="0"/>
+              <a:t>V</a:t>
+            </a:r>
+            <a:r>
+              <a:rPr lang="cs-CZ" sz="2400" dirty="0"/>
+              <a:t>, jedná se o </a:t>
+            </a:r>
+            <a:r>
+              <a:rPr lang="cs-CZ" sz="2400" b="1" dirty="0"/>
+              <a:t>cyklus</a:t>
+            </a:r>
+            <a:r>
+              <a:rPr lang="cs-CZ" sz="2400" dirty="0"/>
+              <a:t>, kterého délka je </a:t>
+            </a:r>
+            <a:r>
+              <a:rPr lang="cs-CZ" sz="2400" b="1" dirty="0"/>
+              <a:t>V</a:t>
+            </a:r>
           </a:p>
           <a:p>
             <a:pPr>
@@ -4283,19 +4330,17 @@
             <a:endParaRPr lang="cs-CZ" sz="2400" u="sng" dirty="0"/>
           </a:p>
           <a:p>
-            <a:pPr marL="0" indent="0">
-              <a:buNone/>
-            </a:pPr>
-            <a:endParaRPr lang="cs-CZ" sz="2400" u="sng" dirty="0"/>
-          </a:p>
-          <a:p>
             <a:pPr marL="457200" indent="-457200">
               <a:buFont typeface="+mj-lt"/>
               <a:buAutoNum type="arabicPeriod"/>
             </a:pPr>
             <a:r>
               <a:rPr lang="cs-CZ" sz="2400" dirty="0"/>
-              <a:t>Počet uzlů v grafu musí být větší než 2</a:t>
+              <a:t>Počet vrcholů </a:t>
+            </a:r>
+            <a:r>
+              <a:rPr lang="cs-CZ" sz="2400" b="1" dirty="0"/>
+              <a:t>&gt; 2</a:t>
             </a:r>
           </a:p>
           <a:p>
@@ -4305,15 +4350,11 @@
             </a:pPr>
             <a:r>
               <a:rPr lang="cs-CZ" sz="2400" dirty="0"/>
-              <a:t>Graf musí mít minimálně stupeň 1 pro každý uzel pro nalezení </a:t>
-            </a:r>
-            <a:r>
-              <a:rPr lang="cs-CZ" sz="2400" dirty="0" err="1"/>
-              <a:t>Hamiltonovi</a:t>
-            </a:r>
-            <a:r>
-              <a:rPr lang="cs-CZ" sz="2400" dirty="0"/>
-              <a:t> cesty</a:t>
+              <a:t>Stupeň každého z vrcholů pro cestu </a:t>
+            </a:r>
+            <a:r>
+              <a:rPr lang="cs-CZ" sz="2400" b="1" dirty="0"/>
+              <a:t>&gt;= 1</a:t>
             </a:r>
           </a:p>
           <a:p>
@@ -4323,15 +4364,40 @@
             </a:pPr>
             <a:r>
               <a:rPr lang="cs-CZ" sz="2400" dirty="0"/>
-              <a:t>Graf musí mít pro každý uzel minimálně stupeň 2 pro nalezení </a:t>
-            </a:r>
-            <a:r>
-              <a:rPr lang="cs-CZ" sz="2400" dirty="0" err="1"/>
-              <a:t>Hamiltonova</a:t>
+              <a:t>Stupeň každého z vrcholů pro cyklus </a:t>
+            </a:r>
+            <a:r>
+              <a:rPr lang="cs-CZ" sz="2400" b="1" dirty="0"/>
+              <a:t>&gt;= 2</a:t>
+            </a:r>
+          </a:p>
+          <a:p>
+            <a:pPr marL="457200" indent="-457200">
+              <a:buFont typeface="+mj-lt"/>
+              <a:buAutoNum type="arabicPeriod"/>
+            </a:pPr>
+            <a:endParaRPr lang="cs-CZ" sz="2400" b="1" dirty="0"/>
+          </a:p>
+          <a:p>
+            <a:pPr marL="0" indent="0">
+              <a:buNone/>
+            </a:pPr>
+            <a:r>
+              <a:rPr lang="cs-CZ" sz="2400" b="1" dirty="0"/>
+              <a:t>Stupeň vrcholu: </a:t>
             </a:r>
             <a:r>
               <a:rPr lang="cs-CZ" sz="2400" dirty="0"/>
-              <a:t> cyklu</a:t>
+              <a:t>počet hran, které jsou s daným vrcholem spojené</a:t>
+            </a:r>
+          </a:p>
+          <a:p>
+            <a:pPr marL="0" indent="0">
+              <a:buNone/>
+            </a:pPr>
+            <a:r>
+              <a:rPr lang="cs-CZ" sz="2400" b="1" dirty="0"/>
+              <a:t>Při nesplnění podmínek se program nespouští!</a:t>
             </a:r>
           </a:p>
         </p:txBody>
@@ -4410,7 +4476,12 @@
             <p:ph idx="1"/>
           </p:nvPr>
         </p:nvSpPr>
-        <p:spPr/>
+        <p:spPr>
+          <a:xfrm>
+            <a:off x="1097280" y="1845734"/>
+            <a:ext cx="10058400" cy="4023360"/>
+          </a:xfrm>
+        </p:spPr>
         <p:txBody>
           <a:bodyPr>
             <a:normAutofit/>
@@ -4426,23 +4497,17 @@
             </a:r>
           </a:p>
           <a:p>
-            <a:pPr marL="0" indent="0">
-              <a:buNone/>
-            </a:pPr>
-            <a:endParaRPr lang="cs-CZ" sz="2400" u="sng" dirty="0"/>
-          </a:p>
-          <a:p>
             <a:pPr marL="457200" indent="-457200" algn="just">
               <a:buFont typeface="+mj-lt"/>
               <a:buAutoNum type="arabicPeriod"/>
             </a:pPr>
             <a:r>
-              <a:rPr lang="cs-CZ" sz="2400" dirty="0" err="1"/>
+              <a:rPr lang="cs-CZ" sz="2400" b="1" dirty="0" err="1"/>
               <a:t>Diracova</a:t>
             </a:r>
             <a:r>
               <a:rPr lang="cs-CZ" sz="2400" dirty="0"/>
-              <a:t> podmínka - každý uzel má stupeň alespoň ½ celkového počtu uzlů</a:t>
+              <a:t> - každý uzel má stupeň alespoň ½ celkového počtu uzlů</a:t>
             </a:r>
           </a:p>
           <a:p>
@@ -4451,12 +4516,12 @@
               <a:buAutoNum type="arabicPeriod"/>
             </a:pPr>
             <a:r>
-              <a:rPr lang="cs-CZ" sz="2400" dirty="0" err="1"/>
+              <a:rPr lang="cs-CZ" sz="2400" b="1" dirty="0" err="1"/>
               <a:t>Oreho</a:t>
             </a:r>
             <a:r>
               <a:rPr lang="cs-CZ" sz="2400" dirty="0"/>
-              <a:t> podmínka - každá dvojice uzlů nespojených hranou má součet stupňů alespoň jako je celkový počet vrcholů</a:t>
+              <a:t> - každá dvojice uzlů nespojených hranou má součet stupňů alespoň jako je celkový počet vrcholů</a:t>
             </a:r>
           </a:p>
           <a:p>
@@ -4465,21 +4530,62 @@
               <a:buAutoNum type="arabicPeriod"/>
             </a:pPr>
             <a:r>
+              <a:rPr lang="cs-CZ" sz="2400" b="1" dirty="0" err="1"/>
+              <a:t>Pósova</a:t>
+            </a:r>
+            <a:r>
+              <a:rPr lang="cs-CZ" sz="2400" dirty="0"/>
+              <a:t> - pro každé přirozené číslo </a:t>
+            </a:r>
+            <a:r>
+              <a:rPr lang="cs-CZ" sz="2400" b="1" dirty="0"/>
+              <a:t>k &lt; ½</a:t>
+            </a:r>
+            <a:r>
+              <a:rPr lang="cs-CZ" sz="2400" dirty="0"/>
+              <a:t> celkového počtu vrcholů existuje počet uzlů, jejichž stupeň nepřevyšuje </a:t>
+            </a:r>
+            <a:r>
+              <a:rPr lang="cs-CZ" sz="2400" b="1" dirty="0"/>
+              <a:t>k</a:t>
+            </a:r>
+            <a:r>
+              <a:rPr lang="cs-CZ" sz="2400" dirty="0"/>
+              <a:t>, menší než </a:t>
+            </a:r>
+            <a:r>
+              <a:rPr lang="cs-CZ" sz="2400" b="1" dirty="0"/>
+              <a:t>k</a:t>
+            </a:r>
+          </a:p>
+          <a:p>
+            <a:pPr marL="457200" indent="-457200" algn="just">
+              <a:buFont typeface="+mj-lt"/>
+              <a:buAutoNum type="arabicPeriod"/>
+            </a:pPr>
+            <a:endParaRPr lang="cs-CZ" sz="2400" b="1" dirty="0"/>
+          </a:p>
+          <a:p>
+            <a:pPr marL="0" indent="0" algn="just">
+              <a:buNone/>
+            </a:pPr>
+            <a:r>
+              <a:rPr lang="cs-CZ" sz="2400" b="1" dirty="0"/>
+              <a:t>Pouze jako informace navíc! </a:t>
+            </a:r>
+            <a:r>
+              <a:rPr lang="cs-CZ" sz="2400" dirty="0"/>
+              <a:t>(při zapnutém </a:t>
+            </a:r>
+            <a:r>
               <a:rPr lang="cs-CZ" sz="2400" dirty="0" err="1"/>
-              <a:t>Pósova</a:t>
+              <a:t>debug</a:t>
             </a:r>
             <a:r>
               <a:rPr lang="cs-CZ" sz="2400" dirty="0"/>
-              <a:t> podmínka - pro každé přirozené číslo k &lt; ½ </a:t>
-            </a:r>
-            <a:r>
-              <a:rPr lang="cs-CZ" sz="2400" dirty="0" err="1"/>
-              <a:t>celkého</a:t>
-            </a:r>
-            <a:r>
-              <a:rPr lang="cs-CZ" sz="2400" dirty="0"/>
-              <a:t> počtu vrcholů existuje počet uzlů, jejichž stupeň nepřevyšuje k, menší než k</a:t>
-            </a:r>
+              <a:t> módu)</a:t>
+            </a:r>
+            <a:endParaRPr lang="cs-CZ" sz="2400" b="1" dirty="0"/>
           </a:p>
           <a:p>
             <a:endParaRPr lang="cs-CZ" sz="2400" dirty="0"/>
@@ -4500,176 +4606,6 @@
 </file>
 
 <file path=ppt/slides/slide5.xml><?xml version="1.0" encoding="utf-8"?>
-<p:sld xmlns:a="http://schemas.openxmlformats.org/drawingml/2006/main" xmlns:r="http://schemas.openxmlformats.org/officeDocument/2006/relationships" xmlns:p="http://schemas.openxmlformats.org/presentationml/2006/main">
-  <p:cSld>
-    <p:spTree>
-      <p:nvGrpSpPr>
-        <p:cNvPr id="1" name=""/>
-        <p:cNvGrpSpPr/>
-        <p:nvPr/>
-      </p:nvGrpSpPr>
-      <p:grpSpPr>
-        <a:xfrm>
-          <a:off x="0" y="0"/>
-          <a:ext cx="0" cy="0"/>
-          <a:chOff x="0" y="0"/>
-          <a:chExt cx="0" cy="0"/>
-        </a:xfrm>
-      </p:grpSpPr>
-      <p:sp>
-        <p:nvSpPr>
-          <p:cNvPr id="2" name="Nadpis 1">
-            <a:extLst>
-              <a:ext uri="{FF2B5EF4-FFF2-40B4-BE49-F238E27FC236}">
-                <a16:creationId xmlns:a16="http://schemas.microsoft.com/office/drawing/2014/main" id="{DED89D37-9432-4E9C-A201-71B459188A0C}"/>
-              </a:ext>
-            </a:extLst>
-          </p:cNvPr>
-          <p:cNvSpPr>
-            <a:spLocks noGrp="1"/>
-          </p:cNvSpPr>
-          <p:nvPr>
-            <p:ph type="title"/>
-          </p:nvPr>
-        </p:nvSpPr>
-        <p:spPr/>
-        <p:txBody>
-          <a:bodyPr/>
-          <a:lstStyle/>
-          <a:p>
-            <a:r>
-              <a:rPr lang="cs-CZ" dirty="0"/>
-              <a:t>Vstupní data</a:t>
-            </a:r>
-          </a:p>
-        </p:txBody>
-      </p:sp>
-      <p:sp>
-        <p:nvSpPr>
-          <p:cNvPr id="3" name="Zástupný obsah 2">
-            <a:extLst>
-              <a:ext uri="{FF2B5EF4-FFF2-40B4-BE49-F238E27FC236}">
-                <a16:creationId xmlns:a16="http://schemas.microsoft.com/office/drawing/2014/main" id="{A4A489E1-3057-4B0B-9D18-9B7FA06C1605}"/>
-              </a:ext>
-            </a:extLst>
-          </p:cNvPr>
-          <p:cNvSpPr>
-            <a:spLocks noGrp="1"/>
-          </p:cNvSpPr>
-          <p:nvPr>
-            <p:ph idx="1"/>
-          </p:nvPr>
-        </p:nvSpPr>
-        <p:spPr>
-          <a:xfrm>
-            <a:off x="1081238" y="1845734"/>
-            <a:ext cx="10058400" cy="4023360"/>
-          </a:xfrm>
-        </p:spPr>
-        <p:txBody>
-          <a:bodyPr/>
-          <a:lstStyle/>
-          <a:p>
-            <a:pPr>
-              <a:buFont typeface="Arial" panose="020B0604020202020204" pitchFamily="34" charset="0"/>
-              <a:buChar char="•"/>
-            </a:pPr>
-            <a:endParaRPr lang="cs-CZ" dirty="0"/>
-          </a:p>
-          <a:p>
-            <a:pPr>
-              <a:buFont typeface="Arial" panose="020B0604020202020204" pitchFamily="34" charset="0"/>
-              <a:buChar char="•"/>
-            </a:pPr>
-            <a:endParaRPr lang="cs-CZ" dirty="0"/>
-          </a:p>
-          <a:p>
-            <a:pPr>
-              <a:buFont typeface="Arial" panose="020B0604020202020204" pitchFamily="34" charset="0"/>
-              <a:buChar char="•"/>
-            </a:pPr>
-            <a:endParaRPr lang="cs-CZ" dirty="0"/>
-          </a:p>
-          <a:p>
-            <a:pPr>
-              <a:buFont typeface="Arial" panose="020B0604020202020204" pitchFamily="34" charset="0"/>
-              <a:buChar char="•"/>
-            </a:pPr>
-            <a:r>
-              <a:rPr lang="cs-CZ" b="1" dirty="0"/>
-              <a:t> </a:t>
-            </a:r>
-            <a:r>
-              <a:rPr lang="cs-CZ" b="1" dirty="0" err="1"/>
-              <a:t>Graphviz</a:t>
-            </a:r>
-            <a:r>
-              <a:rPr lang="cs-CZ" dirty="0"/>
-              <a:t> a jazyk </a:t>
-            </a:r>
-            <a:r>
-              <a:rPr lang="cs-CZ" b="1" dirty="0"/>
-              <a:t>DOT</a:t>
-            </a:r>
-          </a:p>
-          <a:p>
-            <a:pPr>
-              <a:buFont typeface="Arial" panose="020B0604020202020204" pitchFamily="34" charset="0"/>
-              <a:buChar char="•"/>
-            </a:pPr>
-            <a:r>
-              <a:rPr lang="cs-CZ" dirty="0"/>
-              <a:t> 3 formáty souborů - </a:t>
-            </a:r>
-            <a:r>
-              <a:rPr lang="cs-CZ" b="1" dirty="0"/>
-              <a:t>*.in</a:t>
-            </a:r>
-            <a:r>
-              <a:rPr lang="cs-CZ" dirty="0"/>
-              <a:t>, </a:t>
-            </a:r>
-            <a:r>
-              <a:rPr lang="cs-CZ" b="1" dirty="0"/>
-              <a:t>*.</a:t>
-            </a:r>
-            <a:r>
-              <a:rPr lang="cs-CZ" b="1" dirty="0" err="1"/>
-              <a:t>dot</a:t>
-            </a:r>
-            <a:r>
-              <a:rPr lang="cs-CZ" dirty="0"/>
-              <a:t>, </a:t>
-            </a:r>
-            <a:r>
-              <a:rPr lang="cs-CZ" b="1" dirty="0"/>
-              <a:t>*.</a:t>
-            </a:r>
-            <a:r>
-              <a:rPr lang="cs-CZ" b="1" dirty="0" err="1"/>
-              <a:t>png</a:t>
-            </a:r>
-            <a:endParaRPr lang="cs-CZ" b="1" dirty="0"/>
-          </a:p>
-          <a:p>
-            <a:endParaRPr lang="cs-CZ" dirty="0"/>
-          </a:p>
-        </p:txBody>
-      </p:sp>
-    </p:spTree>
-    <p:extLst>
-      <p:ext uri="{BB962C8B-B14F-4D97-AF65-F5344CB8AC3E}">
-        <p14:creationId xmlns:p14="http://schemas.microsoft.com/office/powerpoint/2010/main" val="2339351159"/>
-      </p:ext>
-    </p:extLst>
-  </p:cSld>
-  <p:clrMapOvr>
-    <a:masterClrMapping/>
-  </p:clrMapOvr>
-</p:sld>
-</file>
-
-<file path=ppt/slides/slide6.xml><?xml version="1.0" encoding="utf-8"?>
 <p:sld xmlns:a="http://schemas.openxmlformats.org/drawingml/2006/main" xmlns:r="http://schemas.openxmlformats.org/officeDocument/2006/relationships" xmlns:p="http://schemas.openxmlformats.org/presentationml/2006/main">
   <p:cSld>
     <p:spTree>
@@ -4843,7 +4779,7 @@
         </p:blipFill>
         <p:spPr>
           <a:xfrm>
-            <a:off x="1625999" y="1485900"/>
+            <a:off x="1022627" y="1485899"/>
             <a:ext cx="1466850" cy="4057650"/>
           </a:xfrm>
           <a:prstGeom prst="rect">
@@ -4873,7 +4809,7 @@
         </p:blipFill>
         <p:spPr>
           <a:xfrm>
-            <a:off x="4567237" y="1009650"/>
+            <a:off x="4567237" y="1009649"/>
             <a:ext cx="2752725" cy="4533900"/>
           </a:xfrm>
           <a:prstGeom prst="rect">
@@ -4895,7 +4831,7 @@
         </p:nvSpPr>
         <p:spPr>
           <a:xfrm>
-            <a:off x="1909621" y="5619565"/>
+            <a:off x="1306249" y="5619564"/>
             <a:ext cx="899605" cy="646331"/>
           </a:xfrm>
           <a:prstGeom prst="rect">
@@ -4996,6 +4932,84 @@
           </a:p>
         </p:txBody>
       </p:sp>
+      <p:sp>
+        <p:nvSpPr>
+          <p:cNvPr id="2" name="TextovéPole 1">
+            <a:extLst>
+              <a:ext uri="{FF2B5EF4-FFF2-40B4-BE49-F238E27FC236}">
+                <a16:creationId xmlns:a16="http://schemas.microsoft.com/office/drawing/2014/main" id="{75C1BA51-218B-4F19-9093-9449F95AA873}"/>
+              </a:ext>
+            </a:extLst>
+          </p:cNvPr>
+          <p:cNvSpPr txBox="1"/>
+          <p:nvPr/>
+        </p:nvSpPr>
+        <p:spPr>
+          <a:xfrm>
+            <a:off x="2565273" y="2963346"/>
+            <a:ext cx="1926168" cy="369332"/>
+          </a:xfrm>
+          <a:prstGeom prst="rect">
+            <a:avLst/>
+          </a:prstGeom>
+          <a:noFill/>
+        </p:spPr>
+        <p:txBody>
+          <a:bodyPr wrap="none" rtlCol="0">
+            <a:spAutoFit/>
+          </a:bodyPr>
+          <a:lstStyle/>
+          <a:p>
+            <a:r>
+              <a:rPr lang="cs-CZ" b="1" dirty="0"/>
+              <a:t>-&gt; python script -&gt;</a:t>
+            </a:r>
+          </a:p>
+        </p:txBody>
+      </p:sp>
+      <p:sp>
+        <p:nvSpPr>
+          <p:cNvPr id="3" name="TextovéPole 2">
+            <a:extLst>
+              <a:ext uri="{FF2B5EF4-FFF2-40B4-BE49-F238E27FC236}">
+                <a16:creationId xmlns:a16="http://schemas.microsoft.com/office/drawing/2014/main" id="{4262C978-9C49-4A2A-9FC5-F2D4483E34F0}"/>
+              </a:ext>
+            </a:extLst>
+          </p:cNvPr>
+          <p:cNvSpPr txBox="1"/>
+          <p:nvPr/>
+        </p:nvSpPr>
+        <p:spPr>
+          <a:xfrm>
+            <a:off x="7315895" y="2968663"/>
+            <a:ext cx="1500411" cy="369332"/>
+          </a:xfrm>
+          <a:prstGeom prst="rect">
+            <a:avLst/>
+          </a:prstGeom>
+          <a:noFill/>
+        </p:spPr>
+        <p:txBody>
+          <a:bodyPr wrap="none" rtlCol="0">
+            <a:spAutoFit/>
+          </a:bodyPr>
+          <a:lstStyle/>
+          <a:p>
+            <a:r>
+              <a:rPr lang="cs-CZ" b="1" dirty="0"/>
+              <a:t>-&gt; </a:t>
+            </a:r>
+            <a:r>
+              <a:rPr lang="cs-CZ" b="1" dirty="0" err="1"/>
+              <a:t>Graphviz</a:t>
+            </a:r>
+            <a:r>
+              <a:rPr lang="cs-CZ" b="1" dirty="0"/>
+              <a:t> -&gt;</a:t>
+            </a:r>
+          </a:p>
+        </p:txBody>
+      </p:sp>
     </p:spTree>
     <p:extLst>
       <p:ext uri="{BB962C8B-B14F-4D97-AF65-F5344CB8AC3E}">
@@ -5009,7 +5023,7 @@
 </p:sld>
 </file>
 
-<file path=ppt/slides/slide7.xml><?xml version="1.0" encoding="utf-8"?>
+<file path=ppt/slides/slide6.xml><?xml version="1.0" encoding="utf-8"?>
 <p:sld xmlns:a="http://schemas.openxmlformats.org/drawingml/2006/main" xmlns:r="http://schemas.openxmlformats.org/officeDocument/2006/relationships" xmlns:p="http://schemas.openxmlformats.org/presentationml/2006/main">
   <p:cSld>
     <p:spTree>
@@ -5105,7 +5119,7 @@
             </a:pPr>
             <a:r>
               <a:rPr lang="cs-CZ" sz="2400" dirty="0"/>
-              <a:t> průchod všech hran a rekurzivní volání</a:t>
+              <a:t> postupný průchod všemi zbylými hranami (rekurzivně)</a:t>
             </a:r>
           </a:p>
           <a:p>
@@ -5115,26 +5129,21 @@
             </a:pPr>
             <a:r>
               <a:rPr lang="cs-CZ" sz="2400" dirty="0"/>
-              <a:t> skončí neúspěšně pokud, byl vrchol v této konkrétní variantě cesty již prohledáván, a nebo při nalezení posledního vrcholu</a:t>
-            </a:r>
-          </a:p>
-          <a:p>
-            <a:pPr>
-              <a:buFont typeface="Arial" panose="020B0604020202020204" pitchFamily="34" charset="0"/>
-              <a:buChar char="•"/>
-            </a:pPr>
+              <a:t> </a:t>
+            </a:r>
+            <a:r>
+              <a:rPr lang="cs-CZ" sz="2400" b="1" dirty="0"/>
+              <a:t>bez uvedení</a:t>
+            </a:r>
             <a:r>
               <a:rPr lang="cs-CZ" sz="2400" dirty="0"/>
-              <a:t> bez uvedení počátečního a cílového vrcholu se vybere vrchol na prvním řádku ve zdrojovém grafu =&gt; hledá se tedy </a:t>
-            </a:r>
-            <a:r>
-              <a:rPr lang="cs-CZ" sz="2400" i="1" dirty="0" err="1"/>
-              <a:t>Hamiltonův</a:t>
-            </a:r>
-            <a:r>
-              <a:rPr lang="cs-CZ" sz="2400" i="1" dirty="0"/>
-              <a:t> cyklus</a:t>
-            </a:r>
+              <a:t> počátečního nebo cílového vrcholu =&gt; </a:t>
+            </a:r>
+            <a:r>
+              <a:rPr lang="cs-CZ" sz="2400" b="1" dirty="0"/>
+              <a:t>první vrchol</a:t>
+            </a:r>
+            <a:endParaRPr lang="cs-CZ" sz="2400" b="1" i="1" dirty="0"/>
           </a:p>
         </p:txBody>
       </p:sp>
@@ -5142,6 +5151,149 @@
     <p:extLst>
       <p:ext uri="{BB962C8B-B14F-4D97-AF65-F5344CB8AC3E}">
         <p14:creationId xmlns:p14="http://schemas.microsoft.com/office/powerpoint/2010/main" val="584233850"/>
+      </p:ext>
+    </p:extLst>
+  </p:cSld>
+  <p:clrMapOvr>
+    <a:masterClrMapping/>
+  </p:clrMapOvr>
+</p:sld>
+</file>
+
+<file path=ppt/slides/slide7.xml><?xml version="1.0" encoding="utf-8"?>
+<p:sld xmlns:a="http://schemas.openxmlformats.org/drawingml/2006/main" xmlns:r="http://schemas.openxmlformats.org/officeDocument/2006/relationships" xmlns:p="http://schemas.openxmlformats.org/presentationml/2006/main">
+  <p:cSld>
+    <p:spTree>
+      <p:nvGrpSpPr>
+        <p:cNvPr id="1" name=""/>
+        <p:cNvGrpSpPr/>
+        <p:nvPr/>
+      </p:nvGrpSpPr>
+      <p:grpSpPr>
+        <a:xfrm>
+          <a:off x="0" y="0"/>
+          <a:ext cx="0" cy="0"/>
+          <a:chOff x="0" y="0"/>
+          <a:chExt cx="0" cy="0"/>
+        </a:xfrm>
+      </p:grpSpPr>
+      <p:sp>
+        <p:nvSpPr>
+          <p:cNvPr id="2" name="Nadpis 1">
+            <a:extLst>
+              <a:ext uri="{FF2B5EF4-FFF2-40B4-BE49-F238E27FC236}">
+                <a16:creationId xmlns:a16="http://schemas.microsoft.com/office/drawing/2014/main" id="{F0057944-10CF-4E65-881D-3DE7A48D08B3}"/>
+              </a:ext>
+            </a:extLst>
+          </p:cNvPr>
+          <p:cNvSpPr>
+            <a:spLocks noGrp="1"/>
+          </p:cNvSpPr>
+          <p:nvPr>
+            <p:ph type="title"/>
+          </p:nvPr>
+        </p:nvSpPr>
+        <p:spPr/>
+        <p:txBody>
+          <a:bodyPr/>
+          <a:lstStyle/>
+          <a:p>
+            <a:r>
+              <a:rPr lang="cs-CZ" dirty="0"/>
+              <a:t>Vývoj algoritmu</a:t>
+            </a:r>
+          </a:p>
+        </p:txBody>
+      </p:sp>
+      <p:sp>
+        <p:nvSpPr>
+          <p:cNvPr id="3" name="Zástupný obsah 2">
+            <a:extLst>
+              <a:ext uri="{FF2B5EF4-FFF2-40B4-BE49-F238E27FC236}">
+                <a16:creationId xmlns:a16="http://schemas.microsoft.com/office/drawing/2014/main" id="{E81D0E4D-E05C-4072-904E-2F251B49A43A}"/>
+              </a:ext>
+            </a:extLst>
+          </p:cNvPr>
+          <p:cNvSpPr>
+            <a:spLocks noGrp="1"/>
+          </p:cNvSpPr>
+          <p:nvPr>
+            <p:ph idx="1"/>
+          </p:nvPr>
+        </p:nvSpPr>
+        <p:spPr/>
+        <p:txBody>
+          <a:bodyPr/>
+          <a:lstStyle/>
+          <a:p>
+            <a:endParaRPr lang="cs-CZ" dirty="0"/>
+          </a:p>
+          <a:p>
+            <a:pPr marL="201168" lvl="1" indent="0">
+              <a:buNone/>
+            </a:pPr>
+            <a:endParaRPr lang="cs-CZ" dirty="0"/>
+          </a:p>
+          <a:p>
+            <a:pPr marL="201168" lvl="1" indent="0">
+              <a:buNone/>
+            </a:pPr>
+            <a:endParaRPr lang="cs-CZ" b="1" dirty="0"/>
+          </a:p>
+          <a:p>
+            <a:pPr marL="201168" lvl="1" indent="0">
+              <a:buNone/>
+            </a:pPr>
+            <a:r>
+              <a:rPr lang="cs-CZ" sz="2400" b="1" dirty="0"/>
+              <a:t>Urychlení výpočtu programu:</a:t>
+            </a:r>
+          </a:p>
+          <a:p>
+            <a:pPr lvl="1"/>
+            <a:r>
+              <a:rPr lang="cs-CZ" sz="2000" dirty="0"/>
+              <a:t>Využití dostupných vláken – </a:t>
+            </a:r>
+            <a:r>
+              <a:rPr lang="cs-CZ" sz="2000" b="1" dirty="0"/>
+              <a:t>zavrhnuto</a:t>
+            </a:r>
+            <a:r>
+              <a:rPr lang="cs-CZ" sz="2000" dirty="0"/>
+              <a:t> (malý počet výpočetních kroků, příliš velká režie)</a:t>
+            </a:r>
+          </a:p>
+          <a:p>
+            <a:pPr lvl="1"/>
+            <a:endParaRPr lang="cs-CZ" dirty="0"/>
+          </a:p>
+          <a:p>
+            <a:pPr lvl="1"/>
+            <a:endParaRPr lang="cs-CZ" dirty="0"/>
+          </a:p>
+          <a:p>
+            <a:pPr marL="201168" lvl="1" indent="0">
+              <a:buNone/>
+            </a:pPr>
+            <a:r>
+              <a:rPr lang="cs-CZ" sz="2400" b="1" dirty="0"/>
+              <a:t>Snížení paměťové náročnosti:</a:t>
+            </a:r>
+          </a:p>
+          <a:p>
+            <a:pPr lvl="1"/>
+            <a:r>
+              <a:rPr lang="cs-CZ" sz="2000" dirty="0"/>
+              <a:t>Úprava datových typů (využíváním pouze potřebných bitů)	</a:t>
+            </a:r>
+          </a:p>
+        </p:txBody>
+      </p:sp>
+    </p:spTree>
+    <p:extLst>
+      <p:ext uri="{BB962C8B-B14F-4D97-AF65-F5344CB8AC3E}">
+        <p14:creationId xmlns:p14="http://schemas.microsoft.com/office/powerpoint/2010/main" val="4086527123"/>
       </p:ext>
     </p:extLst>
   </p:cSld>
@@ -11171,13 +11323,50 @@
           </a:xfrm>
         </p:spPr>
         <p:txBody>
-          <a:bodyPr/>
+          <a:bodyPr>
+            <a:normAutofit/>
+          </a:bodyPr>
           <a:lstStyle/>
           <a:p>
             <a:pPr algn="ctr"/>
             <a:r>
-              <a:rPr lang="cs-CZ" dirty="0"/>
+              <a:rPr lang="cs-CZ" sz="3600" dirty="0"/>
               <a:t>Prostor pro dotazy</a:t>
+            </a:r>
+          </a:p>
+        </p:txBody>
+      </p:sp>
+      <p:sp>
+        <p:nvSpPr>
+          <p:cNvPr id="3" name="TextovéPole 2">
+            <a:extLst>
+              <a:ext uri="{FF2B5EF4-FFF2-40B4-BE49-F238E27FC236}">
+                <a16:creationId xmlns:a16="http://schemas.microsoft.com/office/drawing/2014/main" id="{E739ED1A-A0EF-4062-84AE-C0E918F94C08}"/>
+              </a:ext>
+            </a:extLst>
+          </p:cNvPr>
+          <p:cNvSpPr txBox="1"/>
+          <p:nvPr/>
+        </p:nvSpPr>
+        <p:spPr>
+          <a:xfrm>
+            <a:off x="1066800" y="1028332"/>
+            <a:ext cx="5779363" cy="769441"/>
+          </a:xfrm>
+          <a:prstGeom prst="rect">
+            <a:avLst/>
+          </a:prstGeom>
+          <a:noFill/>
+        </p:spPr>
+        <p:txBody>
+          <a:bodyPr wrap="square" rtlCol="0">
+            <a:spAutoFit/>
+          </a:bodyPr>
+          <a:lstStyle/>
+          <a:p>
+            <a:r>
+              <a:rPr lang="cs-CZ" sz="4400" dirty="0"/>
+              <a:t>Děkujeme za pozornost</a:t>
             </a:r>
           </a:p>
         </p:txBody>

--- a/defense/presentation.pptx
+++ b/defense/presentation.pptx
@@ -11,10 +11,12 @@
     <p:sldId id="259" r:id="rId5"/>
     <p:sldId id="261" r:id="rId6"/>
     <p:sldId id="262" r:id="rId7"/>
-    <p:sldId id="266" r:id="rId8"/>
-    <p:sldId id="263" r:id="rId9"/>
-    <p:sldId id="264" r:id="rId10"/>
-    <p:sldId id="265" r:id="rId11"/>
+    <p:sldId id="267" r:id="rId8"/>
+    <p:sldId id="268" r:id="rId9"/>
+    <p:sldId id="266" r:id="rId10"/>
+    <p:sldId id="263" r:id="rId11"/>
+    <p:sldId id="265" r:id="rId12"/>
+    <p:sldId id="264" r:id="rId13"/>
   </p:sldIdLst>
   <p:sldSz cx="12192000" cy="6858000"/>
   <p:notesSz cx="6858000" cy="9144000"/>
@@ -3915,1397 +3917,6 @@
 <file path=ppt/slides/slide10.xml><?xml version="1.0" encoding="utf-8"?>
 <p:sld xmlns:a="http://schemas.openxmlformats.org/drawingml/2006/main" xmlns:r="http://schemas.openxmlformats.org/officeDocument/2006/relationships" xmlns:p="http://schemas.openxmlformats.org/presentationml/2006/main">
   <p:cSld>
-    <p:spTree>
-      <p:nvGrpSpPr>
-        <p:cNvPr id="1" name=""/>
-        <p:cNvGrpSpPr/>
-        <p:nvPr/>
-      </p:nvGrpSpPr>
-      <p:grpSpPr>
-        <a:xfrm>
-          <a:off x="0" y="0"/>
-          <a:ext cx="0" cy="0"/>
-          <a:chOff x="0" y="0"/>
-          <a:chExt cx="0" cy="0"/>
-        </a:xfrm>
-      </p:grpSpPr>
-      <p:sp>
-        <p:nvSpPr>
-          <p:cNvPr id="2" name="Nadpis 1">
-            <a:extLst>
-              <a:ext uri="{FF2B5EF4-FFF2-40B4-BE49-F238E27FC236}">
-                <a16:creationId xmlns:a16="http://schemas.microsoft.com/office/drawing/2014/main" id="{719F12E0-B518-43F4-945B-D6F9463828FB}"/>
-              </a:ext>
-            </a:extLst>
-          </p:cNvPr>
-          <p:cNvSpPr>
-            <a:spLocks noGrp="1"/>
-          </p:cNvSpPr>
-          <p:nvPr>
-            <p:ph type="title"/>
-          </p:nvPr>
-        </p:nvSpPr>
-        <p:spPr/>
-        <p:txBody>
-          <a:bodyPr/>
-          <a:lstStyle/>
-          <a:p>
-            <a:r>
-              <a:rPr lang="cs-CZ" dirty="0"/>
-              <a:t>Zdroje</a:t>
-            </a:r>
-          </a:p>
-        </p:txBody>
-      </p:sp>
-      <p:sp>
-        <p:nvSpPr>
-          <p:cNvPr id="3" name="Zástupný obsah 2">
-            <a:extLst>
-              <a:ext uri="{FF2B5EF4-FFF2-40B4-BE49-F238E27FC236}">
-                <a16:creationId xmlns:a16="http://schemas.microsoft.com/office/drawing/2014/main" id="{8FC52205-6613-4D50-9267-99197AF75DBA}"/>
-              </a:ext>
-            </a:extLst>
-          </p:cNvPr>
-          <p:cNvSpPr>
-            <a:spLocks noGrp="1"/>
-          </p:cNvSpPr>
-          <p:nvPr>
-            <p:ph idx="1"/>
-          </p:nvPr>
-        </p:nvSpPr>
-        <p:spPr/>
-        <p:txBody>
-          <a:bodyPr/>
-          <a:lstStyle/>
-          <a:p>
-            <a:endParaRPr lang="cs-CZ" dirty="0"/>
-          </a:p>
-        </p:txBody>
-      </p:sp>
-    </p:spTree>
-    <p:extLst>
-      <p:ext uri="{BB962C8B-B14F-4D97-AF65-F5344CB8AC3E}">
-        <p14:creationId xmlns:p14="http://schemas.microsoft.com/office/powerpoint/2010/main" val="3301178712"/>
-      </p:ext>
-    </p:extLst>
-  </p:cSld>
-  <p:clrMapOvr>
-    <a:masterClrMapping/>
-  </p:clrMapOvr>
-</p:sld>
-</file>
-
-<file path=ppt/slides/slide2.xml><?xml version="1.0" encoding="utf-8"?>
-<p:sld xmlns:a="http://schemas.openxmlformats.org/drawingml/2006/main" xmlns:r="http://schemas.openxmlformats.org/officeDocument/2006/relationships" xmlns:p="http://schemas.openxmlformats.org/presentationml/2006/main">
-  <p:cSld>
-    <p:spTree>
-      <p:nvGrpSpPr>
-        <p:cNvPr id="1" name=""/>
-        <p:cNvGrpSpPr/>
-        <p:nvPr/>
-      </p:nvGrpSpPr>
-      <p:grpSpPr>
-        <a:xfrm>
-          <a:off x="0" y="0"/>
-          <a:ext cx="0" cy="0"/>
-          <a:chOff x="0" y="0"/>
-          <a:chExt cx="0" cy="0"/>
-        </a:xfrm>
-      </p:grpSpPr>
-      <p:sp>
-        <p:nvSpPr>
-          <p:cNvPr id="2" name="Nadpis 1">
-            <a:extLst>
-              <a:ext uri="{FF2B5EF4-FFF2-40B4-BE49-F238E27FC236}">
-                <a16:creationId xmlns:a16="http://schemas.microsoft.com/office/drawing/2014/main" id="{8FC3AB73-416D-485E-BD80-44B99769B344}"/>
-              </a:ext>
-            </a:extLst>
-          </p:cNvPr>
-          <p:cNvSpPr>
-            <a:spLocks noGrp="1"/>
-          </p:cNvSpPr>
-          <p:nvPr>
-            <p:ph type="title"/>
-          </p:nvPr>
-        </p:nvSpPr>
-        <p:spPr/>
-        <p:txBody>
-          <a:bodyPr/>
-          <a:lstStyle/>
-          <a:p>
-            <a:r>
-              <a:rPr lang="cs-CZ" dirty="0"/>
-              <a:t>Trocha teorie</a:t>
-            </a:r>
-          </a:p>
-        </p:txBody>
-      </p:sp>
-      <p:sp>
-        <p:nvSpPr>
-          <p:cNvPr id="3" name="Zástupný obsah 2">
-            <a:extLst>
-              <a:ext uri="{FF2B5EF4-FFF2-40B4-BE49-F238E27FC236}">
-                <a16:creationId xmlns:a16="http://schemas.microsoft.com/office/drawing/2014/main" id="{2F87AE1B-BEC9-4EE0-BD2A-3D7D427AAECE}"/>
-              </a:ext>
-            </a:extLst>
-          </p:cNvPr>
-          <p:cNvSpPr>
-            <a:spLocks noGrp="1"/>
-          </p:cNvSpPr>
-          <p:nvPr>
-            <p:ph idx="1"/>
-          </p:nvPr>
-        </p:nvSpPr>
-        <p:spPr/>
-        <p:txBody>
-          <a:bodyPr>
-            <a:normAutofit fontScale="92500"/>
-          </a:bodyPr>
-          <a:lstStyle/>
-          <a:p>
-            <a:pPr marL="0" indent="0">
-              <a:buNone/>
-            </a:pPr>
-            <a:endParaRPr lang="cs-CZ" sz="2400" dirty="0"/>
-          </a:p>
-          <a:p>
-            <a:pPr marL="0" indent="0">
-              <a:buNone/>
-            </a:pPr>
-            <a:endParaRPr lang="cs-CZ" sz="2400" dirty="0"/>
-          </a:p>
-          <a:p>
-            <a:pPr>
-              <a:buFont typeface="Arial" panose="020B0604020202020204" pitchFamily="34" charset="0"/>
-              <a:buChar char="•"/>
-            </a:pPr>
-            <a:r>
-              <a:rPr lang="cs-CZ" sz="2400" dirty="0"/>
-              <a:t> </a:t>
-            </a:r>
-            <a:r>
-              <a:rPr lang="cs-CZ" sz="2400" dirty="0" err="1"/>
-              <a:t>Hamiltonovská</a:t>
-            </a:r>
-            <a:r>
-              <a:rPr lang="cs-CZ" sz="2400" dirty="0"/>
-              <a:t> </a:t>
-            </a:r>
-            <a:r>
-              <a:rPr lang="cs-CZ" sz="2400" b="1" dirty="0"/>
-              <a:t>cesta</a:t>
-            </a:r>
-            <a:r>
-              <a:rPr lang="cs-CZ" sz="2400" dirty="0"/>
-              <a:t> v grafu </a:t>
-            </a:r>
-            <a:r>
-              <a:rPr lang="cs-CZ" sz="2400" b="1" dirty="0"/>
-              <a:t>G</a:t>
-            </a:r>
-            <a:r>
-              <a:rPr lang="cs-CZ" sz="2400" dirty="0"/>
-              <a:t> je cesta, která obsahuje každý vrchol </a:t>
-            </a:r>
-            <a:r>
-              <a:rPr lang="cs-CZ" sz="2400" b="1" dirty="0"/>
-              <a:t>V</a:t>
-            </a:r>
-            <a:r>
-              <a:rPr lang="cs-CZ" sz="2400" dirty="0"/>
-              <a:t> </a:t>
-            </a:r>
-            <a:r>
-              <a:rPr lang="cs-CZ" sz="2400" dirty="0" err="1"/>
-              <a:t>v</a:t>
-            </a:r>
-            <a:r>
-              <a:rPr lang="cs-CZ" sz="2400" dirty="0"/>
-              <a:t> grafu </a:t>
-            </a:r>
-            <a:r>
-              <a:rPr lang="cs-CZ" sz="2400" b="1" dirty="0"/>
-              <a:t>G</a:t>
-            </a:r>
-            <a:r>
-              <a:rPr lang="cs-CZ" sz="2400" dirty="0"/>
-              <a:t> právě jednou a žádná z využitých cest </a:t>
-            </a:r>
-            <a:r>
-              <a:rPr lang="cs-CZ" sz="2400" b="1" dirty="0"/>
-              <a:t>P</a:t>
-            </a:r>
-            <a:r>
-              <a:rPr lang="cs-CZ" sz="2400" dirty="0"/>
-              <a:t> se neopakuje</a:t>
-            </a:r>
-          </a:p>
-          <a:p>
-            <a:pPr>
-              <a:buFont typeface="Arial" panose="020B0604020202020204" pitchFamily="34" charset="0"/>
-              <a:buChar char="•"/>
-            </a:pPr>
-            <a:r>
-              <a:rPr lang="cs-CZ" sz="2400" dirty="0"/>
-              <a:t>pokud v grafu </a:t>
-            </a:r>
-            <a:r>
-              <a:rPr lang="cs-CZ" sz="2400" b="1" dirty="0"/>
-              <a:t>G</a:t>
-            </a:r>
-            <a:r>
-              <a:rPr lang="cs-CZ" sz="2400" dirty="0"/>
-              <a:t> existuje cesta délky </a:t>
-            </a:r>
-            <a:r>
-              <a:rPr lang="cs-CZ" sz="2400" b="1" dirty="0"/>
-              <a:t>V – 1 </a:t>
-            </a:r>
-            <a:r>
-              <a:rPr lang="cs-CZ" sz="2400" dirty="0"/>
-              <a:t>splňující první bod, je </a:t>
-            </a:r>
-            <a:r>
-              <a:rPr lang="cs-CZ" sz="2400" b="1" dirty="0"/>
-              <a:t>cesta</a:t>
-            </a:r>
-            <a:r>
-              <a:rPr lang="cs-CZ" sz="2400" dirty="0"/>
-              <a:t> </a:t>
-            </a:r>
-            <a:r>
-              <a:rPr lang="cs-CZ" sz="2400" dirty="0" err="1"/>
-              <a:t>Hamiltonovská</a:t>
-            </a:r>
-            <a:endParaRPr lang="cs-CZ" sz="2400" dirty="0"/>
-          </a:p>
-          <a:p>
-            <a:pPr>
-              <a:buFont typeface="Arial" panose="020B0604020202020204" pitchFamily="34" charset="0"/>
-              <a:buChar char="•"/>
-            </a:pPr>
-            <a:r>
-              <a:rPr lang="cs-CZ" sz="2400" dirty="0"/>
-              <a:t>pokud začíná a končí ve stejném vrcholu a je délky </a:t>
-            </a:r>
-            <a:r>
-              <a:rPr lang="cs-CZ" sz="2400" b="1" dirty="0"/>
-              <a:t>V</a:t>
-            </a:r>
-            <a:r>
-              <a:rPr lang="cs-CZ" sz="2400" dirty="0"/>
-              <a:t>, jedná se o </a:t>
-            </a:r>
-            <a:r>
-              <a:rPr lang="cs-CZ" sz="2400" b="1" dirty="0"/>
-              <a:t>cyklus</a:t>
-            </a:r>
-            <a:r>
-              <a:rPr lang="cs-CZ" sz="2400" dirty="0"/>
-              <a:t>, kterého délka je </a:t>
-            </a:r>
-            <a:r>
-              <a:rPr lang="cs-CZ" sz="2400" b="1" dirty="0"/>
-              <a:t>V</a:t>
-            </a:r>
-          </a:p>
-          <a:p>
-            <a:pPr>
-              <a:buFont typeface="Arial" panose="020B0604020202020204" pitchFamily="34" charset="0"/>
-              <a:buChar char="•"/>
-            </a:pPr>
-            <a:r>
-              <a:rPr lang="cs-CZ" sz="2400" dirty="0"/>
-              <a:t> </a:t>
-            </a:r>
-            <a:r>
-              <a:rPr lang="cs-CZ" sz="2400" dirty="0" err="1"/>
-              <a:t>Hamiltonovská</a:t>
-            </a:r>
-            <a:r>
-              <a:rPr lang="cs-CZ" sz="2400" dirty="0"/>
-              <a:t> cesta je také vždy nejdelší cestou v grafu</a:t>
-            </a:r>
-          </a:p>
-          <a:p>
-            <a:pPr>
-              <a:buFont typeface="Arial" panose="020B0604020202020204" pitchFamily="34" charset="0"/>
-              <a:buChar char="•"/>
-            </a:pPr>
-            <a:r>
-              <a:rPr lang="cs-CZ" sz="2400" dirty="0"/>
-              <a:t> Tato úloha spadá dle obtížnosti do kategorie </a:t>
-            </a:r>
-            <a:r>
-              <a:rPr lang="cs-CZ" sz="2400" b="1" i="1" dirty="0"/>
-              <a:t>NP-úplné</a:t>
-            </a:r>
-          </a:p>
-        </p:txBody>
-      </p:sp>
-    </p:spTree>
-    <p:extLst>
-      <p:ext uri="{BB962C8B-B14F-4D97-AF65-F5344CB8AC3E}">
-        <p14:creationId xmlns:p14="http://schemas.microsoft.com/office/powerpoint/2010/main" val="3022867241"/>
-      </p:ext>
-    </p:extLst>
-  </p:cSld>
-  <p:clrMapOvr>
-    <a:masterClrMapping/>
-  </p:clrMapOvr>
-</p:sld>
-</file>
-
-<file path=ppt/slides/slide3.xml><?xml version="1.0" encoding="utf-8"?>
-<p:sld xmlns:a="http://schemas.openxmlformats.org/drawingml/2006/main" xmlns:r="http://schemas.openxmlformats.org/officeDocument/2006/relationships" xmlns:p="http://schemas.openxmlformats.org/presentationml/2006/main">
-  <p:cSld>
-    <p:spTree>
-      <p:nvGrpSpPr>
-        <p:cNvPr id="1" name=""/>
-        <p:cNvGrpSpPr/>
-        <p:nvPr/>
-      </p:nvGrpSpPr>
-      <p:grpSpPr>
-        <a:xfrm>
-          <a:off x="0" y="0"/>
-          <a:ext cx="0" cy="0"/>
-          <a:chOff x="0" y="0"/>
-          <a:chExt cx="0" cy="0"/>
-        </a:xfrm>
-      </p:grpSpPr>
-      <p:sp>
-        <p:nvSpPr>
-          <p:cNvPr id="2" name="Nadpis 1">
-            <a:extLst>
-              <a:ext uri="{FF2B5EF4-FFF2-40B4-BE49-F238E27FC236}">
-                <a16:creationId xmlns:a16="http://schemas.microsoft.com/office/drawing/2014/main" id="{7BDE4F46-745A-4315-AD6D-7463925466E0}"/>
-              </a:ext>
-            </a:extLst>
-          </p:cNvPr>
-          <p:cNvSpPr>
-            <a:spLocks noGrp="1"/>
-          </p:cNvSpPr>
-          <p:nvPr>
-            <p:ph type="title"/>
-          </p:nvPr>
-        </p:nvSpPr>
-        <p:spPr/>
-        <p:txBody>
-          <a:bodyPr/>
-          <a:lstStyle/>
-          <a:p>
-            <a:r>
-              <a:rPr lang="cs-CZ" dirty="0"/>
-              <a:t>Základní vstupní podmínky</a:t>
-            </a:r>
-          </a:p>
-        </p:txBody>
-      </p:sp>
-      <p:sp>
-        <p:nvSpPr>
-          <p:cNvPr id="3" name="Zástupný obsah 2">
-            <a:extLst>
-              <a:ext uri="{FF2B5EF4-FFF2-40B4-BE49-F238E27FC236}">
-                <a16:creationId xmlns:a16="http://schemas.microsoft.com/office/drawing/2014/main" id="{3D488458-11E3-4DCE-9AE0-436CBF3FBBF7}"/>
-              </a:ext>
-            </a:extLst>
-          </p:cNvPr>
-          <p:cNvSpPr>
-            <a:spLocks noGrp="1"/>
-          </p:cNvSpPr>
-          <p:nvPr>
-            <p:ph idx="1"/>
-          </p:nvPr>
-        </p:nvSpPr>
-        <p:spPr/>
-        <p:txBody>
-          <a:bodyPr>
-            <a:normAutofit/>
-          </a:bodyPr>
-          <a:lstStyle/>
-          <a:p>
-            <a:pPr marL="0" indent="0">
-              <a:buNone/>
-            </a:pPr>
-            <a:endParaRPr lang="cs-CZ" sz="2400" u="sng" dirty="0"/>
-          </a:p>
-          <a:p>
-            <a:pPr marL="457200" indent="-457200">
-              <a:buFont typeface="+mj-lt"/>
-              <a:buAutoNum type="arabicPeriod"/>
-            </a:pPr>
-            <a:r>
-              <a:rPr lang="cs-CZ" sz="2400" dirty="0"/>
-              <a:t>Počet vrcholů </a:t>
-            </a:r>
-            <a:r>
-              <a:rPr lang="cs-CZ" sz="2400" b="1" dirty="0"/>
-              <a:t>&gt; 2</a:t>
-            </a:r>
-          </a:p>
-          <a:p>
-            <a:pPr marL="457200" indent="-457200">
-              <a:buFont typeface="+mj-lt"/>
-              <a:buAutoNum type="arabicPeriod"/>
-            </a:pPr>
-            <a:r>
-              <a:rPr lang="cs-CZ" sz="2400" dirty="0"/>
-              <a:t>Stupeň každého z vrcholů pro cestu </a:t>
-            </a:r>
-            <a:r>
-              <a:rPr lang="cs-CZ" sz="2400" b="1" dirty="0"/>
-              <a:t>&gt;= 1</a:t>
-            </a:r>
-          </a:p>
-          <a:p>
-            <a:pPr marL="457200" indent="-457200">
-              <a:buFont typeface="+mj-lt"/>
-              <a:buAutoNum type="arabicPeriod"/>
-            </a:pPr>
-            <a:r>
-              <a:rPr lang="cs-CZ" sz="2400" dirty="0"/>
-              <a:t>Stupeň každého z vrcholů pro cyklus </a:t>
-            </a:r>
-            <a:r>
-              <a:rPr lang="cs-CZ" sz="2400" b="1" dirty="0"/>
-              <a:t>&gt;= 2</a:t>
-            </a:r>
-          </a:p>
-          <a:p>
-            <a:pPr marL="457200" indent="-457200">
-              <a:buFont typeface="+mj-lt"/>
-              <a:buAutoNum type="arabicPeriod"/>
-            </a:pPr>
-            <a:endParaRPr lang="cs-CZ" sz="2400" b="1" dirty="0"/>
-          </a:p>
-          <a:p>
-            <a:pPr marL="0" indent="0">
-              <a:buNone/>
-            </a:pPr>
-            <a:r>
-              <a:rPr lang="cs-CZ" sz="2400" b="1" dirty="0"/>
-              <a:t>Stupeň vrcholu: </a:t>
-            </a:r>
-            <a:r>
-              <a:rPr lang="cs-CZ" sz="2400" dirty="0"/>
-              <a:t>počet hran, které jsou s daným vrcholem spojené</a:t>
-            </a:r>
-          </a:p>
-          <a:p>
-            <a:pPr marL="0" indent="0">
-              <a:buNone/>
-            </a:pPr>
-            <a:r>
-              <a:rPr lang="cs-CZ" sz="2400" b="1" dirty="0"/>
-              <a:t>Při nesplnění podmínek se program nespouští!</a:t>
-            </a:r>
-          </a:p>
-        </p:txBody>
-      </p:sp>
-    </p:spTree>
-    <p:extLst>
-      <p:ext uri="{BB962C8B-B14F-4D97-AF65-F5344CB8AC3E}">
-        <p14:creationId xmlns:p14="http://schemas.microsoft.com/office/powerpoint/2010/main" val="3267106069"/>
-      </p:ext>
-    </p:extLst>
-  </p:cSld>
-  <p:clrMapOvr>
-    <a:masterClrMapping/>
-  </p:clrMapOvr>
-</p:sld>
-</file>
-
-<file path=ppt/slides/slide4.xml><?xml version="1.0" encoding="utf-8"?>
-<p:sld xmlns:a="http://schemas.openxmlformats.org/drawingml/2006/main" xmlns:r="http://schemas.openxmlformats.org/officeDocument/2006/relationships" xmlns:p="http://schemas.openxmlformats.org/presentationml/2006/main">
-  <p:cSld>
-    <p:spTree>
-      <p:nvGrpSpPr>
-        <p:cNvPr id="1" name=""/>
-        <p:cNvGrpSpPr/>
-        <p:nvPr/>
-      </p:nvGrpSpPr>
-      <p:grpSpPr>
-        <a:xfrm>
-          <a:off x="0" y="0"/>
-          <a:ext cx="0" cy="0"/>
-          <a:chOff x="0" y="0"/>
-          <a:chExt cx="0" cy="0"/>
-        </a:xfrm>
-      </p:grpSpPr>
-      <p:sp>
-        <p:nvSpPr>
-          <p:cNvPr id="2" name="Nadpis 1">
-            <a:extLst>
-              <a:ext uri="{FF2B5EF4-FFF2-40B4-BE49-F238E27FC236}">
-                <a16:creationId xmlns:a16="http://schemas.microsoft.com/office/drawing/2014/main" id="{3206989A-3715-46A4-8B42-0E4CCCF725AD}"/>
-              </a:ext>
-            </a:extLst>
-          </p:cNvPr>
-          <p:cNvSpPr>
-            <a:spLocks noGrp="1"/>
-          </p:cNvSpPr>
-          <p:nvPr>
-            <p:ph type="title"/>
-          </p:nvPr>
-        </p:nvSpPr>
-        <p:spPr/>
-        <p:txBody>
-          <a:bodyPr/>
-          <a:lstStyle/>
-          <a:p>
-            <a:r>
-              <a:rPr lang="cs-CZ" dirty="0"/>
-              <a:t>Rozšířené vstupní podmínky</a:t>
-            </a:r>
-          </a:p>
-        </p:txBody>
-      </p:sp>
-      <p:sp>
-        <p:nvSpPr>
-          <p:cNvPr id="3" name="Zástupný obsah 2">
-            <a:extLst>
-              <a:ext uri="{FF2B5EF4-FFF2-40B4-BE49-F238E27FC236}">
-                <a16:creationId xmlns:a16="http://schemas.microsoft.com/office/drawing/2014/main" id="{C331DC36-BA60-46F8-B9E2-C3D2AC73A4B8}"/>
-              </a:ext>
-            </a:extLst>
-          </p:cNvPr>
-          <p:cNvSpPr>
-            <a:spLocks noGrp="1"/>
-          </p:cNvSpPr>
-          <p:nvPr>
-            <p:ph idx="1"/>
-          </p:nvPr>
-        </p:nvSpPr>
-        <p:spPr>
-          <a:xfrm>
-            <a:off x="1097280" y="1845734"/>
-            <a:ext cx="10058400" cy="4023360"/>
-          </a:xfrm>
-        </p:spPr>
-        <p:txBody>
-          <a:bodyPr>
-            <a:normAutofit/>
-          </a:bodyPr>
-          <a:lstStyle/>
-          <a:p>
-            <a:pPr marL="0" indent="0">
-              <a:buNone/>
-            </a:pPr>
-            <a:r>
-              <a:rPr lang="cs-CZ" sz="2400" u="sng" dirty="0"/>
-              <a:t> </a:t>
-            </a:r>
-          </a:p>
-          <a:p>
-            <a:pPr marL="457200" indent="-457200" algn="just">
-              <a:buFont typeface="+mj-lt"/>
-              <a:buAutoNum type="arabicPeriod"/>
-            </a:pPr>
-            <a:r>
-              <a:rPr lang="cs-CZ" sz="2400" b="1" dirty="0" err="1"/>
-              <a:t>Diracova</a:t>
-            </a:r>
-            <a:r>
-              <a:rPr lang="cs-CZ" sz="2400" dirty="0"/>
-              <a:t> - každý uzel má stupeň alespoň ½ celkového počtu uzlů</a:t>
-            </a:r>
-          </a:p>
-          <a:p>
-            <a:pPr marL="457200" indent="-457200" algn="just">
-              <a:buFont typeface="+mj-lt"/>
-              <a:buAutoNum type="arabicPeriod"/>
-            </a:pPr>
-            <a:r>
-              <a:rPr lang="cs-CZ" sz="2400" b="1" dirty="0" err="1"/>
-              <a:t>Oreho</a:t>
-            </a:r>
-            <a:r>
-              <a:rPr lang="cs-CZ" sz="2400" dirty="0"/>
-              <a:t> - každá dvojice uzlů nespojených hranou má součet stupňů alespoň jako je celkový počet vrcholů</a:t>
-            </a:r>
-          </a:p>
-          <a:p>
-            <a:pPr marL="457200" indent="-457200" algn="just">
-              <a:buFont typeface="+mj-lt"/>
-              <a:buAutoNum type="arabicPeriod"/>
-            </a:pPr>
-            <a:r>
-              <a:rPr lang="cs-CZ" sz="2400" b="1" dirty="0" err="1"/>
-              <a:t>Pósova</a:t>
-            </a:r>
-            <a:r>
-              <a:rPr lang="cs-CZ" sz="2400" dirty="0"/>
-              <a:t> - pro každé přirozené číslo </a:t>
-            </a:r>
-            <a:r>
-              <a:rPr lang="cs-CZ" sz="2400" b="1" dirty="0"/>
-              <a:t>k &lt; ½</a:t>
-            </a:r>
-            <a:r>
-              <a:rPr lang="cs-CZ" sz="2400" dirty="0"/>
-              <a:t> celkového počtu vrcholů existuje počet uzlů, jejichž stupeň nepřevyšuje </a:t>
-            </a:r>
-            <a:r>
-              <a:rPr lang="cs-CZ" sz="2400" b="1" dirty="0"/>
-              <a:t>k</a:t>
-            </a:r>
-            <a:r>
-              <a:rPr lang="cs-CZ" sz="2400" dirty="0"/>
-              <a:t>, menší než </a:t>
-            </a:r>
-            <a:r>
-              <a:rPr lang="cs-CZ" sz="2400" b="1" dirty="0"/>
-              <a:t>k</a:t>
-            </a:r>
-          </a:p>
-          <a:p>
-            <a:pPr marL="457200" indent="-457200" algn="just">
-              <a:buFont typeface="+mj-lt"/>
-              <a:buAutoNum type="arabicPeriod"/>
-            </a:pPr>
-            <a:endParaRPr lang="cs-CZ" sz="2400" b="1" dirty="0"/>
-          </a:p>
-          <a:p>
-            <a:pPr marL="0" indent="0" algn="just">
-              <a:buNone/>
-            </a:pPr>
-            <a:r>
-              <a:rPr lang="cs-CZ" sz="2400" b="1" dirty="0"/>
-              <a:t>Pouze jako informace navíc! </a:t>
-            </a:r>
-            <a:r>
-              <a:rPr lang="cs-CZ" sz="2400" dirty="0"/>
-              <a:t>(při zapnutém </a:t>
-            </a:r>
-            <a:r>
-              <a:rPr lang="cs-CZ" sz="2400" dirty="0" err="1"/>
-              <a:t>debug</a:t>
-            </a:r>
-            <a:r>
-              <a:rPr lang="cs-CZ" sz="2400" dirty="0"/>
-              <a:t> módu)</a:t>
-            </a:r>
-            <a:endParaRPr lang="cs-CZ" sz="2400" b="1" dirty="0"/>
-          </a:p>
-          <a:p>
-            <a:endParaRPr lang="cs-CZ" sz="2400" dirty="0"/>
-          </a:p>
-        </p:txBody>
-      </p:sp>
-    </p:spTree>
-    <p:extLst>
-      <p:ext uri="{BB962C8B-B14F-4D97-AF65-F5344CB8AC3E}">
-        <p14:creationId xmlns:p14="http://schemas.microsoft.com/office/powerpoint/2010/main" val="269123624"/>
-      </p:ext>
-    </p:extLst>
-  </p:cSld>
-  <p:clrMapOvr>
-    <a:masterClrMapping/>
-  </p:clrMapOvr>
-</p:sld>
-</file>
-
-<file path=ppt/slides/slide5.xml><?xml version="1.0" encoding="utf-8"?>
-<p:sld xmlns:a="http://schemas.openxmlformats.org/drawingml/2006/main" xmlns:r="http://schemas.openxmlformats.org/officeDocument/2006/relationships" xmlns:p="http://schemas.openxmlformats.org/presentationml/2006/main">
-  <p:cSld>
-    <p:spTree>
-      <p:nvGrpSpPr>
-        <p:cNvPr id="1" name=""/>
-        <p:cNvGrpSpPr/>
-        <p:nvPr/>
-      </p:nvGrpSpPr>
-      <p:grpSpPr>
-        <a:xfrm>
-          <a:off x="0" y="0"/>
-          <a:ext cx="0" cy="0"/>
-          <a:chOff x="0" y="0"/>
-          <a:chExt cx="0" cy="0"/>
-        </a:xfrm>
-      </p:grpSpPr>
-      <p:pic>
-        <p:nvPicPr>
-          <p:cNvPr id="6" name="Obrázek 5">
-            <a:extLst>
-              <a:ext uri="{FF2B5EF4-FFF2-40B4-BE49-F238E27FC236}">
-                <a16:creationId xmlns:a16="http://schemas.microsoft.com/office/drawing/2014/main" id="{C9584108-DF31-402A-8F9D-390A32278A39}"/>
-              </a:ext>
-            </a:extLst>
-          </p:cNvPr>
-          <p:cNvPicPr>
-            <a:picLocks noChangeAspect="1"/>
-          </p:cNvPicPr>
-          <p:nvPr/>
-        </p:nvPicPr>
-        <p:blipFill>
-          <a:blip r:embed="rId2"/>
-          <a:stretch>
-            <a:fillRect/>
-          </a:stretch>
-        </p:blipFill>
-        <p:spPr>
-          <a:xfrm>
-            <a:off x="1181193" y="845876"/>
-            <a:ext cx="3538444" cy="971550"/>
-          </a:xfrm>
-          <a:prstGeom prst="rect">
-            <a:avLst/>
-          </a:prstGeom>
-        </p:spPr>
-      </p:pic>
-      <p:pic>
-        <p:nvPicPr>
-          <p:cNvPr id="7" name="Obrázek 6">
-            <a:extLst>
-              <a:ext uri="{FF2B5EF4-FFF2-40B4-BE49-F238E27FC236}">
-                <a16:creationId xmlns:a16="http://schemas.microsoft.com/office/drawing/2014/main" id="{B6845CEF-C55C-4D87-9134-179DDA8E35B2}"/>
-              </a:ext>
-            </a:extLst>
-          </p:cNvPr>
-          <p:cNvPicPr>
-            <a:picLocks noChangeAspect="1"/>
-          </p:cNvPicPr>
-          <p:nvPr/>
-        </p:nvPicPr>
-        <p:blipFill>
-          <a:blip r:embed="rId2"/>
-          <a:stretch>
-            <a:fillRect/>
-          </a:stretch>
-        </p:blipFill>
-        <p:spPr>
-          <a:xfrm>
-            <a:off x="7210425" y="1443361"/>
-            <a:ext cx="4210049" cy="971550"/>
-          </a:xfrm>
-          <a:prstGeom prst="rect">
-            <a:avLst/>
-          </a:prstGeom>
-        </p:spPr>
-      </p:pic>
-      <p:sp>
-        <p:nvSpPr>
-          <p:cNvPr id="8" name="AutoShape 2">
-            <a:extLst>
-              <a:ext uri="{FF2B5EF4-FFF2-40B4-BE49-F238E27FC236}">
-                <a16:creationId xmlns:a16="http://schemas.microsoft.com/office/drawing/2014/main" id="{68C64E83-AC7C-48A4-A4F5-1CC59D9CD083}"/>
-              </a:ext>
-            </a:extLst>
-          </p:cNvPr>
-          <p:cNvSpPr>
-            <a:spLocks noChangeAspect="1" noChangeArrowheads="1"/>
-          </p:cNvSpPr>
-          <p:nvPr/>
-        </p:nvSpPr>
-        <p:spPr bwMode="auto">
-          <a:xfrm>
-            <a:off x="5943600" y="3276600"/>
-            <a:ext cx="304800" cy="304800"/>
-          </a:xfrm>
-          <a:prstGeom prst="rect">
-            <a:avLst/>
-          </a:prstGeom>
-          <a:noFill/>
-          <a:extLst>
-            <a:ext uri="{909E8E84-426E-40DD-AFC4-6F175D3DCCD1}">
-              <a14:hiddenFill xmlns:a14="http://schemas.microsoft.com/office/drawing/2010/main">
-                <a:solidFill>
-                  <a:srgbClr val="FFFFFF"/>
-                </a:solidFill>
-              </a14:hiddenFill>
-            </a:ext>
-          </a:extLst>
-        </p:spPr>
-        <p:txBody>
-          <a:bodyPr vert="horz" wrap="square" lIns="91440" tIns="45720" rIns="91440" bIns="45720" numCol="1" anchor="t" anchorCtr="0" compatLnSpc="1">
-            <a:prstTxWarp prst="textNoShape">
-              <a:avLst/>
-            </a:prstTxWarp>
-          </a:bodyPr>
-          <a:lstStyle/>
-          <a:p>
-            <a:endParaRPr lang="cs-CZ"/>
-          </a:p>
-        </p:txBody>
-      </p:sp>
-      <p:pic>
-        <p:nvPicPr>
-          <p:cNvPr id="10" name="Obrázek 9">
-            <a:extLst>
-              <a:ext uri="{FF2B5EF4-FFF2-40B4-BE49-F238E27FC236}">
-                <a16:creationId xmlns:a16="http://schemas.microsoft.com/office/drawing/2014/main" id="{E705A893-F679-49BE-B7F6-985263E1F501}"/>
-              </a:ext>
-            </a:extLst>
-          </p:cNvPr>
-          <p:cNvPicPr>
-            <a:picLocks noChangeAspect="1"/>
-          </p:cNvPicPr>
-          <p:nvPr/>
-        </p:nvPicPr>
-        <p:blipFill>
-          <a:blip r:embed="rId3"/>
-          <a:stretch>
-            <a:fillRect/>
-          </a:stretch>
-        </p:blipFill>
-        <p:spPr>
-          <a:xfrm>
-            <a:off x="8794350" y="752475"/>
-            <a:ext cx="2626124" cy="4791075"/>
-          </a:xfrm>
-          <a:prstGeom prst="rect">
-            <a:avLst/>
-          </a:prstGeom>
-        </p:spPr>
-      </p:pic>
-      <p:pic>
-        <p:nvPicPr>
-          <p:cNvPr id="4" name="Obrázek 3">
-            <a:extLst>
-              <a:ext uri="{FF2B5EF4-FFF2-40B4-BE49-F238E27FC236}">
-                <a16:creationId xmlns:a16="http://schemas.microsoft.com/office/drawing/2014/main" id="{79414258-D344-420C-A87F-4516AAE8B8C5}"/>
-              </a:ext>
-            </a:extLst>
-          </p:cNvPr>
-          <p:cNvPicPr>
-            <a:picLocks noChangeAspect="1"/>
-          </p:cNvPicPr>
-          <p:nvPr/>
-        </p:nvPicPr>
-        <p:blipFill>
-          <a:blip r:embed="rId4"/>
-          <a:stretch>
-            <a:fillRect/>
-          </a:stretch>
-        </p:blipFill>
-        <p:spPr>
-          <a:xfrm>
-            <a:off x="1022627" y="1485899"/>
-            <a:ext cx="1466850" cy="4057650"/>
-          </a:xfrm>
-          <a:prstGeom prst="rect">
-            <a:avLst/>
-          </a:prstGeom>
-        </p:spPr>
-      </p:pic>
-      <p:pic>
-        <p:nvPicPr>
-          <p:cNvPr id="5" name="Obrázek 4">
-            <a:extLst>
-              <a:ext uri="{FF2B5EF4-FFF2-40B4-BE49-F238E27FC236}">
-                <a16:creationId xmlns:a16="http://schemas.microsoft.com/office/drawing/2014/main" id="{4E5D8E06-7F81-481E-AE02-0A7603DDCCBD}"/>
-              </a:ext>
-            </a:extLst>
-          </p:cNvPr>
-          <p:cNvPicPr>
-            <a:picLocks noChangeAspect="1"/>
-          </p:cNvPicPr>
-          <p:nvPr/>
-        </p:nvPicPr>
-        <p:blipFill>
-          <a:blip r:embed="rId5"/>
-          <a:stretch>
-            <a:fillRect/>
-          </a:stretch>
-        </p:blipFill>
-        <p:spPr>
-          <a:xfrm>
-            <a:off x="4567237" y="1009649"/>
-            <a:ext cx="2752725" cy="4533900"/>
-          </a:xfrm>
-          <a:prstGeom prst="rect">
-            <a:avLst/>
-          </a:prstGeom>
-        </p:spPr>
-      </p:pic>
-      <p:sp>
-        <p:nvSpPr>
-          <p:cNvPr id="11" name="TextovéPole 10">
-            <a:extLst>
-              <a:ext uri="{FF2B5EF4-FFF2-40B4-BE49-F238E27FC236}">
-                <a16:creationId xmlns:a16="http://schemas.microsoft.com/office/drawing/2014/main" id="{E74340C3-1B4A-441B-A4A7-E52B8871C8E7}"/>
-              </a:ext>
-            </a:extLst>
-          </p:cNvPr>
-          <p:cNvSpPr txBox="1"/>
-          <p:nvPr/>
-        </p:nvSpPr>
-        <p:spPr>
-          <a:xfrm>
-            <a:off x="1306249" y="5619564"/>
-            <a:ext cx="899605" cy="646331"/>
-          </a:xfrm>
-          <a:prstGeom prst="rect">
-            <a:avLst/>
-          </a:prstGeom>
-          <a:noFill/>
-        </p:spPr>
-        <p:txBody>
-          <a:bodyPr wrap="none" rtlCol="0">
-            <a:spAutoFit/>
-          </a:bodyPr>
-          <a:lstStyle/>
-          <a:p>
-            <a:r>
-              <a:rPr lang="cs-CZ" sz="3600" b="1" dirty="0"/>
-              <a:t>*.in</a:t>
-            </a:r>
-          </a:p>
-        </p:txBody>
-      </p:sp>
-      <p:sp>
-        <p:nvSpPr>
-          <p:cNvPr id="13" name="TextovéPole 12">
-            <a:extLst>
-              <a:ext uri="{FF2B5EF4-FFF2-40B4-BE49-F238E27FC236}">
-                <a16:creationId xmlns:a16="http://schemas.microsoft.com/office/drawing/2014/main" id="{BCC6FF2B-2AE1-47C7-8EDE-601548803A5E}"/>
-              </a:ext>
-            </a:extLst>
-          </p:cNvPr>
-          <p:cNvSpPr txBox="1"/>
-          <p:nvPr/>
-        </p:nvSpPr>
-        <p:spPr>
-          <a:xfrm>
-            <a:off x="5346320" y="5619565"/>
-            <a:ext cx="1194558" cy="646331"/>
-          </a:xfrm>
-          <a:prstGeom prst="rect">
-            <a:avLst/>
-          </a:prstGeom>
-          <a:noFill/>
-        </p:spPr>
-        <p:txBody>
-          <a:bodyPr wrap="none" rtlCol="0">
-            <a:spAutoFit/>
-          </a:bodyPr>
-          <a:lstStyle/>
-          <a:p>
-            <a:r>
-              <a:rPr lang="cs-CZ" sz="3600" b="1" dirty="0"/>
-              <a:t>*.</a:t>
-            </a:r>
-            <a:r>
-              <a:rPr lang="cs-CZ" sz="3600" b="1" dirty="0" err="1"/>
-              <a:t>dot</a:t>
-            </a:r>
-            <a:endParaRPr lang="cs-CZ" sz="3600" b="1" dirty="0"/>
-          </a:p>
-        </p:txBody>
-      </p:sp>
-      <p:sp>
-        <p:nvSpPr>
-          <p:cNvPr id="14" name="TextovéPole 13">
-            <a:extLst>
-              <a:ext uri="{FF2B5EF4-FFF2-40B4-BE49-F238E27FC236}">
-                <a16:creationId xmlns:a16="http://schemas.microsoft.com/office/drawing/2014/main" id="{1EFABB24-456B-4EBA-B028-7A43E168A9FD}"/>
-              </a:ext>
-            </a:extLst>
-          </p:cNvPr>
-          <p:cNvSpPr txBox="1"/>
-          <p:nvPr/>
-        </p:nvSpPr>
-        <p:spPr>
-          <a:xfrm>
-            <a:off x="9480477" y="5619564"/>
-            <a:ext cx="1253869" cy="646331"/>
-          </a:xfrm>
-          <a:prstGeom prst="rect">
-            <a:avLst/>
-          </a:prstGeom>
-          <a:noFill/>
-        </p:spPr>
-        <p:txBody>
-          <a:bodyPr wrap="none" rtlCol="0">
-            <a:spAutoFit/>
-          </a:bodyPr>
-          <a:lstStyle/>
-          <a:p>
-            <a:r>
-              <a:rPr lang="cs-CZ" sz="3600" b="1" dirty="0"/>
-              <a:t>*.</a:t>
-            </a:r>
-            <a:r>
-              <a:rPr lang="cs-CZ" sz="3600" b="1" dirty="0" err="1"/>
-              <a:t>png</a:t>
-            </a:r>
-            <a:endParaRPr lang="cs-CZ" sz="3600" b="1" dirty="0"/>
-          </a:p>
-        </p:txBody>
-      </p:sp>
-      <p:sp>
-        <p:nvSpPr>
-          <p:cNvPr id="2" name="TextovéPole 1">
-            <a:extLst>
-              <a:ext uri="{FF2B5EF4-FFF2-40B4-BE49-F238E27FC236}">
-                <a16:creationId xmlns:a16="http://schemas.microsoft.com/office/drawing/2014/main" id="{75C1BA51-218B-4F19-9093-9449F95AA873}"/>
-              </a:ext>
-            </a:extLst>
-          </p:cNvPr>
-          <p:cNvSpPr txBox="1"/>
-          <p:nvPr/>
-        </p:nvSpPr>
-        <p:spPr>
-          <a:xfrm>
-            <a:off x="2565273" y="2963346"/>
-            <a:ext cx="1926168" cy="369332"/>
-          </a:xfrm>
-          <a:prstGeom prst="rect">
-            <a:avLst/>
-          </a:prstGeom>
-          <a:noFill/>
-        </p:spPr>
-        <p:txBody>
-          <a:bodyPr wrap="none" rtlCol="0">
-            <a:spAutoFit/>
-          </a:bodyPr>
-          <a:lstStyle/>
-          <a:p>
-            <a:r>
-              <a:rPr lang="cs-CZ" b="1" dirty="0"/>
-              <a:t>-&gt; python script -&gt;</a:t>
-            </a:r>
-          </a:p>
-        </p:txBody>
-      </p:sp>
-      <p:sp>
-        <p:nvSpPr>
-          <p:cNvPr id="3" name="TextovéPole 2">
-            <a:extLst>
-              <a:ext uri="{FF2B5EF4-FFF2-40B4-BE49-F238E27FC236}">
-                <a16:creationId xmlns:a16="http://schemas.microsoft.com/office/drawing/2014/main" id="{4262C978-9C49-4A2A-9FC5-F2D4483E34F0}"/>
-              </a:ext>
-            </a:extLst>
-          </p:cNvPr>
-          <p:cNvSpPr txBox="1"/>
-          <p:nvPr/>
-        </p:nvSpPr>
-        <p:spPr>
-          <a:xfrm>
-            <a:off x="7315895" y="2968663"/>
-            <a:ext cx="1500411" cy="369332"/>
-          </a:xfrm>
-          <a:prstGeom prst="rect">
-            <a:avLst/>
-          </a:prstGeom>
-          <a:noFill/>
-        </p:spPr>
-        <p:txBody>
-          <a:bodyPr wrap="none" rtlCol="0">
-            <a:spAutoFit/>
-          </a:bodyPr>
-          <a:lstStyle/>
-          <a:p>
-            <a:r>
-              <a:rPr lang="cs-CZ" b="1" dirty="0"/>
-              <a:t>-&gt; </a:t>
-            </a:r>
-            <a:r>
-              <a:rPr lang="cs-CZ" b="1" dirty="0" err="1"/>
-              <a:t>Graphviz</a:t>
-            </a:r>
-            <a:r>
-              <a:rPr lang="cs-CZ" b="1" dirty="0"/>
-              <a:t> -&gt;</a:t>
-            </a:r>
-          </a:p>
-        </p:txBody>
-      </p:sp>
-    </p:spTree>
-    <p:extLst>
-      <p:ext uri="{BB962C8B-B14F-4D97-AF65-F5344CB8AC3E}">
-        <p14:creationId xmlns:p14="http://schemas.microsoft.com/office/powerpoint/2010/main" val="1114557863"/>
-      </p:ext>
-    </p:extLst>
-  </p:cSld>
-  <p:clrMapOvr>
-    <a:masterClrMapping/>
-  </p:clrMapOvr>
-</p:sld>
-</file>
-
-<file path=ppt/slides/slide6.xml><?xml version="1.0" encoding="utf-8"?>
-<p:sld xmlns:a="http://schemas.openxmlformats.org/drawingml/2006/main" xmlns:r="http://schemas.openxmlformats.org/officeDocument/2006/relationships" xmlns:p="http://schemas.openxmlformats.org/presentationml/2006/main">
-  <p:cSld>
-    <p:spTree>
-      <p:nvGrpSpPr>
-        <p:cNvPr id="1" name=""/>
-        <p:cNvGrpSpPr/>
-        <p:nvPr/>
-      </p:nvGrpSpPr>
-      <p:grpSpPr>
-        <a:xfrm>
-          <a:off x="0" y="0"/>
-          <a:ext cx="0" cy="0"/>
-          <a:chOff x="0" y="0"/>
-          <a:chExt cx="0" cy="0"/>
-        </a:xfrm>
-      </p:grpSpPr>
-      <p:sp>
-        <p:nvSpPr>
-          <p:cNvPr id="2" name="Nadpis 1">
-            <a:extLst>
-              <a:ext uri="{FF2B5EF4-FFF2-40B4-BE49-F238E27FC236}">
-                <a16:creationId xmlns:a16="http://schemas.microsoft.com/office/drawing/2014/main" id="{6B0E6BF9-4D89-45ED-B627-B55B35E678B6}"/>
-              </a:ext>
-            </a:extLst>
-          </p:cNvPr>
-          <p:cNvSpPr>
-            <a:spLocks noGrp="1"/>
-          </p:cNvSpPr>
-          <p:nvPr>
-            <p:ph type="title"/>
-          </p:nvPr>
-        </p:nvSpPr>
-        <p:spPr/>
-        <p:txBody>
-          <a:bodyPr/>
-          <a:lstStyle/>
-          <a:p>
-            <a:r>
-              <a:rPr lang="cs-CZ" dirty="0"/>
-              <a:t>Implementovaný algoritmus</a:t>
-            </a:r>
-          </a:p>
-        </p:txBody>
-      </p:sp>
-      <p:sp>
-        <p:nvSpPr>
-          <p:cNvPr id="3" name="Zástupný obsah 2">
-            <a:extLst>
-              <a:ext uri="{FF2B5EF4-FFF2-40B4-BE49-F238E27FC236}">
-                <a16:creationId xmlns:a16="http://schemas.microsoft.com/office/drawing/2014/main" id="{CB931C12-D019-4A53-9FCF-A276B660E3D7}"/>
-              </a:ext>
-            </a:extLst>
-          </p:cNvPr>
-          <p:cNvSpPr>
-            <a:spLocks noGrp="1"/>
-          </p:cNvSpPr>
-          <p:nvPr>
-            <p:ph idx="1"/>
-          </p:nvPr>
-        </p:nvSpPr>
-        <p:spPr/>
-        <p:txBody>
-          <a:bodyPr>
-            <a:normAutofit/>
-          </a:bodyPr>
-          <a:lstStyle/>
-          <a:p>
-            <a:pPr marL="0" indent="0">
-              <a:buNone/>
-            </a:pPr>
-            <a:endParaRPr lang="cs-CZ" sz="2400" dirty="0"/>
-          </a:p>
-          <a:p>
-            <a:pPr marL="0" indent="0">
-              <a:buNone/>
-            </a:pPr>
-            <a:endParaRPr lang="cs-CZ" sz="2400" dirty="0"/>
-          </a:p>
-          <a:p>
-            <a:pPr>
-              <a:buFont typeface="Arial" panose="020B0604020202020204" pitchFamily="34" charset="0"/>
-              <a:buChar char="•"/>
-            </a:pPr>
-            <a:r>
-              <a:rPr lang="cs-CZ" sz="2400" dirty="0"/>
-              <a:t> začátek prohledávání na počátečním vrcholu </a:t>
-            </a:r>
-          </a:p>
-          <a:p>
-            <a:pPr>
-              <a:buFont typeface="Arial" panose="020B0604020202020204" pitchFamily="34" charset="0"/>
-              <a:buChar char="•"/>
-            </a:pPr>
-            <a:r>
-              <a:rPr lang="cs-CZ" sz="2400" dirty="0"/>
-              <a:t> postupný průchod všemi zbylými hranami (rekurzivně)</a:t>
-            </a:r>
-          </a:p>
-          <a:p>
-            <a:pPr>
-              <a:buFont typeface="Arial" panose="020B0604020202020204" pitchFamily="34" charset="0"/>
-              <a:buChar char="•"/>
-            </a:pPr>
-            <a:r>
-              <a:rPr lang="cs-CZ" sz="2400" dirty="0"/>
-              <a:t> </a:t>
-            </a:r>
-            <a:r>
-              <a:rPr lang="cs-CZ" sz="2400" b="1" dirty="0"/>
-              <a:t>bez uvedení</a:t>
-            </a:r>
-            <a:r>
-              <a:rPr lang="cs-CZ" sz="2400" dirty="0"/>
-              <a:t> počátečního nebo cílového vrcholu =&gt; </a:t>
-            </a:r>
-            <a:r>
-              <a:rPr lang="cs-CZ" sz="2400" b="1" dirty="0"/>
-              <a:t>první vrchol</a:t>
-            </a:r>
-            <a:endParaRPr lang="cs-CZ" sz="2400" b="1" i="1" dirty="0"/>
-          </a:p>
-        </p:txBody>
-      </p:sp>
-    </p:spTree>
-    <p:extLst>
-      <p:ext uri="{BB962C8B-B14F-4D97-AF65-F5344CB8AC3E}">
-        <p14:creationId xmlns:p14="http://schemas.microsoft.com/office/powerpoint/2010/main" val="584233850"/>
-      </p:ext>
-    </p:extLst>
-  </p:cSld>
-  <p:clrMapOvr>
-    <a:masterClrMapping/>
-  </p:clrMapOvr>
-</p:sld>
-</file>
-
-<file path=ppt/slides/slide7.xml><?xml version="1.0" encoding="utf-8"?>
-<p:sld xmlns:a="http://schemas.openxmlformats.org/drawingml/2006/main" xmlns:r="http://schemas.openxmlformats.org/officeDocument/2006/relationships" xmlns:p="http://schemas.openxmlformats.org/presentationml/2006/main">
-  <p:cSld>
-    <p:spTree>
-      <p:nvGrpSpPr>
-        <p:cNvPr id="1" name=""/>
-        <p:cNvGrpSpPr/>
-        <p:nvPr/>
-      </p:nvGrpSpPr>
-      <p:grpSpPr>
-        <a:xfrm>
-          <a:off x="0" y="0"/>
-          <a:ext cx="0" cy="0"/>
-          <a:chOff x="0" y="0"/>
-          <a:chExt cx="0" cy="0"/>
-        </a:xfrm>
-      </p:grpSpPr>
-      <p:sp>
-        <p:nvSpPr>
-          <p:cNvPr id="2" name="Nadpis 1">
-            <a:extLst>
-              <a:ext uri="{FF2B5EF4-FFF2-40B4-BE49-F238E27FC236}">
-                <a16:creationId xmlns:a16="http://schemas.microsoft.com/office/drawing/2014/main" id="{F0057944-10CF-4E65-881D-3DE7A48D08B3}"/>
-              </a:ext>
-            </a:extLst>
-          </p:cNvPr>
-          <p:cNvSpPr>
-            <a:spLocks noGrp="1"/>
-          </p:cNvSpPr>
-          <p:nvPr>
-            <p:ph type="title"/>
-          </p:nvPr>
-        </p:nvSpPr>
-        <p:spPr/>
-        <p:txBody>
-          <a:bodyPr/>
-          <a:lstStyle/>
-          <a:p>
-            <a:r>
-              <a:rPr lang="cs-CZ" dirty="0"/>
-              <a:t>Vývoj algoritmu</a:t>
-            </a:r>
-          </a:p>
-        </p:txBody>
-      </p:sp>
-      <p:sp>
-        <p:nvSpPr>
-          <p:cNvPr id="3" name="Zástupný obsah 2">
-            <a:extLst>
-              <a:ext uri="{FF2B5EF4-FFF2-40B4-BE49-F238E27FC236}">
-                <a16:creationId xmlns:a16="http://schemas.microsoft.com/office/drawing/2014/main" id="{E81D0E4D-E05C-4072-904E-2F251B49A43A}"/>
-              </a:ext>
-            </a:extLst>
-          </p:cNvPr>
-          <p:cNvSpPr>
-            <a:spLocks noGrp="1"/>
-          </p:cNvSpPr>
-          <p:nvPr>
-            <p:ph idx="1"/>
-          </p:nvPr>
-        </p:nvSpPr>
-        <p:spPr/>
-        <p:txBody>
-          <a:bodyPr/>
-          <a:lstStyle/>
-          <a:p>
-            <a:endParaRPr lang="cs-CZ" dirty="0"/>
-          </a:p>
-          <a:p>
-            <a:pPr marL="201168" lvl="1" indent="0">
-              <a:buNone/>
-            </a:pPr>
-            <a:endParaRPr lang="cs-CZ" dirty="0"/>
-          </a:p>
-          <a:p>
-            <a:pPr marL="201168" lvl="1" indent="0">
-              <a:buNone/>
-            </a:pPr>
-            <a:endParaRPr lang="cs-CZ" b="1" dirty="0"/>
-          </a:p>
-          <a:p>
-            <a:pPr marL="201168" lvl="1" indent="0">
-              <a:buNone/>
-            </a:pPr>
-            <a:r>
-              <a:rPr lang="cs-CZ" sz="2400" b="1" dirty="0"/>
-              <a:t>Urychlení výpočtu programu:</a:t>
-            </a:r>
-          </a:p>
-          <a:p>
-            <a:pPr lvl="1"/>
-            <a:r>
-              <a:rPr lang="cs-CZ" sz="2000" dirty="0"/>
-              <a:t>Využití dostupných vláken – </a:t>
-            </a:r>
-            <a:r>
-              <a:rPr lang="cs-CZ" sz="2000" b="1" dirty="0"/>
-              <a:t>zavrhnuto</a:t>
-            </a:r>
-            <a:r>
-              <a:rPr lang="cs-CZ" sz="2000" dirty="0"/>
-              <a:t> (malý počet výpočetních kroků, příliš velká režie)</a:t>
-            </a:r>
-          </a:p>
-          <a:p>
-            <a:pPr lvl="1"/>
-            <a:endParaRPr lang="cs-CZ" dirty="0"/>
-          </a:p>
-          <a:p>
-            <a:pPr lvl="1"/>
-            <a:endParaRPr lang="cs-CZ" dirty="0"/>
-          </a:p>
-          <a:p>
-            <a:pPr marL="201168" lvl="1" indent="0">
-              <a:buNone/>
-            </a:pPr>
-            <a:r>
-              <a:rPr lang="cs-CZ" sz="2400" b="1" dirty="0"/>
-              <a:t>Snížení paměťové náročnosti:</a:t>
-            </a:r>
-          </a:p>
-          <a:p>
-            <a:pPr lvl="1"/>
-            <a:r>
-              <a:rPr lang="cs-CZ" sz="2000" dirty="0"/>
-              <a:t>Úprava datových typů (využíváním pouze potřebných bitů)	</a:t>
-            </a:r>
-          </a:p>
-        </p:txBody>
-      </p:sp>
-    </p:spTree>
-    <p:extLst>
-      <p:ext uri="{BB962C8B-B14F-4D97-AF65-F5344CB8AC3E}">
-        <p14:creationId xmlns:p14="http://schemas.microsoft.com/office/powerpoint/2010/main" val="4086527123"/>
-      </p:ext>
-    </p:extLst>
-  </p:cSld>
-  <p:clrMapOvr>
-    <a:masterClrMapping/>
-  </p:clrMapOvr>
-</p:sld>
-</file>
-
-<file path=ppt/slides/slide8.xml><?xml version="1.0" encoding="utf-8"?>
-<p:sld xmlns:a="http://schemas.openxmlformats.org/drawingml/2006/main" xmlns:r="http://schemas.openxmlformats.org/officeDocument/2006/relationships" xmlns:p="http://schemas.openxmlformats.org/presentationml/2006/main">
-  <p:cSld>
     <p:bg>
       <p:bgPr>
         <a:solidFill>
@@ -5658,7 +4269,7 @@
           <p:nvPr>
             <p:extLst>
               <p:ext uri="{D42A27DB-BD31-4B8C-83A1-F6EECF244321}">
-                <p14:modId xmlns:p14="http://schemas.microsoft.com/office/powerpoint/2010/main" val="1611412213"/>
+                <p14:modId xmlns:p14="http://schemas.microsoft.com/office/powerpoint/2010/main" val="399714205"/>
               </p:ext>
             </p:extLst>
           </p:nvPr>
@@ -8328,7 +6939,7 @@
                         </a:spcAft>
                       </a:pPr>
                       <a:r>
-                        <a:rPr lang="cs-CZ" sz="1700" b="0" i="0" u="none" strike="noStrike">
+                        <a:rPr lang="cs-CZ" sz="1700" b="0" i="0" u="none" strike="noStrike" dirty="0">
                           <a:solidFill>
                             <a:srgbClr val="000000"/>
                           </a:solidFill>
@@ -8337,7 +6948,7 @@
                         </a:rPr>
                         <a:t>21</a:t>
                       </a:r>
-                      <a:endParaRPr lang="cs-CZ" sz="2700" b="0" i="0" u="none" strike="noStrike">
+                      <a:endParaRPr lang="cs-CZ" sz="2700" b="0" i="0" u="none" strike="noStrike" dirty="0">
                         <a:effectLst/>
                         <a:latin typeface="Arial" panose="020B0604020202020204" pitchFamily="34" charset="0"/>
                       </a:endParaRPr>
@@ -8399,7 +7010,7 @@
                         </a:spcAft>
                       </a:pPr>
                       <a:r>
-                        <a:rPr lang="cs-CZ" sz="1700" b="0" i="0" u="none" strike="noStrike">
+                        <a:rPr lang="cs-CZ" sz="1700" b="0" i="0" u="none" strike="noStrike" dirty="0">
                           <a:solidFill>
                             <a:srgbClr val="000000"/>
                           </a:solidFill>
@@ -8408,7 +7019,7 @@
                         </a:rPr>
                         <a:t>1957</a:t>
                       </a:r>
-                      <a:endParaRPr lang="cs-CZ" sz="2700" b="0" i="0" u="none" strike="noStrike">
+                      <a:endParaRPr lang="cs-CZ" sz="2700" b="0" i="0" u="none" strike="noStrike" dirty="0">
                         <a:effectLst/>
                         <a:latin typeface="Arial" panose="020B0604020202020204" pitchFamily="34" charset="0"/>
                       </a:endParaRPr>
@@ -8903,7 +7514,7 @@
                         </a:spcAft>
                       </a:pPr>
                       <a:r>
-                        <a:rPr lang="cs-CZ" sz="1700" b="0" i="0" u="none" strike="noStrike">
+                        <a:rPr lang="cs-CZ" sz="1700" b="0" i="0" u="none" strike="noStrike" dirty="0">
                           <a:solidFill>
                             <a:srgbClr val="000000"/>
                           </a:solidFill>
@@ -8912,7 +7523,7 @@
                         </a:rPr>
                         <a:t>13700</a:t>
                       </a:r>
-                      <a:endParaRPr lang="cs-CZ" sz="2700" b="0" i="0" u="none" strike="noStrike">
+                      <a:endParaRPr lang="cs-CZ" sz="2700" b="0" i="0" u="none" strike="noStrike" dirty="0">
                         <a:effectLst/>
                         <a:latin typeface="Arial" panose="020B0604020202020204" pitchFamily="34" charset="0"/>
                       </a:endParaRPr>
@@ -11283,7 +9894,284 @@
 </p:sld>
 </file>
 
-<file path=ppt/slides/slide9.xml><?xml version="1.0" encoding="utf-8"?>
+<file path=ppt/slides/slide11.xml><?xml version="1.0" encoding="utf-8"?>
+<p:sld xmlns:a="http://schemas.openxmlformats.org/drawingml/2006/main" xmlns:r="http://schemas.openxmlformats.org/officeDocument/2006/relationships" xmlns:p="http://schemas.openxmlformats.org/presentationml/2006/main">
+  <p:cSld>
+    <p:spTree>
+      <p:nvGrpSpPr>
+        <p:cNvPr id="1" name=""/>
+        <p:cNvGrpSpPr/>
+        <p:nvPr/>
+      </p:nvGrpSpPr>
+      <p:grpSpPr>
+        <a:xfrm>
+          <a:off x="0" y="0"/>
+          <a:ext cx="0" cy="0"/>
+          <a:chOff x="0" y="0"/>
+          <a:chExt cx="0" cy="0"/>
+        </a:xfrm>
+      </p:grpSpPr>
+      <p:sp>
+        <p:nvSpPr>
+          <p:cNvPr id="2" name="Nadpis 1">
+            <a:extLst>
+              <a:ext uri="{FF2B5EF4-FFF2-40B4-BE49-F238E27FC236}">
+                <a16:creationId xmlns:a16="http://schemas.microsoft.com/office/drawing/2014/main" id="{719F12E0-B518-43F4-945B-D6F9463828FB}"/>
+              </a:ext>
+            </a:extLst>
+          </p:cNvPr>
+          <p:cNvSpPr>
+            <a:spLocks noGrp="1"/>
+          </p:cNvSpPr>
+          <p:nvPr>
+            <p:ph type="title"/>
+          </p:nvPr>
+        </p:nvSpPr>
+        <p:spPr/>
+        <p:txBody>
+          <a:bodyPr/>
+          <a:lstStyle/>
+          <a:p>
+            <a:r>
+              <a:rPr lang="cs-CZ" dirty="0"/>
+              <a:t>Zdroje</a:t>
+            </a:r>
+          </a:p>
+        </p:txBody>
+      </p:sp>
+      <p:sp>
+        <p:nvSpPr>
+          <p:cNvPr id="3" name="Zástupný obsah 2">
+            <a:extLst>
+              <a:ext uri="{FF2B5EF4-FFF2-40B4-BE49-F238E27FC236}">
+                <a16:creationId xmlns:a16="http://schemas.microsoft.com/office/drawing/2014/main" id="{8FC52205-6613-4D50-9267-99197AF75DBA}"/>
+              </a:ext>
+            </a:extLst>
+          </p:cNvPr>
+          <p:cNvSpPr>
+            <a:spLocks noGrp="1"/>
+          </p:cNvSpPr>
+          <p:nvPr>
+            <p:ph idx="1"/>
+          </p:nvPr>
+        </p:nvSpPr>
+        <p:spPr>
+          <a:xfrm>
+            <a:off x="1097280" y="1845734"/>
+            <a:ext cx="10058400" cy="4023360"/>
+          </a:xfrm>
+        </p:spPr>
+        <p:txBody>
+          <a:bodyPr/>
+          <a:lstStyle/>
+          <a:p>
+            <a:pPr>
+              <a:buFont typeface="Arial" panose="020B0604020202020204" pitchFamily="34" charset="0"/>
+              <a:buChar char="•"/>
+            </a:pPr>
+            <a:r>
+              <a:rPr lang="cs-CZ" dirty="0"/>
+              <a:t> Studijní materiály k předmětu IAL</a:t>
+            </a:r>
+          </a:p>
+          <a:p>
+            <a:pPr>
+              <a:buFont typeface="Arial" panose="020B0604020202020204" pitchFamily="34" charset="0"/>
+              <a:buChar char="•"/>
+            </a:pPr>
+            <a:r>
+              <a:rPr lang="cs-CZ" dirty="0"/>
+              <a:t> </a:t>
+            </a:r>
+            <a:r>
+              <a:rPr lang="cs-CZ" dirty="0" err="1"/>
+              <a:t>Gould</a:t>
+            </a:r>
+            <a:r>
+              <a:rPr lang="cs-CZ" dirty="0"/>
+              <a:t>, R.: </a:t>
+            </a:r>
+            <a:r>
+              <a:rPr lang="cs-CZ" dirty="0" err="1"/>
+              <a:t>Advances</a:t>
+            </a:r>
+            <a:r>
+              <a:rPr lang="cs-CZ" dirty="0"/>
+              <a:t> on </a:t>
+            </a:r>
+            <a:r>
+              <a:rPr lang="cs-CZ" dirty="0" err="1"/>
+              <a:t>the</a:t>
+            </a:r>
+            <a:r>
+              <a:rPr lang="cs-CZ" dirty="0"/>
+              <a:t> </a:t>
+            </a:r>
+            <a:r>
+              <a:rPr lang="cs-CZ" dirty="0" err="1"/>
+              <a:t>Hamiltonian</a:t>
+            </a:r>
+            <a:r>
+              <a:rPr lang="cs-CZ" dirty="0"/>
+              <a:t> </a:t>
+            </a:r>
+            <a:r>
+              <a:rPr lang="cs-CZ" dirty="0" err="1"/>
+              <a:t>Problem</a:t>
+            </a:r>
+            <a:r>
+              <a:rPr lang="cs-CZ" dirty="0"/>
+              <a:t> - A </a:t>
+            </a:r>
+            <a:r>
+              <a:rPr lang="cs-CZ" dirty="0" err="1"/>
+              <a:t>Survey</a:t>
+            </a:r>
+            <a:r>
+              <a:rPr lang="cs-CZ" dirty="0"/>
+              <a:t>. [online]. 2002 [cit. 2017-12-05]. URL http://www.mathcs.emory.edu/ </a:t>
+            </a:r>
+            <a:r>
+              <a:rPr lang="cs-CZ" dirty="0" err="1"/>
+              <a:t>rg</a:t>
+            </a:r>
+            <a:r>
+              <a:rPr lang="cs-CZ" dirty="0"/>
+              <a:t>/advances.pdf</a:t>
+            </a:r>
+          </a:p>
+          <a:p>
+            <a:pPr>
+              <a:buFont typeface="Arial" panose="020B0604020202020204" pitchFamily="34" charset="0"/>
+              <a:buChar char="•"/>
+            </a:pPr>
+            <a:r>
+              <a:rPr lang="cs-CZ" dirty="0"/>
+              <a:t> </a:t>
+            </a:r>
+            <a:r>
+              <a:rPr lang="cs-CZ" dirty="0" err="1"/>
+              <a:t>Travelling</a:t>
+            </a:r>
+            <a:r>
+              <a:rPr lang="cs-CZ" dirty="0"/>
+              <a:t> </a:t>
+            </a:r>
+            <a:r>
+              <a:rPr lang="cs-CZ" dirty="0" err="1"/>
+              <a:t>Salesman</a:t>
+            </a:r>
+            <a:r>
+              <a:rPr lang="cs-CZ" dirty="0"/>
+              <a:t> </a:t>
+            </a:r>
+            <a:r>
+              <a:rPr lang="cs-CZ" dirty="0" err="1"/>
+              <a:t>Problem</a:t>
+            </a:r>
+            <a:r>
+              <a:rPr lang="cs-CZ" dirty="0"/>
+              <a:t> | Set 1 (</a:t>
+            </a:r>
+            <a:r>
+              <a:rPr lang="cs-CZ" dirty="0" err="1"/>
+              <a:t>Naive</a:t>
+            </a:r>
+            <a:r>
+              <a:rPr lang="cs-CZ" dirty="0"/>
+              <a:t> and </a:t>
+            </a:r>
+            <a:r>
+              <a:rPr lang="cs-CZ" dirty="0" err="1"/>
+              <a:t>Dynamic</a:t>
+            </a:r>
+            <a:r>
+              <a:rPr lang="cs-CZ" dirty="0"/>
+              <a:t> </a:t>
+            </a:r>
+            <a:r>
+              <a:rPr lang="cs-CZ" dirty="0" err="1"/>
+              <a:t>Programming</a:t>
+            </a:r>
+            <a:r>
+              <a:rPr lang="cs-CZ" dirty="0"/>
+              <a:t>) - </a:t>
+            </a:r>
+            <a:r>
+              <a:rPr lang="cs-CZ" dirty="0" err="1"/>
+              <a:t>GeeksforGeeks</a:t>
+            </a:r>
+            <a:r>
+              <a:rPr lang="cs-CZ" dirty="0"/>
+              <a:t>. </a:t>
+            </a:r>
+            <a:r>
+              <a:rPr lang="cs-CZ" i="1" dirty="0" err="1"/>
+              <a:t>GeeksforGeeks</a:t>
+            </a:r>
+            <a:r>
+              <a:rPr lang="cs-CZ" i="1" dirty="0"/>
+              <a:t> | A </a:t>
+            </a:r>
+            <a:r>
+              <a:rPr lang="cs-CZ" i="1" dirty="0" err="1"/>
+              <a:t>computer</a:t>
+            </a:r>
+            <a:r>
+              <a:rPr lang="cs-CZ" i="1" dirty="0"/>
+              <a:t> science </a:t>
+            </a:r>
+            <a:r>
+              <a:rPr lang="cs-CZ" i="1" dirty="0" err="1"/>
+              <a:t>portal</a:t>
+            </a:r>
+            <a:r>
+              <a:rPr lang="cs-CZ" i="1" dirty="0"/>
+              <a:t> </a:t>
+            </a:r>
+            <a:r>
+              <a:rPr lang="cs-CZ" i="1" dirty="0" err="1"/>
+              <a:t>for</a:t>
+            </a:r>
+            <a:r>
+              <a:rPr lang="cs-CZ" i="1" dirty="0"/>
+              <a:t> </a:t>
+            </a:r>
+            <a:r>
+              <a:rPr lang="cs-CZ" i="1" dirty="0" err="1"/>
+              <a:t>geeks</a:t>
+            </a:r>
+            <a:r>
+              <a:rPr lang="cs-CZ" dirty="0"/>
+              <a:t> [online]. Dostupné z: </a:t>
+            </a:r>
+            <a:r>
+              <a:rPr lang="cs-CZ" dirty="0">
+                <a:hlinkClick r:id="rId2"/>
+              </a:rPr>
+              <a:t>https://www.geeksforgeeks.org/travelling-salesman-problem-set-1/</a:t>
+            </a:r>
+            <a:endParaRPr lang="cs-CZ" dirty="0"/>
+          </a:p>
+          <a:p>
+            <a:endParaRPr lang="cs-CZ" dirty="0"/>
+          </a:p>
+        </p:txBody>
+      </p:sp>
+    </p:spTree>
+    <p:extLst>
+      <p:ext uri="{BB962C8B-B14F-4D97-AF65-F5344CB8AC3E}">
+        <p14:creationId xmlns:p14="http://schemas.microsoft.com/office/powerpoint/2010/main" val="3301178712"/>
+      </p:ext>
+    </p:extLst>
+  </p:cSld>
+  <p:clrMapOvr>
+    <a:masterClrMapping/>
+  </p:clrMapOvr>
+</p:sld>
+</file>
+
+<file path=ppt/slides/slide12.xml><?xml version="1.0" encoding="utf-8"?>
 <p:sld xmlns:a="http://schemas.openxmlformats.org/drawingml/2006/main" xmlns:r="http://schemas.openxmlformats.org/officeDocument/2006/relationships" xmlns:p="http://schemas.openxmlformats.org/presentationml/2006/main">
   <p:cSld>
     <p:spTree>
@@ -11375,6 +10263,6682 @@
     <p:extLst>
       <p:ext uri="{BB962C8B-B14F-4D97-AF65-F5344CB8AC3E}">
         <p14:creationId xmlns:p14="http://schemas.microsoft.com/office/powerpoint/2010/main" val="4140377244"/>
+      </p:ext>
+    </p:extLst>
+  </p:cSld>
+  <p:clrMapOvr>
+    <a:masterClrMapping/>
+  </p:clrMapOvr>
+</p:sld>
+</file>
+
+<file path=ppt/slides/slide2.xml><?xml version="1.0" encoding="utf-8"?>
+<p:sld xmlns:a="http://schemas.openxmlformats.org/drawingml/2006/main" xmlns:r="http://schemas.openxmlformats.org/officeDocument/2006/relationships" xmlns:p="http://schemas.openxmlformats.org/presentationml/2006/main">
+  <p:cSld>
+    <p:spTree>
+      <p:nvGrpSpPr>
+        <p:cNvPr id="1" name=""/>
+        <p:cNvGrpSpPr/>
+        <p:nvPr/>
+      </p:nvGrpSpPr>
+      <p:grpSpPr>
+        <a:xfrm>
+          <a:off x="0" y="0"/>
+          <a:ext cx="0" cy="0"/>
+          <a:chOff x="0" y="0"/>
+          <a:chExt cx="0" cy="0"/>
+        </a:xfrm>
+      </p:grpSpPr>
+      <p:sp>
+        <p:nvSpPr>
+          <p:cNvPr id="2" name="Nadpis 1">
+            <a:extLst>
+              <a:ext uri="{FF2B5EF4-FFF2-40B4-BE49-F238E27FC236}">
+                <a16:creationId xmlns:a16="http://schemas.microsoft.com/office/drawing/2014/main" id="{8FC3AB73-416D-485E-BD80-44B99769B344}"/>
+              </a:ext>
+            </a:extLst>
+          </p:cNvPr>
+          <p:cNvSpPr>
+            <a:spLocks noGrp="1"/>
+          </p:cNvSpPr>
+          <p:nvPr>
+            <p:ph type="title"/>
+          </p:nvPr>
+        </p:nvSpPr>
+        <p:spPr/>
+        <p:txBody>
+          <a:bodyPr/>
+          <a:lstStyle/>
+          <a:p>
+            <a:r>
+              <a:rPr lang="cs-CZ" dirty="0"/>
+              <a:t>Trocha teorie</a:t>
+            </a:r>
+          </a:p>
+        </p:txBody>
+      </p:sp>
+      <p:sp>
+        <p:nvSpPr>
+          <p:cNvPr id="3" name="Zástupný obsah 2">
+            <a:extLst>
+              <a:ext uri="{FF2B5EF4-FFF2-40B4-BE49-F238E27FC236}">
+                <a16:creationId xmlns:a16="http://schemas.microsoft.com/office/drawing/2014/main" id="{2F87AE1B-BEC9-4EE0-BD2A-3D7D427AAECE}"/>
+              </a:ext>
+            </a:extLst>
+          </p:cNvPr>
+          <p:cNvSpPr>
+            <a:spLocks noGrp="1"/>
+          </p:cNvSpPr>
+          <p:nvPr>
+            <p:ph idx="1"/>
+          </p:nvPr>
+        </p:nvSpPr>
+        <p:spPr/>
+        <p:txBody>
+          <a:bodyPr>
+            <a:normAutofit fontScale="92500"/>
+          </a:bodyPr>
+          <a:lstStyle/>
+          <a:p>
+            <a:pPr marL="0" indent="0">
+              <a:buNone/>
+            </a:pPr>
+            <a:endParaRPr lang="cs-CZ" sz="2400" dirty="0"/>
+          </a:p>
+          <a:p>
+            <a:pPr marL="0" indent="0">
+              <a:buNone/>
+            </a:pPr>
+            <a:endParaRPr lang="cs-CZ" sz="2400" dirty="0"/>
+          </a:p>
+          <a:p>
+            <a:pPr>
+              <a:buFont typeface="Arial" panose="020B0604020202020204" pitchFamily="34" charset="0"/>
+              <a:buChar char="•"/>
+            </a:pPr>
+            <a:r>
+              <a:rPr lang="cs-CZ" sz="2400" dirty="0"/>
+              <a:t> </a:t>
+            </a:r>
+            <a:r>
+              <a:rPr lang="cs-CZ" sz="2400" dirty="0" err="1"/>
+              <a:t>Hamiltonovská</a:t>
+            </a:r>
+            <a:r>
+              <a:rPr lang="cs-CZ" sz="2400" dirty="0"/>
+              <a:t> </a:t>
+            </a:r>
+            <a:r>
+              <a:rPr lang="cs-CZ" sz="2400" b="1" dirty="0"/>
+              <a:t>cesta</a:t>
+            </a:r>
+            <a:r>
+              <a:rPr lang="cs-CZ" sz="2400" dirty="0"/>
+              <a:t> v grafu </a:t>
+            </a:r>
+            <a:r>
+              <a:rPr lang="cs-CZ" sz="2400" b="1" dirty="0"/>
+              <a:t>G</a:t>
+            </a:r>
+            <a:r>
+              <a:rPr lang="cs-CZ" sz="2400" dirty="0"/>
+              <a:t> je cesta, která obsahuje každý vrchol </a:t>
+            </a:r>
+            <a:r>
+              <a:rPr lang="cs-CZ" sz="2400" b="1" dirty="0"/>
+              <a:t>V</a:t>
+            </a:r>
+            <a:r>
+              <a:rPr lang="cs-CZ" sz="2400" dirty="0"/>
+              <a:t> </a:t>
+            </a:r>
+            <a:r>
+              <a:rPr lang="cs-CZ" sz="2400" dirty="0" err="1"/>
+              <a:t>v</a:t>
+            </a:r>
+            <a:r>
+              <a:rPr lang="cs-CZ" sz="2400" dirty="0"/>
+              <a:t> grafu </a:t>
+            </a:r>
+            <a:r>
+              <a:rPr lang="cs-CZ" sz="2400" b="1" dirty="0"/>
+              <a:t>G</a:t>
+            </a:r>
+            <a:r>
+              <a:rPr lang="cs-CZ" sz="2400" dirty="0"/>
+              <a:t> právě jednou a žádná z využitých cest </a:t>
+            </a:r>
+            <a:r>
+              <a:rPr lang="cs-CZ" sz="2400" b="1" dirty="0"/>
+              <a:t>P</a:t>
+            </a:r>
+            <a:r>
+              <a:rPr lang="cs-CZ" sz="2400" dirty="0"/>
+              <a:t> se neopakuje</a:t>
+            </a:r>
+          </a:p>
+          <a:p>
+            <a:pPr>
+              <a:buFont typeface="Arial" panose="020B0604020202020204" pitchFamily="34" charset="0"/>
+              <a:buChar char="•"/>
+            </a:pPr>
+            <a:r>
+              <a:rPr lang="cs-CZ" sz="2400" dirty="0"/>
+              <a:t>pokud v grafu </a:t>
+            </a:r>
+            <a:r>
+              <a:rPr lang="cs-CZ" sz="2400" b="1" dirty="0"/>
+              <a:t>G</a:t>
+            </a:r>
+            <a:r>
+              <a:rPr lang="cs-CZ" sz="2400" dirty="0"/>
+              <a:t> existuje cesta délky </a:t>
+            </a:r>
+            <a:r>
+              <a:rPr lang="cs-CZ" sz="2400" b="1" dirty="0"/>
+              <a:t>V – 1 </a:t>
+            </a:r>
+            <a:r>
+              <a:rPr lang="cs-CZ" sz="2400" dirty="0"/>
+              <a:t>splňující první bod, je </a:t>
+            </a:r>
+            <a:r>
+              <a:rPr lang="cs-CZ" sz="2400" b="1" dirty="0"/>
+              <a:t>cesta</a:t>
+            </a:r>
+            <a:r>
+              <a:rPr lang="cs-CZ" sz="2400" dirty="0"/>
+              <a:t> </a:t>
+            </a:r>
+            <a:r>
+              <a:rPr lang="cs-CZ" sz="2400" dirty="0" err="1"/>
+              <a:t>Hamiltonovská</a:t>
+            </a:r>
+            <a:endParaRPr lang="cs-CZ" sz="2400" dirty="0"/>
+          </a:p>
+          <a:p>
+            <a:pPr>
+              <a:buFont typeface="Arial" panose="020B0604020202020204" pitchFamily="34" charset="0"/>
+              <a:buChar char="•"/>
+            </a:pPr>
+            <a:r>
+              <a:rPr lang="cs-CZ" sz="2400" dirty="0"/>
+              <a:t>pokud začíná a končí ve stejném vrcholu a je délky </a:t>
+            </a:r>
+            <a:r>
+              <a:rPr lang="cs-CZ" sz="2400" b="1" dirty="0"/>
+              <a:t>V</a:t>
+            </a:r>
+            <a:r>
+              <a:rPr lang="cs-CZ" sz="2400" dirty="0"/>
+              <a:t>, jedná se o </a:t>
+            </a:r>
+            <a:r>
+              <a:rPr lang="cs-CZ" sz="2400" b="1" dirty="0"/>
+              <a:t>cyklus</a:t>
+            </a:r>
+            <a:r>
+              <a:rPr lang="cs-CZ" sz="2400" dirty="0"/>
+              <a:t>, kterého délka  je </a:t>
+            </a:r>
+            <a:r>
+              <a:rPr lang="cs-CZ" sz="2400" b="1" dirty="0"/>
+              <a:t>V</a:t>
+            </a:r>
+          </a:p>
+          <a:p>
+            <a:pPr>
+              <a:buFont typeface="Arial" panose="020B0604020202020204" pitchFamily="34" charset="0"/>
+              <a:buChar char="•"/>
+            </a:pPr>
+            <a:r>
+              <a:rPr lang="cs-CZ" sz="2400" dirty="0"/>
+              <a:t> </a:t>
+            </a:r>
+            <a:r>
+              <a:rPr lang="cs-CZ" sz="2400" dirty="0" err="1"/>
+              <a:t>Hamiltonovská</a:t>
+            </a:r>
+            <a:r>
+              <a:rPr lang="cs-CZ" sz="2400" dirty="0"/>
+              <a:t> cesta je také vždy nejdelší cestou v grafu</a:t>
+            </a:r>
+          </a:p>
+          <a:p>
+            <a:pPr>
+              <a:buFont typeface="Arial" panose="020B0604020202020204" pitchFamily="34" charset="0"/>
+              <a:buChar char="•"/>
+            </a:pPr>
+            <a:r>
+              <a:rPr lang="cs-CZ" sz="2400" dirty="0"/>
+              <a:t> Tato úloha spadá dle obtížnosti do kategorie </a:t>
+            </a:r>
+            <a:r>
+              <a:rPr lang="cs-CZ" sz="2400" b="1" i="1" dirty="0"/>
+              <a:t>NP-úplné</a:t>
+            </a:r>
+          </a:p>
+        </p:txBody>
+      </p:sp>
+    </p:spTree>
+    <p:extLst>
+      <p:ext uri="{BB962C8B-B14F-4D97-AF65-F5344CB8AC3E}">
+        <p14:creationId xmlns:p14="http://schemas.microsoft.com/office/powerpoint/2010/main" val="3022867241"/>
+      </p:ext>
+    </p:extLst>
+  </p:cSld>
+  <p:clrMapOvr>
+    <a:masterClrMapping/>
+  </p:clrMapOvr>
+</p:sld>
+</file>
+
+<file path=ppt/slides/slide3.xml><?xml version="1.0" encoding="utf-8"?>
+<p:sld xmlns:a="http://schemas.openxmlformats.org/drawingml/2006/main" xmlns:r="http://schemas.openxmlformats.org/officeDocument/2006/relationships" xmlns:p="http://schemas.openxmlformats.org/presentationml/2006/main">
+  <p:cSld>
+    <p:spTree>
+      <p:nvGrpSpPr>
+        <p:cNvPr id="1" name=""/>
+        <p:cNvGrpSpPr/>
+        <p:nvPr/>
+      </p:nvGrpSpPr>
+      <p:grpSpPr>
+        <a:xfrm>
+          <a:off x="0" y="0"/>
+          <a:ext cx="0" cy="0"/>
+          <a:chOff x="0" y="0"/>
+          <a:chExt cx="0" cy="0"/>
+        </a:xfrm>
+      </p:grpSpPr>
+      <p:sp>
+        <p:nvSpPr>
+          <p:cNvPr id="2" name="Nadpis 1">
+            <a:extLst>
+              <a:ext uri="{FF2B5EF4-FFF2-40B4-BE49-F238E27FC236}">
+                <a16:creationId xmlns:a16="http://schemas.microsoft.com/office/drawing/2014/main" id="{7BDE4F46-745A-4315-AD6D-7463925466E0}"/>
+              </a:ext>
+            </a:extLst>
+          </p:cNvPr>
+          <p:cNvSpPr>
+            <a:spLocks noGrp="1"/>
+          </p:cNvSpPr>
+          <p:nvPr>
+            <p:ph type="title"/>
+          </p:nvPr>
+        </p:nvSpPr>
+        <p:spPr/>
+        <p:txBody>
+          <a:bodyPr/>
+          <a:lstStyle/>
+          <a:p>
+            <a:r>
+              <a:rPr lang="cs-CZ" dirty="0"/>
+              <a:t>Základní vstupní podmínky</a:t>
+            </a:r>
+          </a:p>
+        </p:txBody>
+      </p:sp>
+      <p:sp>
+        <p:nvSpPr>
+          <p:cNvPr id="3" name="Zástupný obsah 2">
+            <a:extLst>
+              <a:ext uri="{FF2B5EF4-FFF2-40B4-BE49-F238E27FC236}">
+                <a16:creationId xmlns:a16="http://schemas.microsoft.com/office/drawing/2014/main" id="{3D488458-11E3-4DCE-9AE0-436CBF3FBBF7}"/>
+              </a:ext>
+            </a:extLst>
+          </p:cNvPr>
+          <p:cNvSpPr>
+            <a:spLocks noGrp="1"/>
+          </p:cNvSpPr>
+          <p:nvPr>
+            <p:ph idx="1"/>
+          </p:nvPr>
+        </p:nvSpPr>
+        <p:spPr/>
+        <p:txBody>
+          <a:bodyPr>
+            <a:normAutofit/>
+          </a:bodyPr>
+          <a:lstStyle/>
+          <a:p>
+            <a:pPr marL="0" indent="0">
+              <a:buNone/>
+            </a:pPr>
+            <a:endParaRPr lang="cs-CZ" sz="2400" u="sng" dirty="0"/>
+          </a:p>
+          <a:p>
+            <a:pPr marL="457200" indent="-457200">
+              <a:buFont typeface="+mj-lt"/>
+              <a:buAutoNum type="arabicPeriod"/>
+            </a:pPr>
+            <a:r>
+              <a:rPr lang="cs-CZ" sz="2400" dirty="0"/>
+              <a:t>Počet vrcholů </a:t>
+            </a:r>
+            <a:r>
+              <a:rPr lang="cs-CZ" sz="2400" b="1" dirty="0"/>
+              <a:t>&gt; 2</a:t>
+            </a:r>
+          </a:p>
+          <a:p>
+            <a:pPr marL="457200" indent="-457200">
+              <a:buFont typeface="+mj-lt"/>
+              <a:buAutoNum type="arabicPeriod"/>
+            </a:pPr>
+            <a:r>
+              <a:rPr lang="cs-CZ" sz="2400" dirty="0"/>
+              <a:t>Stupeň každého z vrcholů pro cestu </a:t>
+            </a:r>
+            <a:r>
+              <a:rPr lang="cs-CZ" sz="2400" b="1" dirty="0"/>
+              <a:t>&gt;= 1</a:t>
+            </a:r>
+          </a:p>
+          <a:p>
+            <a:pPr marL="457200" indent="-457200">
+              <a:buFont typeface="+mj-lt"/>
+              <a:buAutoNum type="arabicPeriod"/>
+            </a:pPr>
+            <a:r>
+              <a:rPr lang="cs-CZ" sz="2400" dirty="0"/>
+              <a:t>Stupeň každého z vrcholů pro cyklus </a:t>
+            </a:r>
+            <a:r>
+              <a:rPr lang="cs-CZ" sz="2400" b="1" dirty="0"/>
+              <a:t>&gt;= 2</a:t>
+            </a:r>
+          </a:p>
+          <a:p>
+            <a:pPr marL="457200" indent="-457200">
+              <a:buFont typeface="+mj-lt"/>
+              <a:buAutoNum type="arabicPeriod"/>
+            </a:pPr>
+            <a:endParaRPr lang="cs-CZ" sz="2400" b="1" dirty="0"/>
+          </a:p>
+          <a:p>
+            <a:pPr marL="0" indent="0">
+              <a:buNone/>
+            </a:pPr>
+            <a:r>
+              <a:rPr lang="cs-CZ" sz="2400" b="1" dirty="0"/>
+              <a:t>Stupeň vrcholu: </a:t>
+            </a:r>
+            <a:r>
+              <a:rPr lang="cs-CZ" sz="2400" dirty="0"/>
+              <a:t>počet hran, které jsou s daným vrcholem spojené</a:t>
+            </a:r>
+          </a:p>
+          <a:p>
+            <a:pPr marL="0" indent="0">
+              <a:buNone/>
+            </a:pPr>
+            <a:r>
+              <a:rPr lang="cs-CZ" sz="2400" b="1" dirty="0"/>
+              <a:t>Při nesplnění podmínek se program nespouští!</a:t>
+            </a:r>
+          </a:p>
+        </p:txBody>
+      </p:sp>
+    </p:spTree>
+    <p:extLst>
+      <p:ext uri="{BB962C8B-B14F-4D97-AF65-F5344CB8AC3E}">
+        <p14:creationId xmlns:p14="http://schemas.microsoft.com/office/powerpoint/2010/main" val="3267106069"/>
+      </p:ext>
+    </p:extLst>
+  </p:cSld>
+  <p:clrMapOvr>
+    <a:masterClrMapping/>
+  </p:clrMapOvr>
+</p:sld>
+</file>
+
+<file path=ppt/slides/slide4.xml><?xml version="1.0" encoding="utf-8"?>
+<p:sld xmlns:a="http://schemas.openxmlformats.org/drawingml/2006/main" xmlns:r="http://schemas.openxmlformats.org/officeDocument/2006/relationships" xmlns:p="http://schemas.openxmlformats.org/presentationml/2006/main">
+  <p:cSld>
+    <p:spTree>
+      <p:nvGrpSpPr>
+        <p:cNvPr id="1" name=""/>
+        <p:cNvGrpSpPr/>
+        <p:nvPr/>
+      </p:nvGrpSpPr>
+      <p:grpSpPr>
+        <a:xfrm>
+          <a:off x="0" y="0"/>
+          <a:ext cx="0" cy="0"/>
+          <a:chOff x="0" y="0"/>
+          <a:chExt cx="0" cy="0"/>
+        </a:xfrm>
+      </p:grpSpPr>
+      <p:sp>
+        <p:nvSpPr>
+          <p:cNvPr id="2" name="Nadpis 1">
+            <a:extLst>
+              <a:ext uri="{FF2B5EF4-FFF2-40B4-BE49-F238E27FC236}">
+                <a16:creationId xmlns:a16="http://schemas.microsoft.com/office/drawing/2014/main" id="{3206989A-3715-46A4-8B42-0E4CCCF725AD}"/>
+              </a:ext>
+            </a:extLst>
+          </p:cNvPr>
+          <p:cNvSpPr>
+            <a:spLocks noGrp="1"/>
+          </p:cNvSpPr>
+          <p:nvPr>
+            <p:ph type="title"/>
+          </p:nvPr>
+        </p:nvSpPr>
+        <p:spPr/>
+        <p:txBody>
+          <a:bodyPr/>
+          <a:lstStyle/>
+          <a:p>
+            <a:r>
+              <a:rPr lang="cs-CZ" dirty="0"/>
+              <a:t>Rozšířené vstupní podmínky</a:t>
+            </a:r>
+          </a:p>
+        </p:txBody>
+      </p:sp>
+      <p:sp>
+        <p:nvSpPr>
+          <p:cNvPr id="3" name="Zástupný obsah 2">
+            <a:extLst>
+              <a:ext uri="{FF2B5EF4-FFF2-40B4-BE49-F238E27FC236}">
+                <a16:creationId xmlns:a16="http://schemas.microsoft.com/office/drawing/2014/main" id="{C331DC36-BA60-46F8-B9E2-C3D2AC73A4B8}"/>
+              </a:ext>
+            </a:extLst>
+          </p:cNvPr>
+          <p:cNvSpPr>
+            <a:spLocks noGrp="1"/>
+          </p:cNvSpPr>
+          <p:nvPr>
+            <p:ph idx="1"/>
+          </p:nvPr>
+        </p:nvSpPr>
+        <p:spPr>
+          <a:xfrm>
+            <a:off x="1097280" y="1845734"/>
+            <a:ext cx="10058400" cy="4023360"/>
+          </a:xfrm>
+        </p:spPr>
+        <p:txBody>
+          <a:bodyPr>
+            <a:normAutofit/>
+          </a:bodyPr>
+          <a:lstStyle/>
+          <a:p>
+            <a:pPr marL="0" indent="0">
+              <a:buNone/>
+            </a:pPr>
+            <a:r>
+              <a:rPr lang="cs-CZ" sz="2400" u="sng" dirty="0"/>
+              <a:t> </a:t>
+            </a:r>
+          </a:p>
+          <a:p>
+            <a:pPr marL="457200" indent="-457200" algn="just">
+              <a:buFont typeface="+mj-lt"/>
+              <a:buAutoNum type="arabicPeriod"/>
+            </a:pPr>
+            <a:r>
+              <a:rPr lang="cs-CZ" sz="2400" b="1" dirty="0" err="1"/>
+              <a:t>Diracova</a:t>
+            </a:r>
+            <a:r>
+              <a:rPr lang="cs-CZ" sz="2400" dirty="0"/>
+              <a:t> - každý uzel má stupeň alespoň ½ celkového počtu uzlů</a:t>
+            </a:r>
+          </a:p>
+          <a:p>
+            <a:pPr marL="457200" indent="-457200" algn="just">
+              <a:buFont typeface="+mj-lt"/>
+              <a:buAutoNum type="arabicPeriod"/>
+            </a:pPr>
+            <a:r>
+              <a:rPr lang="cs-CZ" sz="2400" b="1" dirty="0" err="1"/>
+              <a:t>Oreho</a:t>
+            </a:r>
+            <a:r>
+              <a:rPr lang="cs-CZ" sz="2400" dirty="0"/>
+              <a:t> - každá dvojice uzlů nespojených hranou má součet stupňů alespoň jako je celkový počet vrcholů</a:t>
+            </a:r>
+          </a:p>
+          <a:p>
+            <a:pPr marL="457200" indent="-457200" algn="just">
+              <a:buFont typeface="+mj-lt"/>
+              <a:buAutoNum type="arabicPeriod"/>
+            </a:pPr>
+            <a:r>
+              <a:rPr lang="cs-CZ" sz="2400" b="1" dirty="0" err="1"/>
+              <a:t>Pósova</a:t>
+            </a:r>
+            <a:r>
+              <a:rPr lang="cs-CZ" sz="2400" dirty="0"/>
+              <a:t> - pro každé přirozené číslo </a:t>
+            </a:r>
+            <a:r>
+              <a:rPr lang="cs-CZ" sz="2400" b="1" dirty="0"/>
+              <a:t>k &lt; ½</a:t>
+            </a:r>
+            <a:r>
+              <a:rPr lang="cs-CZ" sz="2400" dirty="0"/>
+              <a:t> celkového počtu vrcholů existuje počet uzlů, jejichž stupeň nepřevyšuje </a:t>
+            </a:r>
+            <a:r>
+              <a:rPr lang="cs-CZ" sz="2400" b="1" dirty="0"/>
+              <a:t>k</a:t>
+            </a:r>
+            <a:r>
+              <a:rPr lang="cs-CZ" sz="2400" dirty="0"/>
+              <a:t>, menší než </a:t>
+            </a:r>
+            <a:r>
+              <a:rPr lang="cs-CZ" sz="2400" b="1" dirty="0"/>
+              <a:t>k</a:t>
+            </a:r>
+          </a:p>
+          <a:p>
+            <a:pPr marL="457200" indent="-457200" algn="just">
+              <a:buFont typeface="+mj-lt"/>
+              <a:buAutoNum type="arabicPeriod"/>
+            </a:pPr>
+            <a:endParaRPr lang="cs-CZ" sz="2400" b="1" dirty="0"/>
+          </a:p>
+          <a:p>
+            <a:pPr marL="0" indent="0" algn="just">
+              <a:buNone/>
+            </a:pPr>
+            <a:r>
+              <a:rPr lang="cs-CZ" sz="2400" b="1" dirty="0"/>
+              <a:t>Pouze jako informace navíc! </a:t>
+            </a:r>
+            <a:r>
+              <a:rPr lang="cs-CZ" sz="2400" dirty="0"/>
+              <a:t>(při zapnutém </a:t>
+            </a:r>
+            <a:r>
+              <a:rPr lang="cs-CZ" sz="2400" dirty="0" err="1"/>
+              <a:t>debug</a:t>
+            </a:r>
+            <a:r>
+              <a:rPr lang="cs-CZ" sz="2400" dirty="0"/>
+              <a:t> módu)</a:t>
+            </a:r>
+            <a:endParaRPr lang="cs-CZ" sz="2400" b="1" dirty="0"/>
+          </a:p>
+          <a:p>
+            <a:endParaRPr lang="cs-CZ" sz="2400" dirty="0"/>
+          </a:p>
+        </p:txBody>
+      </p:sp>
+    </p:spTree>
+    <p:extLst>
+      <p:ext uri="{BB962C8B-B14F-4D97-AF65-F5344CB8AC3E}">
+        <p14:creationId xmlns:p14="http://schemas.microsoft.com/office/powerpoint/2010/main" val="269123624"/>
+      </p:ext>
+    </p:extLst>
+  </p:cSld>
+  <p:clrMapOvr>
+    <a:masterClrMapping/>
+  </p:clrMapOvr>
+</p:sld>
+</file>
+
+<file path=ppt/slides/slide5.xml><?xml version="1.0" encoding="utf-8"?>
+<p:sld xmlns:a="http://schemas.openxmlformats.org/drawingml/2006/main" xmlns:r="http://schemas.openxmlformats.org/officeDocument/2006/relationships" xmlns:p="http://schemas.openxmlformats.org/presentationml/2006/main">
+  <p:cSld>
+    <p:spTree>
+      <p:nvGrpSpPr>
+        <p:cNvPr id="1" name=""/>
+        <p:cNvGrpSpPr/>
+        <p:nvPr/>
+      </p:nvGrpSpPr>
+      <p:grpSpPr>
+        <a:xfrm>
+          <a:off x="0" y="0"/>
+          <a:ext cx="0" cy="0"/>
+          <a:chOff x="0" y="0"/>
+          <a:chExt cx="0" cy="0"/>
+        </a:xfrm>
+      </p:grpSpPr>
+      <p:pic>
+        <p:nvPicPr>
+          <p:cNvPr id="6" name="Obrázek 5">
+            <a:extLst>
+              <a:ext uri="{FF2B5EF4-FFF2-40B4-BE49-F238E27FC236}">
+                <a16:creationId xmlns:a16="http://schemas.microsoft.com/office/drawing/2014/main" id="{C9584108-DF31-402A-8F9D-390A32278A39}"/>
+              </a:ext>
+            </a:extLst>
+          </p:cNvPr>
+          <p:cNvPicPr>
+            <a:picLocks noChangeAspect="1"/>
+          </p:cNvPicPr>
+          <p:nvPr/>
+        </p:nvPicPr>
+        <p:blipFill>
+          <a:blip r:embed="rId2"/>
+          <a:stretch>
+            <a:fillRect/>
+          </a:stretch>
+        </p:blipFill>
+        <p:spPr>
+          <a:xfrm>
+            <a:off x="1181193" y="845876"/>
+            <a:ext cx="3538444" cy="971550"/>
+          </a:xfrm>
+          <a:prstGeom prst="rect">
+            <a:avLst/>
+          </a:prstGeom>
+        </p:spPr>
+      </p:pic>
+      <p:pic>
+        <p:nvPicPr>
+          <p:cNvPr id="7" name="Obrázek 6">
+            <a:extLst>
+              <a:ext uri="{FF2B5EF4-FFF2-40B4-BE49-F238E27FC236}">
+                <a16:creationId xmlns:a16="http://schemas.microsoft.com/office/drawing/2014/main" id="{B6845CEF-C55C-4D87-9134-179DDA8E35B2}"/>
+              </a:ext>
+            </a:extLst>
+          </p:cNvPr>
+          <p:cNvPicPr>
+            <a:picLocks noChangeAspect="1"/>
+          </p:cNvPicPr>
+          <p:nvPr/>
+        </p:nvPicPr>
+        <p:blipFill>
+          <a:blip r:embed="rId2"/>
+          <a:stretch>
+            <a:fillRect/>
+          </a:stretch>
+        </p:blipFill>
+        <p:spPr>
+          <a:xfrm>
+            <a:off x="7210425" y="1443361"/>
+            <a:ext cx="4210049" cy="971550"/>
+          </a:xfrm>
+          <a:prstGeom prst="rect">
+            <a:avLst/>
+          </a:prstGeom>
+        </p:spPr>
+      </p:pic>
+      <p:sp>
+        <p:nvSpPr>
+          <p:cNvPr id="8" name="AutoShape 2">
+            <a:extLst>
+              <a:ext uri="{FF2B5EF4-FFF2-40B4-BE49-F238E27FC236}">
+                <a16:creationId xmlns:a16="http://schemas.microsoft.com/office/drawing/2014/main" id="{68C64E83-AC7C-48A4-A4F5-1CC59D9CD083}"/>
+              </a:ext>
+            </a:extLst>
+          </p:cNvPr>
+          <p:cNvSpPr>
+            <a:spLocks noChangeAspect="1" noChangeArrowheads="1"/>
+          </p:cNvSpPr>
+          <p:nvPr/>
+        </p:nvSpPr>
+        <p:spPr bwMode="auto">
+          <a:xfrm>
+            <a:off x="5943600" y="3276600"/>
+            <a:ext cx="304800" cy="304800"/>
+          </a:xfrm>
+          <a:prstGeom prst="rect">
+            <a:avLst/>
+          </a:prstGeom>
+          <a:noFill/>
+          <a:extLst>
+            <a:ext uri="{909E8E84-426E-40DD-AFC4-6F175D3DCCD1}">
+              <a14:hiddenFill xmlns:a14="http://schemas.microsoft.com/office/drawing/2010/main">
+                <a:solidFill>
+                  <a:srgbClr val="FFFFFF"/>
+                </a:solidFill>
+              </a14:hiddenFill>
+            </a:ext>
+          </a:extLst>
+        </p:spPr>
+        <p:txBody>
+          <a:bodyPr vert="horz" wrap="square" lIns="91440" tIns="45720" rIns="91440" bIns="45720" numCol="1" anchor="t" anchorCtr="0" compatLnSpc="1">
+            <a:prstTxWarp prst="textNoShape">
+              <a:avLst/>
+            </a:prstTxWarp>
+          </a:bodyPr>
+          <a:lstStyle/>
+          <a:p>
+            <a:endParaRPr lang="cs-CZ"/>
+          </a:p>
+        </p:txBody>
+      </p:sp>
+      <p:pic>
+        <p:nvPicPr>
+          <p:cNvPr id="10" name="Obrázek 9">
+            <a:extLst>
+              <a:ext uri="{FF2B5EF4-FFF2-40B4-BE49-F238E27FC236}">
+                <a16:creationId xmlns:a16="http://schemas.microsoft.com/office/drawing/2014/main" id="{E705A893-F679-49BE-B7F6-985263E1F501}"/>
+              </a:ext>
+            </a:extLst>
+          </p:cNvPr>
+          <p:cNvPicPr>
+            <a:picLocks noChangeAspect="1"/>
+          </p:cNvPicPr>
+          <p:nvPr/>
+        </p:nvPicPr>
+        <p:blipFill>
+          <a:blip r:embed="rId3"/>
+          <a:stretch>
+            <a:fillRect/>
+          </a:stretch>
+        </p:blipFill>
+        <p:spPr>
+          <a:xfrm>
+            <a:off x="8794350" y="752475"/>
+            <a:ext cx="2626124" cy="4791075"/>
+          </a:xfrm>
+          <a:prstGeom prst="rect">
+            <a:avLst/>
+          </a:prstGeom>
+        </p:spPr>
+      </p:pic>
+      <p:pic>
+        <p:nvPicPr>
+          <p:cNvPr id="4" name="Obrázek 3">
+            <a:extLst>
+              <a:ext uri="{FF2B5EF4-FFF2-40B4-BE49-F238E27FC236}">
+                <a16:creationId xmlns:a16="http://schemas.microsoft.com/office/drawing/2014/main" id="{79414258-D344-420C-A87F-4516AAE8B8C5}"/>
+              </a:ext>
+            </a:extLst>
+          </p:cNvPr>
+          <p:cNvPicPr>
+            <a:picLocks noChangeAspect="1"/>
+          </p:cNvPicPr>
+          <p:nvPr/>
+        </p:nvPicPr>
+        <p:blipFill>
+          <a:blip r:embed="rId4"/>
+          <a:stretch>
+            <a:fillRect/>
+          </a:stretch>
+        </p:blipFill>
+        <p:spPr>
+          <a:xfrm>
+            <a:off x="1022627" y="1485899"/>
+            <a:ext cx="1466850" cy="4057650"/>
+          </a:xfrm>
+          <a:prstGeom prst="rect">
+            <a:avLst/>
+          </a:prstGeom>
+        </p:spPr>
+      </p:pic>
+      <p:pic>
+        <p:nvPicPr>
+          <p:cNvPr id="5" name="Obrázek 4">
+            <a:extLst>
+              <a:ext uri="{FF2B5EF4-FFF2-40B4-BE49-F238E27FC236}">
+                <a16:creationId xmlns:a16="http://schemas.microsoft.com/office/drawing/2014/main" id="{4E5D8E06-7F81-481E-AE02-0A7603DDCCBD}"/>
+              </a:ext>
+            </a:extLst>
+          </p:cNvPr>
+          <p:cNvPicPr>
+            <a:picLocks noChangeAspect="1"/>
+          </p:cNvPicPr>
+          <p:nvPr/>
+        </p:nvPicPr>
+        <p:blipFill>
+          <a:blip r:embed="rId5"/>
+          <a:stretch>
+            <a:fillRect/>
+          </a:stretch>
+        </p:blipFill>
+        <p:spPr>
+          <a:xfrm>
+            <a:off x="4567237" y="1009649"/>
+            <a:ext cx="2752725" cy="4533900"/>
+          </a:xfrm>
+          <a:prstGeom prst="rect">
+            <a:avLst/>
+          </a:prstGeom>
+        </p:spPr>
+      </p:pic>
+      <p:sp>
+        <p:nvSpPr>
+          <p:cNvPr id="11" name="TextovéPole 10">
+            <a:extLst>
+              <a:ext uri="{FF2B5EF4-FFF2-40B4-BE49-F238E27FC236}">
+                <a16:creationId xmlns:a16="http://schemas.microsoft.com/office/drawing/2014/main" id="{E74340C3-1B4A-441B-A4A7-E52B8871C8E7}"/>
+              </a:ext>
+            </a:extLst>
+          </p:cNvPr>
+          <p:cNvSpPr txBox="1"/>
+          <p:nvPr/>
+        </p:nvSpPr>
+        <p:spPr>
+          <a:xfrm>
+            <a:off x="1306249" y="5619564"/>
+            <a:ext cx="899605" cy="646331"/>
+          </a:xfrm>
+          <a:prstGeom prst="rect">
+            <a:avLst/>
+          </a:prstGeom>
+          <a:noFill/>
+        </p:spPr>
+        <p:txBody>
+          <a:bodyPr wrap="none" rtlCol="0">
+            <a:spAutoFit/>
+          </a:bodyPr>
+          <a:lstStyle/>
+          <a:p>
+            <a:r>
+              <a:rPr lang="cs-CZ" sz="3600" b="1" dirty="0"/>
+              <a:t>*.in</a:t>
+            </a:r>
+          </a:p>
+        </p:txBody>
+      </p:sp>
+      <p:sp>
+        <p:nvSpPr>
+          <p:cNvPr id="13" name="TextovéPole 12">
+            <a:extLst>
+              <a:ext uri="{FF2B5EF4-FFF2-40B4-BE49-F238E27FC236}">
+                <a16:creationId xmlns:a16="http://schemas.microsoft.com/office/drawing/2014/main" id="{BCC6FF2B-2AE1-47C7-8EDE-601548803A5E}"/>
+              </a:ext>
+            </a:extLst>
+          </p:cNvPr>
+          <p:cNvSpPr txBox="1"/>
+          <p:nvPr/>
+        </p:nvSpPr>
+        <p:spPr>
+          <a:xfrm>
+            <a:off x="5346320" y="5619565"/>
+            <a:ext cx="1194558" cy="646331"/>
+          </a:xfrm>
+          <a:prstGeom prst="rect">
+            <a:avLst/>
+          </a:prstGeom>
+          <a:noFill/>
+        </p:spPr>
+        <p:txBody>
+          <a:bodyPr wrap="none" rtlCol="0">
+            <a:spAutoFit/>
+          </a:bodyPr>
+          <a:lstStyle/>
+          <a:p>
+            <a:r>
+              <a:rPr lang="cs-CZ" sz="3600" b="1" dirty="0"/>
+              <a:t>*.</a:t>
+            </a:r>
+            <a:r>
+              <a:rPr lang="cs-CZ" sz="3600" b="1" dirty="0" err="1"/>
+              <a:t>dot</a:t>
+            </a:r>
+            <a:endParaRPr lang="cs-CZ" sz="3600" b="1" dirty="0"/>
+          </a:p>
+        </p:txBody>
+      </p:sp>
+      <p:sp>
+        <p:nvSpPr>
+          <p:cNvPr id="14" name="TextovéPole 13">
+            <a:extLst>
+              <a:ext uri="{FF2B5EF4-FFF2-40B4-BE49-F238E27FC236}">
+                <a16:creationId xmlns:a16="http://schemas.microsoft.com/office/drawing/2014/main" id="{1EFABB24-456B-4EBA-B028-7A43E168A9FD}"/>
+              </a:ext>
+            </a:extLst>
+          </p:cNvPr>
+          <p:cNvSpPr txBox="1"/>
+          <p:nvPr/>
+        </p:nvSpPr>
+        <p:spPr>
+          <a:xfrm>
+            <a:off x="9480477" y="5619564"/>
+            <a:ext cx="1253869" cy="646331"/>
+          </a:xfrm>
+          <a:prstGeom prst="rect">
+            <a:avLst/>
+          </a:prstGeom>
+          <a:noFill/>
+        </p:spPr>
+        <p:txBody>
+          <a:bodyPr wrap="none" rtlCol="0">
+            <a:spAutoFit/>
+          </a:bodyPr>
+          <a:lstStyle/>
+          <a:p>
+            <a:r>
+              <a:rPr lang="cs-CZ" sz="3600" b="1" dirty="0"/>
+              <a:t>*.</a:t>
+            </a:r>
+            <a:r>
+              <a:rPr lang="cs-CZ" sz="3600" b="1" dirty="0" err="1"/>
+              <a:t>png</a:t>
+            </a:r>
+            <a:endParaRPr lang="cs-CZ" sz="3600" b="1" dirty="0"/>
+          </a:p>
+        </p:txBody>
+      </p:sp>
+      <p:sp>
+        <p:nvSpPr>
+          <p:cNvPr id="2" name="TextovéPole 1">
+            <a:extLst>
+              <a:ext uri="{FF2B5EF4-FFF2-40B4-BE49-F238E27FC236}">
+                <a16:creationId xmlns:a16="http://schemas.microsoft.com/office/drawing/2014/main" id="{75C1BA51-218B-4F19-9093-9449F95AA873}"/>
+              </a:ext>
+            </a:extLst>
+          </p:cNvPr>
+          <p:cNvSpPr txBox="1"/>
+          <p:nvPr/>
+        </p:nvSpPr>
+        <p:spPr>
+          <a:xfrm>
+            <a:off x="2565273" y="2963346"/>
+            <a:ext cx="1926168" cy="369332"/>
+          </a:xfrm>
+          <a:prstGeom prst="rect">
+            <a:avLst/>
+          </a:prstGeom>
+          <a:noFill/>
+        </p:spPr>
+        <p:txBody>
+          <a:bodyPr wrap="none" rtlCol="0">
+            <a:spAutoFit/>
+          </a:bodyPr>
+          <a:lstStyle/>
+          <a:p>
+            <a:r>
+              <a:rPr lang="cs-CZ" b="1" dirty="0"/>
+              <a:t>-&gt; python script -&gt;</a:t>
+            </a:r>
+          </a:p>
+        </p:txBody>
+      </p:sp>
+      <p:sp>
+        <p:nvSpPr>
+          <p:cNvPr id="3" name="TextovéPole 2">
+            <a:extLst>
+              <a:ext uri="{FF2B5EF4-FFF2-40B4-BE49-F238E27FC236}">
+                <a16:creationId xmlns:a16="http://schemas.microsoft.com/office/drawing/2014/main" id="{4262C978-9C49-4A2A-9FC5-F2D4483E34F0}"/>
+              </a:ext>
+            </a:extLst>
+          </p:cNvPr>
+          <p:cNvSpPr txBox="1"/>
+          <p:nvPr/>
+        </p:nvSpPr>
+        <p:spPr>
+          <a:xfrm>
+            <a:off x="7315895" y="2968663"/>
+            <a:ext cx="1500411" cy="369332"/>
+          </a:xfrm>
+          <a:prstGeom prst="rect">
+            <a:avLst/>
+          </a:prstGeom>
+          <a:noFill/>
+        </p:spPr>
+        <p:txBody>
+          <a:bodyPr wrap="none" rtlCol="0">
+            <a:spAutoFit/>
+          </a:bodyPr>
+          <a:lstStyle/>
+          <a:p>
+            <a:r>
+              <a:rPr lang="cs-CZ" b="1" dirty="0"/>
+              <a:t>-&gt; </a:t>
+            </a:r>
+            <a:r>
+              <a:rPr lang="cs-CZ" b="1" dirty="0" err="1"/>
+              <a:t>Graphviz</a:t>
+            </a:r>
+            <a:r>
+              <a:rPr lang="cs-CZ" b="1" dirty="0"/>
+              <a:t> -&gt;</a:t>
+            </a:r>
+          </a:p>
+        </p:txBody>
+      </p:sp>
+    </p:spTree>
+    <p:extLst>
+      <p:ext uri="{BB962C8B-B14F-4D97-AF65-F5344CB8AC3E}">
+        <p14:creationId xmlns:p14="http://schemas.microsoft.com/office/powerpoint/2010/main" val="1114557863"/>
+      </p:ext>
+    </p:extLst>
+  </p:cSld>
+  <p:clrMapOvr>
+    <a:masterClrMapping/>
+  </p:clrMapOvr>
+</p:sld>
+</file>
+
+<file path=ppt/slides/slide6.xml><?xml version="1.0" encoding="utf-8"?>
+<p:sld xmlns:a="http://schemas.openxmlformats.org/drawingml/2006/main" xmlns:r="http://schemas.openxmlformats.org/officeDocument/2006/relationships" xmlns:p="http://schemas.openxmlformats.org/presentationml/2006/main">
+  <p:cSld>
+    <p:spTree>
+      <p:nvGrpSpPr>
+        <p:cNvPr id="1" name=""/>
+        <p:cNvGrpSpPr/>
+        <p:nvPr/>
+      </p:nvGrpSpPr>
+      <p:grpSpPr>
+        <a:xfrm>
+          <a:off x="0" y="0"/>
+          <a:ext cx="0" cy="0"/>
+          <a:chOff x="0" y="0"/>
+          <a:chExt cx="0" cy="0"/>
+        </a:xfrm>
+      </p:grpSpPr>
+      <p:sp>
+        <p:nvSpPr>
+          <p:cNvPr id="2" name="Nadpis 1">
+            <a:extLst>
+              <a:ext uri="{FF2B5EF4-FFF2-40B4-BE49-F238E27FC236}">
+                <a16:creationId xmlns:a16="http://schemas.microsoft.com/office/drawing/2014/main" id="{6B0E6BF9-4D89-45ED-B627-B55B35E678B6}"/>
+              </a:ext>
+            </a:extLst>
+          </p:cNvPr>
+          <p:cNvSpPr>
+            <a:spLocks noGrp="1"/>
+          </p:cNvSpPr>
+          <p:nvPr>
+            <p:ph type="title"/>
+          </p:nvPr>
+        </p:nvSpPr>
+        <p:spPr/>
+        <p:txBody>
+          <a:bodyPr/>
+          <a:lstStyle/>
+          <a:p>
+            <a:r>
+              <a:rPr lang="cs-CZ" dirty="0"/>
+              <a:t>Implementovaný algoritmus</a:t>
+            </a:r>
+          </a:p>
+        </p:txBody>
+      </p:sp>
+      <p:sp>
+        <p:nvSpPr>
+          <p:cNvPr id="3" name="Zástupný obsah 2">
+            <a:extLst>
+              <a:ext uri="{FF2B5EF4-FFF2-40B4-BE49-F238E27FC236}">
+                <a16:creationId xmlns:a16="http://schemas.microsoft.com/office/drawing/2014/main" id="{CB931C12-D019-4A53-9FCF-A276B660E3D7}"/>
+              </a:ext>
+            </a:extLst>
+          </p:cNvPr>
+          <p:cNvSpPr>
+            <a:spLocks noGrp="1"/>
+          </p:cNvSpPr>
+          <p:nvPr>
+            <p:ph idx="1"/>
+          </p:nvPr>
+        </p:nvSpPr>
+        <p:spPr/>
+        <p:txBody>
+          <a:bodyPr>
+            <a:normAutofit/>
+          </a:bodyPr>
+          <a:lstStyle/>
+          <a:p>
+            <a:pPr marL="0" indent="0">
+              <a:buNone/>
+            </a:pPr>
+            <a:endParaRPr lang="cs-CZ" sz="2400" dirty="0"/>
+          </a:p>
+          <a:p>
+            <a:pPr marL="0" indent="0">
+              <a:buNone/>
+            </a:pPr>
+            <a:endParaRPr lang="cs-CZ" sz="2400" dirty="0"/>
+          </a:p>
+          <a:p>
+            <a:pPr>
+              <a:buFont typeface="Arial" panose="020B0604020202020204" pitchFamily="34" charset="0"/>
+              <a:buChar char="•"/>
+            </a:pPr>
+            <a:r>
+              <a:rPr lang="cs-CZ" sz="2400" dirty="0"/>
+              <a:t> začátek prohledávání na počátečním vrcholu </a:t>
+            </a:r>
+          </a:p>
+          <a:p>
+            <a:pPr>
+              <a:buFont typeface="Arial" panose="020B0604020202020204" pitchFamily="34" charset="0"/>
+              <a:buChar char="•"/>
+            </a:pPr>
+            <a:r>
+              <a:rPr lang="cs-CZ" sz="2400" dirty="0"/>
+              <a:t> postupný průchod všemi zbylými hranami (rekurzivně)</a:t>
+            </a:r>
+          </a:p>
+          <a:p>
+            <a:pPr>
+              <a:buFont typeface="Arial" panose="020B0604020202020204" pitchFamily="34" charset="0"/>
+              <a:buChar char="•"/>
+            </a:pPr>
+            <a:r>
+              <a:rPr lang="cs-CZ" sz="2400" dirty="0"/>
+              <a:t> </a:t>
+            </a:r>
+            <a:r>
+              <a:rPr lang="cs-CZ" sz="2400" b="1" dirty="0"/>
+              <a:t>bez uvedení</a:t>
+            </a:r>
+            <a:r>
+              <a:rPr lang="cs-CZ" sz="2400" dirty="0"/>
+              <a:t> počátečního nebo cílového vrcholu =&gt; </a:t>
+            </a:r>
+            <a:r>
+              <a:rPr lang="cs-CZ" sz="2400" b="1" dirty="0"/>
+              <a:t>první vrchol</a:t>
+            </a:r>
+            <a:endParaRPr lang="cs-CZ" sz="2400" b="1" i="1" dirty="0"/>
+          </a:p>
+        </p:txBody>
+      </p:sp>
+    </p:spTree>
+    <p:extLst>
+      <p:ext uri="{BB962C8B-B14F-4D97-AF65-F5344CB8AC3E}">
+        <p14:creationId xmlns:p14="http://schemas.microsoft.com/office/powerpoint/2010/main" val="584233850"/>
+      </p:ext>
+    </p:extLst>
+  </p:cSld>
+  <p:clrMapOvr>
+    <a:masterClrMapping/>
+  </p:clrMapOvr>
+</p:sld>
+</file>
+
+<file path=ppt/slides/slide7.xml><?xml version="1.0" encoding="utf-8"?>
+<p:sld xmlns:a="http://schemas.openxmlformats.org/drawingml/2006/main" xmlns:r="http://schemas.openxmlformats.org/officeDocument/2006/relationships" xmlns:p="http://schemas.openxmlformats.org/presentationml/2006/main">
+  <p:cSld>
+    <p:spTree>
+      <p:nvGrpSpPr>
+        <p:cNvPr id="1" name=""/>
+        <p:cNvGrpSpPr/>
+        <p:nvPr/>
+      </p:nvGrpSpPr>
+      <p:grpSpPr>
+        <a:xfrm>
+          <a:off x="0" y="0"/>
+          <a:ext cx="0" cy="0"/>
+          <a:chOff x="0" y="0"/>
+          <a:chExt cx="0" cy="0"/>
+        </a:xfrm>
+      </p:grpSpPr>
+      <p:sp>
+        <p:nvSpPr>
+          <p:cNvPr id="2" name="Nadpis 1">
+            <a:extLst>
+              <a:ext uri="{FF2B5EF4-FFF2-40B4-BE49-F238E27FC236}">
+                <a16:creationId xmlns:a16="http://schemas.microsoft.com/office/drawing/2014/main" id="{05AECF6F-C742-4B6E-9F11-29D143D06DDD}"/>
+              </a:ext>
+            </a:extLst>
+          </p:cNvPr>
+          <p:cNvSpPr>
+            <a:spLocks noGrp="1"/>
+          </p:cNvSpPr>
+          <p:nvPr>
+            <p:ph type="title"/>
+          </p:nvPr>
+        </p:nvSpPr>
+        <p:spPr/>
+        <p:txBody>
+          <a:bodyPr/>
+          <a:lstStyle/>
+          <a:p>
+            <a:r>
+              <a:rPr lang="cs-CZ" dirty="0"/>
+              <a:t>Teoretická složitost - </a:t>
+            </a:r>
+            <a:r>
+              <a:rPr lang="cs-CZ" b="1" dirty="0"/>
+              <a:t>analýza</a:t>
+            </a:r>
+          </a:p>
+        </p:txBody>
+      </p:sp>
+      <p:sp>
+        <p:nvSpPr>
+          <p:cNvPr id="3" name="Zástupný obsah 2">
+            <a:extLst>
+              <a:ext uri="{FF2B5EF4-FFF2-40B4-BE49-F238E27FC236}">
+                <a16:creationId xmlns:a16="http://schemas.microsoft.com/office/drawing/2014/main" id="{D47F412D-30F9-42D4-AF37-B7E6DB4DBDF6}"/>
+              </a:ext>
+            </a:extLst>
+          </p:cNvPr>
+          <p:cNvSpPr>
+            <a:spLocks noGrp="1"/>
+          </p:cNvSpPr>
+          <p:nvPr>
+            <p:ph idx="1"/>
+          </p:nvPr>
+        </p:nvSpPr>
+        <p:spPr/>
+        <p:txBody>
+          <a:bodyPr/>
+          <a:lstStyle/>
+          <a:p>
+            <a:pPr lvl="0">
+              <a:buFont typeface="Arial" panose="020B0604020202020204" pitchFamily="34" charset="0"/>
+              <a:buChar char="•"/>
+            </a:pPr>
+            <a:endParaRPr lang="cs-CZ" dirty="0"/>
+          </a:p>
+          <a:p>
+            <a:pPr lvl="0">
+              <a:buFont typeface="Arial" panose="020B0604020202020204" pitchFamily="34" charset="0"/>
+              <a:buChar char="•"/>
+            </a:pPr>
+            <a:endParaRPr lang="cs-CZ" dirty="0"/>
+          </a:p>
+          <a:p>
+            <a:pPr lvl="0">
+              <a:buFont typeface="Arial" panose="020B0604020202020204" pitchFamily="34" charset="0"/>
+              <a:buChar char="•"/>
+            </a:pPr>
+            <a:r>
+              <a:rPr lang="cs-CZ" dirty="0"/>
+              <a:t> Celkem existuje </a:t>
+            </a:r>
+            <a:r>
+              <a:rPr lang="cs-CZ" b="1" dirty="0"/>
+              <a:t>(|V|-1)!</a:t>
+            </a:r>
+            <a:r>
+              <a:rPr lang="cs-CZ" dirty="0"/>
+              <a:t> kružnic</a:t>
+            </a:r>
+          </a:p>
+          <a:p>
+            <a:pPr lvl="0">
+              <a:buFont typeface="Arial" panose="020B0604020202020204" pitchFamily="34" charset="0"/>
+              <a:buChar char="•"/>
+            </a:pPr>
+            <a:r>
+              <a:rPr lang="cs-CZ" dirty="0"/>
+              <a:t> Každá kružnice má </a:t>
+            </a:r>
+            <a:r>
+              <a:rPr lang="cs-CZ" b="1" dirty="0"/>
+              <a:t>|V|</a:t>
+            </a:r>
+            <a:r>
+              <a:rPr lang="cs-CZ" dirty="0"/>
+              <a:t> hran</a:t>
+            </a:r>
+          </a:p>
+          <a:p>
+            <a:pPr lvl="0">
+              <a:buFont typeface="Arial" panose="020B0604020202020204" pitchFamily="34" charset="0"/>
+              <a:buChar char="•"/>
+            </a:pPr>
+            <a:r>
+              <a:rPr lang="cs-CZ" dirty="0"/>
+              <a:t> Potřebujeme zpracovat </a:t>
+            </a:r>
+            <a:r>
+              <a:rPr lang="cs-CZ" b="1" dirty="0"/>
+              <a:t>|V|!</a:t>
+            </a:r>
+            <a:r>
+              <a:rPr lang="cs-CZ" dirty="0"/>
+              <a:t> hran =&gt; časová složitost - </a:t>
+            </a:r>
+            <a:r>
+              <a:rPr lang="cs-CZ" b="1" dirty="0"/>
+              <a:t>O(n!)</a:t>
+            </a:r>
+          </a:p>
+          <a:p>
+            <a:pPr lvl="0">
+              <a:buFont typeface="Arial" panose="020B0604020202020204" pitchFamily="34" charset="0"/>
+              <a:buChar char="•"/>
+            </a:pPr>
+            <a:r>
+              <a:rPr lang="cs-CZ" dirty="0"/>
+              <a:t> Celkem existuje </a:t>
+            </a:r>
+            <a:r>
+              <a:rPr lang="cs-CZ" b="1" dirty="0"/>
+              <a:t>(|V|- 1)!/2</a:t>
+            </a:r>
+            <a:r>
+              <a:rPr lang="cs-CZ" dirty="0"/>
+              <a:t> řešení</a:t>
+            </a:r>
+          </a:p>
+          <a:p>
+            <a:pPr lvl="0">
+              <a:buFont typeface="Arial" panose="020B0604020202020204" pitchFamily="34" charset="0"/>
+              <a:buChar char="•"/>
+            </a:pPr>
+            <a:r>
+              <a:rPr lang="cs-CZ" dirty="0"/>
+              <a:t> Budeme předpokládat rychlost zpracovávání 1 000 000 000 hran za sekundu</a:t>
+            </a:r>
+          </a:p>
+          <a:p>
+            <a:endParaRPr lang="cs-CZ" dirty="0"/>
+          </a:p>
+        </p:txBody>
+      </p:sp>
+    </p:spTree>
+    <p:extLst>
+      <p:ext uri="{BB962C8B-B14F-4D97-AF65-F5344CB8AC3E}">
+        <p14:creationId xmlns:p14="http://schemas.microsoft.com/office/powerpoint/2010/main" val="2889577068"/>
+      </p:ext>
+    </p:extLst>
+  </p:cSld>
+  <p:clrMapOvr>
+    <a:masterClrMapping/>
+  </p:clrMapOvr>
+</p:sld>
+</file>
+
+<file path=ppt/slides/slide8.xml><?xml version="1.0" encoding="utf-8"?>
+<p:sld xmlns:a="http://schemas.openxmlformats.org/drawingml/2006/main" xmlns:r="http://schemas.openxmlformats.org/officeDocument/2006/relationships" xmlns:p="http://schemas.openxmlformats.org/presentationml/2006/main">
+  <p:cSld>
+    <p:bg>
+      <p:bgPr>
+        <a:solidFill>
+          <a:schemeClr val="bg1"/>
+        </a:solidFill>
+        <a:effectLst/>
+      </p:bgPr>
+    </p:bg>
+    <p:spTree>
+      <p:nvGrpSpPr>
+        <p:cNvPr id="1" name=""/>
+        <p:cNvGrpSpPr/>
+        <p:nvPr/>
+      </p:nvGrpSpPr>
+      <p:grpSpPr>
+        <a:xfrm>
+          <a:off x="0" y="0"/>
+          <a:ext cx="0" cy="0"/>
+          <a:chOff x="0" y="0"/>
+          <a:chExt cx="0" cy="0"/>
+        </a:xfrm>
+      </p:grpSpPr>
+      <p:sp useBgFill="1">
+        <p:nvSpPr>
+          <p:cNvPr id="9" name="Rectangle 8">
+            <a:extLst>
+              <a:ext uri="{FF2B5EF4-FFF2-40B4-BE49-F238E27FC236}">
+                <a16:creationId xmlns:a16="http://schemas.microsoft.com/office/drawing/2014/main" id="{39B4056F-1959-4627-A683-77F6C0603FCD}"/>
+              </a:ext>
+              <a:ext uri="{C183D7F6-B498-43B3-948B-1728B52AA6E4}">
+                <adec:decorative xmlns:adec="http://schemas.microsoft.com/office/drawing/2017/decorative" val="1"/>
+              </a:ext>
+            </a:extLst>
+          </p:cNvPr>
+          <p:cNvSpPr>
+            <a:spLocks noGrp="1" noRot="1" noChangeAspect="1" noMove="1" noResize="1" noEditPoints="1" noAdjustHandles="1" noChangeArrowheads="1" noChangeShapeType="1" noTextEdit="1"/>
+          </p:cNvSpPr>
+          <p:nvPr>
+            <p:extLst>
+              <p:ext uri="{386F3935-93C4-4BCD-93E2-E3B085C9AB24}">
+                <p16:designElem xmlns:p16="http://schemas.microsoft.com/office/powerpoint/2015/main" val="1"/>
+              </p:ext>
+            </p:extLst>
+          </p:nvPr>
+        </p:nvSpPr>
+        <p:spPr>
+          <a:xfrm>
+            <a:off x="0" y="0"/>
+            <a:ext cx="12192001" cy="6858000"/>
+          </a:xfrm>
+          <a:prstGeom prst="rect">
+            <a:avLst/>
+          </a:prstGeom>
+          <a:ln>
+            <a:noFill/>
+          </a:ln>
+        </p:spPr>
+        <p:style>
+          <a:lnRef idx="2">
+            <a:schemeClr val="accent1">
+              <a:shade val="50000"/>
+            </a:schemeClr>
+          </a:lnRef>
+          <a:fillRef idx="1">
+            <a:schemeClr val="accent1"/>
+          </a:fillRef>
+          <a:effectRef idx="0">
+            <a:schemeClr val="accent1"/>
+          </a:effectRef>
+          <a:fontRef idx="minor">
+            <a:schemeClr val="lt1"/>
+          </a:fontRef>
+        </p:style>
+        <p:txBody>
+          <a:bodyPr rtlCol="0" anchor="ctr"/>
+          <a:lstStyle/>
+          <a:p>
+            <a:pPr algn="ctr"/>
+            <a:endParaRPr lang="en-US"/>
+          </a:p>
+        </p:txBody>
+      </p:sp>
+      <p:sp>
+        <p:nvSpPr>
+          <p:cNvPr id="11" name="Rectangle 10">
+            <a:extLst>
+              <a:ext uri="{FF2B5EF4-FFF2-40B4-BE49-F238E27FC236}">
+                <a16:creationId xmlns:a16="http://schemas.microsoft.com/office/drawing/2014/main" id="{D8D7349B-C9FA-4FCE-A1FF-948F460A3A9A}"/>
+              </a:ext>
+              <a:ext uri="{C183D7F6-B498-43B3-948B-1728B52AA6E4}">
+                <adec:decorative xmlns:adec="http://schemas.microsoft.com/office/drawing/2017/decorative" val="1"/>
+              </a:ext>
+            </a:extLst>
+          </p:cNvPr>
+          <p:cNvSpPr>
+            <a:spLocks noGrp="1" noRot="1" noChangeAspect="1" noMove="1" noResize="1" noEditPoints="1" noAdjustHandles="1" noChangeArrowheads="1" noChangeShapeType="1" noTextEdit="1"/>
+          </p:cNvSpPr>
+          <p:nvPr>
+            <p:extLst>
+              <p:ext uri="{386F3935-93C4-4BCD-93E2-E3B085C9AB24}">
+                <p16:designElem xmlns:p16="http://schemas.microsoft.com/office/powerpoint/2015/main" val="1"/>
+              </p:ext>
+            </p:extLst>
+          </p:nvPr>
+        </p:nvSpPr>
+        <p:spPr bwMode="white">
+          <a:xfrm>
+            <a:off x="1507" y="4554906"/>
+            <a:ext cx="12188952" cy="2303094"/>
+          </a:xfrm>
+          <a:prstGeom prst="rect">
+            <a:avLst/>
+          </a:prstGeom>
+          <a:solidFill>
+            <a:schemeClr val="accent2"/>
+          </a:solidFill>
+          <a:ln>
+            <a:noFill/>
+          </a:ln>
+        </p:spPr>
+        <p:style>
+          <a:lnRef idx="2">
+            <a:schemeClr val="accent1">
+              <a:shade val="50000"/>
+            </a:schemeClr>
+          </a:lnRef>
+          <a:fillRef idx="1">
+            <a:schemeClr val="accent1"/>
+          </a:fillRef>
+          <a:effectRef idx="0">
+            <a:schemeClr val="accent1"/>
+          </a:effectRef>
+          <a:fontRef idx="minor">
+            <a:schemeClr val="lt1"/>
+          </a:fontRef>
+        </p:style>
+      </p:sp>
+      <p:sp>
+        <p:nvSpPr>
+          <p:cNvPr id="2" name="Nadpis 1">
+            <a:extLst>
+              <a:ext uri="{FF2B5EF4-FFF2-40B4-BE49-F238E27FC236}">
+                <a16:creationId xmlns:a16="http://schemas.microsoft.com/office/drawing/2014/main" id="{72E87AFC-097C-42B7-8CC0-9973E8E715F3}"/>
+              </a:ext>
+            </a:extLst>
+          </p:cNvPr>
+          <p:cNvSpPr>
+            <a:spLocks noGrp="1"/>
+          </p:cNvSpPr>
+          <p:nvPr>
+            <p:ph type="title"/>
+          </p:nvPr>
+        </p:nvSpPr>
+        <p:spPr>
+          <a:xfrm>
+            <a:off x="633998" y="4905301"/>
+            <a:ext cx="4988879" cy="1554485"/>
+          </a:xfrm>
+        </p:spPr>
+        <p:txBody>
+          <a:bodyPr anchor="ctr">
+            <a:normAutofit/>
+          </a:bodyPr>
+          <a:lstStyle/>
+          <a:p>
+            <a:pPr algn="r"/>
+            <a:r>
+              <a:rPr lang="cs-CZ" sz="4000" b="1" dirty="0">
+                <a:solidFill>
+                  <a:srgbClr val="FFFFFF"/>
+                </a:solidFill>
+              </a:rPr>
+              <a:t>Teoretická</a:t>
+            </a:r>
+            <a:r>
+              <a:rPr lang="cs-CZ" sz="4000" dirty="0">
+                <a:solidFill>
+                  <a:srgbClr val="FFFFFF"/>
+                </a:solidFill>
+              </a:rPr>
+              <a:t> </a:t>
+            </a:r>
+            <a:r>
+              <a:rPr lang="cs-CZ" sz="4000" b="1" dirty="0">
+                <a:solidFill>
+                  <a:srgbClr val="FFFFFF"/>
+                </a:solidFill>
+              </a:rPr>
+              <a:t>složitost</a:t>
+            </a:r>
+            <a:r>
+              <a:rPr lang="cs-CZ" sz="4000" dirty="0">
+                <a:solidFill>
+                  <a:srgbClr val="FFFFFF"/>
+                </a:solidFill>
+              </a:rPr>
+              <a:t> </a:t>
+            </a:r>
+            <a:r>
+              <a:rPr lang="cs-CZ" sz="4000" b="1" dirty="0">
+                <a:solidFill>
+                  <a:srgbClr val="FFFFFF"/>
+                </a:solidFill>
+              </a:rPr>
+              <a:t>-</a:t>
+            </a:r>
+            <a:r>
+              <a:rPr lang="cs-CZ" sz="4000" dirty="0">
+                <a:solidFill>
+                  <a:srgbClr val="FFFFFF"/>
+                </a:solidFill>
+              </a:rPr>
+              <a:t>   </a:t>
+            </a:r>
+            <a:r>
+              <a:rPr lang="cs-CZ" sz="4000" b="1" dirty="0">
+                <a:solidFill>
+                  <a:srgbClr val="FFFFFF"/>
+                </a:solidFill>
+              </a:rPr>
+              <a:t>výpočet</a:t>
+            </a:r>
+          </a:p>
+        </p:txBody>
+      </p:sp>
+      <p:sp>
+        <p:nvSpPr>
+          <p:cNvPr id="13" name="Rectangle 12">
+            <a:extLst>
+              <a:ext uri="{FF2B5EF4-FFF2-40B4-BE49-F238E27FC236}">
+                <a16:creationId xmlns:a16="http://schemas.microsoft.com/office/drawing/2014/main" id="{4AF746F9-E85F-4BED-9D7E-562262E8B3D2}"/>
+              </a:ext>
+              <a:ext uri="{C183D7F6-B498-43B3-948B-1728B52AA6E4}">
+                <adec:decorative xmlns:adec="http://schemas.microsoft.com/office/drawing/2017/decorative" val="1"/>
+              </a:ext>
+            </a:extLst>
+          </p:cNvPr>
+          <p:cNvSpPr>
+            <a:spLocks noGrp="1" noRot="1" noChangeAspect="1" noMove="1" noResize="1" noEditPoints="1" noAdjustHandles="1" noChangeArrowheads="1" noChangeShapeType="1" noTextEdit="1"/>
+          </p:cNvSpPr>
+          <p:nvPr>
+            <p:extLst>
+              <p:ext uri="{386F3935-93C4-4BCD-93E2-E3B085C9AB24}">
+                <p16:designElem xmlns:p16="http://schemas.microsoft.com/office/powerpoint/2015/main" val="1"/>
+              </p:ext>
+            </p:extLst>
+          </p:nvPr>
+        </p:nvSpPr>
+        <p:spPr>
+          <a:xfrm>
+            <a:off x="3048" y="4554906"/>
+            <a:ext cx="12188952" cy="64008"/>
+          </a:xfrm>
+          <a:prstGeom prst="rect">
+            <a:avLst/>
+          </a:prstGeom>
+          <a:solidFill>
+            <a:schemeClr val="accent1"/>
+          </a:solidFill>
+          <a:ln>
+            <a:noFill/>
+          </a:ln>
+        </p:spPr>
+        <p:style>
+          <a:lnRef idx="2">
+            <a:schemeClr val="accent1">
+              <a:shade val="50000"/>
+            </a:schemeClr>
+          </a:lnRef>
+          <a:fillRef idx="1">
+            <a:schemeClr val="accent1"/>
+          </a:fillRef>
+          <a:effectRef idx="0">
+            <a:schemeClr val="accent1"/>
+          </a:effectRef>
+          <a:fontRef idx="minor">
+            <a:schemeClr val="lt1"/>
+          </a:fontRef>
+        </p:style>
+      </p:sp>
+      <p:cxnSp>
+        <p:nvCxnSpPr>
+          <p:cNvPr id="15" name="Straight Connector 14">
+            <a:extLst>
+              <a:ext uri="{FF2B5EF4-FFF2-40B4-BE49-F238E27FC236}">
+                <a16:creationId xmlns:a16="http://schemas.microsoft.com/office/drawing/2014/main" id="{55646586-8E5D-4A2B-BDA9-01CE28AC89A1}"/>
+              </a:ext>
+              <a:ext uri="{C183D7F6-B498-43B3-948B-1728B52AA6E4}">
+                <adec:decorative xmlns:adec="http://schemas.microsoft.com/office/drawing/2017/decorative" val="1"/>
+              </a:ext>
+            </a:extLst>
+          </p:cNvPr>
+          <p:cNvCxnSpPr>
+            <a:cxnSpLocks noGrp="1" noRot="1" noChangeAspect="1" noMove="1" noResize="1" noEditPoints="1" noAdjustHandles="1" noChangeArrowheads="1" noChangeShapeType="1"/>
+          </p:cNvCxnSpPr>
+          <p:nvPr>
+            <p:extLst>
+              <p:ext uri="{386F3935-93C4-4BCD-93E2-E3B085C9AB24}">
+                <p16:designElem xmlns:p16="http://schemas.microsoft.com/office/powerpoint/2015/main" val="1"/>
+              </p:ext>
+            </p:extLst>
+          </p:nvPr>
+        </p:nvCxnSpPr>
+        <p:spPr>
+          <a:xfrm>
+            <a:off x="5820770" y="5247564"/>
+            <a:ext cx="0" cy="873457"/>
+          </a:xfrm>
+          <a:prstGeom prst="line">
+            <a:avLst/>
+          </a:prstGeom>
+          <a:ln w="15875">
+            <a:solidFill>
+              <a:schemeClr val="accent1"/>
+            </a:solidFill>
+          </a:ln>
+        </p:spPr>
+        <p:style>
+          <a:lnRef idx="1">
+            <a:schemeClr val="accent1"/>
+          </a:lnRef>
+          <a:fillRef idx="0">
+            <a:schemeClr val="accent1"/>
+          </a:fillRef>
+          <a:effectRef idx="0">
+            <a:schemeClr val="accent1"/>
+          </a:effectRef>
+          <a:fontRef idx="minor">
+            <a:schemeClr val="tx1"/>
+          </a:fontRef>
+        </p:style>
+      </p:cxnSp>
+      <p:sp>
+        <p:nvSpPr>
+          <p:cNvPr id="3" name="Zástupný obsah 2">
+            <a:extLst>
+              <a:ext uri="{FF2B5EF4-FFF2-40B4-BE49-F238E27FC236}">
+                <a16:creationId xmlns:a16="http://schemas.microsoft.com/office/drawing/2014/main" id="{063381E0-D688-4640-9F69-55DBAED7C32A}"/>
+              </a:ext>
+            </a:extLst>
+          </p:cNvPr>
+          <p:cNvSpPr>
+            <a:spLocks noGrp="1"/>
+          </p:cNvSpPr>
+          <p:nvPr>
+            <p:ph idx="1"/>
+          </p:nvPr>
+        </p:nvSpPr>
+        <p:spPr>
+          <a:xfrm>
+            <a:off x="6064301" y="4905300"/>
+            <a:ext cx="5493699" cy="1554485"/>
+          </a:xfrm>
+        </p:spPr>
+        <p:txBody>
+          <a:bodyPr anchor="ctr">
+            <a:normAutofit/>
+          </a:bodyPr>
+          <a:lstStyle/>
+          <a:p>
+            <a:endParaRPr lang="cs-CZ" dirty="0">
+              <a:solidFill>
+                <a:srgbClr val="FFFFFF"/>
+              </a:solidFill>
+            </a:endParaRPr>
+          </a:p>
+          <a:p>
+            <a:r>
+              <a:rPr lang="cs-CZ" dirty="0">
+                <a:solidFill>
+                  <a:srgbClr val="FFFFFF"/>
+                </a:solidFill>
+              </a:rPr>
+              <a:t>Pro grafy se 3 – 12 vrcholy</a:t>
+            </a:r>
+          </a:p>
+          <a:p>
+            <a:endParaRPr lang="cs-CZ" dirty="0">
+              <a:solidFill>
+                <a:srgbClr val="FFFFFF"/>
+              </a:solidFill>
+            </a:endParaRPr>
+          </a:p>
+        </p:txBody>
+      </p:sp>
+      <p:graphicFrame>
+        <p:nvGraphicFramePr>
+          <p:cNvPr id="12" name="Tabulka 11">
+            <a:extLst>
+              <a:ext uri="{FF2B5EF4-FFF2-40B4-BE49-F238E27FC236}">
+                <a16:creationId xmlns:a16="http://schemas.microsoft.com/office/drawing/2014/main" id="{E5C3FD38-FF28-4D33-9A41-20D7117FBEBC}"/>
+              </a:ext>
+            </a:extLst>
+          </p:cNvPr>
+          <p:cNvGraphicFramePr>
+            <a:graphicFrameLocks noGrp="1"/>
+          </p:cNvGraphicFramePr>
+          <p:nvPr>
+            <p:extLst>
+              <p:ext uri="{D42A27DB-BD31-4B8C-83A1-F6EECF244321}">
+                <p14:modId xmlns:p14="http://schemas.microsoft.com/office/powerpoint/2010/main" val="4274983264"/>
+              </p:ext>
+            </p:extLst>
+          </p:nvPr>
+        </p:nvGraphicFramePr>
+        <p:xfrm>
+          <a:off x="1626477" y="506347"/>
+          <a:ext cx="8939012" cy="3762172"/>
+        </p:xfrm>
+        <a:graphic>
+          <a:graphicData uri="http://schemas.openxmlformats.org/drawingml/2006/table">
+            <a:tbl>
+              <a:tblPr/>
+              <a:tblGrid>
+                <a:gridCol w="1198012">
+                  <a:extLst>
+                    <a:ext uri="{9D8B030D-6E8A-4147-A177-3AD203B41FA5}">
+                      <a16:colId xmlns:a16="http://schemas.microsoft.com/office/drawing/2014/main" val="4166276021"/>
+                    </a:ext>
+                  </a:extLst>
+                </a:gridCol>
+                <a:gridCol w="571360">
+                  <a:extLst>
+                    <a:ext uri="{9D8B030D-6E8A-4147-A177-3AD203B41FA5}">
+                      <a16:colId xmlns:a16="http://schemas.microsoft.com/office/drawing/2014/main" val="803279140"/>
+                    </a:ext>
+                  </a:extLst>
+                </a:gridCol>
+                <a:gridCol w="1861526">
+                  <a:extLst>
+                    <a:ext uri="{9D8B030D-6E8A-4147-A177-3AD203B41FA5}">
+                      <a16:colId xmlns:a16="http://schemas.microsoft.com/office/drawing/2014/main" val="3522648784"/>
+                    </a:ext>
+                  </a:extLst>
+                </a:gridCol>
+                <a:gridCol w="1253305">
+                  <a:extLst>
+                    <a:ext uri="{9D8B030D-6E8A-4147-A177-3AD203B41FA5}">
+                      <a16:colId xmlns:a16="http://schemas.microsoft.com/office/drawing/2014/main" val="1560508167"/>
+                    </a:ext>
+                  </a:extLst>
+                </a:gridCol>
+                <a:gridCol w="1087426">
+                  <a:extLst>
+                    <a:ext uri="{9D8B030D-6E8A-4147-A177-3AD203B41FA5}">
+                      <a16:colId xmlns:a16="http://schemas.microsoft.com/office/drawing/2014/main" val="1332252549"/>
+                    </a:ext>
+                  </a:extLst>
+                </a:gridCol>
+                <a:gridCol w="1179581">
+                  <a:extLst>
+                    <a:ext uri="{9D8B030D-6E8A-4147-A177-3AD203B41FA5}">
+                      <a16:colId xmlns:a16="http://schemas.microsoft.com/office/drawing/2014/main" val="3229198724"/>
+                    </a:ext>
+                  </a:extLst>
+                </a:gridCol>
+                <a:gridCol w="1787802">
+                  <a:extLst>
+                    <a:ext uri="{9D8B030D-6E8A-4147-A177-3AD203B41FA5}">
+                      <a16:colId xmlns:a16="http://schemas.microsoft.com/office/drawing/2014/main" val="2610490161"/>
+                    </a:ext>
+                  </a:extLst>
+                </a:gridCol>
+              </a:tblGrid>
+              <a:tr h="340725">
+                <a:tc>
+                  <a:txBody>
+                    <a:bodyPr/>
+                    <a:lstStyle/>
+                    <a:p>
+                      <a:pPr algn="ctr" fontAlgn="ctr"/>
+                      <a:r>
+                        <a:rPr lang="cs-CZ" sz="1100" b="0" i="0" u="none" strike="noStrike">
+                          <a:solidFill>
+                            <a:srgbClr val="000000"/>
+                          </a:solidFill>
+                          <a:effectLst/>
+                          <a:latin typeface="Calibri" panose="020F0502020204030204" pitchFamily="34" charset="0"/>
+                        </a:rPr>
+                        <a:t>Počet vrcholů</a:t>
+                      </a:r>
+                    </a:p>
+                  </a:txBody>
+                  <a:tcPr marL="7620" marR="7620" marT="7620" marB="0" anchor="ctr">
+                    <a:lnL w="12700" cap="flat" cmpd="sng" algn="ctr">
+                      <a:solidFill>
+                        <a:srgbClr val="000000"/>
+                      </a:solidFill>
+                      <a:prstDash val="solid"/>
+                      <a:round/>
+                      <a:headEnd type="none" w="med" len="med"/>
+                      <a:tailEnd type="none" w="med" len="med"/>
+                    </a:lnL>
+                    <a:lnR w="6350" cap="flat" cmpd="sng" algn="ctr">
+                      <a:solidFill>
+                        <a:srgbClr val="000000"/>
+                      </a:solidFill>
+                      <a:prstDash val="solid"/>
+                      <a:round/>
+                      <a:headEnd type="none" w="med" len="med"/>
+                      <a:tailEnd type="none" w="med" len="med"/>
+                    </a:lnR>
+                    <a:lnT w="12700" cap="flat" cmpd="sng" algn="ctr">
+                      <a:solidFill>
+                        <a:srgbClr val="000000"/>
+                      </a:solidFill>
+                      <a:prstDash val="solid"/>
+                      <a:round/>
+                      <a:headEnd type="none" w="med" len="med"/>
+                      <a:tailEnd type="none" w="med" len="med"/>
+                    </a:lnT>
+                    <a:lnB w="6350" cap="flat" cmpd="sng" algn="ctr">
+                      <a:solidFill>
+                        <a:srgbClr val="000000"/>
+                      </a:solidFill>
+                      <a:prstDash val="solid"/>
+                      <a:round/>
+                      <a:headEnd type="none" w="med" len="med"/>
+                      <a:tailEnd type="none" w="med" len="med"/>
+                    </a:lnB>
+                    <a:solidFill>
+                      <a:srgbClr val="5B9BD5"/>
+                    </a:solidFill>
+                  </a:tcPr>
+                </a:tc>
+                <a:tc>
+                  <a:txBody>
+                    <a:bodyPr/>
+                    <a:lstStyle/>
+                    <a:p>
+                      <a:pPr algn="ctr" fontAlgn="ctr"/>
+                      <a:r>
+                        <a:rPr lang="cs-CZ" sz="1100" b="0" i="0" u="none" strike="noStrike">
+                          <a:solidFill>
+                            <a:srgbClr val="000000"/>
+                          </a:solidFill>
+                          <a:effectLst/>
+                          <a:latin typeface="Calibri" panose="020F0502020204030204" pitchFamily="34" charset="0"/>
+                        </a:rPr>
+                        <a:t>Hrany</a:t>
+                      </a:r>
+                    </a:p>
+                  </a:txBody>
+                  <a:tcPr marL="7620" marR="7620" marT="7620" marB="0" anchor="ctr">
+                    <a:lnL w="6350" cap="flat" cmpd="sng" algn="ctr">
+                      <a:solidFill>
+                        <a:srgbClr val="000000"/>
+                      </a:solidFill>
+                      <a:prstDash val="solid"/>
+                      <a:round/>
+                      <a:headEnd type="none" w="med" len="med"/>
+                      <a:tailEnd type="none" w="med" len="med"/>
+                    </a:lnL>
+                    <a:lnR w="6350" cap="flat" cmpd="sng" algn="ctr">
+                      <a:solidFill>
+                        <a:srgbClr val="000000"/>
+                      </a:solidFill>
+                      <a:prstDash val="solid"/>
+                      <a:round/>
+                      <a:headEnd type="none" w="med" len="med"/>
+                      <a:tailEnd type="none" w="med" len="med"/>
+                    </a:lnR>
+                    <a:lnT w="12700" cap="flat" cmpd="sng" algn="ctr">
+                      <a:solidFill>
+                        <a:srgbClr val="000000"/>
+                      </a:solidFill>
+                      <a:prstDash val="solid"/>
+                      <a:round/>
+                      <a:headEnd type="none" w="med" len="med"/>
+                      <a:tailEnd type="none" w="med" len="med"/>
+                    </a:lnT>
+                    <a:lnB w="6350" cap="flat" cmpd="sng" algn="ctr">
+                      <a:solidFill>
+                        <a:srgbClr val="000000"/>
+                      </a:solidFill>
+                      <a:prstDash val="solid"/>
+                      <a:round/>
+                      <a:headEnd type="none" w="med" len="med"/>
+                      <a:tailEnd type="none" w="med" len="med"/>
+                    </a:lnB>
+                    <a:solidFill>
+                      <a:srgbClr val="5B9BD5"/>
+                    </a:solidFill>
+                  </a:tcPr>
+                </a:tc>
+                <a:tc>
+                  <a:txBody>
+                    <a:bodyPr/>
+                    <a:lstStyle/>
+                    <a:p>
+                      <a:pPr algn="ctr" fontAlgn="ctr"/>
+                      <a:r>
+                        <a:rPr lang="cs-CZ" sz="1100" b="0" i="0" u="none" strike="noStrike">
+                          <a:solidFill>
+                            <a:srgbClr val="000000"/>
+                          </a:solidFill>
+                          <a:effectLst/>
+                          <a:latin typeface="Calibri" panose="020F0502020204030204" pitchFamily="34" charset="0"/>
+                        </a:rPr>
+                        <a:t>Prozkoumané vrcholy</a:t>
+                      </a:r>
+                    </a:p>
+                  </a:txBody>
+                  <a:tcPr marL="7620" marR="7620" marT="7620" marB="0" anchor="ctr">
+                    <a:lnL w="6350" cap="flat" cmpd="sng" algn="ctr">
+                      <a:solidFill>
+                        <a:srgbClr val="000000"/>
+                      </a:solidFill>
+                      <a:prstDash val="solid"/>
+                      <a:round/>
+                      <a:headEnd type="none" w="med" len="med"/>
+                      <a:tailEnd type="none" w="med" len="med"/>
+                    </a:lnL>
+                    <a:lnR w="6350" cap="flat" cmpd="sng" algn="ctr">
+                      <a:solidFill>
+                        <a:srgbClr val="000000"/>
+                      </a:solidFill>
+                      <a:prstDash val="solid"/>
+                      <a:round/>
+                      <a:headEnd type="none" w="med" len="med"/>
+                      <a:tailEnd type="none" w="med" len="med"/>
+                    </a:lnR>
+                    <a:lnT w="12700" cap="flat" cmpd="sng" algn="ctr">
+                      <a:solidFill>
+                        <a:srgbClr val="000000"/>
+                      </a:solidFill>
+                      <a:prstDash val="solid"/>
+                      <a:round/>
+                      <a:headEnd type="none" w="med" len="med"/>
+                      <a:tailEnd type="none" w="med" len="med"/>
+                    </a:lnT>
+                    <a:lnB w="6350" cap="flat" cmpd="sng" algn="ctr">
+                      <a:solidFill>
+                        <a:srgbClr val="000000"/>
+                      </a:solidFill>
+                      <a:prstDash val="solid"/>
+                      <a:round/>
+                      <a:headEnd type="none" w="med" len="med"/>
+                      <a:tailEnd type="none" w="med" len="med"/>
+                    </a:lnB>
+                    <a:solidFill>
+                      <a:srgbClr val="5B9BD5"/>
+                    </a:solidFill>
+                  </a:tcPr>
+                </a:tc>
+                <a:tc>
+                  <a:txBody>
+                    <a:bodyPr/>
+                    <a:lstStyle/>
+                    <a:p>
+                      <a:pPr algn="ctr" fontAlgn="ctr"/>
+                      <a:r>
+                        <a:rPr lang="cs-CZ" sz="1100" b="0" i="0" u="none" strike="noStrike">
+                          <a:solidFill>
+                            <a:srgbClr val="000000"/>
+                          </a:solidFill>
+                          <a:effectLst/>
+                          <a:latin typeface="Calibri" panose="020F0502020204030204" pitchFamily="34" charset="0"/>
+                        </a:rPr>
+                        <a:t>Doba trvání[s]</a:t>
+                      </a:r>
+                    </a:p>
+                  </a:txBody>
+                  <a:tcPr marL="7620" marR="7620" marT="7620" marB="0" anchor="ctr">
+                    <a:lnL w="6350" cap="flat" cmpd="sng" algn="ctr">
+                      <a:solidFill>
+                        <a:srgbClr val="000000"/>
+                      </a:solidFill>
+                      <a:prstDash val="solid"/>
+                      <a:round/>
+                      <a:headEnd type="none" w="med" len="med"/>
+                      <a:tailEnd type="none" w="med" len="med"/>
+                    </a:lnL>
+                    <a:lnR w="6350" cap="flat" cmpd="sng" algn="ctr">
+                      <a:solidFill>
+                        <a:srgbClr val="000000"/>
+                      </a:solidFill>
+                      <a:prstDash val="solid"/>
+                      <a:round/>
+                      <a:headEnd type="none" w="med" len="med"/>
+                      <a:tailEnd type="none" w="med" len="med"/>
+                    </a:lnR>
+                    <a:lnT w="12700" cap="flat" cmpd="sng" algn="ctr">
+                      <a:solidFill>
+                        <a:srgbClr val="000000"/>
+                      </a:solidFill>
+                      <a:prstDash val="solid"/>
+                      <a:round/>
+                      <a:headEnd type="none" w="med" len="med"/>
+                      <a:tailEnd type="none" w="med" len="med"/>
+                    </a:lnT>
+                    <a:lnB w="6350" cap="flat" cmpd="sng" algn="ctr">
+                      <a:solidFill>
+                        <a:srgbClr val="000000"/>
+                      </a:solidFill>
+                      <a:prstDash val="solid"/>
+                      <a:round/>
+                      <a:headEnd type="none" w="med" len="med"/>
+                      <a:tailEnd type="none" w="med" len="med"/>
+                    </a:lnB>
+                    <a:solidFill>
+                      <a:srgbClr val="5B9BD5"/>
+                    </a:solidFill>
+                  </a:tcPr>
+                </a:tc>
+                <a:tc>
+                  <a:txBody>
+                    <a:bodyPr/>
+                    <a:lstStyle/>
+                    <a:p>
+                      <a:pPr algn="ctr" fontAlgn="ctr"/>
+                      <a:r>
+                        <a:rPr lang="cs-CZ" sz="1100" b="0" i="0" u="none" strike="noStrike">
+                          <a:solidFill>
+                            <a:srgbClr val="000000"/>
+                          </a:solidFill>
+                          <a:effectLst/>
+                          <a:latin typeface="Calibri" panose="020F0502020204030204" pitchFamily="34" charset="0"/>
+                        </a:rPr>
+                        <a:t>Počet řešení</a:t>
+                      </a:r>
+                    </a:p>
+                  </a:txBody>
+                  <a:tcPr marL="7620" marR="7620" marT="7620" marB="0" anchor="ctr">
+                    <a:lnL w="6350" cap="flat" cmpd="sng" algn="ctr">
+                      <a:solidFill>
+                        <a:srgbClr val="000000"/>
+                      </a:solidFill>
+                      <a:prstDash val="solid"/>
+                      <a:round/>
+                      <a:headEnd type="none" w="med" len="med"/>
+                      <a:tailEnd type="none" w="med" len="med"/>
+                    </a:lnL>
+                    <a:lnR w="6350" cap="flat" cmpd="sng" algn="ctr">
+                      <a:solidFill>
+                        <a:srgbClr val="000000"/>
+                      </a:solidFill>
+                      <a:prstDash val="solid"/>
+                      <a:round/>
+                      <a:headEnd type="none" w="med" len="med"/>
+                      <a:tailEnd type="none" w="med" len="med"/>
+                    </a:lnR>
+                    <a:lnT w="12700" cap="flat" cmpd="sng" algn="ctr">
+                      <a:solidFill>
+                        <a:srgbClr val="000000"/>
+                      </a:solidFill>
+                      <a:prstDash val="solid"/>
+                      <a:round/>
+                      <a:headEnd type="none" w="med" len="med"/>
+                      <a:tailEnd type="none" w="med" len="med"/>
+                    </a:lnT>
+                    <a:lnB w="6350" cap="flat" cmpd="sng" algn="ctr">
+                      <a:solidFill>
+                        <a:srgbClr val="000000"/>
+                      </a:solidFill>
+                      <a:prstDash val="solid"/>
+                      <a:round/>
+                      <a:headEnd type="none" w="med" len="med"/>
+                      <a:tailEnd type="none" w="med" len="med"/>
+                    </a:lnB>
+                    <a:solidFill>
+                      <a:srgbClr val="5B9BD5"/>
+                    </a:solidFill>
+                  </a:tcPr>
+                </a:tc>
+                <a:tc>
+                  <a:txBody>
+                    <a:bodyPr/>
+                    <a:lstStyle/>
+                    <a:p>
+                      <a:pPr algn="ctr" fontAlgn="ctr"/>
+                      <a:r>
+                        <a:rPr lang="cs-CZ" sz="1100" b="0" i="0" u="none" strike="noStrike">
+                          <a:solidFill>
+                            <a:srgbClr val="000000"/>
+                          </a:solidFill>
+                          <a:effectLst/>
+                          <a:latin typeface="Calibri" panose="020F0502020204030204" pitchFamily="34" charset="0"/>
+                        </a:rPr>
+                        <a:t>Počet alokací</a:t>
+                      </a:r>
+                    </a:p>
+                  </a:txBody>
+                  <a:tcPr marL="7620" marR="7620" marT="7620" marB="0" anchor="ctr">
+                    <a:lnL w="6350" cap="flat" cmpd="sng" algn="ctr">
+                      <a:solidFill>
+                        <a:srgbClr val="000000"/>
+                      </a:solidFill>
+                      <a:prstDash val="solid"/>
+                      <a:round/>
+                      <a:headEnd type="none" w="med" len="med"/>
+                      <a:tailEnd type="none" w="med" len="med"/>
+                    </a:lnL>
+                    <a:lnR w="6350" cap="flat" cmpd="sng" algn="ctr">
+                      <a:solidFill>
+                        <a:srgbClr val="000000"/>
+                      </a:solidFill>
+                      <a:prstDash val="solid"/>
+                      <a:round/>
+                      <a:headEnd type="none" w="med" len="med"/>
+                      <a:tailEnd type="none" w="med" len="med"/>
+                    </a:lnR>
+                    <a:lnT w="12700" cap="flat" cmpd="sng" algn="ctr">
+                      <a:solidFill>
+                        <a:srgbClr val="000000"/>
+                      </a:solidFill>
+                      <a:prstDash val="solid"/>
+                      <a:round/>
+                      <a:headEnd type="none" w="med" len="med"/>
+                      <a:tailEnd type="none" w="med" len="med"/>
+                    </a:lnT>
+                    <a:lnB w="6350" cap="flat" cmpd="sng" algn="ctr">
+                      <a:solidFill>
+                        <a:srgbClr val="000000"/>
+                      </a:solidFill>
+                      <a:prstDash val="solid"/>
+                      <a:round/>
+                      <a:headEnd type="none" w="med" len="med"/>
+                      <a:tailEnd type="none" w="med" len="med"/>
+                    </a:lnB>
+                    <a:solidFill>
+                      <a:srgbClr val="5B9BD5"/>
+                    </a:solidFill>
+                  </a:tcPr>
+                </a:tc>
+                <a:tc>
+                  <a:txBody>
+                    <a:bodyPr/>
+                    <a:lstStyle/>
+                    <a:p>
+                      <a:pPr algn="ctr" fontAlgn="ctr"/>
+                      <a:r>
+                        <a:rPr lang="cs-CZ" sz="1100" b="0" i="0" u="none" strike="noStrike">
+                          <a:solidFill>
+                            <a:srgbClr val="000000"/>
+                          </a:solidFill>
+                          <a:effectLst/>
+                          <a:latin typeface="Calibri" panose="020F0502020204030204" pitchFamily="34" charset="0"/>
+                        </a:rPr>
+                        <a:t>Alokovaná paměť[B]</a:t>
+                      </a:r>
+                    </a:p>
+                  </a:txBody>
+                  <a:tcPr marL="7620" marR="7620" marT="7620" marB="0" anchor="ctr">
+                    <a:lnL w="6350" cap="flat" cmpd="sng" algn="ctr">
+                      <a:solidFill>
+                        <a:srgbClr val="000000"/>
+                      </a:solidFill>
+                      <a:prstDash val="solid"/>
+                      <a:round/>
+                      <a:headEnd type="none" w="med" len="med"/>
+                      <a:tailEnd type="none" w="med" len="med"/>
+                    </a:lnL>
+                    <a:lnR w="12700" cap="flat" cmpd="sng" algn="ctr">
+                      <a:solidFill>
+                        <a:srgbClr val="000000"/>
+                      </a:solidFill>
+                      <a:prstDash val="solid"/>
+                      <a:round/>
+                      <a:headEnd type="none" w="med" len="med"/>
+                      <a:tailEnd type="none" w="med" len="med"/>
+                    </a:lnR>
+                    <a:lnT w="12700" cap="flat" cmpd="sng" algn="ctr">
+                      <a:solidFill>
+                        <a:srgbClr val="000000"/>
+                      </a:solidFill>
+                      <a:prstDash val="solid"/>
+                      <a:round/>
+                      <a:headEnd type="none" w="med" len="med"/>
+                      <a:tailEnd type="none" w="med" len="med"/>
+                    </a:lnT>
+                    <a:lnB w="6350" cap="flat" cmpd="sng" algn="ctr">
+                      <a:solidFill>
+                        <a:srgbClr val="000000"/>
+                      </a:solidFill>
+                      <a:prstDash val="solid"/>
+                      <a:round/>
+                      <a:headEnd type="none" w="med" len="med"/>
+                      <a:tailEnd type="none" w="med" len="med"/>
+                    </a:lnB>
+                    <a:solidFill>
+                      <a:srgbClr val="5B9BD5"/>
+                    </a:solidFill>
+                  </a:tcPr>
+                </a:tc>
+                <a:extLst>
+                  <a:ext uri="{0D108BD9-81ED-4DB2-BD59-A6C34878D82A}">
+                    <a16:rowId xmlns:a16="http://schemas.microsoft.com/office/drawing/2014/main" val="654835394"/>
+                  </a:ext>
+                </a:extLst>
+              </a:tr>
+              <a:tr h="340725">
+                <a:tc>
+                  <a:txBody>
+                    <a:bodyPr/>
+                    <a:lstStyle/>
+                    <a:p>
+                      <a:pPr algn="ctr" fontAlgn="b"/>
+                      <a:r>
+                        <a:rPr lang="cs-CZ" sz="1100" b="0" i="0" u="none" strike="noStrike">
+                          <a:solidFill>
+                            <a:srgbClr val="000000"/>
+                          </a:solidFill>
+                          <a:effectLst/>
+                          <a:latin typeface="Calibri" panose="020F0502020204030204" pitchFamily="34" charset="0"/>
+                        </a:rPr>
+                        <a:t>3</a:t>
+                      </a:r>
+                    </a:p>
+                  </a:txBody>
+                  <a:tcPr marL="7620" marR="7620" marT="7620" marB="0" anchor="ctr">
+                    <a:lnL w="12700" cap="flat" cmpd="sng" algn="ctr">
+                      <a:solidFill>
+                        <a:srgbClr val="000000"/>
+                      </a:solidFill>
+                      <a:prstDash val="solid"/>
+                      <a:round/>
+                      <a:headEnd type="none" w="med" len="med"/>
+                      <a:tailEnd type="none" w="med" len="med"/>
+                    </a:lnL>
+                    <a:lnR w="6350" cap="flat" cmpd="sng" algn="ctr">
+                      <a:solidFill>
+                        <a:srgbClr val="000000"/>
+                      </a:solidFill>
+                      <a:prstDash val="solid"/>
+                      <a:round/>
+                      <a:headEnd type="none" w="med" len="med"/>
+                      <a:tailEnd type="none" w="med" len="med"/>
+                    </a:lnR>
+                    <a:lnT w="6350" cap="flat" cmpd="sng" algn="ctr">
+                      <a:solidFill>
+                        <a:srgbClr val="000000"/>
+                      </a:solidFill>
+                      <a:prstDash val="solid"/>
+                      <a:round/>
+                      <a:headEnd type="none" w="med" len="med"/>
+                      <a:tailEnd type="none" w="med" len="med"/>
+                    </a:lnT>
+                    <a:lnB w="6350" cap="flat" cmpd="sng" algn="ctr">
+                      <a:solidFill>
+                        <a:srgbClr val="000000"/>
+                      </a:solidFill>
+                      <a:prstDash val="solid"/>
+                      <a:round/>
+                      <a:headEnd type="none" w="med" len="med"/>
+                      <a:tailEnd type="none" w="med" len="med"/>
+                    </a:lnB>
+                    <a:solidFill>
+                      <a:srgbClr val="BDD7EE"/>
+                    </a:solidFill>
+                  </a:tcPr>
+                </a:tc>
+                <a:tc>
+                  <a:txBody>
+                    <a:bodyPr/>
+                    <a:lstStyle/>
+                    <a:p>
+                      <a:pPr algn="ctr" fontAlgn="b"/>
+                      <a:r>
+                        <a:rPr lang="cs-CZ" sz="1100" b="0" i="0" u="none" strike="noStrike">
+                          <a:solidFill>
+                            <a:srgbClr val="000000"/>
+                          </a:solidFill>
+                          <a:effectLst/>
+                          <a:latin typeface="Calibri" panose="020F0502020204030204" pitchFamily="34" charset="0"/>
+                        </a:rPr>
+                        <a:t>3</a:t>
+                      </a:r>
+                    </a:p>
+                  </a:txBody>
+                  <a:tcPr marL="7620" marR="7620" marT="7620" marB="0" anchor="ctr">
+                    <a:lnL w="6350" cap="flat" cmpd="sng" algn="ctr">
+                      <a:solidFill>
+                        <a:srgbClr val="000000"/>
+                      </a:solidFill>
+                      <a:prstDash val="solid"/>
+                      <a:round/>
+                      <a:headEnd type="none" w="med" len="med"/>
+                      <a:tailEnd type="none" w="med" len="med"/>
+                    </a:lnL>
+                    <a:lnR w="6350" cap="flat" cmpd="sng" algn="ctr">
+                      <a:solidFill>
+                        <a:srgbClr val="000000"/>
+                      </a:solidFill>
+                      <a:prstDash val="solid"/>
+                      <a:round/>
+                      <a:headEnd type="none" w="med" len="med"/>
+                      <a:tailEnd type="none" w="med" len="med"/>
+                    </a:lnR>
+                    <a:lnT w="6350" cap="flat" cmpd="sng" algn="ctr">
+                      <a:solidFill>
+                        <a:srgbClr val="000000"/>
+                      </a:solidFill>
+                      <a:prstDash val="solid"/>
+                      <a:round/>
+                      <a:headEnd type="none" w="med" len="med"/>
+                      <a:tailEnd type="none" w="med" len="med"/>
+                    </a:lnT>
+                    <a:lnB w="6350" cap="flat" cmpd="sng" algn="ctr">
+                      <a:solidFill>
+                        <a:srgbClr val="000000"/>
+                      </a:solidFill>
+                      <a:prstDash val="solid"/>
+                      <a:round/>
+                      <a:headEnd type="none" w="med" len="med"/>
+                      <a:tailEnd type="none" w="med" len="med"/>
+                    </a:lnB>
+                    <a:solidFill>
+                      <a:srgbClr val="BDD7EE"/>
+                    </a:solidFill>
+                  </a:tcPr>
+                </a:tc>
+                <a:tc>
+                  <a:txBody>
+                    <a:bodyPr/>
+                    <a:lstStyle/>
+                    <a:p>
+                      <a:pPr algn="ctr" fontAlgn="b"/>
+                      <a:r>
+                        <a:rPr lang="cs-CZ" sz="1100" b="0" i="0" u="none" strike="noStrike">
+                          <a:solidFill>
+                            <a:srgbClr val="000000"/>
+                          </a:solidFill>
+                          <a:effectLst/>
+                          <a:latin typeface="Calibri" panose="020F0502020204030204" pitchFamily="34" charset="0"/>
+                        </a:rPr>
+                        <a:t>5</a:t>
+                      </a:r>
+                    </a:p>
+                  </a:txBody>
+                  <a:tcPr marL="7620" marR="7620" marT="7620" marB="0" anchor="ctr">
+                    <a:lnL w="6350" cap="flat" cmpd="sng" algn="ctr">
+                      <a:solidFill>
+                        <a:srgbClr val="000000"/>
+                      </a:solidFill>
+                      <a:prstDash val="solid"/>
+                      <a:round/>
+                      <a:headEnd type="none" w="med" len="med"/>
+                      <a:tailEnd type="none" w="med" len="med"/>
+                    </a:lnL>
+                    <a:lnR w="6350" cap="flat" cmpd="sng" algn="ctr">
+                      <a:solidFill>
+                        <a:srgbClr val="000000"/>
+                      </a:solidFill>
+                      <a:prstDash val="solid"/>
+                      <a:round/>
+                      <a:headEnd type="none" w="med" len="med"/>
+                      <a:tailEnd type="none" w="med" len="med"/>
+                    </a:lnR>
+                    <a:lnT w="6350" cap="flat" cmpd="sng" algn="ctr">
+                      <a:solidFill>
+                        <a:srgbClr val="000000"/>
+                      </a:solidFill>
+                      <a:prstDash val="solid"/>
+                      <a:round/>
+                      <a:headEnd type="none" w="med" len="med"/>
+                      <a:tailEnd type="none" w="med" len="med"/>
+                    </a:lnT>
+                    <a:lnB w="6350" cap="flat" cmpd="sng" algn="ctr">
+                      <a:solidFill>
+                        <a:srgbClr val="000000"/>
+                      </a:solidFill>
+                      <a:prstDash val="solid"/>
+                      <a:round/>
+                      <a:headEnd type="none" w="med" len="med"/>
+                      <a:tailEnd type="none" w="med" len="med"/>
+                    </a:lnB>
+                    <a:solidFill>
+                      <a:srgbClr val="BDD7EE"/>
+                    </a:solidFill>
+                  </a:tcPr>
+                </a:tc>
+                <a:tc>
+                  <a:txBody>
+                    <a:bodyPr/>
+                    <a:lstStyle/>
+                    <a:p>
+                      <a:pPr algn="ctr" fontAlgn="b"/>
+                      <a:r>
+                        <a:rPr lang="cs-CZ" sz="1100" b="0" i="0" u="none" strike="noStrike">
+                          <a:solidFill>
+                            <a:srgbClr val="000000"/>
+                          </a:solidFill>
+                          <a:effectLst/>
+                          <a:latin typeface="Calibri" panose="020F0502020204030204" pitchFamily="34" charset="0"/>
+                        </a:rPr>
+                        <a:t>0,008</a:t>
+                      </a:r>
+                    </a:p>
+                  </a:txBody>
+                  <a:tcPr marL="7620" marR="7620" marT="7620" marB="0" anchor="ctr">
+                    <a:lnL w="6350" cap="flat" cmpd="sng" algn="ctr">
+                      <a:solidFill>
+                        <a:srgbClr val="000000"/>
+                      </a:solidFill>
+                      <a:prstDash val="solid"/>
+                      <a:round/>
+                      <a:headEnd type="none" w="med" len="med"/>
+                      <a:tailEnd type="none" w="med" len="med"/>
+                    </a:lnL>
+                    <a:lnR w="6350" cap="flat" cmpd="sng" algn="ctr">
+                      <a:solidFill>
+                        <a:srgbClr val="000000"/>
+                      </a:solidFill>
+                      <a:prstDash val="solid"/>
+                      <a:round/>
+                      <a:headEnd type="none" w="med" len="med"/>
+                      <a:tailEnd type="none" w="med" len="med"/>
+                    </a:lnR>
+                    <a:lnT w="6350" cap="flat" cmpd="sng" algn="ctr">
+                      <a:solidFill>
+                        <a:srgbClr val="000000"/>
+                      </a:solidFill>
+                      <a:prstDash val="solid"/>
+                      <a:round/>
+                      <a:headEnd type="none" w="med" len="med"/>
+                      <a:tailEnd type="none" w="med" len="med"/>
+                    </a:lnT>
+                    <a:lnB w="6350" cap="flat" cmpd="sng" algn="ctr">
+                      <a:solidFill>
+                        <a:srgbClr val="000000"/>
+                      </a:solidFill>
+                      <a:prstDash val="solid"/>
+                      <a:round/>
+                      <a:headEnd type="none" w="med" len="med"/>
+                      <a:tailEnd type="none" w="med" len="med"/>
+                    </a:lnB>
+                    <a:solidFill>
+                      <a:srgbClr val="BDD7EE"/>
+                    </a:solidFill>
+                  </a:tcPr>
+                </a:tc>
+                <a:tc>
+                  <a:txBody>
+                    <a:bodyPr/>
+                    <a:lstStyle/>
+                    <a:p>
+                      <a:pPr algn="ctr" fontAlgn="b"/>
+                      <a:r>
+                        <a:rPr lang="cs-CZ" sz="1100" b="0" i="0" u="none" strike="noStrike">
+                          <a:solidFill>
+                            <a:srgbClr val="000000"/>
+                          </a:solidFill>
+                          <a:effectLst/>
+                          <a:latin typeface="Calibri" panose="020F0502020204030204" pitchFamily="34" charset="0"/>
+                        </a:rPr>
+                        <a:t>2</a:t>
+                      </a:r>
+                    </a:p>
+                  </a:txBody>
+                  <a:tcPr marL="7620" marR="7620" marT="7620" marB="0" anchor="ctr">
+                    <a:lnL w="6350" cap="flat" cmpd="sng" algn="ctr">
+                      <a:solidFill>
+                        <a:srgbClr val="000000"/>
+                      </a:solidFill>
+                      <a:prstDash val="solid"/>
+                      <a:round/>
+                      <a:headEnd type="none" w="med" len="med"/>
+                      <a:tailEnd type="none" w="med" len="med"/>
+                    </a:lnL>
+                    <a:lnR w="6350" cap="flat" cmpd="sng" algn="ctr">
+                      <a:solidFill>
+                        <a:srgbClr val="000000"/>
+                      </a:solidFill>
+                      <a:prstDash val="solid"/>
+                      <a:round/>
+                      <a:headEnd type="none" w="med" len="med"/>
+                      <a:tailEnd type="none" w="med" len="med"/>
+                    </a:lnR>
+                    <a:lnT w="6350" cap="flat" cmpd="sng" algn="ctr">
+                      <a:solidFill>
+                        <a:srgbClr val="000000"/>
+                      </a:solidFill>
+                      <a:prstDash val="solid"/>
+                      <a:round/>
+                      <a:headEnd type="none" w="med" len="med"/>
+                      <a:tailEnd type="none" w="med" len="med"/>
+                    </a:lnT>
+                    <a:lnB w="6350" cap="flat" cmpd="sng" algn="ctr">
+                      <a:solidFill>
+                        <a:srgbClr val="000000"/>
+                      </a:solidFill>
+                      <a:prstDash val="solid"/>
+                      <a:round/>
+                      <a:headEnd type="none" w="med" len="med"/>
+                      <a:tailEnd type="none" w="med" len="med"/>
+                    </a:lnB>
+                    <a:solidFill>
+                      <a:srgbClr val="BDD7EE"/>
+                    </a:solidFill>
+                  </a:tcPr>
+                </a:tc>
+                <a:tc>
+                  <a:txBody>
+                    <a:bodyPr/>
+                    <a:lstStyle/>
+                    <a:p>
+                      <a:pPr algn="ctr" fontAlgn="b"/>
+                      <a:r>
+                        <a:rPr lang="cs-CZ" sz="1100" b="0" i="0" u="none" strike="noStrike">
+                          <a:solidFill>
+                            <a:srgbClr val="000000"/>
+                          </a:solidFill>
+                          <a:effectLst/>
+                          <a:latin typeface="Calibri" panose="020F0502020204030204" pitchFamily="34" charset="0"/>
+                        </a:rPr>
+                        <a:t>32</a:t>
+                      </a:r>
+                    </a:p>
+                  </a:txBody>
+                  <a:tcPr marL="7620" marR="7620" marT="7620" marB="0" anchor="ctr">
+                    <a:lnL w="6350" cap="flat" cmpd="sng" algn="ctr">
+                      <a:solidFill>
+                        <a:srgbClr val="000000"/>
+                      </a:solidFill>
+                      <a:prstDash val="solid"/>
+                      <a:round/>
+                      <a:headEnd type="none" w="med" len="med"/>
+                      <a:tailEnd type="none" w="med" len="med"/>
+                    </a:lnL>
+                    <a:lnR w="6350" cap="flat" cmpd="sng" algn="ctr">
+                      <a:solidFill>
+                        <a:srgbClr val="000000"/>
+                      </a:solidFill>
+                      <a:prstDash val="solid"/>
+                      <a:round/>
+                      <a:headEnd type="none" w="med" len="med"/>
+                      <a:tailEnd type="none" w="med" len="med"/>
+                    </a:lnR>
+                    <a:lnT w="6350" cap="flat" cmpd="sng" algn="ctr">
+                      <a:solidFill>
+                        <a:srgbClr val="000000"/>
+                      </a:solidFill>
+                      <a:prstDash val="solid"/>
+                      <a:round/>
+                      <a:headEnd type="none" w="med" len="med"/>
+                      <a:tailEnd type="none" w="med" len="med"/>
+                    </a:lnT>
+                    <a:lnB w="6350" cap="flat" cmpd="sng" algn="ctr">
+                      <a:solidFill>
+                        <a:srgbClr val="000000"/>
+                      </a:solidFill>
+                      <a:prstDash val="solid"/>
+                      <a:round/>
+                      <a:headEnd type="none" w="med" len="med"/>
+                      <a:tailEnd type="none" w="med" len="med"/>
+                    </a:lnB>
+                    <a:solidFill>
+                      <a:srgbClr val="BDD7EE"/>
+                    </a:solidFill>
+                  </a:tcPr>
+                </a:tc>
+                <a:tc>
+                  <a:txBody>
+                    <a:bodyPr/>
+                    <a:lstStyle/>
+                    <a:p>
+                      <a:pPr algn="ctr" fontAlgn="b"/>
+                      <a:r>
+                        <a:rPr lang="cs-CZ" sz="1100" b="0" i="0" u="none" strike="noStrike" dirty="0">
+                          <a:solidFill>
+                            <a:srgbClr val="000000"/>
+                          </a:solidFill>
+                          <a:effectLst/>
+                          <a:latin typeface="Calibri" panose="020F0502020204030204" pitchFamily="34" charset="0"/>
+                        </a:rPr>
+                        <a:t>6 766</a:t>
+                      </a:r>
+                    </a:p>
+                  </a:txBody>
+                  <a:tcPr marL="7620" marR="7620" marT="7620" marB="0" anchor="ctr">
+                    <a:lnL w="6350" cap="flat" cmpd="sng" algn="ctr">
+                      <a:solidFill>
+                        <a:srgbClr val="000000"/>
+                      </a:solidFill>
+                      <a:prstDash val="solid"/>
+                      <a:round/>
+                      <a:headEnd type="none" w="med" len="med"/>
+                      <a:tailEnd type="none" w="med" len="med"/>
+                    </a:lnL>
+                    <a:lnR w="12700" cap="flat" cmpd="sng" algn="ctr">
+                      <a:solidFill>
+                        <a:srgbClr val="000000"/>
+                      </a:solidFill>
+                      <a:prstDash val="solid"/>
+                      <a:round/>
+                      <a:headEnd type="none" w="med" len="med"/>
+                      <a:tailEnd type="none" w="med" len="med"/>
+                    </a:lnR>
+                    <a:lnT w="6350" cap="flat" cmpd="sng" algn="ctr">
+                      <a:solidFill>
+                        <a:srgbClr val="000000"/>
+                      </a:solidFill>
+                      <a:prstDash val="solid"/>
+                      <a:round/>
+                      <a:headEnd type="none" w="med" len="med"/>
+                      <a:tailEnd type="none" w="med" len="med"/>
+                    </a:lnT>
+                    <a:lnB w="6350" cap="flat" cmpd="sng" algn="ctr">
+                      <a:solidFill>
+                        <a:srgbClr val="000000"/>
+                      </a:solidFill>
+                      <a:prstDash val="solid"/>
+                      <a:round/>
+                      <a:headEnd type="none" w="med" len="med"/>
+                      <a:tailEnd type="none" w="med" len="med"/>
+                    </a:lnB>
+                    <a:solidFill>
+                      <a:srgbClr val="BDD7EE"/>
+                    </a:solidFill>
+                  </a:tcPr>
+                </a:tc>
+                <a:extLst>
+                  <a:ext uri="{0D108BD9-81ED-4DB2-BD59-A6C34878D82A}">
+                    <a16:rowId xmlns:a16="http://schemas.microsoft.com/office/drawing/2014/main" val="320997430"/>
+                  </a:ext>
+                </a:extLst>
+              </a:tr>
+              <a:tr h="340725">
+                <a:tc>
+                  <a:txBody>
+                    <a:bodyPr/>
+                    <a:lstStyle/>
+                    <a:p>
+                      <a:pPr algn="ctr" fontAlgn="b"/>
+                      <a:r>
+                        <a:rPr lang="cs-CZ" sz="1100" b="0" i="0" u="none" strike="noStrike">
+                          <a:solidFill>
+                            <a:srgbClr val="000000"/>
+                          </a:solidFill>
+                          <a:effectLst/>
+                          <a:latin typeface="Calibri" panose="020F0502020204030204" pitchFamily="34" charset="0"/>
+                        </a:rPr>
+                        <a:t>4</a:t>
+                      </a:r>
+                    </a:p>
+                  </a:txBody>
+                  <a:tcPr marL="7620" marR="7620" marT="7620" marB="0" anchor="ctr">
+                    <a:lnL w="12700" cap="flat" cmpd="sng" algn="ctr">
+                      <a:solidFill>
+                        <a:srgbClr val="000000"/>
+                      </a:solidFill>
+                      <a:prstDash val="solid"/>
+                      <a:round/>
+                      <a:headEnd type="none" w="med" len="med"/>
+                      <a:tailEnd type="none" w="med" len="med"/>
+                    </a:lnL>
+                    <a:lnR w="6350" cap="flat" cmpd="sng" algn="ctr">
+                      <a:solidFill>
+                        <a:srgbClr val="000000"/>
+                      </a:solidFill>
+                      <a:prstDash val="solid"/>
+                      <a:round/>
+                      <a:headEnd type="none" w="med" len="med"/>
+                      <a:tailEnd type="none" w="med" len="med"/>
+                    </a:lnR>
+                    <a:lnT w="6350" cap="flat" cmpd="sng" algn="ctr">
+                      <a:solidFill>
+                        <a:srgbClr val="000000"/>
+                      </a:solidFill>
+                      <a:prstDash val="solid"/>
+                      <a:round/>
+                      <a:headEnd type="none" w="med" len="med"/>
+                      <a:tailEnd type="none" w="med" len="med"/>
+                    </a:lnT>
+                    <a:lnB w="6350" cap="flat" cmpd="sng" algn="ctr">
+                      <a:solidFill>
+                        <a:srgbClr val="000000"/>
+                      </a:solidFill>
+                      <a:prstDash val="solid"/>
+                      <a:round/>
+                      <a:headEnd type="none" w="med" len="med"/>
+                      <a:tailEnd type="none" w="med" len="med"/>
+                    </a:lnB>
+                    <a:solidFill>
+                      <a:srgbClr val="BDD7EE"/>
+                    </a:solidFill>
+                  </a:tcPr>
+                </a:tc>
+                <a:tc>
+                  <a:txBody>
+                    <a:bodyPr/>
+                    <a:lstStyle/>
+                    <a:p>
+                      <a:pPr algn="ctr" fontAlgn="b"/>
+                      <a:r>
+                        <a:rPr lang="cs-CZ" sz="1100" b="0" i="0" u="none" strike="noStrike">
+                          <a:solidFill>
+                            <a:srgbClr val="000000"/>
+                          </a:solidFill>
+                          <a:effectLst/>
+                          <a:latin typeface="Calibri" panose="020F0502020204030204" pitchFamily="34" charset="0"/>
+                        </a:rPr>
+                        <a:t>6</a:t>
+                      </a:r>
+                    </a:p>
+                  </a:txBody>
+                  <a:tcPr marL="7620" marR="7620" marT="7620" marB="0" anchor="ctr">
+                    <a:lnL w="6350" cap="flat" cmpd="sng" algn="ctr">
+                      <a:solidFill>
+                        <a:srgbClr val="000000"/>
+                      </a:solidFill>
+                      <a:prstDash val="solid"/>
+                      <a:round/>
+                      <a:headEnd type="none" w="med" len="med"/>
+                      <a:tailEnd type="none" w="med" len="med"/>
+                    </a:lnL>
+                    <a:lnR w="6350" cap="flat" cmpd="sng" algn="ctr">
+                      <a:solidFill>
+                        <a:srgbClr val="000000"/>
+                      </a:solidFill>
+                      <a:prstDash val="solid"/>
+                      <a:round/>
+                      <a:headEnd type="none" w="med" len="med"/>
+                      <a:tailEnd type="none" w="med" len="med"/>
+                    </a:lnR>
+                    <a:lnT w="6350" cap="flat" cmpd="sng" algn="ctr">
+                      <a:solidFill>
+                        <a:srgbClr val="000000"/>
+                      </a:solidFill>
+                      <a:prstDash val="solid"/>
+                      <a:round/>
+                      <a:headEnd type="none" w="med" len="med"/>
+                      <a:tailEnd type="none" w="med" len="med"/>
+                    </a:lnT>
+                    <a:lnB w="6350" cap="flat" cmpd="sng" algn="ctr">
+                      <a:solidFill>
+                        <a:srgbClr val="000000"/>
+                      </a:solidFill>
+                      <a:prstDash val="solid"/>
+                      <a:round/>
+                      <a:headEnd type="none" w="med" len="med"/>
+                      <a:tailEnd type="none" w="med" len="med"/>
+                    </a:lnB>
+                    <a:solidFill>
+                      <a:srgbClr val="BDD7EE"/>
+                    </a:solidFill>
+                  </a:tcPr>
+                </a:tc>
+                <a:tc>
+                  <a:txBody>
+                    <a:bodyPr/>
+                    <a:lstStyle/>
+                    <a:p>
+                      <a:pPr algn="ctr" fontAlgn="b"/>
+                      <a:r>
+                        <a:rPr lang="cs-CZ" sz="1100" b="0" i="0" u="none" strike="noStrike">
+                          <a:solidFill>
+                            <a:srgbClr val="000000"/>
+                          </a:solidFill>
+                          <a:effectLst/>
+                          <a:latin typeface="Calibri" panose="020F0502020204030204" pitchFamily="34" charset="0"/>
+                        </a:rPr>
+                        <a:t>16</a:t>
+                      </a:r>
+                    </a:p>
+                  </a:txBody>
+                  <a:tcPr marL="7620" marR="7620" marT="7620" marB="0" anchor="ctr">
+                    <a:lnL w="6350" cap="flat" cmpd="sng" algn="ctr">
+                      <a:solidFill>
+                        <a:srgbClr val="000000"/>
+                      </a:solidFill>
+                      <a:prstDash val="solid"/>
+                      <a:round/>
+                      <a:headEnd type="none" w="med" len="med"/>
+                      <a:tailEnd type="none" w="med" len="med"/>
+                    </a:lnL>
+                    <a:lnR w="6350" cap="flat" cmpd="sng" algn="ctr">
+                      <a:solidFill>
+                        <a:srgbClr val="000000"/>
+                      </a:solidFill>
+                      <a:prstDash val="solid"/>
+                      <a:round/>
+                      <a:headEnd type="none" w="med" len="med"/>
+                      <a:tailEnd type="none" w="med" len="med"/>
+                    </a:lnR>
+                    <a:lnT w="6350" cap="flat" cmpd="sng" algn="ctr">
+                      <a:solidFill>
+                        <a:srgbClr val="000000"/>
+                      </a:solidFill>
+                      <a:prstDash val="solid"/>
+                      <a:round/>
+                      <a:headEnd type="none" w="med" len="med"/>
+                      <a:tailEnd type="none" w="med" len="med"/>
+                    </a:lnT>
+                    <a:lnB w="6350" cap="flat" cmpd="sng" algn="ctr">
+                      <a:solidFill>
+                        <a:srgbClr val="000000"/>
+                      </a:solidFill>
+                      <a:prstDash val="solid"/>
+                      <a:round/>
+                      <a:headEnd type="none" w="med" len="med"/>
+                      <a:tailEnd type="none" w="med" len="med"/>
+                    </a:lnB>
+                    <a:solidFill>
+                      <a:srgbClr val="BDD7EE"/>
+                    </a:solidFill>
+                  </a:tcPr>
+                </a:tc>
+                <a:tc>
+                  <a:txBody>
+                    <a:bodyPr/>
+                    <a:lstStyle/>
+                    <a:p>
+                      <a:pPr algn="ctr" fontAlgn="b"/>
+                      <a:r>
+                        <a:rPr lang="cs-CZ" sz="1100" b="0" i="0" u="none" strike="noStrike">
+                          <a:solidFill>
+                            <a:srgbClr val="000000"/>
+                          </a:solidFill>
+                          <a:effectLst/>
+                          <a:latin typeface="Calibri" panose="020F0502020204030204" pitchFamily="34" charset="0"/>
+                        </a:rPr>
+                        <a:t>0,009</a:t>
+                      </a:r>
+                    </a:p>
+                  </a:txBody>
+                  <a:tcPr marL="7620" marR="7620" marT="7620" marB="0" anchor="ctr">
+                    <a:lnL w="6350" cap="flat" cmpd="sng" algn="ctr">
+                      <a:solidFill>
+                        <a:srgbClr val="000000"/>
+                      </a:solidFill>
+                      <a:prstDash val="solid"/>
+                      <a:round/>
+                      <a:headEnd type="none" w="med" len="med"/>
+                      <a:tailEnd type="none" w="med" len="med"/>
+                    </a:lnL>
+                    <a:lnR w="6350" cap="flat" cmpd="sng" algn="ctr">
+                      <a:solidFill>
+                        <a:srgbClr val="000000"/>
+                      </a:solidFill>
+                      <a:prstDash val="solid"/>
+                      <a:round/>
+                      <a:headEnd type="none" w="med" len="med"/>
+                      <a:tailEnd type="none" w="med" len="med"/>
+                    </a:lnR>
+                    <a:lnT w="6350" cap="flat" cmpd="sng" algn="ctr">
+                      <a:solidFill>
+                        <a:srgbClr val="000000"/>
+                      </a:solidFill>
+                      <a:prstDash val="solid"/>
+                      <a:round/>
+                      <a:headEnd type="none" w="med" len="med"/>
+                      <a:tailEnd type="none" w="med" len="med"/>
+                    </a:lnT>
+                    <a:lnB w="6350" cap="flat" cmpd="sng" algn="ctr">
+                      <a:solidFill>
+                        <a:srgbClr val="000000"/>
+                      </a:solidFill>
+                      <a:prstDash val="solid"/>
+                      <a:round/>
+                      <a:headEnd type="none" w="med" len="med"/>
+                      <a:tailEnd type="none" w="med" len="med"/>
+                    </a:lnB>
+                    <a:solidFill>
+                      <a:srgbClr val="BDD7EE"/>
+                    </a:solidFill>
+                  </a:tcPr>
+                </a:tc>
+                <a:tc>
+                  <a:txBody>
+                    <a:bodyPr/>
+                    <a:lstStyle/>
+                    <a:p>
+                      <a:pPr algn="ctr" fontAlgn="b"/>
+                      <a:r>
+                        <a:rPr lang="cs-CZ" sz="1100" b="0" i="0" u="none" strike="noStrike">
+                          <a:solidFill>
+                            <a:srgbClr val="000000"/>
+                          </a:solidFill>
+                          <a:effectLst/>
+                          <a:latin typeface="Calibri" panose="020F0502020204030204" pitchFamily="34" charset="0"/>
+                        </a:rPr>
+                        <a:t>6</a:t>
+                      </a:r>
+                    </a:p>
+                  </a:txBody>
+                  <a:tcPr marL="7620" marR="7620" marT="7620" marB="0" anchor="ctr">
+                    <a:lnL w="6350" cap="flat" cmpd="sng" algn="ctr">
+                      <a:solidFill>
+                        <a:srgbClr val="000000"/>
+                      </a:solidFill>
+                      <a:prstDash val="solid"/>
+                      <a:round/>
+                      <a:headEnd type="none" w="med" len="med"/>
+                      <a:tailEnd type="none" w="med" len="med"/>
+                    </a:lnL>
+                    <a:lnR w="6350" cap="flat" cmpd="sng" algn="ctr">
+                      <a:solidFill>
+                        <a:srgbClr val="000000"/>
+                      </a:solidFill>
+                      <a:prstDash val="solid"/>
+                      <a:round/>
+                      <a:headEnd type="none" w="med" len="med"/>
+                      <a:tailEnd type="none" w="med" len="med"/>
+                    </a:lnR>
+                    <a:lnT w="6350" cap="flat" cmpd="sng" algn="ctr">
+                      <a:solidFill>
+                        <a:srgbClr val="000000"/>
+                      </a:solidFill>
+                      <a:prstDash val="solid"/>
+                      <a:round/>
+                      <a:headEnd type="none" w="med" len="med"/>
+                      <a:tailEnd type="none" w="med" len="med"/>
+                    </a:lnT>
+                    <a:lnB w="6350" cap="flat" cmpd="sng" algn="ctr">
+                      <a:solidFill>
+                        <a:srgbClr val="000000"/>
+                      </a:solidFill>
+                      <a:prstDash val="solid"/>
+                      <a:round/>
+                      <a:headEnd type="none" w="med" len="med"/>
+                      <a:tailEnd type="none" w="med" len="med"/>
+                    </a:lnB>
+                    <a:solidFill>
+                      <a:srgbClr val="BDD7EE"/>
+                    </a:solidFill>
+                  </a:tcPr>
+                </a:tc>
+                <a:tc>
+                  <a:txBody>
+                    <a:bodyPr/>
+                    <a:lstStyle/>
+                    <a:p>
+                      <a:pPr algn="ctr" fontAlgn="b"/>
+                      <a:r>
+                        <a:rPr lang="cs-CZ" sz="1100" b="0" i="0" u="none" strike="noStrike">
+                          <a:solidFill>
+                            <a:srgbClr val="000000"/>
+                          </a:solidFill>
+                          <a:effectLst/>
+                          <a:latin typeface="Calibri" panose="020F0502020204030204" pitchFamily="34" charset="0"/>
+                        </a:rPr>
+                        <a:t>58</a:t>
+                      </a:r>
+                    </a:p>
+                  </a:txBody>
+                  <a:tcPr marL="7620" marR="7620" marT="7620" marB="0" anchor="ctr">
+                    <a:lnL w="6350" cap="flat" cmpd="sng" algn="ctr">
+                      <a:solidFill>
+                        <a:srgbClr val="000000"/>
+                      </a:solidFill>
+                      <a:prstDash val="solid"/>
+                      <a:round/>
+                      <a:headEnd type="none" w="med" len="med"/>
+                      <a:tailEnd type="none" w="med" len="med"/>
+                    </a:lnL>
+                    <a:lnR w="6350" cap="flat" cmpd="sng" algn="ctr">
+                      <a:solidFill>
+                        <a:srgbClr val="000000"/>
+                      </a:solidFill>
+                      <a:prstDash val="solid"/>
+                      <a:round/>
+                      <a:headEnd type="none" w="med" len="med"/>
+                      <a:tailEnd type="none" w="med" len="med"/>
+                    </a:lnR>
+                    <a:lnT w="6350" cap="flat" cmpd="sng" algn="ctr">
+                      <a:solidFill>
+                        <a:srgbClr val="000000"/>
+                      </a:solidFill>
+                      <a:prstDash val="solid"/>
+                      <a:round/>
+                      <a:headEnd type="none" w="med" len="med"/>
+                      <a:tailEnd type="none" w="med" len="med"/>
+                    </a:lnT>
+                    <a:lnB w="6350" cap="flat" cmpd="sng" algn="ctr">
+                      <a:solidFill>
+                        <a:srgbClr val="000000"/>
+                      </a:solidFill>
+                      <a:prstDash val="solid"/>
+                      <a:round/>
+                      <a:headEnd type="none" w="med" len="med"/>
+                      <a:tailEnd type="none" w="med" len="med"/>
+                    </a:lnB>
+                    <a:solidFill>
+                      <a:srgbClr val="BDD7EE"/>
+                    </a:solidFill>
+                  </a:tcPr>
+                </a:tc>
+                <a:tc>
+                  <a:txBody>
+                    <a:bodyPr/>
+                    <a:lstStyle/>
+                    <a:p>
+                      <a:pPr algn="ctr" fontAlgn="b"/>
+                      <a:r>
+                        <a:rPr lang="cs-CZ" sz="1100" b="0" i="0" u="none" strike="noStrike">
+                          <a:solidFill>
+                            <a:srgbClr val="000000"/>
+                          </a:solidFill>
+                          <a:effectLst/>
+                          <a:latin typeface="Calibri" panose="020F0502020204030204" pitchFamily="34" charset="0"/>
+                        </a:rPr>
+                        <a:t>8 948</a:t>
+                      </a:r>
+                    </a:p>
+                  </a:txBody>
+                  <a:tcPr marL="7620" marR="7620" marT="7620" marB="0" anchor="ctr">
+                    <a:lnL w="6350" cap="flat" cmpd="sng" algn="ctr">
+                      <a:solidFill>
+                        <a:srgbClr val="000000"/>
+                      </a:solidFill>
+                      <a:prstDash val="solid"/>
+                      <a:round/>
+                      <a:headEnd type="none" w="med" len="med"/>
+                      <a:tailEnd type="none" w="med" len="med"/>
+                    </a:lnL>
+                    <a:lnR w="12700" cap="flat" cmpd="sng" algn="ctr">
+                      <a:solidFill>
+                        <a:srgbClr val="000000"/>
+                      </a:solidFill>
+                      <a:prstDash val="solid"/>
+                      <a:round/>
+                      <a:headEnd type="none" w="med" len="med"/>
+                      <a:tailEnd type="none" w="med" len="med"/>
+                    </a:lnR>
+                    <a:lnT w="6350" cap="flat" cmpd="sng" algn="ctr">
+                      <a:solidFill>
+                        <a:srgbClr val="000000"/>
+                      </a:solidFill>
+                      <a:prstDash val="solid"/>
+                      <a:round/>
+                      <a:headEnd type="none" w="med" len="med"/>
+                      <a:tailEnd type="none" w="med" len="med"/>
+                    </a:lnT>
+                    <a:lnB w="6350" cap="flat" cmpd="sng" algn="ctr">
+                      <a:solidFill>
+                        <a:srgbClr val="000000"/>
+                      </a:solidFill>
+                      <a:prstDash val="solid"/>
+                      <a:round/>
+                      <a:headEnd type="none" w="med" len="med"/>
+                      <a:tailEnd type="none" w="med" len="med"/>
+                    </a:lnB>
+                    <a:solidFill>
+                      <a:srgbClr val="BDD7EE"/>
+                    </a:solidFill>
+                  </a:tcPr>
+                </a:tc>
+                <a:extLst>
+                  <a:ext uri="{0D108BD9-81ED-4DB2-BD59-A6C34878D82A}">
+                    <a16:rowId xmlns:a16="http://schemas.microsoft.com/office/drawing/2014/main" val="999497150"/>
+                  </a:ext>
+                </a:extLst>
+              </a:tr>
+              <a:tr h="340725">
+                <a:tc>
+                  <a:txBody>
+                    <a:bodyPr/>
+                    <a:lstStyle/>
+                    <a:p>
+                      <a:pPr algn="ctr" fontAlgn="b"/>
+                      <a:r>
+                        <a:rPr lang="cs-CZ" sz="1100" b="0" i="0" u="none" strike="noStrike">
+                          <a:solidFill>
+                            <a:srgbClr val="000000"/>
+                          </a:solidFill>
+                          <a:effectLst/>
+                          <a:latin typeface="Calibri" panose="020F0502020204030204" pitchFamily="34" charset="0"/>
+                        </a:rPr>
+                        <a:t>5</a:t>
+                      </a:r>
+                    </a:p>
+                  </a:txBody>
+                  <a:tcPr marL="7620" marR="7620" marT="7620" marB="0" anchor="ctr">
+                    <a:lnL w="12700" cap="flat" cmpd="sng" algn="ctr">
+                      <a:solidFill>
+                        <a:srgbClr val="000000"/>
+                      </a:solidFill>
+                      <a:prstDash val="solid"/>
+                      <a:round/>
+                      <a:headEnd type="none" w="med" len="med"/>
+                      <a:tailEnd type="none" w="med" len="med"/>
+                    </a:lnL>
+                    <a:lnR w="6350" cap="flat" cmpd="sng" algn="ctr">
+                      <a:solidFill>
+                        <a:srgbClr val="000000"/>
+                      </a:solidFill>
+                      <a:prstDash val="solid"/>
+                      <a:round/>
+                      <a:headEnd type="none" w="med" len="med"/>
+                      <a:tailEnd type="none" w="med" len="med"/>
+                    </a:lnR>
+                    <a:lnT w="6350" cap="flat" cmpd="sng" algn="ctr">
+                      <a:solidFill>
+                        <a:srgbClr val="000000"/>
+                      </a:solidFill>
+                      <a:prstDash val="solid"/>
+                      <a:round/>
+                      <a:headEnd type="none" w="med" len="med"/>
+                      <a:tailEnd type="none" w="med" len="med"/>
+                    </a:lnT>
+                    <a:lnB w="6350" cap="flat" cmpd="sng" algn="ctr">
+                      <a:solidFill>
+                        <a:srgbClr val="000000"/>
+                      </a:solidFill>
+                      <a:prstDash val="solid"/>
+                      <a:round/>
+                      <a:headEnd type="none" w="med" len="med"/>
+                      <a:tailEnd type="none" w="med" len="med"/>
+                    </a:lnB>
+                    <a:solidFill>
+                      <a:srgbClr val="BDD7EE"/>
+                    </a:solidFill>
+                  </a:tcPr>
+                </a:tc>
+                <a:tc>
+                  <a:txBody>
+                    <a:bodyPr/>
+                    <a:lstStyle/>
+                    <a:p>
+                      <a:pPr algn="ctr" fontAlgn="b"/>
+                      <a:r>
+                        <a:rPr lang="cs-CZ" sz="1100" b="0" i="0" u="none" strike="noStrike">
+                          <a:solidFill>
+                            <a:srgbClr val="000000"/>
+                          </a:solidFill>
+                          <a:effectLst/>
+                          <a:latin typeface="Calibri" panose="020F0502020204030204" pitchFamily="34" charset="0"/>
+                        </a:rPr>
+                        <a:t>10</a:t>
+                      </a:r>
+                    </a:p>
+                  </a:txBody>
+                  <a:tcPr marL="7620" marR="7620" marT="7620" marB="0" anchor="ctr">
+                    <a:lnL w="6350" cap="flat" cmpd="sng" algn="ctr">
+                      <a:solidFill>
+                        <a:srgbClr val="000000"/>
+                      </a:solidFill>
+                      <a:prstDash val="solid"/>
+                      <a:round/>
+                      <a:headEnd type="none" w="med" len="med"/>
+                      <a:tailEnd type="none" w="med" len="med"/>
+                    </a:lnL>
+                    <a:lnR w="6350" cap="flat" cmpd="sng" algn="ctr">
+                      <a:solidFill>
+                        <a:srgbClr val="000000"/>
+                      </a:solidFill>
+                      <a:prstDash val="solid"/>
+                      <a:round/>
+                      <a:headEnd type="none" w="med" len="med"/>
+                      <a:tailEnd type="none" w="med" len="med"/>
+                    </a:lnR>
+                    <a:lnT w="6350" cap="flat" cmpd="sng" algn="ctr">
+                      <a:solidFill>
+                        <a:srgbClr val="000000"/>
+                      </a:solidFill>
+                      <a:prstDash val="solid"/>
+                      <a:round/>
+                      <a:headEnd type="none" w="med" len="med"/>
+                      <a:tailEnd type="none" w="med" len="med"/>
+                    </a:lnT>
+                    <a:lnB w="6350" cap="flat" cmpd="sng" algn="ctr">
+                      <a:solidFill>
+                        <a:srgbClr val="000000"/>
+                      </a:solidFill>
+                      <a:prstDash val="solid"/>
+                      <a:round/>
+                      <a:headEnd type="none" w="med" len="med"/>
+                      <a:tailEnd type="none" w="med" len="med"/>
+                    </a:lnB>
+                    <a:solidFill>
+                      <a:srgbClr val="BDD7EE"/>
+                    </a:solidFill>
+                  </a:tcPr>
+                </a:tc>
+                <a:tc>
+                  <a:txBody>
+                    <a:bodyPr/>
+                    <a:lstStyle/>
+                    <a:p>
+                      <a:pPr algn="ctr" fontAlgn="b"/>
+                      <a:r>
+                        <a:rPr lang="cs-CZ" sz="1100" b="0" i="0" u="none" strike="noStrike">
+                          <a:solidFill>
+                            <a:srgbClr val="000000"/>
+                          </a:solidFill>
+                          <a:effectLst/>
+                          <a:latin typeface="Calibri" panose="020F0502020204030204" pitchFamily="34" charset="0"/>
+                        </a:rPr>
+                        <a:t>65</a:t>
+                      </a:r>
+                    </a:p>
+                  </a:txBody>
+                  <a:tcPr marL="7620" marR="7620" marT="7620" marB="0" anchor="ctr">
+                    <a:lnL w="6350" cap="flat" cmpd="sng" algn="ctr">
+                      <a:solidFill>
+                        <a:srgbClr val="000000"/>
+                      </a:solidFill>
+                      <a:prstDash val="solid"/>
+                      <a:round/>
+                      <a:headEnd type="none" w="med" len="med"/>
+                      <a:tailEnd type="none" w="med" len="med"/>
+                    </a:lnL>
+                    <a:lnR w="6350" cap="flat" cmpd="sng" algn="ctr">
+                      <a:solidFill>
+                        <a:srgbClr val="000000"/>
+                      </a:solidFill>
+                      <a:prstDash val="solid"/>
+                      <a:round/>
+                      <a:headEnd type="none" w="med" len="med"/>
+                      <a:tailEnd type="none" w="med" len="med"/>
+                    </a:lnR>
+                    <a:lnT w="6350" cap="flat" cmpd="sng" algn="ctr">
+                      <a:solidFill>
+                        <a:srgbClr val="000000"/>
+                      </a:solidFill>
+                      <a:prstDash val="solid"/>
+                      <a:round/>
+                      <a:headEnd type="none" w="med" len="med"/>
+                      <a:tailEnd type="none" w="med" len="med"/>
+                    </a:lnT>
+                    <a:lnB w="6350" cap="flat" cmpd="sng" algn="ctr">
+                      <a:solidFill>
+                        <a:srgbClr val="000000"/>
+                      </a:solidFill>
+                      <a:prstDash val="solid"/>
+                      <a:round/>
+                      <a:headEnd type="none" w="med" len="med"/>
+                      <a:tailEnd type="none" w="med" len="med"/>
+                    </a:lnB>
+                    <a:solidFill>
+                      <a:srgbClr val="BDD7EE"/>
+                    </a:solidFill>
+                  </a:tcPr>
+                </a:tc>
+                <a:tc>
+                  <a:txBody>
+                    <a:bodyPr/>
+                    <a:lstStyle/>
+                    <a:p>
+                      <a:pPr algn="ctr" fontAlgn="b"/>
+                      <a:r>
+                        <a:rPr lang="cs-CZ" sz="1100" b="0" i="0" u="none" strike="noStrike">
+                          <a:solidFill>
+                            <a:srgbClr val="000000"/>
+                          </a:solidFill>
+                          <a:effectLst/>
+                          <a:latin typeface="Calibri" panose="020F0502020204030204" pitchFamily="34" charset="0"/>
+                        </a:rPr>
+                        <a:t>0,009</a:t>
+                      </a:r>
+                    </a:p>
+                  </a:txBody>
+                  <a:tcPr marL="7620" marR="7620" marT="7620" marB="0" anchor="ctr">
+                    <a:lnL w="6350" cap="flat" cmpd="sng" algn="ctr">
+                      <a:solidFill>
+                        <a:srgbClr val="000000"/>
+                      </a:solidFill>
+                      <a:prstDash val="solid"/>
+                      <a:round/>
+                      <a:headEnd type="none" w="med" len="med"/>
+                      <a:tailEnd type="none" w="med" len="med"/>
+                    </a:lnL>
+                    <a:lnR w="6350" cap="flat" cmpd="sng" algn="ctr">
+                      <a:solidFill>
+                        <a:srgbClr val="000000"/>
+                      </a:solidFill>
+                      <a:prstDash val="solid"/>
+                      <a:round/>
+                      <a:headEnd type="none" w="med" len="med"/>
+                      <a:tailEnd type="none" w="med" len="med"/>
+                    </a:lnR>
+                    <a:lnT w="6350" cap="flat" cmpd="sng" algn="ctr">
+                      <a:solidFill>
+                        <a:srgbClr val="000000"/>
+                      </a:solidFill>
+                      <a:prstDash val="solid"/>
+                      <a:round/>
+                      <a:headEnd type="none" w="med" len="med"/>
+                      <a:tailEnd type="none" w="med" len="med"/>
+                    </a:lnT>
+                    <a:lnB w="6350" cap="flat" cmpd="sng" algn="ctr">
+                      <a:solidFill>
+                        <a:srgbClr val="000000"/>
+                      </a:solidFill>
+                      <a:prstDash val="solid"/>
+                      <a:round/>
+                      <a:headEnd type="none" w="med" len="med"/>
+                      <a:tailEnd type="none" w="med" len="med"/>
+                    </a:lnB>
+                    <a:solidFill>
+                      <a:srgbClr val="BDD7EE"/>
+                    </a:solidFill>
+                  </a:tcPr>
+                </a:tc>
+                <a:tc>
+                  <a:txBody>
+                    <a:bodyPr/>
+                    <a:lstStyle/>
+                    <a:p>
+                      <a:pPr algn="ctr" fontAlgn="b"/>
+                      <a:r>
+                        <a:rPr lang="cs-CZ" sz="1100" b="0" i="0" u="none" strike="noStrike">
+                          <a:solidFill>
+                            <a:srgbClr val="000000"/>
+                          </a:solidFill>
+                          <a:effectLst/>
+                          <a:latin typeface="Calibri" panose="020F0502020204030204" pitchFamily="34" charset="0"/>
+                        </a:rPr>
+                        <a:t>24</a:t>
+                      </a:r>
+                    </a:p>
+                  </a:txBody>
+                  <a:tcPr marL="7620" marR="7620" marT="7620" marB="0" anchor="ctr">
+                    <a:lnL w="6350" cap="flat" cmpd="sng" algn="ctr">
+                      <a:solidFill>
+                        <a:srgbClr val="000000"/>
+                      </a:solidFill>
+                      <a:prstDash val="solid"/>
+                      <a:round/>
+                      <a:headEnd type="none" w="med" len="med"/>
+                      <a:tailEnd type="none" w="med" len="med"/>
+                    </a:lnL>
+                    <a:lnR w="6350" cap="flat" cmpd="sng" algn="ctr">
+                      <a:solidFill>
+                        <a:srgbClr val="000000"/>
+                      </a:solidFill>
+                      <a:prstDash val="solid"/>
+                      <a:round/>
+                      <a:headEnd type="none" w="med" len="med"/>
+                      <a:tailEnd type="none" w="med" len="med"/>
+                    </a:lnR>
+                    <a:lnT w="6350" cap="flat" cmpd="sng" algn="ctr">
+                      <a:solidFill>
+                        <a:srgbClr val="000000"/>
+                      </a:solidFill>
+                      <a:prstDash val="solid"/>
+                      <a:round/>
+                      <a:headEnd type="none" w="med" len="med"/>
+                      <a:tailEnd type="none" w="med" len="med"/>
+                    </a:lnT>
+                    <a:lnB w="6350" cap="flat" cmpd="sng" algn="ctr">
+                      <a:solidFill>
+                        <a:srgbClr val="000000"/>
+                      </a:solidFill>
+                      <a:prstDash val="solid"/>
+                      <a:round/>
+                      <a:headEnd type="none" w="med" len="med"/>
+                      <a:tailEnd type="none" w="med" len="med"/>
+                    </a:lnB>
+                    <a:solidFill>
+                      <a:srgbClr val="BDD7EE"/>
+                    </a:solidFill>
+                  </a:tcPr>
+                </a:tc>
+                <a:tc>
+                  <a:txBody>
+                    <a:bodyPr/>
+                    <a:lstStyle/>
+                    <a:p>
+                      <a:pPr algn="ctr" fontAlgn="b"/>
+                      <a:r>
+                        <a:rPr lang="cs-CZ" sz="1100" b="0" i="0" u="none" strike="noStrike">
+                          <a:solidFill>
+                            <a:srgbClr val="000000"/>
+                          </a:solidFill>
+                          <a:effectLst/>
+                          <a:latin typeface="Calibri" panose="020F0502020204030204" pitchFamily="34" charset="0"/>
+                        </a:rPr>
+                        <a:t>126</a:t>
+                      </a:r>
+                    </a:p>
+                  </a:txBody>
+                  <a:tcPr marL="7620" marR="7620" marT="7620" marB="0" anchor="ctr">
+                    <a:lnL w="6350" cap="flat" cmpd="sng" algn="ctr">
+                      <a:solidFill>
+                        <a:srgbClr val="000000"/>
+                      </a:solidFill>
+                      <a:prstDash val="solid"/>
+                      <a:round/>
+                      <a:headEnd type="none" w="med" len="med"/>
+                      <a:tailEnd type="none" w="med" len="med"/>
+                    </a:lnL>
+                    <a:lnR w="6350" cap="flat" cmpd="sng" algn="ctr">
+                      <a:solidFill>
+                        <a:srgbClr val="000000"/>
+                      </a:solidFill>
+                      <a:prstDash val="solid"/>
+                      <a:round/>
+                      <a:headEnd type="none" w="med" len="med"/>
+                      <a:tailEnd type="none" w="med" len="med"/>
+                    </a:lnR>
+                    <a:lnT w="6350" cap="flat" cmpd="sng" algn="ctr">
+                      <a:solidFill>
+                        <a:srgbClr val="000000"/>
+                      </a:solidFill>
+                      <a:prstDash val="solid"/>
+                      <a:round/>
+                      <a:headEnd type="none" w="med" len="med"/>
+                      <a:tailEnd type="none" w="med" len="med"/>
+                    </a:lnT>
+                    <a:lnB w="6350" cap="flat" cmpd="sng" algn="ctr">
+                      <a:solidFill>
+                        <a:srgbClr val="000000"/>
+                      </a:solidFill>
+                      <a:prstDash val="solid"/>
+                      <a:round/>
+                      <a:headEnd type="none" w="med" len="med"/>
+                      <a:tailEnd type="none" w="med" len="med"/>
+                    </a:lnB>
+                    <a:solidFill>
+                      <a:srgbClr val="BDD7EE"/>
+                    </a:solidFill>
+                  </a:tcPr>
+                </a:tc>
+                <a:tc>
+                  <a:txBody>
+                    <a:bodyPr/>
+                    <a:lstStyle/>
+                    <a:p>
+                      <a:pPr algn="ctr" fontAlgn="b"/>
+                      <a:r>
+                        <a:rPr lang="cs-CZ" sz="1100" b="0" i="0" u="none" strike="noStrike">
+                          <a:solidFill>
+                            <a:srgbClr val="000000"/>
+                          </a:solidFill>
+                          <a:effectLst/>
+                          <a:latin typeface="Calibri" panose="020F0502020204030204" pitchFamily="34" charset="0"/>
+                        </a:rPr>
+                        <a:t>17 478</a:t>
+                      </a:r>
+                    </a:p>
+                  </a:txBody>
+                  <a:tcPr marL="7620" marR="7620" marT="7620" marB="0" anchor="ctr">
+                    <a:lnL w="6350" cap="flat" cmpd="sng" algn="ctr">
+                      <a:solidFill>
+                        <a:srgbClr val="000000"/>
+                      </a:solidFill>
+                      <a:prstDash val="solid"/>
+                      <a:round/>
+                      <a:headEnd type="none" w="med" len="med"/>
+                      <a:tailEnd type="none" w="med" len="med"/>
+                    </a:lnL>
+                    <a:lnR w="12700" cap="flat" cmpd="sng" algn="ctr">
+                      <a:solidFill>
+                        <a:srgbClr val="000000"/>
+                      </a:solidFill>
+                      <a:prstDash val="solid"/>
+                      <a:round/>
+                      <a:headEnd type="none" w="med" len="med"/>
+                      <a:tailEnd type="none" w="med" len="med"/>
+                    </a:lnR>
+                    <a:lnT w="6350" cap="flat" cmpd="sng" algn="ctr">
+                      <a:solidFill>
+                        <a:srgbClr val="000000"/>
+                      </a:solidFill>
+                      <a:prstDash val="solid"/>
+                      <a:round/>
+                      <a:headEnd type="none" w="med" len="med"/>
+                      <a:tailEnd type="none" w="med" len="med"/>
+                    </a:lnT>
+                    <a:lnB w="6350" cap="flat" cmpd="sng" algn="ctr">
+                      <a:solidFill>
+                        <a:srgbClr val="000000"/>
+                      </a:solidFill>
+                      <a:prstDash val="solid"/>
+                      <a:round/>
+                      <a:headEnd type="none" w="med" len="med"/>
+                      <a:tailEnd type="none" w="med" len="med"/>
+                    </a:lnB>
+                    <a:solidFill>
+                      <a:srgbClr val="BDD7EE"/>
+                    </a:solidFill>
+                  </a:tcPr>
+                </a:tc>
+                <a:extLst>
+                  <a:ext uri="{0D108BD9-81ED-4DB2-BD59-A6C34878D82A}">
+                    <a16:rowId xmlns:a16="http://schemas.microsoft.com/office/drawing/2014/main" val="1179815189"/>
+                  </a:ext>
+                </a:extLst>
+              </a:tr>
+              <a:tr h="340725">
+                <a:tc>
+                  <a:txBody>
+                    <a:bodyPr/>
+                    <a:lstStyle/>
+                    <a:p>
+                      <a:pPr algn="ctr" fontAlgn="b"/>
+                      <a:r>
+                        <a:rPr lang="cs-CZ" sz="1100" b="0" i="0" u="none" strike="noStrike">
+                          <a:solidFill>
+                            <a:srgbClr val="000000"/>
+                          </a:solidFill>
+                          <a:effectLst/>
+                          <a:latin typeface="Calibri" panose="020F0502020204030204" pitchFamily="34" charset="0"/>
+                        </a:rPr>
+                        <a:t>6</a:t>
+                      </a:r>
+                    </a:p>
+                  </a:txBody>
+                  <a:tcPr marL="7620" marR="7620" marT="7620" marB="0" anchor="ctr">
+                    <a:lnL w="12700" cap="flat" cmpd="sng" algn="ctr">
+                      <a:solidFill>
+                        <a:srgbClr val="000000"/>
+                      </a:solidFill>
+                      <a:prstDash val="solid"/>
+                      <a:round/>
+                      <a:headEnd type="none" w="med" len="med"/>
+                      <a:tailEnd type="none" w="med" len="med"/>
+                    </a:lnL>
+                    <a:lnR w="6350" cap="flat" cmpd="sng" algn="ctr">
+                      <a:solidFill>
+                        <a:srgbClr val="000000"/>
+                      </a:solidFill>
+                      <a:prstDash val="solid"/>
+                      <a:round/>
+                      <a:headEnd type="none" w="med" len="med"/>
+                      <a:tailEnd type="none" w="med" len="med"/>
+                    </a:lnR>
+                    <a:lnT w="6350" cap="flat" cmpd="sng" algn="ctr">
+                      <a:solidFill>
+                        <a:srgbClr val="000000"/>
+                      </a:solidFill>
+                      <a:prstDash val="solid"/>
+                      <a:round/>
+                      <a:headEnd type="none" w="med" len="med"/>
+                      <a:tailEnd type="none" w="med" len="med"/>
+                    </a:lnT>
+                    <a:lnB w="6350" cap="flat" cmpd="sng" algn="ctr">
+                      <a:solidFill>
+                        <a:srgbClr val="000000"/>
+                      </a:solidFill>
+                      <a:prstDash val="solid"/>
+                      <a:round/>
+                      <a:headEnd type="none" w="med" len="med"/>
+                      <a:tailEnd type="none" w="med" len="med"/>
+                    </a:lnB>
+                    <a:solidFill>
+                      <a:srgbClr val="BDD7EE"/>
+                    </a:solidFill>
+                  </a:tcPr>
+                </a:tc>
+                <a:tc>
+                  <a:txBody>
+                    <a:bodyPr/>
+                    <a:lstStyle/>
+                    <a:p>
+                      <a:pPr algn="ctr" fontAlgn="b"/>
+                      <a:r>
+                        <a:rPr lang="cs-CZ" sz="1100" b="0" i="0" u="none" strike="noStrike">
+                          <a:solidFill>
+                            <a:srgbClr val="000000"/>
+                          </a:solidFill>
+                          <a:effectLst/>
+                          <a:latin typeface="Calibri" panose="020F0502020204030204" pitchFamily="34" charset="0"/>
+                        </a:rPr>
+                        <a:t>15</a:t>
+                      </a:r>
+                    </a:p>
+                  </a:txBody>
+                  <a:tcPr marL="7620" marR="7620" marT="7620" marB="0" anchor="ctr">
+                    <a:lnL w="6350" cap="flat" cmpd="sng" algn="ctr">
+                      <a:solidFill>
+                        <a:srgbClr val="000000"/>
+                      </a:solidFill>
+                      <a:prstDash val="solid"/>
+                      <a:round/>
+                      <a:headEnd type="none" w="med" len="med"/>
+                      <a:tailEnd type="none" w="med" len="med"/>
+                    </a:lnL>
+                    <a:lnR w="6350" cap="flat" cmpd="sng" algn="ctr">
+                      <a:solidFill>
+                        <a:srgbClr val="000000"/>
+                      </a:solidFill>
+                      <a:prstDash val="solid"/>
+                      <a:round/>
+                      <a:headEnd type="none" w="med" len="med"/>
+                      <a:tailEnd type="none" w="med" len="med"/>
+                    </a:lnR>
+                    <a:lnT w="6350" cap="flat" cmpd="sng" algn="ctr">
+                      <a:solidFill>
+                        <a:srgbClr val="000000"/>
+                      </a:solidFill>
+                      <a:prstDash val="solid"/>
+                      <a:round/>
+                      <a:headEnd type="none" w="med" len="med"/>
+                      <a:tailEnd type="none" w="med" len="med"/>
+                    </a:lnT>
+                    <a:lnB w="6350" cap="flat" cmpd="sng" algn="ctr">
+                      <a:solidFill>
+                        <a:srgbClr val="000000"/>
+                      </a:solidFill>
+                      <a:prstDash val="solid"/>
+                      <a:round/>
+                      <a:headEnd type="none" w="med" len="med"/>
+                      <a:tailEnd type="none" w="med" len="med"/>
+                    </a:lnB>
+                    <a:solidFill>
+                      <a:srgbClr val="BDD7EE"/>
+                    </a:solidFill>
+                  </a:tcPr>
+                </a:tc>
+                <a:tc>
+                  <a:txBody>
+                    <a:bodyPr/>
+                    <a:lstStyle/>
+                    <a:p>
+                      <a:pPr algn="ctr" fontAlgn="b"/>
+                      <a:r>
+                        <a:rPr lang="cs-CZ" sz="1100" b="0" i="0" u="none" strike="noStrike">
+                          <a:solidFill>
+                            <a:srgbClr val="000000"/>
+                          </a:solidFill>
+                          <a:effectLst/>
+                          <a:latin typeface="Calibri" panose="020F0502020204030204" pitchFamily="34" charset="0"/>
+                        </a:rPr>
+                        <a:t>326</a:t>
+                      </a:r>
+                    </a:p>
+                  </a:txBody>
+                  <a:tcPr marL="7620" marR="7620" marT="7620" marB="0" anchor="ctr">
+                    <a:lnL w="6350" cap="flat" cmpd="sng" algn="ctr">
+                      <a:solidFill>
+                        <a:srgbClr val="000000"/>
+                      </a:solidFill>
+                      <a:prstDash val="solid"/>
+                      <a:round/>
+                      <a:headEnd type="none" w="med" len="med"/>
+                      <a:tailEnd type="none" w="med" len="med"/>
+                    </a:lnL>
+                    <a:lnR w="6350" cap="flat" cmpd="sng" algn="ctr">
+                      <a:solidFill>
+                        <a:srgbClr val="000000"/>
+                      </a:solidFill>
+                      <a:prstDash val="solid"/>
+                      <a:round/>
+                      <a:headEnd type="none" w="med" len="med"/>
+                      <a:tailEnd type="none" w="med" len="med"/>
+                    </a:lnR>
+                    <a:lnT w="6350" cap="flat" cmpd="sng" algn="ctr">
+                      <a:solidFill>
+                        <a:srgbClr val="000000"/>
+                      </a:solidFill>
+                      <a:prstDash val="solid"/>
+                      <a:round/>
+                      <a:headEnd type="none" w="med" len="med"/>
+                      <a:tailEnd type="none" w="med" len="med"/>
+                    </a:lnT>
+                    <a:lnB w="6350" cap="flat" cmpd="sng" algn="ctr">
+                      <a:solidFill>
+                        <a:srgbClr val="000000"/>
+                      </a:solidFill>
+                      <a:prstDash val="solid"/>
+                      <a:round/>
+                      <a:headEnd type="none" w="med" len="med"/>
+                      <a:tailEnd type="none" w="med" len="med"/>
+                    </a:lnB>
+                    <a:solidFill>
+                      <a:srgbClr val="BDD7EE"/>
+                    </a:solidFill>
+                  </a:tcPr>
+                </a:tc>
+                <a:tc>
+                  <a:txBody>
+                    <a:bodyPr/>
+                    <a:lstStyle/>
+                    <a:p>
+                      <a:pPr algn="ctr" fontAlgn="b"/>
+                      <a:r>
+                        <a:rPr lang="cs-CZ" sz="1100" b="0" i="0" u="none" strike="noStrike">
+                          <a:solidFill>
+                            <a:srgbClr val="000000"/>
+                          </a:solidFill>
+                          <a:effectLst/>
+                          <a:latin typeface="Calibri" panose="020F0502020204030204" pitchFamily="34" charset="0"/>
+                        </a:rPr>
+                        <a:t>0,009</a:t>
+                      </a:r>
+                    </a:p>
+                  </a:txBody>
+                  <a:tcPr marL="7620" marR="7620" marT="7620" marB="0" anchor="ctr">
+                    <a:lnL w="6350" cap="flat" cmpd="sng" algn="ctr">
+                      <a:solidFill>
+                        <a:srgbClr val="000000"/>
+                      </a:solidFill>
+                      <a:prstDash val="solid"/>
+                      <a:round/>
+                      <a:headEnd type="none" w="med" len="med"/>
+                      <a:tailEnd type="none" w="med" len="med"/>
+                    </a:lnL>
+                    <a:lnR w="6350" cap="flat" cmpd="sng" algn="ctr">
+                      <a:solidFill>
+                        <a:srgbClr val="000000"/>
+                      </a:solidFill>
+                      <a:prstDash val="solid"/>
+                      <a:round/>
+                      <a:headEnd type="none" w="med" len="med"/>
+                      <a:tailEnd type="none" w="med" len="med"/>
+                    </a:lnR>
+                    <a:lnT w="6350" cap="flat" cmpd="sng" algn="ctr">
+                      <a:solidFill>
+                        <a:srgbClr val="000000"/>
+                      </a:solidFill>
+                      <a:prstDash val="solid"/>
+                      <a:round/>
+                      <a:headEnd type="none" w="med" len="med"/>
+                      <a:tailEnd type="none" w="med" len="med"/>
+                    </a:lnT>
+                    <a:lnB w="6350" cap="flat" cmpd="sng" algn="ctr">
+                      <a:solidFill>
+                        <a:srgbClr val="000000"/>
+                      </a:solidFill>
+                      <a:prstDash val="solid"/>
+                      <a:round/>
+                      <a:headEnd type="none" w="med" len="med"/>
+                      <a:tailEnd type="none" w="med" len="med"/>
+                    </a:lnB>
+                    <a:solidFill>
+                      <a:srgbClr val="BDD7EE"/>
+                    </a:solidFill>
+                  </a:tcPr>
+                </a:tc>
+                <a:tc>
+                  <a:txBody>
+                    <a:bodyPr/>
+                    <a:lstStyle/>
+                    <a:p>
+                      <a:pPr algn="ctr" fontAlgn="b"/>
+                      <a:r>
+                        <a:rPr lang="cs-CZ" sz="1100" b="0" i="0" u="none" strike="noStrike">
+                          <a:solidFill>
+                            <a:srgbClr val="000000"/>
+                          </a:solidFill>
+                          <a:effectLst/>
+                          <a:latin typeface="Calibri" panose="020F0502020204030204" pitchFamily="34" charset="0"/>
+                        </a:rPr>
+                        <a:t>120</a:t>
+                      </a:r>
+                    </a:p>
+                  </a:txBody>
+                  <a:tcPr marL="7620" marR="7620" marT="7620" marB="0" anchor="ctr">
+                    <a:lnL w="6350" cap="flat" cmpd="sng" algn="ctr">
+                      <a:solidFill>
+                        <a:srgbClr val="000000"/>
+                      </a:solidFill>
+                      <a:prstDash val="solid"/>
+                      <a:round/>
+                      <a:headEnd type="none" w="med" len="med"/>
+                      <a:tailEnd type="none" w="med" len="med"/>
+                    </a:lnL>
+                    <a:lnR w="6350" cap="flat" cmpd="sng" algn="ctr">
+                      <a:solidFill>
+                        <a:srgbClr val="000000"/>
+                      </a:solidFill>
+                      <a:prstDash val="solid"/>
+                      <a:round/>
+                      <a:headEnd type="none" w="med" len="med"/>
+                      <a:tailEnd type="none" w="med" len="med"/>
+                    </a:lnR>
+                    <a:lnT w="6350" cap="flat" cmpd="sng" algn="ctr">
+                      <a:solidFill>
+                        <a:srgbClr val="000000"/>
+                      </a:solidFill>
+                      <a:prstDash val="solid"/>
+                      <a:round/>
+                      <a:headEnd type="none" w="med" len="med"/>
+                      <a:tailEnd type="none" w="med" len="med"/>
+                    </a:lnT>
+                    <a:lnB w="6350" cap="flat" cmpd="sng" algn="ctr">
+                      <a:solidFill>
+                        <a:srgbClr val="000000"/>
+                      </a:solidFill>
+                      <a:prstDash val="solid"/>
+                      <a:round/>
+                      <a:headEnd type="none" w="med" len="med"/>
+                      <a:tailEnd type="none" w="med" len="med"/>
+                    </a:lnB>
+                    <a:solidFill>
+                      <a:srgbClr val="BDD7EE"/>
+                    </a:solidFill>
+                  </a:tcPr>
+                </a:tc>
+                <a:tc>
+                  <a:txBody>
+                    <a:bodyPr/>
+                    <a:lstStyle/>
+                    <a:p>
+                      <a:pPr algn="ctr" fontAlgn="b"/>
+                      <a:r>
+                        <a:rPr lang="cs-CZ" sz="1100" b="0" i="0" u="none" strike="noStrike">
+                          <a:solidFill>
+                            <a:srgbClr val="000000"/>
+                          </a:solidFill>
+                          <a:effectLst/>
+                          <a:latin typeface="Calibri" panose="020F0502020204030204" pitchFamily="34" charset="0"/>
+                        </a:rPr>
+                        <a:t>410</a:t>
+                      </a:r>
+                    </a:p>
+                  </a:txBody>
+                  <a:tcPr marL="7620" marR="7620" marT="7620" marB="0" anchor="ctr">
+                    <a:lnL w="6350" cap="flat" cmpd="sng" algn="ctr">
+                      <a:solidFill>
+                        <a:srgbClr val="000000"/>
+                      </a:solidFill>
+                      <a:prstDash val="solid"/>
+                      <a:round/>
+                      <a:headEnd type="none" w="med" len="med"/>
+                      <a:tailEnd type="none" w="med" len="med"/>
+                    </a:lnL>
+                    <a:lnR w="6350" cap="flat" cmpd="sng" algn="ctr">
+                      <a:solidFill>
+                        <a:srgbClr val="000000"/>
+                      </a:solidFill>
+                      <a:prstDash val="solid"/>
+                      <a:round/>
+                      <a:headEnd type="none" w="med" len="med"/>
+                      <a:tailEnd type="none" w="med" len="med"/>
+                    </a:lnR>
+                    <a:lnT w="6350" cap="flat" cmpd="sng" algn="ctr">
+                      <a:solidFill>
+                        <a:srgbClr val="000000"/>
+                      </a:solidFill>
+                      <a:prstDash val="solid"/>
+                      <a:round/>
+                      <a:headEnd type="none" w="med" len="med"/>
+                      <a:tailEnd type="none" w="med" len="med"/>
+                    </a:lnT>
+                    <a:lnB w="6350" cap="flat" cmpd="sng" algn="ctr">
+                      <a:solidFill>
+                        <a:srgbClr val="000000"/>
+                      </a:solidFill>
+                      <a:prstDash val="solid"/>
+                      <a:round/>
+                      <a:headEnd type="none" w="med" len="med"/>
+                      <a:tailEnd type="none" w="med" len="med"/>
+                    </a:lnB>
+                    <a:solidFill>
+                      <a:srgbClr val="BDD7EE"/>
+                    </a:solidFill>
+                  </a:tcPr>
+                </a:tc>
+                <a:tc>
+                  <a:txBody>
+                    <a:bodyPr/>
+                    <a:lstStyle/>
+                    <a:p>
+                      <a:pPr algn="ctr" fontAlgn="b"/>
+                      <a:r>
+                        <a:rPr lang="cs-CZ" sz="1100" b="0" i="0" u="none" strike="noStrike">
+                          <a:solidFill>
+                            <a:srgbClr val="000000"/>
+                          </a:solidFill>
+                          <a:effectLst/>
+                          <a:latin typeface="Calibri" panose="020F0502020204030204" pitchFamily="34" charset="0"/>
+                        </a:rPr>
+                        <a:t>64 204</a:t>
+                      </a:r>
+                    </a:p>
+                  </a:txBody>
+                  <a:tcPr marL="7620" marR="7620" marT="7620" marB="0" anchor="ctr">
+                    <a:lnL w="6350" cap="flat" cmpd="sng" algn="ctr">
+                      <a:solidFill>
+                        <a:srgbClr val="000000"/>
+                      </a:solidFill>
+                      <a:prstDash val="solid"/>
+                      <a:round/>
+                      <a:headEnd type="none" w="med" len="med"/>
+                      <a:tailEnd type="none" w="med" len="med"/>
+                    </a:lnL>
+                    <a:lnR w="12700" cap="flat" cmpd="sng" algn="ctr">
+                      <a:solidFill>
+                        <a:srgbClr val="000000"/>
+                      </a:solidFill>
+                      <a:prstDash val="solid"/>
+                      <a:round/>
+                      <a:headEnd type="none" w="med" len="med"/>
+                      <a:tailEnd type="none" w="med" len="med"/>
+                    </a:lnR>
+                    <a:lnT w="6350" cap="flat" cmpd="sng" algn="ctr">
+                      <a:solidFill>
+                        <a:srgbClr val="000000"/>
+                      </a:solidFill>
+                      <a:prstDash val="solid"/>
+                      <a:round/>
+                      <a:headEnd type="none" w="med" len="med"/>
+                      <a:tailEnd type="none" w="med" len="med"/>
+                    </a:lnT>
+                    <a:lnB w="6350" cap="flat" cmpd="sng" algn="ctr">
+                      <a:solidFill>
+                        <a:srgbClr val="000000"/>
+                      </a:solidFill>
+                      <a:prstDash val="solid"/>
+                      <a:round/>
+                      <a:headEnd type="none" w="med" len="med"/>
+                      <a:tailEnd type="none" w="med" len="med"/>
+                    </a:lnB>
+                    <a:solidFill>
+                      <a:srgbClr val="BDD7EE"/>
+                    </a:solidFill>
+                  </a:tcPr>
+                </a:tc>
+                <a:extLst>
+                  <a:ext uri="{0D108BD9-81ED-4DB2-BD59-A6C34878D82A}">
+                    <a16:rowId xmlns:a16="http://schemas.microsoft.com/office/drawing/2014/main" val="166290931"/>
+                  </a:ext>
+                </a:extLst>
+              </a:tr>
+              <a:tr h="340725">
+                <a:tc>
+                  <a:txBody>
+                    <a:bodyPr/>
+                    <a:lstStyle/>
+                    <a:p>
+                      <a:pPr algn="ctr" fontAlgn="b"/>
+                      <a:r>
+                        <a:rPr lang="cs-CZ" sz="1100" b="0" i="0" u="none" strike="noStrike">
+                          <a:solidFill>
+                            <a:srgbClr val="000000"/>
+                          </a:solidFill>
+                          <a:effectLst/>
+                          <a:latin typeface="Calibri" panose="020F0502020204030204" pitchFamily="34" charset="0"/>
+                        </a:rPr>
+                        <a:t>7</a:t>
+                      </a:r>
+                    </a:p>
+                  </a:txBody>
+                  <a:tcPr marL="7620" marR="7620" marT="7620" marB="0" anchor="ctr">
+                    <a:lnL w="12700" cap="flat" cmpd="sng" algn="ctr">
+                      <a:solidFill>
+                        <a:srgbClr val="000000"/>
+                      </a:solidFill>
+                      <a:prstDash val="solid"/>
+                      <a:round/>
+                      <a:headEnd type="none" w="med" len="med"/>
+                      <a:tailEnd type="none" w="med" len="med"/>
+                    </a:lnL>
+                    <a:lnR w="6350" cap="flat" cmpd="sng" algn="ctr">
+                      <a:solidFill>
+                        <a:srgbClr val="000000"/>
+                      </a:solidFill>
+                      <a:prstDash val="solid"/>
+                      <a:round/>
+                      <a:headEnd type="none" w="med" len="med"/>
+                      <a:tailEnd type="none" w="med" len="med"/>
+                    </a:lnR>
+                    <a:lnT w="6350" cap="flat" cmpd="sng" algn="ctr">
+                      <a:solidFill>
+                        <a:srgbClr val="000000"/>
+                      </a:solidFill>
+                      <a:prstDash val="solid"/>
+                      <a:round/>
+                      <a:headEnd type="none" w="med" len="med"/>
+                      <a:tailEnd type="none" w="med" len="med"/>
+                    </a:lnT>
+                    <a:lnB w="6350" cap="flat" cmpd="sng" algn="ctr">
+                      <a:solidFill>
+                        <a:srgbClr val="000000"/>
+                      </a:solidFill>
+                      <a:prstDash val="solid"/>
+                      <a:round/>
+                      <a:headEnd type="none" w="med" len="med"/>
+                      <a:tailEnd type="none" w="med" len="med"/>
+                    </a:lnB>
+                    <a:solidFill>
+                      <a:srgbClr val="BDD7EE"/>
+                    </a:solidFill>
+                  </a:tcPr>
+                </a:tc>
+                <a:tc>
+                  <a:txBody>
+                    <a:bodyPr/>
+                    <a:lstStyle/>
+                    <a:p>
+                      <a:pPr algn="ctr" fontAlgn="b"/>
+                      <a:r>
+                        <a:rPr lang="cs-CZ" sz="1100" b="0" i="0" u="none" strike="noStrike">
+                          <a:solidFill>
+                            <a:srgbClr val="000000"/>
+                          </a:solidFill>
+                          <a:effectLst/>
+                          <a:latin typeface="Calibri" panose="020F0502020204030204" pitchFamily="34" charset="0"/>
+                        </a:rPr>
+                        <a:t>21</a:t>
+                      </a:r>
+                    </a:p>
+                  </a:txBody>
+                  <a:tcPr marL="7620" marR="7620" marT="7620" marB="0" anchor="ctr">
+                    <a:lnL w="6350" cap="flat" cmpd="sng" algn="ctr">
+                      <a:solidFill>
+                        <a:srgbClr val="000000"/>
+                      </a:solidFill>
+                      <a:prstDash val="solid"/>
+                      <a:round/>
+                      <a:headEnd type="none" w="med" len="med"/>
+                      <a:tailEnd type="none" w="med" len="med"/>
+                    </a:lnL>
+                    <a:lnR w="6350" cap="flat" cmpd="sng" algn="ctr">
+                      <a:solidFill>
+                        <a:srgbClr val="000000"/>
+                      </a:solidFill>
+                      <a:prstDash val="solid"/>
+                      <a:round/>
+                      <a:headEnd type="none" w="med" len="med"/>
+                      <a:tailEnd type="none" w="med" len="med"/>
+                    </a:lnR>
+                    <a:lnT w="6350" cap="flat" cmpd="sng" algn="ctr">
+                      <a:solidFill>
+                        <a:srgbClr val="000000"/>
+                      </a:solidFill>
+                      <a:prstDash val="solid"/>
+                      <a:round/>
+                      <a:headEnd type="none" w="med" len="med"/>
+                      <a:tailEnd type="none" w="med" len="med"/>
+                    </a:lnT>
+                    <a:lnB w="6350" cap="flat" cmpd="sng" algn="ctr">
+                      <a:solidFill>
+                        <a:srgbClr val="000000"/>
+                      </a:solidFill>
+                      <a:prstDash val="solid"/>
+                      <a:round/>
+                      <a:headEnd type="none" w="med" len="med"/>
+                      <a:tailEnd type="none" w="med" len="med"/>
+                    </a:lnB>
+                    <a:solidFill>
+                      <a:srgbClr val="BDD7EE"/>
+                    </a:solidFill>
+                  </a:tcPr>
+                </a:tc>
+                <a:tc>
+                  <a:txBody>
+                    <a:bodyPr/>
+                    <a:lstStyle/>
+                    <a:p>
+                      <a:pPr algn="ctr" fontAlgn="b"/>
+                      <a:r>
+                        <a:rPr lang="cs-CZ" sz="1100" b="0" i="0" u="none" strike="noStrike">
+                          <a:solidFill>
+                            <a:srgbClr val="000000"/>
+                          </a:solidFill>
+                          <a:effectLst/>
+                          <a:latin typeface="Calibri" panose="020F0502020204030204" pitchFamily="34" charset="0"/>
+                        </a:rPr>
+                        <a:t>1 957</a:t>
+                      </a:r>
+                    </a:p>
+                  </a:txBody>
+                  <a:tcPr marL="7620" marR="7620" marT="7620" marB="0" anchor="ctr">
+                    <a:lnL w="6350" cap="flat" cmpd="sng" algn="ctr">
+                      <a:solidFill>
+                        <a:srgbClr val="000000"/>
+                      </a:solidFill>
+                      <a:prstDash val="solid"/>
+                      <a:round/>
+                      <a:headEnd type="none" w="med" len="med"/>
+                      <a:tailEnd type="none" w="med" len="med"/>
+                    </a:lnL>
+                    <a:lnR w="6350" cap="flat" cmpd="sng" algn="ctr">
+                      <a:solidFill>
+                        <a:srgbClr val="000000"/>
+                      </a:solidFill>
+                      <a:prstDash val="solid"/>
+                      <a:round/>
+                      <a:headEnd type="none" w="med" len="med"/>
+                      <a:tailEnd type="none" w="med" len="med"/>
+                    </a:lnR>
+                    <a:lnT w="6350" cap="flat" cmpd="sng" algn="ctr">
+                      <a:solidFill>
+                        <a:srgbClr val="000000"/>
+                      </a:solidFill>
+                      <a:prstDash val="solid"/>
+                      <a:round/>
+                      <a:headEnd type="none" w="med" len="med"/>
+                      <a:tailEnd type="none" w="med" len="med"/>
+                    </a:lnT>
+                    <a:lnB w="6350" cap="flat" cmpd="sng" algn="ctr">
+                      <a:solidFill>
+                        <a:srgbClr val="000000"/>
+                      </a:solidFill>
+                      <a:prstDash val="solid"/>
+                      <a:round/>
+                      <a:headEnd type="none" w="med" len="med"/>
+                      <a:tailEnd type="none" w="med" len="med"/>
+                    </a:lnB>
+                    <a:solidFill>
+                      <a:srgbClr val="BDD7EE"/>
+                    </a:solidFill>
+                  </a:tcPr>
+                </a:tc>
+                <a:tc>
+                  <a:txBody>
+                    <a:bodyPr/>
+                    <a:lstStyle/>
+                    <a:p>
+                      <a:pPr algn="ctr" fontAlgn="b"/>
+                      <a:r>
+                        <a:rPr lang="cs-CZ" sz="1100" b="0" i="0" u="none" strike="noStrike">
+                          <a:solidFill>
+                            <a:srgbClr val="000000"/>
+                          </a:solidFill>
+                          <a:effectLst/>
+                          <a:latin typeface="Calibri" panose="020F0502020204030204" pitchFamily="34" charset="0"/>
+                        </a:rPr>
+                        <a:t>0,010</a:t>
+                      </a:r>
+                    </a:p>
+                  </a:txBody>
+                  <a:tcPr marL="7620" marR="7620" marT="7620" marB="0" anchor="ctr">
+                    <a:lnL w="6350" cap="flat" cmpd="sng" algn="ctr">
+                      <a:solidFill>
+                        <a:srgbClr val="000000"/>
+                      </a:solidFill>
+                      <a:prstDash val="solid"/>
+                      <a:round/>
+                      <a:headEnd type="none" w="med" len="med"/>
+                      <a:tailEnd type="none" w="med" len="med"/>
+                    </a:lnL>
+                    <a:lnR w="6350" cap="flat" cmpd="sng" algn="ctr">
+                      <a:solidFill>
+                        <a:srgbClr val="000000"/>
+                      </a:solidFill>
+                      <a:prstDash val="solid"/>
+                      <a:round/>
+                      <a:headEnd type="none" w="med" len="med"/>
+                      <a:tailEnd type="none" w="med" len="med"/>
+                    </a:lnR>
+                    <a:lnT w="6350" cap="flat" cmpd="sng" algn="ctr">
+                      <a:solidFill>
+                        <a:srgbClr val="000000"/>
+                      </a:solidFill>
+                      <a:prstDash val="solid"/>
+                      <a:round/>
+                      <a:headEnd type="none" w="med" len="med"/>
+                      <a:tailEnd type="none" w="med" len="med"/>
+                    </a:lnT>
+                    <a:lnB w="6350" cap="flat" cmpd="sng" algn="ctr">
+                      <a:solidFill>
+                        <a:srgbClr val="000000"/>
+                      </a:solidFill>
+                      <a:prstDash val="solid"/>
+                      <a:round/>
+                      <a:headEnd type="none" w="med" len="med"/>
+                      <a:tailEnd type="none" w="med" len="med"/>
+                    </a:lnB>
+                    <a:solidFill>
+                      <a:srgbClr val="BDD7EE"/>
+                    </a:solidFill>
+                  </a:tcPr>
+                </a:tc>
+                <a:tc>
+                  <a:txBody>
+                    <a:bodyPr/>
+                    <a:lstStyle/>
+                    <a:p>
+                      <a:pPr algn="ctr" fontAlgn="b"/>
+                      <a:r>
+                        <a:rPr lang="cs-CZ" sz="1100" b="0" i="0" u="none" strike="noStrike">
+                          <a:solidFill>
+                            <a:srgbClr val="000000"/>
+                          </a:solidFill>
+                          <a:effectLst/>
+                          <a:latin typeface="Calibri" panose="020F0502020204030204" pitchFamily="34" charset="0"/>
+                        </a:rPr>
+                        <a:t>720</a:t>
+                      </a:r>
+                    </a:p>
+                  </a:txBody>
+                  <a:tcPr marL="7620" marR="7620" marT="7620" marB="0" anchor="ctr">
+                    <a:lnL w="6350" cap="flat" cmpd="sng" algn="ctr">
+                      <a:solidFill>
+                        <a:srgbClr val="000000"/>
+                      </a:solidFill>
+                      <a:prstDash val="solid"/>
+                      <a:round/>
+                      <a:headEnd type="none" w="med" len="med"/>
+                      <a:tailEnd type="none" w="med" len="med"/>
+                    </a:lnL>
+                    <a:lnR w="6350" cap="flat" cmpd="sng" algn="ctr">
+                      <a:solidFill>
+                        <a:srgbClr val="000000"/>
+                      </a:solidFill>
+                      <a:prstDash val="solid"/>
+                      <a:round/>
+                      <a:headEnd type="none" w="med" len="med"/>
+                      <a:tailEnd type="none" w="med" len="med"/>
+                    </a:lnR>
+                    <a:lnT w="6350" cap="flat" cmpd="sng" algn="ctr">
+                      <a:solidFill>
+                        <a:srgbClr val="000000"/>
+                      </a:solidFill>
+                      <a:prstDash val="solid"/>
+                      <a:round/>
+                      <a:headEnd type="none" w="med" len="med"/>
+                      <a:tailEnd type="none" w="med" len="med"/>
+                    </a:lnT>
+                    <a:lnB w="6350" cap="flat" cmpd="sng" algn="ctr">
+                      <a:solidFill>
+                        <a:srgbClr val="000000"/>
+                      </a:solidFill>
+                      <a:prstDash val="solid"/>
+                      <a:round/>
+                      <a:headEnd type="none" w="med" len="med"/>
+                      <a:tailEnd type="none" w="med" len="med"/>
+                    </a:lnB>
+                    <a:solidFill>
+                      <a:srgbClr val="BDD7EE"/>
+                    </a:solidFill>
+                  </a:tcPr>
+                </a:tc>
+                <a:tc>
+                  <a:txBody>
+                    <a:bodyPr/>
+                    <a:lstStyle/>
+                    <a:p>
+                      <a:pPr algn="ctr" fontAlgn="b"/>
+                      <a:r>
+                        <a:rPr lang="cs-CZ" sz="1100" b="0" i="0" u="none" strike="noStrike">
+                          <a:solidFill>
+                            <a:srgbClr val="000000"/>
+                          </a:solidFill>
+                          <a:effectLst/>
+                          <a:latin typeface="Calibri" panose="020F0502020204030204" pitchFamily="34" charset="0"/>
+                        </a:rPr>
+                        <a:t>2 068</a:t>
+                      </a:r>
+                    </a:p>
+                  </a:txBody>
+                  <a:tcPr marL="7620" marR="7620" marT="7620" marB="0" anchor="ctr">
+                    <a:lnL w="6350" cap="flat" cmpd="sng" algn="ctr">
+                      <a:solidFill>
+                        <a:srgbClr val="000000"/>
+                      </a:solidFill>
+                      <a:prstDash val="solid"/>
+                      <a:round/>
+                      <a:headEnd type="none" w="med" len="med"/>
+                      <a:tailEnd type="none" w="med" len="med"/>
+                    </a:lnL>
+                    <a:lnR w="6350" cap="flat" cmpd="sng" algn="ctr">
+                      <a:solidFill>
+                        <a:srgbClr val="000000"/>
+                      </a:solidFill>
+                      <a:prstDash val="solid"/>
+                      <a:round/>
+                      <a:headEnd type="none" w="med" len="med"/>
+                      <a:tailEnd type="none" w="med" len="med"/>
+                    </a:lnR>
+                    <a:lnT w="6350" cap="flat" cmpd="sng" algn="ctr">
+                      <a:solidFill>
+                        <a:srgbClr val="000000"/>
+                      </a:solidFill>
+                      <a:prstDash val="solid"/>
+                      <a:round/>
+                      <a:headEnd type="none" w="med" len="med"/>
+                      <a:tailEnd type="none" w="med" len="med"/>
+                    </a:lnT>
+                    <a:lnB w="6350" cap="flat" cmpd="sng" algn="ctr">
+                      <a:solidFill>
+                        <a:srgbClr val="000000"/>
+                      </a:solidFill>
+                      <a:prstDash val="solid"/>
+                      <a:round/>
+                      <a:headEnd type="none" w="med" len="med"/>
+                      <a:tailEnd type="none" w="med" len="med"/>
+                    </a:lnB>
+                    <a:solidFill>
+                      <a:srgbClr val="BDD7EE"/>
+                    </a:solidFill>
+                  </a:tcPr>
+                </a:tc>
+                <a:tc>
+                  <a:txBody>
+                    <a:bodyPr/>
+                    <a:lstStyle/>
+                    <a:p>
+                      <a:pPr algn="ctr" fontAlgn="b"/>
+                      <a:r>
+                        <a:rPr lang="cs-CZ" sz="1100" b="0" i="0" u="none" strike="noStrike">
+                          <a:solidFill>
+                            <a:srgbClr val="000000"/>
+                          </a:solidFill>
+                          <a:effectLst/>
+                          <a:latin typeface="Calibri" panose="020F0502020204030204" pitchFamily="34" charset="0"/>
+                        </a:rPr>
+                        <a:t>392 246</a:t>
+                      </a:r>
+                    </a:p>
+                  </a:txBody>
+                  <a:tcPr marL="7620" marR="7620" marT="7620" marB="0" anchor="ctr">
+                    <a:lnL w="6350" cap="flat" cmpd="sng" algn="ctr">
+                      <a:solidFill>
+                        <a:srgbClr val="000000"/>
+                      </a:solidFill>
+                      <a:prstDash val="solid"/>
+                      <a:round/>
+                      <a:headEnd type="none" w="med" len="med"/>
+                      <a:tailEnd type="none" w="med" len="med"/>
+                    </a:lnL>
+                    <a:lnR w="12700" cap="flat" cmpd="sng" algn="ctr">
+                      <a:solidFill>
+                        <a:srgbClr val="000000"/>
+                      </a:solidFill>
+                      <a:prstDash val="solid"/>
+                      <a:round/>
+                      <a:headEnd type="none" w="med" len="med"/>
+                      <a:tailEnd type="none" w="med" len="med"/>
+                    </a:lnR>
+                    <a:lnT w="6350" cap="flat" cmpd="sng" algn="ctr">
+                      <a:solidFill>
+                        <a:srgbClr val="000000"/>
+                      </a:solidFill>
+                      <a:prstDash val="solid"/>
+                      <a:round/>
+                      <a:headEnd type="none" w="med" len="med"/>
+                      <a:tailEnd type="none" w="med" len="med"/>
+                    </a:lnT>
+                    <a:lnB w="6350" cap="flat" cmpd="sng" algn="ctr">
+                      <a:solidFill>
+                        <a:srgbClr val="000000"/>
+                      </a:solidFill>
+                      <a:prstDash val="solid"/>
+                      <a:round/>
+                      <a:headEnd type="none" w="med" len="med"/>
+                      <a:tailEnd type="none" w="med" len="med"/>
+                    </a:lnB>
+                    <a:solidFill>
+                      <a:srgbClr val="BDD7EE"/>
+                    </a:solidFill>
+                  </a:tcPr>
+                </a:tc>
+                <a:extLst>
+                  <a:ext uri="{0D108BD9-81ED-4DB2-BD59-A6C34878D82A}">
+                    <a16:rowId xmlns:a16="http://schemas.microsoft.com/office/drawing/2014/main" val="2426762792"/>
+                  </a:ext>
+                </a:extLst>
+              </a:tr>
+              <a:tr h="340725">
+                <a:tc>
+                  <a:txBody>
+                    <a:bodyPr/>
+                    <a:lstStyle/>
+                    <a:p>
+                      <a:pPr algn="ctr" fontAlgn="b"/>
+                      <a:r>
+                        <a:rPr lang="cs-CZ" sz="1100" b="0" i="0" u="none" strike="noStrike">
+                          <a:solidFill>
+                            <a:srgbClr val="000000"/>
+                          </a:solidFill>
+                          <a:effectLst/>
+                          <a:latin typeface="Calibri" panose="020F0502020204030204" pitchFamily="34" charset="0"/>
+                        </a:rPr>
+                        <a:t>8</a:t>
+                      </a:r>
+                    </a:p>
+                  </a:txBody>
+                  <a:tcPr marL="7620" marR="7620" marT="7620" marB="0" anchor="ctr">
+                    <a:lnL w="12700" cap="flat" cmpd="sng" algn="ctr">
+                      <a:solidFill>
+                        <a:srgbClr val="000000"/>
+                      </a:solidFill>
+                      <a:prstDash val="solid"/>
+                      <a:round/>
+                      <a:headEnd type="none" w="med" len="med"/>
+                      <a:tailEnd type="none" w="med" len="med"/>
+                    </a:lnL>
+                    <a:lnR w="6350" cap="flat" cmpd="sng" algn="ctr">
+                      <a:solidFill>
+                        <a:srgbClr val="000000"/>
+                      </a:solidFill>
+                      <a:prstDash val="solid"/>
+                      <a:round/>
+                      <a:headEnd type="none" w="med" len="med"/>
+                      <a:tailEnd type="none" w="med" len="med"/>
+                    </a:lnR>
+                    <a:lnT w="6350" cap="flat" cmpd="sng" algn="ctr">
+                      <a:solidFill>
+                        <a:srgbClr val="000000"/>
+                      </a:solidFill>
+                      <a:prstDash val="solid"/>
+                      <a:round/>
+                      <a:headEnd type="none" w="med" len="med"/>
+                      <a:tailEnd type="none" w="med" len="med"/>
+                    </a:lnT>
+                    <a:lnB w="6350" cap="flat" cmpd="sng" algn="ctr">
+                      <a:solidFill>
+                        <a:srgbClr val="000000"/>
+                      </a:solidFill>
+                      <a:prstDash val="solid"/>
+                      <a:round/>
+                      <a:headEnd type="none" w="med" len="med"/>
+                      <a:tailEnd type="none" w="med" len="med"/>
+                    </a:lnB>
+                    <a:solidFill>
+                      <a:srgbClr val="BDD7EE"/>
+                    </a:solidFill>
+                  </a:tcPr>
+                </a:tc>
+                <a:tc>
+                  <a:txBody>
+                    <a:bodyPr/>
+                    <a:lstStyle/>
+                    <a:p>
+                      <a:pPr algn="ctr" fontAlgn="b"/>
+                      <a:r>
+                        <a:rPr lang="cs-CZ" sz="1100" b="0" i="0" u="none" strike="noStrike">
+                          <a:solidFill>
+                            <a:srgbClr val="000000"/>
+                          </a:solidFill>
+                          <a:effectLst/>
+                          <a:latin typeface="Calibri" panose="020F0502020204030204" pitchFamily="34" charset="0"/>
+                        </a:rPr>
+                        <a:t>28</a:t>
+                      </a:r>
+                    </a:p>
+                  </a:txBody>
+                  <a:tcPr marL="7620" marR="7620" marT="7620" marB="0" anchor="ctr">
+                    <a:lnL w="6350" cap="flat" cmpd="sng" algn="ctr">
+                      <a:solidFill>
+                        <a:srgbClr val="000000"/>
+                      </a:solidFill>
+                      <a:prstDash val="solid"/>
+                      <a:round/>
+                      <a:headEnd type="none" w="med" len="med"/>
+                      <a:tailEnd type="none" w="med" len="med"/>
+                    </a:lnL>
+                    <a:lnR w="6350" cap="flat" cmpd="sng" algn="ctr">
+                      <a:solidFill>
+                        <a:srgbClr val="000000"/>
+                      </a:solidFill>
+                      <a:prstDash val="solid"/>
+                      <a:round/>
+                      <a:headEnd type="none" w="med" len="med"/>
+                      <a:tailEnd type="none" w="med" len="med"/>
+                    </a:lnR>
+                    <a:lnT w="6350" cap="flat" cmpd="sng" algn="ctr">
+                      <a:solidFill>
+                        <a:srgbClr val="000000"/>
+                      </a:solidFill>
+                      <a:prstDash val="solid"/>
+                      <a:round/>
+                      <a:headEnd type="none" w="med" len="med"/>
+                      <a:tailEnd type="none" w="med" len="med"/>
+                    </a:lnT>
+                    <a:lnB w="6350" cap="flat" cmpd="sng" algn="ctr">
+                      <a:solidFill>
+                        <a:srgbClr val="000000"/>
+                      </a:solidFill>
+                      <a:prstDash val="solid"/>
+                      <a:round/>
+                      <a:headEnd type="none" w="med" len="med"/>
+                      <a:tailEnd type="none" w="med" len="med"/>
+                    </a:lnB>
+                    <a:solidFill>
+                      <a:srgbClr val="BDD7EE"/>
+                    </a:solidFill>
+                  </a:tcPr>
+                </a:tc>
+                <a:tc>
+                  <a:txBody>
+                    <a:bodyPr/>
+                    <a:lstStyle/>
+                    <a:p>
+                      <a:pPr algn="ctr" fontAlgn="b"/>
+                      <a:r>
+                        <a:rPr lang="cs-CZ" sz="1100" b="0" i="0" u="none" strike="noStrike">
+                          <a:solidFill>
+                            <a:srgbClr val="000000"/>
+                          </a:solidFill>
+                          <a:effectLst/>
+                          <a:latin typeface="Calibri" panose="020F0502020204030204" pitchFamily="34" charset="0"/>
+                        </a:rPr>
+                        <a:t>13 700</a:t>
+                      </a:r>
+                    </a:p>
+                  </a:txBody>
+                  <a:tcPr marL="7620" marR="7620" marT="7620" marB="0" anchor="ctr">
+                    <a:lnL w="6350" cap="flat" cmpd="sng" algn="ctr">
+                      <a:solidFill>
+                        <a:srgbClr val="000000"/>
+                      </a:solidFill>
+                      <a:prstDash val="solid"/>
+                      <a:round/>
+                      <a:headEnd type="none" w="med" len="med"/>
+                      <a:tailEnd type="none" w="med" len="med"/>
+                    </a:lnL>
+                    <a:lnR w="6350" cap="flat" cmpd="sng" algn="ctr">
+                      <a:solidFill>
+                        <a:srgbClr val="000000"/>
+                      </a:solidFill>
+                      <a:prstDash val="solid"/>
+                      <a:round/>
+                      <a:headEnd type="none" w="med" len="med"/>
+                      <a:tailEnd type="none" w="med" len="med"/>
+                    </a:lnR>
+                    <a:lnT w="6350" cap="flat" cmpd="sng" algn="ctr">
+                      <a:solidFill>
+                        <a:srgbClr val="000000"/>
+                      </a:solidFill>
+                      <a:prstDash val="solid"/>
+                      <a:round/>
+                      <a:headEnd type="none" w="med" len="med"/>
+                      <a:tailEnd type="none" w="med" len="med"/>
+                    </a:lnT>
+                    <a:lnB w="6350" cap="flat" cmpd="sng" algn="ctr">
+                      <a:solidFill>
+                        <a:srgbClr val="000000"/>
+                      </a:solidFill>
+                      <a:prstDash val="solid"/>
+                      <a:round/>
+                      <a:headEnd type="none" w="med" len="med"/>
+                      <a:tailEnd type="none" w="med" len="med"/>
+                    </a:lnB>
+                    <a:solidFill>
+                      <a:srgbClr val="BDD7EE"/>
+                    </a:solidFill>
+                  </a:tcPr>
+                </a:tc>
+                <a:tc>
+                  <a:txBody>
+                    <a:bodyPr/>
+                    <a:lstStyle/>
+                    <a:p>
+                      <a:pPr algn="ctr" fontAlgn="b"/>
+                      <a:r>
+                        <a:rPr lang="cs-CZ" sz="1100" b="0" i="0" u="none" strike="noStrike">
+                          <a:solidFill>
+                            <a:srgbClr val="000000"/>
+                          </a:solidFill>
+                          <a:effectLst/>
+                          <a:latin typeface="Calibri" panose="020F0502020204030204" pitchFamily="34" charset="0"/>
+                        </a:rPr>
+                        <a:t>0,023</a:t>
+                      </a:r>
+                    </a:p>
+                  </a:txBody>
+                  <a:tcPr marL="7620" marR="7620" marT="7620" marB="0" anchor="ctr">
+                    <a:lnL w="6350" cap="flat" cmpd="sng" algn="ctr">
+                      <a:solidFill>
+                        <a:srgbClr val="000000"/>
+                      </a:solidFill>
+                      <a:prstDash val="solid"/>
+                      <a:round/>
+                      <a:headEnd type="none" w="med" len="med"/>
+                      <a:tailEnd type="none" w="med" len="med"/>
+                    </a:lnL>
+                    <a:lnR w="6350" cap="flat" cmpd="sng" algn="ctr">
+                      <a:solidFill>
+                        <a:srgbClr val="000000"/>
+                      </a:solidFill>
+                      <a:prstDash val="solid"/>
+                      <a:round/>
+                      <a:headEnd type="none" w="med" len="med"/>
+                      <a:tailEnd type="none" w="med" len="med"/>
+                    </a:lnR>
+                    <a:lnT w="6350" cap="flat" cmpd="sng" algn="ctr">
+                      <a:solidFill>
+                        <a:srgbClr val="000000"/>
+                      </a:solidFill>
+                      <a:prstDash val="solid"/>
+                      <a:round/>
+                      <a:headEnd type="none" w="med" len="med"/>
+                      <a:tailEnd type="none" w="med" len="med"/>
+                    </a:lnT>
+                    <a:lnB w="6350" cap="flat" cmpd="sng" algn="ctr">
+                      <a:solidFill>
+                        <a:srgbClr val="000000"/>
+                      </a:solidFill>
+                      <a:prstDash val="solid"/>
+                      <a:round/>
+                      <a:headEnd type="none" w="med" len="med"/>
+                      <a:tailEnd type="none" w="med" len="med"/>
+                    </a:lnB>
+                    <a:solidFill>
+                      <a:srgbClr val="BDD7EE"/>
+                    </a:solidFill>
+                  </a:tcPr>
+                </a:tc>
+                <a:tc>
+                  <a:txBody>
+                    <a:bodyPr/>
+                    <a:lstStyle/>
+                    <a:p>
+                      <a:pPr algn="ctr" fontAlgn="b"/>
+                      <a:r>
+                        <a:rPr lang="cs-CZ" sz="1100" b="0" i="0" u="none" strike="noStrike">
+                          <a:solidFill>
+                            <a:srgbClr val="000000"/>
+                          </a:solidFill>
+                          <a:effectLst/>
+                          <a:latin typeface="Calibri" panose="020F0502020204030204" pitchFamily="34" charset="0"/>
+                        </a:rPr>
+                        <a:t>5040</a:t>
+                      </a:r>
+                    </a:p>
+                  </a:txBody>
+                  <a:tcPr marL="7620" marR="7620" marT="7620" marB="0" anchor="ctr">
+                    <a:lnL w="6350" cap="flat" cmpd="sng" algn="ctr">
+                      <a:solidFill>
+                        <a:srgbClr val="000000"/>
+                      </a:solidFill>
+                      <a:prstDash val="solid"/>
+                      <a:round/>
+                      <a:headEnd type="none" w="med" len="med"/>
+                      <a:tailEnd type="none" w="med" len="med"/>
+                    </a:lnL>
+                    <a:lnR w="6350" cap="flat" cmpd="sng" algn="ctr">
+                      <a:solidFill>
+                        <a:srgbClr val="000000"/>
+                      </a:solidFill>
+                      <a:prstDash val="solid"/>
+                      <a:round/>
+                      <a:headEnd type="none" w="med" len="med"/>
+                      <a:tailEnd type="none" w="med" len="med"/>
+                    </a:lnR>
+                    <a:lnT w="6350" cap="flat" cmpd="sng" algn="ctr">
+                      <a:solidFill>
+                        <a:srgbClr val="000000"/>
+                      </a:solidFill>
+                      <a:prstDash val="solid"/>
+                      <a:round/>
+                      <a:headEnd type="none" w="med" len="med"/>
+                      <a:tailEnd type="none" w="med" len="med"/>
+                    </a:lnT>
+                    <a:lnB w="6350" cap="flat" cmpd="sng" algn="ctr">
+                      <a:solidFill>
+                        <a:srgbClr val="000000"/>
+                      </a:solidFill>
+                      <a:prstDash val="solid"/>
+                      <a:round/>
+                      <a:headEnd type="none" w="med" len="med"/>
+                      <a:tailEnd type="none" w="med" len="med"/>
+                    </a:lnB>
+                    <a:solidFill>
+                      <a:srgbClr val="BDD7EE"/>
+                    </a:solidFill>
+                  </a:tcPr>
+                </a:tc>
+                <a:tc>
+                  <a:txBody>
+                    <a:bodyPr/>
+                    <a:lstStyle/>
+                    <a:p>
+                      <a:pPr algn="ctr" fontAlgn="b"/>
+                      <a:r>
+                        <a:rPr lang="cs-CZ" sz="1100" b="0" i="0" u="none" strike="noStrike">
+                          <a:solidFill>
+                            <a:srgbClr val="000000"/>
+                          </a:solidFill>
+                          <a:effectLst/>
+                          <a:latin typeface="Calibri" panose="020F0502020204030204" pitchFamily="34" charset="0"/>
+                        </a:rPr>
+                        <a:t>13 842</a:t>
+                      </a:r>
+                    </a:p>
+                  </a:txBody>
+                  <a:tcPr marL="7620" marR="7620" marT="7620" marB="0" anchor="ctr">
+                    <a:lnL w="6350" cap="flat" cmpd="sng" algn="ctr">
+                      <a:solidFill>
+                        <a:srgbClr val="000000"/>
+                      </a:solidFill>
+                      <a:prstDash val="solid"/>
+                      <a:round/>
+                      <a:headEnd type="none" w="med" len="med"/>
+                      <a:tailEnd type="none" w="med" len="med"/>
+                    </a:lnL>
+                    <a:lnR w="6350" cap="flat" cmpd="sng" algn="ctr">
+                      <a:solidFill>
+                        <a:srgbClr val="000000"/>
+                      </a:solidFill>
+                      <a:prstDash val="solid"/>
+                      <a:round/>
+                      <a:headEnd type="none" w="med" len="med"/>
+                      <a:tailEnd type="none" w="med" len="med"/>
+                    </a:lnR>
+                    <a:lnT w="6350" cap="flat" cmpd="sng" algn="ctr">
+                      <a:solidFill>
+                        <a:srgbClr val="000000"/>
+                      </a:solidFill>
+                      <a:prstDash val="solid"/>
+                      <a:round/>
+                      <a:headEnd type="none" w="med" len="med"/>
+                      <a:tailEnd type="none" w="med" len="med"/>
+                    </a:lnT>
+                    <a:lnB w="6350" cap="flat" cmpd="sng" algn="ctr">
+                      <a:solidFill>
+                        <a:srgbClr val="000000"/>
+                      </a:solidFill>
+                      <a:prstDash val="solid"/>
+                      <a:round/>
+                      <a:headEnd type="none" w="med" len="med"/>
+                      <a:tailEnd type="none" w="med" len="med"/>
+                    </a:lnB>
+                    <a:solidFill>
+                      <a:srgbClr val="BDD7EE"/>
+                    </a:solidFill>
+                  </a:tcPr>
+                </a:tc>
+                <a:tc>
+                  <a:txBody>
+                    <a:bodyPr/>
+                    <a:lstStyle/>
+                    <a:p>
+                      <a:pPr algn="ctr" fontAlgn="b"/>
+                      <a:r>
+                        <a:rPr lang="cs-CZ" sz="1100" b="0" i="0" u="none" strike="noStrike">
+                          <a:solidFill>
+                            <a:srgbClr val="000000"/>
+                          </a:solidFill>
+                          <a:effectLst/>
+                          <a:latin typeface="Calibri" panose="020F0502020204030204" pitchFamily="34" charset="0"/>
+                        </a:rPr>
+                        <a:t>3 091 836</a:t>
+                      </a:r>
+                    </a:p>
+                  </a:txBody>
+                  <a:tcPr marL="7620" marR="7620" marT="7620" marB="0" anchor="ctr">
+                    <a:lnL w="6350" cap="flat" cmpd="sng" algn="ctr">
+                      <a:solidFill>
+                        <a:srgbClr val="000000"/>
+                      </a:solidFill>
+                      <a:prstDash val="solid"/>
+                      <a:round/>
+                      <a:headEnd type="none" w="med" len="med"/>
+                      <a:tailEnd type="none" w="med" len="med"/>
+                    </a:lnL>
+                    <a:lnR w="12700" cap="flat" cmpd="sng" algn="ctr">
+                      <a:solidFill>
+                        <a:srgbClr val="000000"/>
+                      </a:solidFill>
+                      <a:prstDash val="solid"/>
+                      <a:round/>
+                      <a:headEnd type="none" w="med" len="med"/>
+                      <a:tailEnd type="none" w="med" len="med"/>
+                    </a:lnR>
+                    <a:lnT w="6350" cap="flat" cmpd="sng" algn="ctr">
+                      <a:solidFill>
+                        <a:srgbClr val="000000"/>
+                      </a:solidFill>
+                      <a:prstDash val="solid"/>
+                      <a:round/>
+                      <a:headEnd type="none" w="med" len="med"/>
+                      <a:tailEnd type="none" w="med" len="med"/>
+                    </a:lnT>
+                    <a:lnB w="6350" cap="flat" cmpd="sng" algn="ctr">
+                      <a:solidFill>
+                        <a:srgbClr val="000000"/>
+                      </a:solidFill>
+                      <a:prstDash val="solid"/>
+                      <a:round/>
+                      <a:headEnd type="none" w="med" len="med"/>
+                      <a:tailEnd type="none" w="med" len="med"/>
+                    </a:lnB>
+                    <a:solidFill>
+                      <a:srgbClr val="BDD7EE"/>
+                    </a:solidFill>
+                  </a:tcPr>
+                </a:tc>
+                <a:extLst>
+                  <a:ext uri="{0D108BD9-81ED-4DB2-BD59-A6C34878D82A}">
+                    <a16:rowId xmlns:a16="http://schemas.microsoft.com/office/drawing/2014/main" val="2991655744"/>
+                  </a:ext>
+                </a:extLst>
+              </a:tr>
+              <a:tr h="340725">
+                <a:tc>
+                  <a:txBody>
+                    <a:bodyPr/>
+                    <a:lstStyle/>
+                    <a:p>
+                      <a:pPr algn="ctr" fontAlgn="b"/>
+                      <a:r>
+                        <a:rPr lang="cs-CZ" sz="1100" b="0" i="0" u="none" strike="noStrike">
+                          <a:solidFill>
+                            <a:srgbClr val="000000"/>
+                          </a:solidFill>
+                          <a:effectLst/>
+                          <a:latin typeface="Calibri" panose="020F0502020204030204" pitchFamily="34" charset="0"/>
+                        </a:rPr>
+                        <a:t>9</a:t>
+                      </a:r>
+                    </a:p>
+                  </a:txBody>
+                  <a:tcPr marL="7620" marR="7620" marT="7620" marB="0" anchor="ctr">
+                    <a:lnL w="12700" cap="flat" cmpd="sng" algn="ctr">
+                      <a:solidFill>
+                        <a:srgbClr val="000000"/>
+                      </a:solidFill>
+                      <a:prstDash val="solid"/>
+                      <a:round/>
+                      <a:headEnd type="none" w="med" len="med"/>
+                      <a:tailEnd type="none" w="med" len="med"/>
+                    </a:lnL>
+                    <a:lnR w="6350" cap="flat" cmpd="sng" algn="ctr">
+                      <a:solidFill>
+                        <a:srgbClr val="000000"/>
+                      </a:solidFill>
+                      <a:prstDash val="solid"/>
+                      <a:round/>
+                      <a:headEnd type="none" w="med" len="med"/>
+                      <a:tailEnd type="none" w="med" len="med"/>
+                    </a:lnR>
+                    <a:lnT w="6350" cap="flat" cmpd="sng" algn="ctr">
+                      <a:solidFill>
+                        <a:srgbClr val="000000"/>
+                      </a:solidFill>
+                      <a:prstDash val="solid"/>
+                      <a:round/>
+                      <a:headEnd type="none" w="med" len="med"/>
+                      <a:tailEnd type="none" w="med" len="med"/>
+                    </a:lnT>
+                    <a:lnB w="6350" cap="flat" cmpd="sng" algn="ctr">
+                      <a:solidFill>
+                        <a:srgbClr val="000000"/>
+                      </a:solidFill>
+                      <a:prstDash val="solid"/>
+                      <a:round/>
+                      <a:headEnd type="none" w="med" len="med"/>
+                      <a:tailEnd type="none" w="med" len="med"/>
+                    </a:lnB>
+                    <a:solidFill>
+                      <a:srgbClr val="BDD7EE"/>
+                    </a:solidFill>
+                  </a:tcPr>
+                </a:tc>
+                <a:tc>
+                  <a:txBody>
+                    <a:bodyPr/>
+                    <a:lstStyle/>
+                    <a:p>
+                      <a:pPr algn="ctr" fontAlgn="b"/>
+                      <a:r>
+                        <a:rPr lang="cs-CZ" sz="1100" b="0" i="0" u="none" strike="noStrike">
+                          <a:solidFill>
+                            <a:srgbClr val="000000"/>
+                          </a:solidFill>
+                          <a:effectLst/>
+                          <a:latin typeface="Calibri" panose="020F0502020204030204" pitchFamily="34" charset="0"/>
+                        </a:rPr>
+                        <a:t>36</a:t>
+                      </a:r>
+                    </a:p>
+                  </a:txBody>
+                  <a:tcPr marL="7620" marR="7620" marT="7620" marB="0" anchor="ctr">
+                    <a:lnL w="6350" cap="flat" cmpd="sng" algn="ctr">
+                      <a:solidFill>
+                        <a:srgbClr val="000000"/>
+                      </a:solidFill>
+                      <a:prstDash val="solid"/>
+                      <a:round/>
+                      <a:headEnd type="none" w="med" len="med"/>
+                      <a:tailEnd type="none" w="med" len="med"/>
+                    </a:lnL>
+                    <a:lnR w="6350" cap="flat" cmpd="sng" algn="ctr">
+                      <a:solidFill>
+                        <a:srgbClr val="000000"/>
+                      </a:solidFill>
+                      <a:prstDash val="solid"/>
+                      <a:round/>
+                      <a:headEnd type="none" w="med" len="med"/>
+                      <a:tailEnd type="none" w="med" len="med"/>
+                    </a:lnR>
+                    <a:lnT w="6350" cap="flat" cmpd="sng" algn="ctr">
+                      <a:solidFill>
+                        <a:srgbClr val="000000"/>
+                      </a:solidFill>
+                      <a:prstDash val="solid"/>
+                      <a:round/>
+                      <a:headEnd type="none" w="med" len="med"/>
+                      <a:tailEnd type="none" w="med" len="med"/>
+                    </a:lnT>
+                    <a:lnB w="6350" cap="flat" cmpd="sng" algn="ctr">
+                      <a:solidFill>
+                        <a:srgbClr val="000000"/>
+                      </a:solidFill>
+                      <a:prstDash val="solid"/>
+                      <a:round/>
+                      <a:headEnd type="none" w="med" len="med"/>
+                      <a:tailEnd type="none" w="med" len="med"/>
+                    </a:lnB>
+                    <a:solidFill>
+                      <a:srgbClr val="BDD7EE"/>
+                    </a:solidFill>
+                  </a:tcPr>
+                </a:tc>
+                <a:tc>
+                  <a:txBody>
+                    <a:bodyPr/>
+                    <a:lstStyle/>
+                    <a:p>
+                      <a:pPr algn="ctr" fontAlgn="b"/>
+                      <a:r>
+                        <a:rPr lang="cs-CZ" sz="1100" b="0" i="0" u="none" strike="noStrike">
+                          <a:solidFill>
+                            <a:srgbClr val="000000"/>
+                          </a:solidFill>
+                          <a:effectLst/>
+                          <a:latin typeface="Calibri" panose="020F0502020204030204" pitchFamily="34" charset="0"/>
+                        </a:rPr>
+                        <a:t>109 601</a:t>
+                      </a:r>
+                    </a:p>
+                  </a:txBody>
+                  <a:tcPr marL="7620" marR="7620" marT="7620" marB="0" anchor="ctr">
+                    <a:lnL w="6350" cap="flat" cmpd="sng" algn="ctr">
+                      <a:solidFill>
+                        <a:srgbClr val="000000"/>
+                      </a:solidFill>
+                      <a:prstDash val="solid"/>
+                      <a:round/>
+                      <a:headEnd type="none" w="med" len="med"/>
+                      <a:tailEnd type="none" w="med" len="med"/>
+                    </a:lnL>
+                    <a:lnR w="6350" cap="flat" cmpd="sng" algn="ctr">
+                      <a:solidFill>
+                        <a:srgbClr val="000000"/>
+                      </a:solidFill>
+                      <a:prstDash val="solid"/>
+                      <a:round/>
+                      <a:headEnd type="none" w="med" len="med"/>
+                      <a:tailEnd type="none" w="med" len="med"/>
+                    </a:lnR>
+                    <a:lnT w="6350" cap="flat" cmpd="sng" algn="ctr">
+                      <a:solidFill>
+                        <a:srgbClr val="000000"/>
+                      </a:solidFill>
+                      <a:prstDash val="solid"/>
+                      <a:round/>
+                      <a:headEnd type="none" w="med" len="med"/>
+                      <a:tailEnd type="none" w="med" len="med"/>
+                    </a:lnT>
+                    <a:lnB w="6350" cap="flat" cmpd="sng" algn="ctr">
+                      <a:solidFill>
+                        <a:srgbClr val="000000"/>
+                      </a:solidFill>
+                      <a:prstDash val="solid"/>
+                      <a:round/>
+                      <a:headEnd type="none" w="med" len="med"/>
+                      <a:tailEnd type="none" w="med" len="med"/>
+                    </a:lnB>
+                    <a:solidFill>
+                      <a:srgbClr val="BDD7EE"/>
+                    </a:solidFill>
+                  </a:tcPr>
+                </a:tc>
+                <a:tc>
+                  <a:txBody>
+                    <a:bodyPr/>
+                    <a:lstStyle/>
+                    <a:p>
+                      <a:pPr algn="ctr" fontAlgn="b"/>
+                      <a:r>
+                        <a:rPr lang="cs-CZ" sz="1100" b="0" i="0" u="none" strike="noStrike">
+                          <a:solidFill>
+                            <a:srgbClr val="000000"/>
+                          </a:solidFill>
+                          <a:effectLst/>
+                          <a:latin typeface="Calibri" panose="020F0502020204030204" pitchFamily="34" charset="0"/>
+                        </a:rPr>
+                        <a:t>0,132</a:t>
+                      </a:r>
+                    </a:p>
+                  </a:txBody>
+                  <a:tcPr marL="7620" marR="7620" marT="7620" marB="0" anchor="ctr">
+                    <a:lnL w="6350" cap="flat" cmpd="sng" algn="ctr">
+                      <a:solidFill>
+                        <a:srgbClr val="000000"/>
+                      </a:solidFill>
+                      <a:prstDash val="solid"/>
+                      <a:round/>
+                      <a:headEnd type="none" w="med" len="med"/>
+                      <a:tailEnd type="none" w="med" len="med"/>
+                    </a:lnL>
+                    <a:lnR w="6350" cap="flat" cmpd="sng" algn="ctr">
+                      <a:solidFill>
+                        <a:srgbClr val="000000"/>
+                      </a:solidFill>
+                      <a:prstDash val="solid"/>
+                      <a:round/>
+                      <a:headEnd type="none" w="med" len="med"/>
+                      <a:tailEnd type="none" w="med" len="med"/>
+                    </a:lnR>
+                    <a:lnT w="6350" cap="flat" cmpd="sng" algn="ctr">
+                      <a:solidFill>
+                        <a:srgbClr val="000000"/>
+                      </a:solidFill>
+                      <a:prstDash val="solid"/>
+                      <a:round/>
+                      <a:headEnd type="none" w="med" len="med"/>
+                      <a:tailEnd type="none" w="med" len="med"/>
+                    </a:lnT>
+                    <a:lnB w="6350" cap="flat" cmpd="sng" algn="ctr">
+                      <a:solidFill>
+                        <a:srgbClr val="000000"/>
+                      </a:solidFill>
+                      <a:prstDash val="solid"/>
+                      <a:round/>
+                      <a:headEnd type="none" w="med" len="med"/>
+                      <a:tailEnd type="none" w="med" len="med"/>
+                    </a:lnB>
+                    <a:solidFill>
+                      <a:srgbClr val="BDD7EE"/>
+                    </a:solidFill>
+                  </a:tcPr>
+                </a:tc>
+                <a:tc>
+                  <a:txBody>
+                    <a:bodyPr/>
+                    <a:lstStyle/>
+                    <a:p>
+                      <a:pPr algn="ctr" fontAlgn="b"/>
+                      <a:r>
+                        <a:rPr lang="cs-CZ" sz="1100" b="0" i="0" u="none" strike="noStrike">
+                          <a:solidFill>
+                            <a:srgbClr val="000000"/>
+                          </a:solidFill>
+                          <a:effectLst/>
+                          <a:latin typeface="Calibri" panose="020F0502020204030204" pitchFamily="34" charset="0"/>
+                        </a:rPr>
+                        <a:t>40320</a:t>
+                      </a:r>
+                    </a:p>
+                  </a:txBody>
+                  <a:tcPr marL="7620" marR="7620" marT="7620" marB="0" anchor="ctr">
+                    <a:lnL w="6350" cap="flat" cmpd="sng" algn="ctr">
+                      <a:solidFill>
+                        <a:srgbClr val="000000"/>
+                      </a:solidFill>
+                      <a:prstDash val="solid"/>
+                      <a:round/>
+                      <a:headEnd type="none" w="med" len="med"/>
+                      <a:tailEnd type="none" w="med" len="med"/>
+                    </a:lnL>
+                    <a:lnR w="6350" cap="flat" cmpd="sng" algn="ctr">
+                      <a:solidFill>
+                        <a:srgbClr val="000000"/>
+                      </a:solidFill>
+                      <a:prstDash val="solid"/>
+                      <a:round/>
+                      <a:headEnd type="none" w="med" len="med"/>
+                      <a:tailEnd type="none" w="med" len="med"/>
+                    </a:lnR>
+                    <a:lnT w="6350" cap="flat" cmpd="sng" algn="ctr">
+                      <a:solidFill>
+                        <a:srgbClr val="000000"/>
+                      </a:solidFill>
+                      <a:prstDash val="solid"/>
+                      <a:round/>
+                      <a:headEnd type="none" w="med" len="med"/>
+                      <a:tailEnd type="none" w="med" len="med"/>
+                    </a:lnT>
+                    <a:lnB w="6350" cap="flat" cmpd="sng" algn="ctr">
+                      <a:solidFill>
+                        <a:srgbClr val="000000"/>
+                      </a:solidFill>
+                      <a:prstDash val="solid"/>
+                      <a:round/>
+                      <a:headEnd type="none" w="med" len="med"/>
+                      <a:tailEnd type="none" w="med" len="med"/>
+                    </a:lnB>
+                    <a:solidFill>
+                      <a:srgbClr val="BDD7EE"/>
+                    </a:solidFill>
+                  </a:tcPr>
+                </a:tc>
+                <a:tc>
+                  <a:txBody>
+                    <a:bodyPr/>
+                    <a:lstStyle/>
+                    <a:p>
+                      <a:pPr algn="ctr" fontAlgn="b"/>
+                      <a:r>
+                        <a:rPr lang="cs-CZ" sz="1100" b="0" i="0" u="none" strike="noStrike">
+                          <a:solidFill>
+                            <a:srgbClr val="000000"/>
+                          </a:solidFill>
+                          <a:effectLst/>
+                          <a:latin typeface="Calibri" panose="020F0502020204030204" pitchFamily="34" charset="0"/>
+                        </a:rPr>
+                        <a:t>109 778</a:t>
+                      </a:r>
+                    </a:p>
+                  </a:txBody>
+                  <a:tcPr marL="7620" marR="7620" marT="7620" marB="0" anchor="ctr">
+                    <a:lnL w="6350" cap="flat" cmpd="sng" algn="ctr">
+                      <a:solidFill>
+                        <a:srgbClr val="000000"/>
+                      </a:solidFill>
+                      <a:prstDash val="solid"/>
+                      <a:round/>
+                      <a:headEnd type="none" w="med" len="med"/>
+                      <a:tailEnd type="none" w="med" len="med"/>
+                    </a:lnL>
+                    <a:lnR w="6350" cap="flat" cmpd="sng" algn="ctr">
+                      <a:solidFill>
+                        <a:srgbClr val="000000"/>
+                      </a:solidFill>
+                      <a:prstDash val="solid"/>
+                      <a:round/>
+                      <a:headEnd type="none" w="med" len="med"/>
+                      <a:tailEnd type="none" w="med" len="med"/>
+                    </a:lnR>
+                    <a:lnT w="6350" cap="flat" cmpd="sng" algn="ctr">
+                      <a:solidFill>
+                        <a:srgbClr val="000000"/>
+                      </a:solidFill>
+                      <a:prstDash val="solid"/>
+                      <a:round/>
+                      <a:headEnd type="none" w="med" len="med"/>
+                      <a:tailEnd type="none" w="med" len="med"/>
+                    </a:lnT>
+                    <a:lnB w="6350" cap="flat" cmpd="sng" algn="ctr">
+                      <a:solidFill>
+                        <a:srgbClr val="000000"/>
+                      </a:solidFill>
+                      <a:prstDash val="solid"/>
+                      <a:round/>
+                      <a:headEnd type="none" w="med" len="med"/>
+                      <a:tailEnd type="none" w="med" len="med"/>
+                    </a:lnB>
+                    <a:solidFill>
+                      <a:srgbClr val="BDD7EE"/>
+                    </a:solidFill>
+                  </a:tcPr>
+                </a:tc>
+                <a:tc>
+                  <a:txBody>
+                    <a:bodyPr/>
+                    <a:lstStyle/>
+                    <a:p>
+                      <a:pPr algn="ctr" fontAlgn="b"/>
+                      <a:r>
+                        <a:rPr lang="cs-CZ" sz="1100" b="0" i="0" u="none" strike="noStrike">
+                          <a:solidFill>
+                            <a:srgbClr val="000000"/>
+                          </a:solidFill>
+                          <a:effectLst/>
+                          <a:latin typeface="Calibri" panose="020F0502020204030204" pitchFamily="34" charset="0"/>
+                        </a:rPr>
+                        <a:t>28 060 078</a:t>
+                      </a:r>
+                    </a:p>
+                  </a:txBody>
+                  <a:tcPr marL="7620" marR="7620" marT="7620" marB="0" anchor="ctr">
+                    <a:lnL w="6350" cap="flat" cmpd="sng" algn="ctr">
+                      <a:solidFill>
+                        <a:srgbClr val="000000"/>
+                      </a:solidFill>
+                      <a:prstDash val="solid"/>
+                      <a:round/>
+                      <a:headEnd type="none" w="med" len="med"/>
+                      <a:tailEnd type="none" w="med" len="med"/>
+                    </a:lnL>
+                    <a:lnR w="12700" cap="flat" cmpd="sng" algn="ctr">
+                      <a:solidFill>
+                        <a:srgbClr val="000000"/>
+                      </a:solidFill>
+                      <a:prstDash val="solid"/>
+                      <a:round/>
+                      <a:headEnd type="none" w="med" len="med"/>
+                      <a:tailEnd type="none" w="med" len="med"/>
+                    </a:lnR>
+                    <a:lnT w="6350" cap="flat" cmpd="sng" algn="ctr">
+                      <a:solidFill>
+                        <a:srgbClr val="000000"/>
+                      </a:solidFill>
+                      <a:prstDash val="solid"/>
+                      <a:round/>
+                      <a:headEnd type="none" w="med" len="med"/>
+                      <a:tailEnd type="none" w="med" len="med"/>
+                    </a:lnT>
+                    <a:lnB w="6350" cap="flat" cmpd="sng" algn="ctr">
+                      <a:solidFill>
+                        <a:srgbClr val="000000"/>
+                      </a:solidFill>
+                      <a:prstDash val="solid"/>
+                      <a:round/>
+                      <a:headEnd type="none" w="med" len="med"/>
+                      <a:tailEnd type="none" w="med" len="med"/>
+                    </a:lnB>
+                    <a:solidFill>
+                      <a:srgbClr val="BDD7EE"/>
+                    </a:solidFill>
+                  </a:tcPr>
+                </a:tc>
+                <a:extLst>
+                  <a:ext uri="{0D108BD9-81ED-4DB2-BD59-A6C34878D82A}">
+                    <a16:rowId xmlns:a16="http://schemas.microsoft.com/office/drawing/2014/main" val="2396840246"/>
+                  </a:ext>
+                </a:extLst>
+              </a:tr>
+              <a:tr h="340725">
+                <a:tc>
+                  <a:txBody>
+                    <a:bodyPr/>
+                    <a:lstStyle/>
+                    <a:p>
+                      <a:pPr algn="ctr" fontAlgn="b"/>
+                      <a:r>
+                        <a:rPr lang="cs-CZ" sz="1100" b="0" i="0" u="none" strike="noStrike">
+                          <a:solidFill>
+                            <a:srgbClr val="000000"/>
+                          </a:solidFill>
+                          <a:effectLst/>
+                          <a:latin typeface="Calibri" panose="020F0502020204030204" pitchFamily="34" charset="0"/>
+                        </a:rPr>
+                        <a:t>10</a:t>
+                      </a:r>
+                    </a:p>
+                  </a:txBody>
+                  <a:tcPr marL="7620" marR="7620" marT="7620" marB="0" anchor="ctr">
+                    <a:lnL w="12700" cap="flat" cmpd="sng" algn="ctr">
+                      <a:solidFill>
+                        <a:srgbClr val="000000"/>
+                      </a:solidFill>
+                      <a:prstDash val="solid"/>
+                      <a:round/>
+                      <a:headEnd type="none" w="med" len="med"/>
+                      <a:tailEnd type="none" w="med" len="med"/>
+                    </a:lnL>
+                    <a:lnR w="6350" cap="flat" cmpd="sng" algn="ctr">
+                      <a:solidFill>
+                        <a:srgbClr val="000000"/>
+                      </a:solidFill>
+                      <a:prstDash val="solid"/>
+                      <a:round/>
+                      <a:headEnd type="none" w="med" len="med"/>
+                      <a:tailEnd type="none" w="med" len="med"/>
+                    </a:lnR>
+                    <a:lnT w="6350" cap="flat" cmpd="sng" algn="ctr">
+                      <a:solidFill>
+                        <a:srgbClr val="000000"/>
+                      </a:solidFill>
+                      <a:prstDash val="solid"/>
+                      <a:round/>
+                      <a:headEnd type="none" w="med" len="med"/>
+                      <a:tailEnd type="none" w="med" len="med"/>
+                    </a:lnT>
+                    <a:lnB w="6350" cap="flat" cmpd="sng" algn="ctr">
+                      <a:solidFill>
+                        <a:srgbClr val="000000"/>
+                      </a:solidFill>
+                      <a:prstDash val="solid"/>
+                      <a:round/>
+                      <a:headEnd type="none" w="med" len="med"/>
+                      <a:tailEnd type="none" w="med" len="med"/>
+                    </a:lnB>
+                    <a:solidFill>
+                      <a:srgbClr val="BDD7EE"/>
+                    </a:solidFill>
+                  </a:tcPr>
+                </a:tc>
+                <a:tc>
+                  <a:txBody>
+                    <a:bodyPr/>
+                    <a:lstStyle/>
+                    <a:p>
+                      <a:pPr algn="ctr" fontAlgn="b"/>
+                      <a:r>
+                        <a:rPr lang="cs-CZ" sz="1100" b="0" i="0" u="none" strike="noStrike">
+                          <a:solidFill>
+                            <a:srgbClr val="000000"/>
+                          </a:solidFill>
+                          <a:effectLst/>
+                          <a:latin typeface="Calibri" panose="020F0502020204030204" pitchFamily="34" charset="0"/>
+                        </a:rPr>
+                        <a:t>45</a:t>
+                      </a:r>
+                    </a:p>
+                  </a:txBody>
+                  <a:tcPr marL="7620" marR="7620" marT="7620" marB="0" anchor="ctr">
+                    <a:lnL w="6350" cap="flat" cmpd="sng" algn="ctr">
+                      <a:solidFill>
+                        <a:srgbClr val="000000"/>
+                      </a:solidFill>
+                      <a:prstDash val="solid"/>
+                      <a:round/>
+                      <a:headEnd type="none" w="med" len="med"/>
+                      <a:tailEnd type="none" w="med" len="med"/>
+                    </a:lnL>
+                    <a:lnR w="6350" cap="flat" cmpd="sng" algn="ctr">
+                      <a:solidFill>
+                        <a:srgbClr val="000000"/>
+                      </a:solidFill>
+                      <a:prstDash val="solid"/>
+                      <a:round/>
+                      <a:headEnd type="none" w="med" len="med"/>
+                      <a:tailEnd type="none" w="med" len="med"/>
+                    </a:lnR>
+                    <a:lnT w="6350" cap="flat" cmpd="sng" algn="ctr">
+                      <a:solidFill>
+                        <a:srgbClr val="000000"/>
+                      </a:solidFill>
+                      <a:prstDash val="solid"/>
+                      <a:round/>
+                      <a:headEnd type="none" w="med" len="med"/>
+                      <a:tailEnd type="none" w="med" len="med"/>
+                    </a:lnT>
+                    <a:lnB w="6350" cap="flat" cmpd="sng" algn="ctr">
+                      <a:solidFill>
+                        <a:srgbClr val="000000"/>
+                      </a:solidFill>
+                      <a:prstDash val="solid"/>
+                      <a:round/>
+                      <a:headEnd type="none" w="med" len="med"/>
+                      <a:tailEnd type="none" w="med" len="med"/>
+                    </a:lnB>
+                    <a:solidFill>
+                      <a:srgbClr val="BDD7EE"/>
+                    </a:solidFill>
+                  </a:tcPr>
+                </a:tc>
+                <a:tc>
+                  <a:txBody>
+                    <a:bodyPr/>
+                    <a:lstStyle/>
+                    <a:p>
+                      <a:pPr algn="ctr" fontAlgn="b"/>
+                      <a:r>
+                        <a:rPr lang="cs-CZ" sz="1100" b="0" i="0" u="none" strike="noStrike">
+                          <a:solidFill>
+                            <a:srgbClr val="000000"/>
+                          </a:solidFill>
+                          <a:effectLst/>
+                          <a:latin typeface="Calibri" panose="020F0502020204030204" pitchFamily="34" charset="0"/>
+                        </a:rPr>
+                        <a:t>986 410</a:t>
+                      </a:r>
+                    </a:p>
+                  </a:txBody>
+                  <a:tcPr marL="7620" marR="7620" marT="7620" marB="0" anchor="ctr">
+                    <a:lnL w="6350" cap="flat" cmpd="sng" algn="ctr">
+                      <a:solidFill>
+                        <a:srgbClr val="000000"/>
+                      </a:solidFill>
+                      <a:prstDash val="solid"/>
+                      <a:round/>
+                      <a:headEnd type="none" w="med" len="med"/>
+                      <a:tailEnd type="none" w="med" len="med"/>
+                    </a:lnL>
+                    <a:lnR w="6350" cap="flat" cmpd="sng" algn="ctr">
+                      <a:solidFill>
+                        <a:srgbClr val="000000"/>
+                      </a:solidFill>
+                      <a:prstDash val="solid"/>
+                      <a:round/>
+                      <a:headEnd type="none" w="med" len="med"/>
+                      <a:tailEnd type="none" w="med" len="med"/>
+                    </a:lnR>
+                    <a:lnT w="6350" cap="flat" cmpd="sng" algn="ctr">
+                      <a:solidFill>
+                        <a:srgbClr val="000000"/>
+                      </a:solidFill>
+                      <a:prstDash val="solid"/>
+                      <a:round/>
+                      <a:headEnd type="none" w="med" len="med"/>
+                      <a:tailEnd type="none" w="med" len="med"/>
+                    </a:lnT>
+                    <a:lnB w="6350" cap="flat" cmpd="sng" algn="ctr">
+                      <a:solidFill>
+                        <a:srgbClr val="000000"/>
+                      </a:solidFill>
+                      <a:prstDash val="solid"/>
+                      <a:round/>
+                      <a:headEnd type="none" w="med" len="med"/>
+                      <a:tailEnd type="none" w="med" len="med"/>
+                    </a:lnB>
+                    <a:solidFill>
+                      <a:srgbClr val="BDD7EE"/>
+                    </a:solidFill>
+                  </a:tcPr>
+                </a:tc>
+                <a:tc>
+                  <a:txBody>
+                    <a:bodyPr/>
+                    <a:lstStyle/>
+                    <a:p>
+                      <a:pPr algn="ctr" fontAlgn="b"/>
+                      <a:r>
+                        <a:rPr lang="cs-CZ" sz="1100" b="0" i="0" u="none" strike="noStrike">
+                          <a:solidFill>
+                            <a:srgbClr val="000000"/>
+                          </a:solidFill>
+                          <a:effectLst/>
+                          <a:latin typeface="Calibri" panose="020F0502020204030204" pitchFamily="34" charset="0"/>
+                        </a:rPr>
+                        <a:t>1,219</a:t>
+                      </a:r>
+                    </a:p>
+                  </a:txBody>
+                  <a:tcPr marL="7620" marR="7620" marT="7620" marB="0" anchor="ctr">
+                    <a:lnL w="6350" cap="flat" cmpd="sng" algn="ctr">
+                      <a:solidFill>
+                        <a:srgbClr val="000000"/>
+                      </a:solidFill>
+                      <a:prstDash val="solid"/>
+                      <a:round/>
+                      <a:headEnd type="none" w="med" len="med"/>
+                      <a:tailEnd type="none" w="med" len="med"/>
+                    </a:lnL>
+                    <a:lnR w="6350" cap="flat" cmpd="sng" algn="ctr">
+                      <a:solidFill>
+                        <a:srgbClr val="000000"/>
+                      </a:solidFill>
+                      <a:prstDash val="solid"/>
+                      <a:round/>
+                      <a:headEnd type="none" w="med" len="med"/>
+                      <a:tailEnd type="none" w="med" len="med"/>
+                    </a:lnR>
+                    <a:lnT w="6350" cap="flat" cmpd="sng" algn="ctr">
+                      <a:solidFill>
+                        <a:srgbClr val="000000"/>
+                      </a:solidFill>
+                      <a:prstDash val="solid"/>
+                      <a:round/>
+                      <a:headEnd type="none" w="med" len="med"/>
+                      <a:tailEnd type="none" w="med" len="med"/>
+                    </a:lnT>
+                    <a:lnB w="6350" cap="flat" cmpd="sng" algn="ctr">
+                      <a:solidFill>
+                        <a:srgbClr val="000000"/>
+                      </a:solidFill>
+                      <a:prstDash val="solid"/>
+                      <a:round/>
+                      <a:headEnd type="none" w="med" len="med"/>
+                      <a:tailEnd type="none" w="med" len="med"/>
+                    </a:lnB>
+                    <a:solidFill>
+                      <a:srgbClr val="BDD7EE"/>
+                    </a:solidFill>
+                  </a:tcPr>
+                </a:tc>
+                <a:tc>
+                  <a:txBody>
+                    <a:bodyPr/>
+                    <a:lstStyle/>
+                    <a:p>
+                      <a:pPr algn="ctr" fontAlgn="b"/>
+                      <a:r>
+                        <a:rPr lang="cs-CZ" sz="1100" b="0" i="0" u="none" strike="noStrike">
+                          <a:solidFill>
+                            <a:srgbClr val="000000"/>
+                          </a:solidFill>
+                          <a:effectLst/>
+                          <a:latin typeface="Calibri" panose="020F0502020204030204" pitchFamily="34" charset="0"/>
+                        </a:rPr>
+                        <a:t>362880</a:t>
+                      </a:r>
+                    </a:p>
+                  </a:txBody>
+                  <a:tcPr marL="7620" marR="7620" marT="7620" marB="0" anchor="ctr">
+                    <a:lnL w="6350" cap="flat" cmpd="sng" algn="ctr">
+                      <a:solidFill>
+                        <a:srgbClr val="000000"/>
+                      </a:solidFill>
+                      <a:prstDash val="solid"/>
+                      <a:round/>
+                      <a:headEnd type="none" w="med" len="med"/>
+                      <a:tailEnd type="none" w="med" len="med"/>
+                    </a:lnL>
+                    <a:lnR w="6350" cap="flat" cmpd="sng" algn="ctr">
+                      <a:solidFill>
+                        <a:srgbClr val="000000"/>
+                      </a:solidFill>
+                      <a:prstDash val="solid"/>
+                      <a:round/>
+                      <a:headEnd type="none" w="med" len="med"/>
+                      <a:tailEnd type="none" w="med" len="med"/>
+                    </a:lnR>
+                    <a:lnT w="6350" cap="flat" cmpd="sng" algn="ctr">
+                      <a:solidFill>
+                        <a:srgbClr val="000000"/>
+                      </a:solidFill>
+                      <a:prstDash val="solid"/>
+                      <a:round/>
+                      <a:headEnd type="none" w="med" len="med"/>
+                      <a:tailEnd type="none" w="med" len="med"/>
+                    </a:lnT>
+                    <a:lnB w="6350" cap="flat" cmpd="sng" algn="ctr">
+                      <a:solidFill>
+                        <a:srgbClr val="000000"/>
+                      </a:solidFill>
+                      <a:prstDash val="solid"/>
+                      <a:round/>
+                      <a:headEnd type="none" w="med" len="med"/>
+                      <a:tailEnd type="none" w="med" len="med"/>
+                    </a:lnB>
+                    <a:solidFill>
+                      <a:srgbClr val="BDD7EE"/>
+                    </a:solidFill>
+                  </a:tcPr>
+                </a:tc>
+                <a:tc>
+                  <a:txBody>
+                    <a:bodyPr/>
+                    <a:lstStyle/>
+                    <a:p>
+                      <a:pPr algn="ctr" fontAlgn="b"/>
+                      <a:r>
+                        <a:rPr lang="cs-CZ" sz="1100" b="0" i="0" u="none" strike="noStrike">
+                          <a:solidFill>
+                            <a:srgbClr val="000000"/>
+                          </a:solidFill>
+                          <a:effectLst/>
+                          <a:latin typeface="Calibri" panose="020F0502020204030204" pitchFamily="34" charset="0"/>
+                        </a:rPr>
+                        <a:t>986 626</a:t>
+                      </a:r>
+                    </a:p>
+                  </a:txBody>
+                  <a:tcPr marL="7620" marR="7620" marT="7620" marB="0" anchor="ctr">
+                    <a:lnL w="6350" cap="flat" cmpd="sng" algn="ctr">
+                      <a:solidFill>
+                        <a:srgbClr val="000000"/>
+                      </a:solidFill>
+                      <a:prstDash val="solid"/>
+                      <a:round/>
+                      <a:headEnd type="none" w="med" len="med"/>
+                      <a:tailEnd type="none" w="med" len="med"/>
+                    </a:lnL>
+                    <a:lnR w="6350" cap="flat" cmpd="sng" algn="ctr">
+                      <a:solidFill>
+                        <a:srgbClr val="000000"/>
+                      </a:solidFill>
+                      <a:prstDash val="solid"/>
+                      <a:round/>
+                      <a:headEnd type="none" w="med" len="med"/>
+                      <a:tailEnd type="none" w="med" len="med"/>
+                    </a:lnR>
+                    <a:lnT w="6350" cap="flat" cmpd="sng" algn="ctr">
+                      <a:solidFill>
+                        <a:srgbClr val="000000"/>
+                      </a:solidFill>
+                      <a:prstDash val="solid"/>
+                      <a:round/>
+                      <a:headEnd type="none" w="med" len="med"/>
+                      <a:tailEnd type="none" w="med" len="med"/>
+                    </a:lnT>
+                    <a:lnB w="6350" cap="flat" cmpd="sng" algn="ctr">
+                      <a:solidFill>
+                        <a:srgbClr val="000000"/>
+                      </a:solidFill>
+                      <a:prstDash val="solid"/>
+                      <a:round/>
+                      <a:headEnd type="none" w="med" len="med"/>
+                      <a:tailEnd type="none" w="med" len="med"/>
+                    </a:lnB>
+                    <a:solidFill>
+                      <a:srgbClr val="BDD7EE"/>
+                    </a:solidFill>
+                  </a:tcPr>
+                </a:tc>
+                <a:tc>
+                  <a:txBody>
+                    <a:bodyPr/>
+                    <a:lstStyle/>
+                    <a:p>
+                      <a:pPr algn="ctr" fontAlgn="b"/>
+                      <a:r>
+                        <a:rPr lang="cs-CZ" sz="1100" b="0" i="0" u="none" strike="noStrike">
+                          <a:solidFill>
+                            <a:srgbClr val="000000"/>
+                          </a:solidFill>
+                          <a:effectLst/>
+                          <a:latin typeface="Calibri" panose="020F0502020204030204" pitchFamily="34" charset="0"/>
+                        </a:rPr>
+                        <a:t>284 130 788</a:t>
+                      </a:r>
+                    </a:p>
+                  </a:txBody>
+                  <a:tcPr marL="7620" marR="7620" marT="7620" marB="0" anchor="ctr">
+                    <a:lnL w="6350" cap="flat" cmpd="sng" algn="ctr">
+                      <a:solidFill>
+                        <a:srgbClr val="000000"/>
+                      </a:solidFill>
+                      <a:prstDash val="solid"/>
+                      <a:round/>
+                      <a:headEnd type="none" w="med" len="med"/>
+                      <a:tailEnd type="none" w="med" len="med"/>
+                    </a:lnL>
+                    <a:lnR w="12700" cap="flat" cmpd="sng" algn="ctr">
+                      <a:solidFill>
+                        <a:srgbClr val="000000"/>
+                      </a:solidFill>
+                      <a:prstDash val="solid"/>
+                      <a:round/>
+                      <a:headEnd type="none" w="med" len="med"/>
+                      <a:tailEnd type="none" w="med" len="med"/>
+                    </a:lnR>
+                    <a:lnT w="6350" cap="flat" cmpd="sng" algn="ctr">
+                      <a:solidFill>
+                        <a:srgbClr val="000000"/>
+                      </a:solidFill>
+                      <a:prstDash val="solid"/>
+                      <a:round/>
+                      <a:headEnd type="none" w="med" len="med"/>
+                      <a:tailEnd type="none" w="med" len="med"/>
+                    </a:lnT>
+                    <a:lnB w="6350" cap="flat" cmpd="sng" algn="ctr">
+                      <a:solidFill>
+                        <a:srgbClr val="000000"/>
+                      </a:solidFill>
+                      <a:prstDash val="solid"/>
+                      <a:round/>
+                      <a:headEnd type="none" w="med" len="med"/>
+                      <a:tailEnd type="none" w="med" len="med"/>
+                    </a:lnB>
+                    <a:solidFill>
+                      <a:srgbClr val="BDD7EE"/>
+                    </a:solidFill>
+                  </a:tcPr>
+                </a:tc>
+                <a:extLst>
+                  <a:ext uri="{0D108BD9-81ED-4DB2-BD59-A6C34878D82A}">
+                    <a16:rowId xmlns:a16="http://schemas.microsoft.com/office/drawing/2014/main" val="376914145"/>
+                  </a:ext>
+                </a:extLst>
+              </a:tr>
+              <a:tr h="340725">
+                <a:tc>
+                  <a:txBody>
+                    <a:bodyPr/>
+                    <a:lstStyle/>
+                    <a:p>
+                      <a:pPr algn="ctr" fontAlgn="b"/>
+                      <a:r>
+                        <a:rPr lang="cs-CZ" sz="1100" b="0" i="0" u="none" strike="noStrike">
+                          <a:solidFill>
+                            <a:srgbClr val="000000"/>
+                          </a:solidFill>
+                          <a:effectLst/>
+                          <a:latin typeface="Calibri" panose="020F0502020204030204" pitchFamily="34" charset="0"/>
+                        </a:rPr>
+                        <a:t>11</a:t>
+                      </a:r>
+                    </a:p>
+                  </a:txBody>
+                  <a:tcPr marL="7620" marR="7620" marT="7620" marB="0" anchor="ctr">
+                    <a:lnL w="12700" cap="flat" cmpd="sng" algn="ctr">
+                      <a:solidFill>
+                        <a:srgbClr val="000000"/>
+                      </a:solidFill>
+                      <a:prstDash val="solid"/>
+                      <a:round/>
+                      <a:headEnd type="none" w="med" len="med"/>
+                      <a:tailEnd type="none" w="med" len="med"/>
+                    </a:lnL>
+                    <a:lnR w="6350" cap="flat" cmpd="sng" algn="ctr">
+                      <a:solidFill>
+                        <a:srgbClr val="000000"/>
+                      </a:solidFill>
+                      <a:prstDash val="solid"/>
+                      <a:round/>
+                      <a:headEnd type="none" w="med" len="med"/>
+                      <a:tailEnd type="none" w="med" len="med"/>
+                    </a:lnR>
+                    <a:lnT w="6350" cap="flat" cmpd="sng" algn="ctr">
+                      <a:solidFill>
+                        <a:srgbClr val="000000"/>
+                      </a:solidFill>
+                      <a:prstDash val="solid"/>
+                      <a:round/>
+                      <a:headEnd type="none" w="med" len="med"/>
+                      <a:tailEnd type="none" w="med" len="med"/>
+                    </a:lnT>
+                    <a:lnB w="6350" cap="flat" cmpd="sng" algn="ctr">
+                      <a:solidFill>
+                        <a:srgbClr val="000000"/>
+                      </a:solidFill>
+                      <a:prstDash val="solid"/>
+                      <a:round/>
+                      <a:headEnd type="none" w="med" len="med"/>
+                      <a:tailEnd type="none" w="med" len="med"/>
+                    </a:lnB>
+                    <a:solidFill>
+                      <a:srgbClr val="BDD7EE"/>
+                    </a:solidFill>
+                  </a:tcPr>
+                </a:tc>
+                <a:tc>
+                  <a:txBody>
+                    <a:bodyPr/>
+                    <a:lstStyle/>
+                    <a:p>
+                      <a:pPr algn="ctr" fontAlgn="b"/>
+                      <a:r>
+                        <a:rPr lang="cs-CZ" sz="1100" b="0" i="0" u="none" strike="noStrike">
+                          <a:solidFill>
+                            <a:srgbClr val="000000"/>
+                          </a:solidFill>
+                          <a:effectLst/>
+                          <a:latin typeface="Calibri" panose="020F0502020204030204" pitchFamily="34" charset="0"/>
+                        </a:rPr>
+                        <a:t>55</a:t>
+                      </a:r>
+                    </a:p>
+                  </a:txBody>
+                  <a:tcPr marL="7620" marR="7620" marT="7620" marB="0" anchor="ctr">
+                    <a:lnL w="6350" cap="flat" cmpd="sng" algn="ctr">
+                      <a:solidFill>
+                        <a:srgbClr val="000000"/>
+                      </a:solidFill>
+                      <a:prstDash val="solid"/>
+                      <a:round/>
+                      <a:headEnd type="none" w="med" len="med"/>
+                      <a:tailEnd type="none" w="med" len="med"/>
+                    </a:lnL>
+                    <a:lnR w="6350" cap="flat" cmpd="sng" algn="ctr">
+                      <a:solidFill>
+                        <a:srgbClr val="000000"/>
+                      </a:solidFill>
+                      <a:prstDash val="solid"/>
+                      <a:round/>
+                      <a:headEnd type="none" w="med" len="med"/>
+                      <a:tailEnd type="none" w="med" len="med"/>
+                    </a:lnR>
+                    <a:lnT w="6350" cap="flat" cmpd="sng" algn="ctr">
+                      <a:solidFill>
+                        <a:srgbClr val="000000"/>
+                      </a:solidFill>
+                      <a:prstDash val="solid"/>
+                      <a:round/>
+                      <a:headEnd type="none" w="med" len="med"/>
+                      <a:tailEnd type="none" w="med" len="med"/>
+                    </a:lnT>
+                    <a:lnB w="6350" cap="flat" cmpd="sng" algn="ctr">
+                      <a:solidFill>
+                        <a:srgbClr val="000000"/>
+                      </a:solidFill>
+                      <a:prstDash val="solid"/>
+                      <a:round/>
+                      <a:headEnd type="none" w="med" len="med"/>
+                      <a:tailEnd type="none" w="med" len="med"/>
+                    </a:lnB>
+                    <a:solidFill>
+                      <a:srgbClr val="BDD7EE"/>
+                    </a:solidFill>
+                  </a:tcPr>
+                </a:tc>
+                <a:tc>
+                  <a:txBody>
+                    <a:bodyPr/>
+                    <a:lstStyle/>
+                    <a:p>
+                      <a:pPr algn="ctr" fontAlgn="b"/>
+                      <a:r>
+                        <a:rPr lang="cs-CZ" sz="1100" b="0" i="0" u="none" strike="noStrike">
+                          <a:solidFill>
+                            <a:srgbClr val="000000"/>
+                          </a:solidFill>
+                          <a:effectLst/>
+                          <a:latin typeface="Calibri" panose="020F0502020204030204" pitchFamily="34" charset="0"/>
+                        </a:rPr>
+                        <a:t>9 864 101</a:t>
+                      </a:r>
+                    </a:p>
+                  </a:txBody>
+                  <a:tcPr marL="7620" marR="7620" marT="7620" marB="0" anchor="ctr">
+                    <a:lnL w="6350" cap="flat" cmpd="sng" algn="ctr">
+                      <a:solidFill>
+                        <a:srgbClr val="000000"/>
+                      </a:solidFill>
+                      <a:prstDash val="solid"/>
+                      <a:round/>
+                      <a:headEnd type="none" w="med" len="med"/>
+                      <a:tailEnd type="none" w="med" len="med"/>
+                    </a:lnL>
+                    <a:lnR w="6350" cap="flat" cmpd="sng" algn="ctr">
+                      <a:solidFill>
+                        <a:srgbClr val="000000"/>
+                      </a:solidFill>
+                      <a:prstDash val="solid"/>
+                      <a:round/>
+                      <a:headEnd type="none" w="med" len="med"/>
+                      <a:tailEnd type="none" w="med" len="med"/>
+                    </a:lnR>
+                    <a:lnT w="6350" cap="flat" cmpd="sng" algn="ctr">
+                      <a:solidFill>
+                        <a:srgbClr val="000000"/>
+                      </a:solidFill>
+                      <a:prstDash val="solid"/>
+                      <a:round/>
+                      <a:headEnd type="none" w="med" len="med"/>
+                      <a:tailEnd type="none" w="med" len="med"/>
+                    </a:lnT>
+                    <a:lnB w="6350" cap="flat" cmpd="sng" algn="ctr">
+                      <a:solidFill>
+                        <a:srgbClr val="000000"/>
+                      </a:solidFill>
+                      <a:prstDash val="solid"/>
+                      <a:round/>
+                      <a:headEnd type="none" w="med" len="med"/>
+                      <a:tailEnd type="none" w="med" len="med"/>
+                    </a:lnB>
+                    <a:solidFill>
+                      <a:srgbClr val="BDD7EE"/>
+                    </a:solidFill>
+                  </a:tcPr>
+                </a:tc>
+                <a:tc>
+                  <a:txBody>
+                    <a:bodyPr/>
+                    <a:lstStyle/>
+                    <a:p>
+                      <a:pPr algn="ctr" fontAlgn="b"/>
+                      <a:r>
+                        <a:rPr lang="cs-CZ" sz="1100" b="0" i="0" u="none" strike="noStrike">
+                          <a:solidFill>
+                            <a:srgbClr val="000000"/>
+                          </a:solidFill>
+                          <a:effectLst/>
+                          <a:latin typeface="Calibri" panose="020F0502020204030204" pitchFamily="34" charset="0"/>
+                        </a:rPr>
+                        <a:t>14,063</a:t>
+                      </a:r>
+                    </a:p>
+                  </a:txBody>
+                  <a:tcPr marL="7620" marR="7620" marT="7620" marB="0" anchor="ctr">
+                    <a:lnL w="6350" cap="flat" cmpd="sng" algn="ctr">
+                      <a:solidFill>
+                        <a:srgbClr val="000000"/>
+                      </a:solidFill>
+                      <a:prstDash val="solid"/>
+                      <a:round/>
+                      <a:headEnd type="none" w="med" len="med"/>
+                      <a:tailEnd type="none" w="med" len="med"/>
+                    </a:lnL>
+                    <a:lnR w="6350" cap="flat" cmpd="sng" algn="ctr">
+                      <a:solidFill>
+                        <a:srgbClr val="000000"/>
+                      </a:solidFill>
+                      <a:prstDash val="solid"/>
+                      <a:round/>
+                      <a:headEnd type="none" w="med" len="med"/>
+                      <a:tailEnd type="none" w="med" len="med"/>
+                    </a:lnR>
+                    <a:lnT w="6350" cap="flat" cmpd="sng" algn="ctr">
+                      <a:solidFill>
+                        <a:srgbClr val="000000"/>
+                      </a:solidFill>
+                      <a:prstDash val="solid"/>
+                      <a:round/>
+                      <a:headEnd type="none" w="med" len="med"/>
+                      <a:tailEnd type="none" w="med" len="med"/>
+                    </a:lnT>
+                    <a:lnB w="6350" cap="flat" cmpd="sng" algn="ctr">
+                      <a:solidFill>
+                        <a:srgbClr val="000000"/>
+                      </a:solidFill>
+                      <a:prstDash val="solid"/>
+                      <a:round/>
+                      <a:headEnd type="none" w="med" len="med"/>
+                      <a:tailEnd type="none" w="med" len="med"/>
+                    </a:lnB>
+                    <a:solidFill>
+                      <a:srgbClr val="BDD7EE"/>
+                    </a:solidFill>
+                  </a:tcPr>
+                </a:tc>
+                <a:tc>
+                  <a:txBody>
+                    <a:bodyPr/>
+                    <a:lstStyle/>
+                    <a:p>
+                      <a:pPr algn="ctr" fontAlgn="b"/>
+                      <a:r>
+                        <a:rPr lang="cs-CZ" sz="1100" b="0" i="0" u="none" strike="noStrike">
+                          <a:solidFill>
+                            <a:srgbClr val="000000"/>
+                          </a:solidFill>
+                          <a:effectLst/>
+                          <a:latin typeface="Calibri" panose="020F0502020204030204" pitchFamily="34" charset="0"/>
+                        </a:rPr>
+                        <a:t>3628800</a:t>
+                      </a:r>
+                    </a:p>
+                  </a:txBody>
+                  <a:tcPr marL="7620" marR="7620" marT="7620" marB="0" anchor="ctr">
+                    <a:lnL w="6350" cap="flat" cmpd="sng" algn="ctr">
+                      <a:solidFill>
+                        <a:srgbClr val="000000"/>
+                      </a:solidFill>
+                      <a:prstDash val="solid"/>
+                      <a:round/>
+                      <a:headEnd type="none" w="med" len="med"/>
+                      <a:tailEnd type="none" w="med" len="med"/>
+                    </a:lnL>
+                    <a:lnR w="6350" cap="flat" cmpd="sng" algn="ctr">
+                      <a:solidFill>
+                        <a:srgbClr val="000000"/>
+                      </a:solidFill>
+                      <a:prstDash val="solid"/>
+                      <a:round/>
+                      <a:headEnd type="none" w="med" len="med"/>
+                      <a:tailEnd type="none" w="med" len="med"/>
+                    </a:lnR>
+                    <a:lnT w="6350" cap="flat" cmpd="sng" algn="ctr">
+                      <a:solidFill>
+                        <a:srgbClr val="000000"/>
+                      </a:solidFill>
+                      <a:prstDash val="solid"/>
+                      <a:round/>
+                      <a:headEnd type="none" w="med" len="med"/>
+                      <a:tailEnd type="none" w="med" len="med"/>
+                    </a:lnT>
+                    <a:lnB w="6350" cap="flat" cmpd="sng" algn="ctr">
+                      <a:solidFill>
+                        <a:srgbClr val="000000"/>
+                      </a:solidFill>
+                      <a:prstDash val="solid"/>
+                      <a:round/>
+                      <a:headEnd type="none" w="med" len="med"/>
+                      <a:tailEnd type="none" w="med" len="med"/>
+                    </a:lnB>
+                    <a:solidFill>
+                      <a:srgbClr val="BDD7EE"/>
+                    </a:solidFill>
+                  </a:tcPr>
+                </a:tc>
+                <a:tc>
+                  <a:txBody>
+                    <a:bodyPr/>
+                    <a:lstStyle/>
+                    <a:p>
+                      <a:pPr algn="ctr" fontAlgn="b"/>
+                      <a:r>
+                        <a:rPr lang="cs-CZ" sz="1100" b="0" i="0" u="none" strike="noStrike">
+                          <a:solidFill>
+                            <a:srgbClr val="000000"/>
+                          </a:solidFill>
+                          <a:effectLst/>
+                          <a:latin typeface="Calibri" panose="020F0502020204030204" pitchFamily="34" charset="0"/>
+                        </a:rPr>
+                        <a:t>9 864 360</a:t>
+                      </a:r>
+                    </a:p>
+                  </a:txBody>
+                  <a:tcPr marL="7620" marR="7620" marT="7620" marB="0" anchor="ctr">
+                    <a:lnL w="6350" cap="flat" cmpd="sng" algn="ctr">
+                      <a:solidFill>
+                        <a:srgbClr val="000000"/>
+                      </a:solidFill>
+                      <a:prstDash val="solid"/>
+                      <a:round/>
+                      <a:headEnd type="none" w="med" len="med"/>
+                      <a:tailEnd type="none" w="med" len="med"/>
+                    </a:lnL>
+                    <a:lnR w="6350" cap="flat" cmpd="sng" algn="ctr">
+                      <a:solidFill>
+                        <a:srgbClr val="000000"/>
+                      </a:solidFill>
+                      <a:prstDash val="solid"/>
+                      <a:round/>
+                      <a:headEnd type="none" w="med" len="med"/>
+                      <a:tailEnd type="none" w="med" len="med"/>
+                    </a:lnR>
+                    <a:lnT w="6350" cap="flat" cmpd="sng" algn="ctr">
+                      <a:solidFill>
+                        <a:srgbClr val="000000"/>
+                      </a:solidFill>
+                      <a:prstDash val="solid"/>
+                      <a:round/>
+                      <a:headEnd type="none" w="med" len="med"/>
+                      <a:tailEnd type="none" w="med" len="med"/>
+                    </a:lnT>
+                    <a:lnB w="6350" cap="flat" cmpd="sng" algn="ctr">
+                      <a:solidFill>
+                        <a:srgbClr val="000000"/>
+                      </a:solidFill>
+                      <a:prstDash val="solid"/>
+                      <a:round/>
+                      <a:headEnd type="none" w="med" len="med"/>
+                      <a:tailEnd type="none" w="med" len="med"/>
+                    </a:lnB>
+                    <a:solidFill>
+                      <a:srgbClr val="BDD7EE"/>
+                    </a:solidFill>
+                  </a:tcPr>
+                </a:tc>
+                <a:tc>
+                  <a:txBody>
+                    <a:bodyPr/>
+                    <a:lstStyle/>
+                    <a:p>
+                      <a:pPr algn="ctr" fontAlgn="b"/>
+                      <a:r>
+                        <a:rPr lang="cs-CZ" sz="1100" b="0" i="0" u="none" strike="noStrike">
+                          <a:solidFill>
+                            <a:srgbClr val="000000"/>
+                          </a:solidFill>
+                          <a:effectLst/>
+                          <a:latin typeface="Calibri" panose="020F0502020204030204" pitchFamily="34" charset="0"/>
+                        </a:rPr>
+                        <a:t>3 156 573 535</a:t>
+                      </a:r>
+                    </a:p>
+                  </a:txBody>
+                  <a:tcPr marL="7620" marR="7620" marT="7620" marB="0" anchor="ctr">
+                    <a:lnL w="6350" cap="flat" cmpd="sng" algn="ctr">
+                      <a:solidFill>
+                        <a:srgbClr val="000000"/>
+                      </a:solidFill>
+                      <a:prstDash val="solid"/>
+                      <a:round/>
+                      <a:headEnd type="none" w="med" len="med"/>
+                      <a:tailEnd type="none" w="med" len="med"/>
+                    </a:lnL>
+                    <a:lnR w="12700" cap="flat" cmpd="sng" algn="ctr">
+                      <a:solidFill>
+                        <a:srgbClr val="000000"/>
+                      </a:solidFill>
+                      <a:prstDash val="solid"/>
+                      <a:round/>
+                      <a:headEnd type="none" w="med" len="med"/>
+                      <a:tailEnd type="none" w="med" len="med"/>
+                    </a:lnR>
+                    <a:lnT w="6350" cap="flat" cmpd="sng" algn="ctr">
+                      <a:solidFill>
+                        <a:srgbClr val="000000"/>
+                      </a:solidFill>
+                      <a:prstDash val="solid"/>
+                      <a:round/>
+                      <a:headEnd type="none" w="med" len="med"/>
+                      <a:tailEnd type="none" w="med" len="med"/>
+                    </a:lnT>
+                    <a:lnB w="6350" cap="flat" cmpd="sng" algn="ctr">
+                      <a:solidFill>
+                        <a:srgbClr val="000000"/>
+                      </a:solidFill>
+                      <a:prstDash val="solid"/>
+                      <a:round/>
+                      <a:headEnd type="none" w="med" len="med"/>
+                      <a:tailEnd type="none" w="med" len="med"/>
+                    </a:lnB>
+                    <a:solidFill>
+                      <a:srgbClr val="BDD7EE"/>
+                    </a:solidFill>
+                  </a:tcPr>
+                </a:tc>
+                <a:extLst>
+                  <a:ext uri="{0D108BD9-81ED-4DB2-BD59-A6C34878D82A}">
+                    <a16:rowId xmlns:a16="http://schemas.microsoft.com/office/drawing/2014/main" val="4194578284"/>
+                  </a:ext>
+                </a:extLst>
+              </a:tr>
+              <a:tr h="354922">
+                <a:tc>
+                  <a:txBody>
+                    <a:bodyPr/>
+                    <a:lstStyle/>
+                    <a:p>
+                      <a:pPr algn="ctr" fontAlgn="b"/>
+                      <a:r>
+                        <a:rPr lang="cs-CZ" sz="1100" b="0" i="0" u="none" strike="noStrike">
+                          <a:solidFill>
+                            <a:srgbClr val="000000"/>
+                          </a:solidFill>
+                          <a:effectLst/>
+                          <a:latin typeface="Calibri" panose="020F0502020204030204" pitchFamily="34" charset="0"/>
+                        </a:rPr>
+                        <a:t>12</a:t>
+                      </a:r>
+                    </a:p>
+                  </a:txBody>
+                  <a:tcPr marL="7620" marR="7620" marT="7620" marB="0" anchor="ctr">
+                    <a:lnL w="12700" cap="flat" cmpd="sng" algn="ctr">
+                      <a:solidFill>
+                        <a:srgbClr val="000000"/>
+                      </a:solidFill>
+                      <a:prstDash val="solid"/>
+                      <a:round/>
+                      <a:headEnd type="none" w="med" len="med"/>
+                      <a:tailEnd type="none" w="med" len="med"/>
+                    </a:lnL>
+                    <a:lnR w="6350" cap="flat" cmpd="sng" algn="ctr">
+                      <a:solidFill>
+                        <a:srgbClr val="000000"/>
+                      </a:solidFill>
+                      <a:prstDash val="solid"/>
+                      <a:round/>
+                      <a:headEnd type="none" w="med" len="med"/>
+                      <a:tailEnd type="none" w="med" len="med"/>
+                    </a:lnR>
+                    <a:lnT w="6350" cap="flat" cmpd="sng" algn="ctr">
+                      <a:solidFill>
+                        <a:srgbClr val="000000"/>
+                      </a:solidFill>
+                      <a:prstDash val="solid"/>
+                      <a:round/>
+                      <a:headEnd type="none" w="med" len="med"/>
+                      <a:tailEnd type="none" w="med" len="med"/>
+                    </a:lnT>
+                    <a:lnB w="12700" cap="flat" cmpd="sng" algn="ctr">
+                      <a:solidFill>
+                        <a:srgbClr val="000000"/>
+                      </a:solidFill>
+                      <a:prstDash val="solid"/>
+                      <a:round/>
+                      <a:headEnd type="none" w="med" len="med"/>
+                      <a:tailEnd type="none" w="med" len="med"/>
+                    </a:lnB>
+                    <a:solidFill>
+                      <a:srgbClr val="BDD7EE"/>
+                    </a:solidFill>
+                  </a:tcPr>
+                </a:tc>
+                <a:tc>
+                  <a:txBody>
+                    <a:bodyPr/>
+                    <a:lstStyle/>
+                    <a:p>
+                      <a:pPr algn="ctr" fontAlgn="b"/>
+                      <a:r>
+                        <a:rPr lang="cs-CZ" sz="1100" b="0" i="0" u="none" strike="noStrike">
+                          <a:solidFill>
+                            <a:srgbClr val="000000"/>
+                          </a:solidFill>
+                          <a:effectLst/>
+                          <a:latin typeface="Calibri" panose="020F0502020204030204" pitchFamily="34" charset="0"/>
+                        </a:rPr>
+                        <a:t>66</a:t>
+                      </a:r>
+                    </a:p>
+                  </a:txBody>
+                  <a:tcPr marL="7620" marR="7620" marT="7620" marB="0" anchor="ctr">
+                    <a:lnL w="6350" cap="flat" cmpd="sng" algn="ctr">
+                      <a:solidFill>
+                        <a:srgbClr val="000000"/>
+                      </a:solidFill>
+                      <a:prstDash val="solid"/>
+                      <a:round/>
+                      <a:headEnd type="none" w="med" len="med"/>
+                      <a:tailEnd type="none" w="med" len="med"/>
+                    </a:lnL>
+                    <a:lnR w="6350" cap="flat" cmpd="sng" algn="ctr">
+                      <a:solidFill>
+                        <a:srgbClr val="000000"/>
+                      </a:solidFill>
+                      <a:prstDash val="solid"/>
+                      <a:round/>
+                      <a:headEnd type="none" w="med" len="med"/>
+                      <a:tailEnd type="none" w="med" len="med"/>
+                    </a:lnR>
+                    <a:lnT w="6350" cap="flat" cmpd="sng" algn="ctr">
+                      <a:solidFill>
+                        <a:srgbClr val="000000"/>
+                      </a:solidFill>
+                      <a:prstDash val="solid"/>
+                      <a:round/>
+                      <a:headEnd type="none" w="med" len="med"/>
+                      <a:tailEnd type="none" w="med" len="med"/>
+                    </a:lnT>
+                    <a:lnB w="12700" cap="flat" cmpd="sng" algn="ctr">
+                      <a:solidFill>
+                        <a:srgbClr val="000000"/>
+                      </a:solidFill>
+                      <a:prstDash val="solid"/>
+                      <a:round/>
+                      <a:headEnd type="none" w="med" len="med"/>
+                      <a:tailEnd type="none" w="med" len="med"/>
+                    </a:lnB>
+                    <a:solidFill>
+                      <a:srgbClr val="BDD7EE"/>
+                    </a:solidFill>
+                  </a:tcPr>
+                </a:tc>
+                <a:tc>
+                  <a:txBody>
+                    <a:bodyPr/>
+                    <a:lstStyle/>
+                    <a:p>
+                      <a:pPr algn="ctr" fontAlgn="b"/>
+                      <a:r>
+                        <a:rPr lang="cs-CZ" sz="1100" b="0" i="0" u="none" strike="noStrike">
+                          <a:solidFill>
+                            <a:srgbClr val="000000"/>
+                          </a:solidFill>
+                          <a:effectLst/>
+                          <a:latin typeface="Calibri" panose="020F0502020204030204" pitchFamily="34" charset="0"/>
+                        </a:rPr>
+                        <a:t>108 505 112</a:t>
+                      </a:r>
+                    </a:p>
+                  </a:txBody>
+                  <a:tcPr marL="7620" marR="7620" marT="7620" marB="0" anchor="ctr">
+                    <a:lnL w="6350" cap="flat" cmpd="sng" algn="ctr">
+                      <a:solidFill>
+                        <a:srgbClr val="000000"/>
+                      </a:solidFill>
+                      <a:prstDash val="solid"/>
+                      <a:round/>
+                      <a:headEnd type="none" w="med" len="med"/>
+                      <a:tailEnd type="none" w="med" len="med"/>
+                    </a:lnL>
+                    <a:lnR w="6350" cap="flat" cmpd="sng" algn="ctr">
+                      <a:solidFill>
+                        <a:srgbClr val="000000"/>
+                      </a:solidFill>
+                      <a:prstDash val="solid"/>
+                      <a:round/>
+                      <a:headEnd type="none" w="med" len="med"/>
+                      <a:tailEnd type="none" w="med" len="med"/>
+                    </a:lnR>
+                    <a:lnT w="6350" cap="flat" cmpd="sng" algn="ctr">
+                      <a:solidFill>
+                        <a:srgbClr val="000000"/>
+                      </a:solidFill>
+                      <a:prstDash val="solid"/>
+                      <a:round/>
+                      <a:headEnd type="none" w="med" len="med"/>
+                      <a:tailEnd type="none" w="med" len="med"/>
+                    </a:lnT>
+                    <a:lnB w="12700" cap="flat" cmpd="sng" algn="ctr">
+                      <a:solidFill>
+                        <a:srgbClr val="000000"/>
+                      </a:solidFill>
+                      <a:prstDash val="solid"/>
+                      <a:round/>
+                      <a:headEnd type="none" w="med" len="med"/>
+                      <a:tailEnd type="none" w="med" len="med"/>
+                    </a:lnB>
+                    <a:solidFill>
+                      <a:srgbClr val="BDD7EE"/>
+                    </a:solidFill>
+                  </a:tcPr>
+                </a:tc>
+                <a:tc>
+                  <a:txBody>
+                    <a:bodyPr/>
+                    <a:lstStyle/>
+                    <a:p>
+                      <a:pPr algn="ctr" fontAlgn="b"/>
+                      <a:r>
+                        <a:rPr lang="cs-CZ" sz="1100" b="0" i="0" u="none" strike="noStrike">
+                          <a:solidFill>
+                            <a:srgbClr val="000000"/>
+                          </a:solidFill>
+                          <a:effectLst/>
+                          <a:latin typeface="Calibri" panose="020F0502020204030204" pitchFamily="34" charset="0"/>
+                        </a:rPr>
+                        <a:t>187,340</a:t>
+                      </a:r>
+                    </a:p>
+                  </a:txBody>
+                  <a:tcPr marL="7620" marR="7620" marT="7620" marB="0" anchor="ctr">
+                    <a:lnL w="6350" cap="flat" cmpd="sng" algn="ctr">
+                      <a:solidFill>
+                        <a:srgbClr val="000000"/>
+                      </a:solidFill>
+                      <a:prstDash val="solid"/>
+                      <a:round/>
+                      <a:headEnd type="none" w="med" len="med"/>
+                      <a:tailEnd type="none" w="med" len="med"/>
+                    </a:lnL>
+                    <a:lnR w="6350" cap="flat" cmpd="sng" algn="ctr">
+                      <a:solidFill>
+                        <a:srgbClr val="000000"/>
+                      </a:solidFill>
+                      <a:prstDash val="solid"/>
+                      <a:round/>
+                      <a:headEnd type="none" w="med" len="med"/>
+                      <a:tailEnd type="none" w="med" len="med"/>
+                    </a:lnR>
+                    <a:lnT w="6350" cap="flat" cmpd="sng" algn="ctr">
+                      <a:solidFill>
+                        <a:srgbClr val="000000"/>
+                      </a:solidFill>
+                      <a:prstDash val="solid"/>
+                      <a:round/>
+                      <a:headEnd type="none" w="med" len="med"/>
+                      <a:tailEnd type="none" w="med" len="med"/>
+                    </a:lnT>
+                    <a:lnB w="12700" cap="flat" cmpd="sng" algn="ctr">
+                      <a:solidFill>
+                        <a:srgbClr val="000000"/>
+                      </a:solidFill>
+                      <a:prstDash val="solid"/>
+                      <a:round/>
+                      <a:headEnd type="none" w="med" len="med"/>
+                      <a:tailEnd type="none" w="med" len="med"/>
+                    </a:lnB>
+                    <a:solidFill>
+                      <a:srgbClr val="BDD7EE"/>
+                    </a:solidFill>
+                  </a:tcPr>
+                </a:tc>
+                <a:tc>
+                  <a:txBody>
+                    <a:bodyPr/>
+                    <a:lstStyle/>
+                    <a:p>
+                      <a:pPr algn="ctr" fontAlgn="b"/>
+                      <a:r>
+                        <a:rPr lang="cs-CZ" sz="1100" b="0" i="0" u="none" strike="noStrike">
+                          <a:solidFill>
+                            <a:srgbClr val="000000"/>
+                          </a:solidFill>
+                          <a:effectLst/>
+                          <a:latin typeface="Calibri" panose="020F0502020204030204" pitchFamily="34" charset="0"/>
+                        </a:rPr>
+                        <a:t>39916800</a:t>
+                      </a:r>
+                    </a:p>
+                  </a:txBody>
+                  <a:tcPr marL="7620" marR="7620" marT="7620" marB="0" anchor="ctr">
+                    <a:lnL w="6350" cap="flat" cmpd="sng" algn="ctr">
+                      <a:solidFill>
+                        <a:srgbClr val="000000"/>
+                      </a:solidFill>
+                      <a:prstDash val="solid"/>
+                      <a:round/>
+                      <a:headEnd type="none" w="med" len="med"/>
+                      <a:tailEnd type="none" w="med" len="med"/>
+                    </a:lnL>
+                    <a:lnR w="6350" cap="flat" cmpd="sng" algn="ctr">
+                      <a:solidFill>
+                        <a:srgbClr val="000000"/>
+                      </a:solidFill>
+                      <a:prstDash val="solid"/>
+                      <a:round/>
+                      <a:headEnd type="none" w="med" len="med"/>
+                      <a:tailEnd type="none" w="med" len="med"/>
+                    </a:lnR>
+                    <a:lnT w="6350" cap="flat" cmpd="sng" algn="ctr">
+                      <a:solidFill>
+                        <a:srgbClr val="000000"/>
+                      </a:solidFill>
+                      <a:prstDash val="solid"/>
+                      <a:round/>
+                      <a:headEnd type="none" w="med" len="med"/>
+                      <a:tailEnd type="none" w="med" len="med"/>
+                    </a:lnT>
+                    <a:lnB w="12700" cap="flat" cmpd="sng" algn="ctr">
+                      <a:solidFill>
+                        <a:srgbClr val="000000"/>
+                      </a:solidFill>
+                      <a:prstDash val="solid"/>
+                      <a:round/>
+                      <a:headEnd type="none" w="med" len="med"/>
+                      <a:tailEnd type="none" w="med" len="med"/>
+                    </a:lnB>
+                    <a:solidFill>
+                      <a:srgbClr val="BDD7EE"/>
+                    </a:solidFill>
+                  </a:tcPr>
+                </a:tc>
+                <a:tc>
+                  <a:txBody>
+                    <a:bodyPr/>
+                    <a:lstStyle/>
+                    <a:p>
+                      <a:pPr algn="ctr" fontAlgn="b"/>
+                      <a:r>
+                        <a:rPr lang="cs-CZ" sz="1100" b="0" i="0" u="none" strike="noStrike">
+                          <a:solidFill>
+                            <a:srgbClr val="000000"/>
+                          </a:solidFill>
+                          <a:effectLst/>
+                          <a:latin typeface="Calibri" panose="020F0502020204030204" pitchFamily="34" charset="0"/>
+                        </a:rPr>
+                        <a:t>108 505 418</a:t>
+                      </a:r>
+                    </a:p>
+                  </a:txBody>
+                  <a:tcPr marL="7620" marR="7620" marT="7620" marB="0" anchor="ctr">
+                    <a:lnL w="6350" cap="flat" cmpd="sng" algn="ctr">
+                      <a:solidFill>
+                        <a:srgbClr val="000000"/>
+                      </a:solidFill>
+                      <a:prstDash val="solid"/>
+                      <a:round/>
+                      <a:headEnd type="none" w="med" len="med"/>
+                      <a:tailEnd type="none" w="med" len="med"/>
+                    </a:lnL>
+                    <a:lnR w="6350" cap="flat" cmpd="sng" algn="ctr">
+                      <a:solidFill>
+                        <a:srgbClr val="000000"/>
+                      </a:solidFill>
+                      <a:prstDash val="solid"/>
+                      <a:round/>
+                      <a:headEnd type="none" w="med" len="med"/>
+                      <a:tailEnd type="none" w="med" len="med"/>
+                    </a:lnR>
+                    <a:lnT w="6350" cap="flat" cmpd="sng" algn="ctr">
+                      <a:solidFill>
+                        <a:srgbClr val="000000"/>
+                      </a:solidFill>
+                      <a:prstDash val="solid"/>
+                      <a:round/>
+                      <a:headEnd type="none" w="med" len="med"/>
+                      <a:tailEnd type="none" w="med" len="med"/>
+                    </a:lnT>
+                    <a:lnB w="12700" cap="flat" cmpd="sng" algn="ctr">
+                      <a:solidFill>
+                        <a:srgbClr val="000000"/>
+                      </a:solidFill>
+                      <a:prstDash val="solid"/>
+                      <a:round/>
+                      <a:headEnd type="none" w="med" len="med"/>
+                      <a:tailEnd type="none" w="med" len="med"/>
+                    </a:lnB>
+                    <a:solidFill>
+                      <a:srgbClr val="BDD7EE"/>
+                    </a:solidFill>
+                  </a:tcPr>
+                </a:tc>
+                <a:tc>
+                  <a:txBody>
+                    <a:bodyPr/>
+                    <a:lstStyle/>
+                    <a:p>
+                      <a:pPr algn="ctr" fontAlgn="b"/>
+                      <a:r>
+                        <a:rPr lang="cs-CZ" sz="1100" b="0" i="0" u="none" strike="noStrike" dirty="0">
+                          <a:solidFill>
+                            <a:srgbClr val="000000"/>
+                          </a:solidFill>
+                          <a:effectLst/>
+                          <a:latin typeface="Calibri" panose="020F0502020204030204" pitchFamily="34" charset="0"/>
+                        </a:rPr>
+                        <a:t>38 193 881 957</a:t>
+                      </a:r>
+                    </a:p>
+                  </a:txBody>
+                  <a:tcPr marL="7620" marR="7620" marT="7620" marB="0" anchor="ctr">
+                    <a:lnL w="6350" cap="flat" cmpd="sng" algn="ctr">
+                      <a:solidFill>
+                        <a:srgbClr val="000000"/>
+                      </a:solidFill>
+                      <a:prstDash val="solid"/>
+                      <a:round/>
+                      <a:headEnd type="none" w="med" len="med"/>
+                      <a:tailEnd type="none" w="med" len="med"/>
+                    </a:lnL>
+                    <a:lnR w="12700" cap="flat" cmpd="sng" algn="ctr">
+                      <a:solidFill>
+                        <a:srgbClr val="000000"/>
+                      </a:solidFill>
+                      <a:prstDash val="solid"/>
+                      <a:round/>
+                      <a:headEnd type="none" w="med" len="med"/>
+                      <a:tailEnd type="none" w="med" len="med"/>
+                    </a:lnR>
+                    <a:lnT w="6350" cap="flat" cmpd="sng" algn="ctr">
+                      <a:solidFill>
+                        <a:srgbClr val="000000"/>
+                      </a:solidFill>
+                      <a:prstDash val="solid"/>
+                      <a:round/>
+                      <a:headEnd type="none" w="med" len="med"/>
+                      <a:tailEnd type="none" w="med" len="med"/>
+                    </a:lnT>
+                    <a:lnB w="12700" cap="flat" cmpd="sng" algn="ctr">
+                      <a:solidFill>
+                        <a:srgbClr val="000000"/>
+                      </a:solidFill>
+                      <a:prstDash val="solid"/>
+                      <a:round/>
+                      <a:headEnd type="none" w="med" len="med"/>
+                      <a:tailEnd type="none" w="med" len="med"/>
+                    </a:lnB>
+                    <a:solidFill>
+                      <a:srgbClr val="BDD7EE"/>
+                    </a:solidFill>
+                  </a:tcPr>
+                </a:tc>
+                <a:extLst>
+                  <a:ext uri="{0D108BD9-81ED-4DB2-BD59-A6C34878D82A}">
+                    <a16:rowId xmlns:a16="http://schemas.microsoft.com/office/drawing/2014/main" val="4293022463"/>
+                  </a:ext>
+                </a:extLst>
+              </a:tr>
+            </a:tbl>
+          </a:graphicData>
+        </a:graphic>
+      </p:graphicFrame>
+    </p:spTree>
+    <p:extLst>
+      <p:ext uri="{BB962C8B-B14F-4D97-AF65-F5344CB8AC3E}">
+        <p14:creationId xmlns:p14="http://schemas.microsoft.com/office/powerpoint/2010/main" val="1945164111"/>
+      </p:ext>
+    </p:extLst>
+  </p:cSld>
+  <p:clrMapOvr>
+    <a:masterClrMapping/>
+  </p:clrMapOvr>
+</p:sld>
+</file>
+
+<file path=ppt/slides/slide9.xml><?xml version="1.0" encoding="utf-8"?>
+<p:sld xmlns:a="http://schemas.openxmlformats.org/drawingml/2006/main" xmlns:r="http://schemas.openxmlformats.org/officeDocument/2006/relationships" xmlns:p="http://schemas.openxmlformats.org/presentationml/2006/main">
+  <p:cSld>
+    <p:spTree>
+      <p:nvGrpSpPr>
+        <p:cNvPr id="1" name=""/>
+        <p:cNvGrpSpPr/>
+        <p:nvPr/>
+      </p:nvGrpSpPr>
+      <p:grpSpPr>
+        <a:xfrm>
+          <a:off x="0" y="0"/>
+          <a:ext cx="0" cy="0"/>
+          <a:chOff x="0" y="0"/>
+          <a:chExt cx="0" cy="0"/>
+        </a:xfrm>
+      </p:grpSpPr>
+      <p:sp>
+        <p:nvSpPr>
+          <p:cNvPr id="2" name="Nadpis 1">
+            <a:extLst>
+              <a:ext uri="{FF2B5EF4-FFF2-40B4-BE49-F238E27FC236}">
+                <a16:creationId xmlns:a16="http://schemas.microsoft.com/office/drawing/2014/main" id="{F0057944-10CF-4E65-881D-3DE7A48D08B3}"/>
+              </a:ext>
+            </a:extLst>
+          </p:cNvPr>
+          <p:cNvSpPr>
+            <a:spLocks noGrp="1"/>
+          </p:cNvSpPr>
+          <p:nvPr>
+            <p:ph type="title"/>
+          </p:nvPr>
+        </p:nvSpPr>
+        <p:spPr/>
+        <p:txBody>
+          <a:bodyPr/>
+          <a:lstStyle/>
+          <a:p>
+            <a:r>
+              <a:rPr lang="cs-CZ" dirty="0"/>
+              <a:t>Vývoj algoritmu</a:t>
+            </a:r>
+          </a:p>
+        </p:txBody>
+      </p:sp>
+      <p:sp>
+        <p:nvSpPr>
+          <p:cNvPr id="3" name="Zástupný obsah 2">
+            <a:extLst>
+              <a:ext uri="{FF2B5EF4-FFF2-40B4-BE49-F238E27FC236}">
+                <a16:creationId xmlns:a16="http://schemas.microsoft.com/office/drawing/2014/main" id="{E81D0E4D-E05C-4072-904E-2F251B49A43A}"/>
+              </a:ext>
+            </a:extLst>
+          </p:cNvPr>
+          <p:cNvSpPr>
+            <a:spLocks noGrp="1"/>
+          </p:cNvSpPr>
+          <p:nvPr>
+            <p:ph idx="1"/>
+          </p:nvPr>
+        </p:nvSpPr>
+        <p:spPr/>
+        <p:txBody>
+          <a:bodyPr/>
+          <a:lstStyle/>
+          <a:p>
+            <a:endParaRPr lang="cs-CZ" dirty="0"/>
+          </a:p>
+          <a:p>
+            <a:pPr marL="201168" lvl="1" indent="0">
+              <a:buNone/>
+            </a:pPr>
+            <a:endParaRPr lang="cs-CZ" dirty="0"/>
+          </a:p>
+          <a:p>
+            <a:pPr marL="201168" lvl="1" indent="0">
+              <a:buNone/>
+            </a:pPr>
+            <a:endParaRPr lang="cs-CZ" b="1" dirty="0"/>
+          </a:p>
+          <a:p>
+            <a:pPr marL="201168" lvl="1" indent="0">
+              <a:buNone/>
+            </a:pPr>
+            <a:r>
+              <a:rPr lang="cs-CZ" sz="2400" b="1" dirty="0"/>
+              <a:t>Urychlení výpočtu programu:</a:t>
+            </a:r>
+          </a:p>
+          <a:p>
+            <a:pPr lvl="1"/>
+            <a:r>
+              <a:rPr lang="cs-CZ" sz="2000" dirty="0"/>
+              <a:t>Využití dostupných vláken – </a:t>
+            </a:r>
+            <a:r>
+              <a:rPr lang="cs-CZ" sz="2000" b="1" dirty="0"/>
+              <a:t>zavrhnuto</a:t>
+            </a:r>
+            <a:r>
+              <a:rPr lang="cs-CZ" sz="2000" dirty="0"/>
+              <a:t> (malý počet výpočetních kroků, příliš velká režie)</a:t>
+            </a:r>
+          </a:p>
+          <a:p>
+            <a:pPr lvl="1"/>
+            <a:endParaRPr lang="cs-CZ" dirty="0"/>
+          </a:p>
+          <a:p>
+            <a:pPr lvl="1"/>
+            <a:endParaRPr lang="cs-CZ" dirty="0"/>
+          </a:p>
+          <a:p>
+            <a:pPr marL="201168" lvl="1" indent="0">
+              <a:buNone/>
+            </a:pPr>
+            <a:r>
+              <a:rPr lang="cs-CZ" sz="2400" b="1" dirty="0"/>
+              <a:t>Snížení paměťové náročnosti:</a:t>
+            </a:r>
+          </a:p>
+          <a:p>
+            <a:pPr lvl="1"/>
+            <a:r>
+              <a:rPr lang="cs-CZ" sz="2000" dirty="0"/>
+              <a:t>Úprava datových typů (využíváním pouze potřebných bitů)	</a:t>
+            </a:r>
+          </a:p>
+        </p:txBody>
+      </p:sp>
+    </p:spTree>
+    <p:extLst>
+      <p:ext uri="{BB962C8B-B14F-4D97-AF65-F5344CB8AC3E}">
+        <p14:creationId xmlns:p14="http://schemas.microsoft.com/office/powerpoint/2010/main" val="4086527123"/>
       </p:ext>
     </p:extLst>
   </p:cSld>

--- a/defense/presentation.pptx
+++ b/defense/presentation.pptx
@@ -10149,8 +10149,85 @@
               <a:rPr lang="cs-CZ" dirty="0">
                 <a:hlinkClick r:id="rId2"/>
               </a:rPr>
-              <a:t>https://www.geeksforgeeks.org/travelling-salesman-problem-set-1/</a:t>
-            </a:r>
+              <a:t>https://www.geeksforgeeks.org/</a:t>
+            </a:r>
+            <a:r>
+              <a:rPr lang="cs-CZ">
+                <a:hlinkClick r:id="rId2"/>
+              </a:rPr>
+              <a:t>travelling-salesman-problem-set-1/</a:t>
+            </a:r>
+            <a:endParaRPr lang="cs-CZ" dirty="0"/>
+          </a:p>
+          <a:p>
+            <a:pPr>
+              <a:buFont typeface="Arial" panose="020B0604020202020204" pitchFamily="34" charset="0"/>
+              <a:buChar char="•"/>
+            </a:pPr>
+            <a:r>
+              <a:rPr lang="cs-CZ"/>
+              <a:t>Graphviz</a:t>
+            </a:r>
+            <a:r>
+              <a:rPr lang="cs-CZ" dirty="0"/>
+              <a:t> - </a:t>
+            </a:r>
+            <a:r>
+              <a:rPr lang="cs-CZ" dirty="0" err="1"/>
+              <a:t>Graph</a:t>
+            </a:r>
+            <a:r>
+              <a:rPr lang="cs-CZ" dirty="0"/>
+              <a:t> </a:t>
+            </a:r>
+            <a:r>
+              <a:rPr lang="cs-CZ" dirty="0" err="1"/>
+              <a:t>Visualization</a:t>
+            </a:r>
+            <a:r>
+              <a:rPr lang="cs-CZ" dirty="0"/>
+              <a:t> Software. </a:t>
+            </a:r>
+            <a:r>
+              <a:rPr lang="cs-CZ" i="1" dirty="0" err="1"/>
+              <a:t>Graphviz</a:t>
+            </a:r>
+            <a:r>
+              <a:rPr lang="cs-CZ" i="1" dirty="0"/>
+              <a:t> - </a:t>
+            </a:r>
+            <a:r>
+              <a:rPr lang="cs-CZ" i="1" dirty="0" err="1"/>
+              <a:t>Graph</a:t>
+            </a:r>
+            <a:r>
+              <a:rPr lang="cs-CZ" i="1" dirty="0"/>
+              <a:t> </a:t>
+            </a:r>
+            <a:r>
+              <a:rPr lang="cs-CZ" i="1" dirty="0" err="1"/>
+              <a:t>Visualization</a:t>
+            </a:r>
+            <a:r>
+              <a:rPr lang="cs-CZ" i="1" dirty="0"/>
+              <a:t> Software</a:t>
+            </a:r>
+            <a:r>
+              <a:rPr lang="cs-CZ" dirty="0"/>
+              <a:t> [online]. Dostupné z: </a:t>
+            </a:r>
+            <a:r>
+              <a:rPr lang="cs-CZ" dirty="0">
+                <a:hlinkClick r:id="rId3"/>
+              </a:rPr>
+              <a:t>https://www.graphviz.org/</a:t>
+            </a:r>
+            <a:endParaRPr lang="cs-CZ" dirty="0"/>
+          </a:p>
+          <a:p>
+            <a:br>
+              <a:rPr lang="cs-CZ" dirty="0"/>
+            </a:br>
             <a:endParaRPr lang="cs-CZ" dirty="0"/>
           </a:p>
           <a:p>
